--- a/IWOP CSS LECTRUES/IWOP_CSS_2.pptx
+++ b/IWOP CSS LECTRUES/IWOP_CSS_2.pptx
@@ -173,6 +173,3841 @@
 <file path=ppt/changesInfos/changesInfo1.xml><?xml version="1.0" encoding="utf-8"?>
 <pc:chgInfo xmlns:a="http://schemas.openxmlformats.org/drawingml/2006/main" xmlns:r="http://schemas.openxmlformats.org/officeDocument/2006/relationships" xmlns:ac="http://schemas.microsoft.com/office/drawing/2013/main/command" xmlns:pc="http://schemas.microsoft.com/office/powerpoint/2013/main/command">
   <pc:docChgLst>
+    <pc:chgData name="김 재현" userId="e331c24078343b94" providerId="LiveId" clId="{19C9B56C-74E6-4678-B583-1EBFD9EC01EA}"/>
+    <pc:docChg chg="undo redo custSel addSld delSld modSld sldOrd">
+      <pc:chgData name="김 재현" userId="e331c24078343b94" providerId="LiveId" clId="{19C9B56C-74E6-4678-B583-1EBFD9EC01EA}" dt="2020-03-22T09:54:37.049" v="18578" actId="1076"/>
+      <pc:docMkLst>
+        <pc:docMk/>
+      </pc:docMkLst>
+      <pc:sldChg chg="addSp modSp">
+        <pc:chgData name="김 재현" userId="e331c24078343b94" providerId="LiveId" clId="{19C9B56C-74E6-4678-B583-1EBFD9EC01EA}" dt="2020-03-20T16:10:00.654" v="14718" actId="1076"/>
+        <pc:sldMkLst>
+          <pc:docMk/>
+          <pc:sldMk cId="3957649275" sldId="257"/>
+        </pc:sldMkLst>
+        <pc:spChg chg="add mod">
+          <ac:chgData name="김 재현" userId="e331c24078343b94" providerId="LiveId" clId="{19C9B56C-74E6-4678-B583-1EBFD9EC01EA}" dt="2020-03-17T10:54:56.436" v="276"/>
+          <ac:spMkLst>
+            <pc:docMk/>
+            <pc:sldMk cId="3957649275" sldId="257"/>
+            <ac:spMk id="2" creationId="{C1B09AF6-A61C-4173-9E08-C61EBDF428EB}"/>
+          </ac:spMkLst>
+        </pc:spChg>
+        <pc:spChg chg="mod">
+          <ac:chgData name="김 재현" userId="e331c24078343b94" providerId="LiveId" clId="{19C9B56C-74E6-4678-B583-1EBFD9EC01EA}" dt="2020-03-20T16:10:00.654" v="14718" actId="1076"/>
+          <ac:spMkLst>
+            <pc:docMk/>
+            <pc:sldMk cId="3957649275" sldId="257"/>
+            <ac:spMk id="12" creationId="{00000000-0000-0000-0000-000000000000}"/>
+          </ac:spMkLst>
+        </pc:spChg>
+        <pc:spChg chg="mod">
+          <ac:chgData name="김 재현" userId="e331c24078343b94" providerId="LiveId" clId="{19C9B56C-74E6-4678-B583-1EBFD9EC01EA}" dt="2020-03-17T10:49:05.356" v="166" actId="1076"/>
+          <ac:spMkLst>
+            <pc:docMk/>
+            <pc:sldMk cId="3957649275" sldId="257"/>
+            <ac:spMk id="13" creationId="{00000000-0000-0000-0000-000000000000}"/>
+          </ac:spMkLst>
+        </pc:spChg>
+        <pc:spChg chg="mod">
+          <ac:chgData name="김 재현" userId="e331c24078343b94" providerId="LiveId" clId="{19C9B56C-74E6-4678-B583-1EBFD9EC01EA}" dt="2020-03-17T10:49:35.780" v="174" actId="1076"/>
+          <ac:spMkLst>
+            <pc:docMk/>
+            <pc:sldMk cId="3957649275" sldId="257"/>
+            <ac:spMk id="21" creationId="{00000000-0000-0000-0000-000000000000}"/>
+          </ac:spMkLst>
+        </pc:spChg>
+        <pc:grpChg chg="mod">
+          <ac:chgData name="김 재현" userId="e331c24078343b94" providerId="LiveId" clId="{19C9B56C-74E6-4678-B583-1EBFD9EC01EA}" dt="2020-03-17T10:48:50.282" v="163" actId="14100"/>
+          <ac:grpSpMkLst>
+            <pc:docMk/>
+            <pc:sldMk cId="3957649275" sldId="257"/>
+            <ac:grpSpMk id="24" creationId="{00000000-0000-0000-0000-000000000000}"/>
+          </ac:grpSpMkLst>
+        </pc:grpChg>
+      </pc:sldChg>
+      <pc:sldChg chg="addSp delSp modSp add del setBg">
+        <pc:chgData name="김 재현" userId="e331c24078343b94" providerId="LiveId" clId="{19C9B56C-74E6-4678-B583-1EBFD9EC01EA}" dt="2020-03-22T09:54:37.049" v="18578" actId="1076"/>
+        <pc:sldMkLst>
+          <pc:docMk/>
+          <pc:sldMk cId="1846964177" sldId="258"/>
+        </pc:sldMkLst>
+        <pc:spChg chg="mod">
+          <ac:chgData name="김 재현" userId="e331c24078343b94" providerId="LiveId" clId="{19C9B56C-74E6-4678-B583-1EBFD9EC01EA}" dt="2020-03-22T09:50:55.030" v="18360" actId="207"/>
+          <ac:spMkLst>
+            <pc:docMk/>
+            <pc:sldMk cId="1846964177" sldId="258"/>
+            <ac:spMk id="8" creationId="{00000000-0000-0000-0000-000000000000}"/>
+          </ac:spMkLst>
+        </pc:spChg>
+        <pc:spChg chg="mod">
+          <ac:chgData name="김 재현" userId="e331c24078343b94" providerId="LiveId" clId="{19C9B56C-74E6-4678-B583-1EBFD9EC01EA}" dt="2020-03-22T09:51:02.657" v="18364" actId="1076"/>
+          <ac:spMkLst>
+            <pc:docMk/>
+            <pc:sldMk cId="1846964177" sldId="258"/>
+            <ac:spMk id="9" creationId="{00000000-0000-0000-0000-000000000000}"/>
+          </ac:spMkLst>
+        </pc:spChg>
+        <pc:spChg chg="mod">
+          <ac:chgData name="김 재현" userId="e331c24078343b94" providerId="LiveId" clId="{19C9B56C-74E6-4678-B583-1EBFD9EC01EA}" dt="2020-03-22T09:51:10.466" v="18366" actId="1076"/>
+          <ac:spMkLst>
+            <pc:docMk/>
+            <pc:sldMk cId="1846964177" sldId="258"/>
+            <ac:spMk id="10" creationId="{00000000-0000-0000-0000-000000000000}"/>
+          </ac:spMkLst>
+        </pc:spChg>
+        <pc:spChg chg="mod">
+          <ac:chgData name="김 재현" userId="e331c24078343b94" providerId="LiveId" clId="{19C9B56C-74E6-4678-B583-1EBFD9EC01EA}" dt="2020-03-22T09:51:23.825" v="18368" actId="1076"/>
+          <ac:spMkLst>
+            <pc:docMk/>
+            <pc:sldMk cId="1846964177" sldId="258"/>
+            <ac:spMk id="11" creationId="{00000000-0000-0000-0000-000000000000}"/>
+          </ac:spMkLst>
+        </pc:spChg>
+        <pc:spChg chg="mod">
+          <ac:chgData name="김 재현" userId="e331c24078343b94" providerId="LiveId" clId="{19C9B56C-74E6-4678-B583-1EBFD9EC01EA}" dt="2020-03-22T09:51:33.482" v="18370" actId="1076"/>
+          <ac:spMkLst>
+            <pc:docMk/>
+            <pc:sldMk cId="1846964177" sldId="258"/>
+            <ac:spMk id="12" creationId="{00000000-0000-0000-0000-000000000000}"/>
+          </ac:spMkLst>
+        </pc:spChg>
+        <pc:spChg chg="mod">
+          <ac:chgData name="김 재현" userId="e331c24078343b94" providerId="LiveId" clId="{19C9B56C-74E6-4678-B583-1EBFD9EC01EA}" dt="2020-03-22T09:54:37.049" v="18578" actId="1076"/>
+          <ac:spMkLst>
+            <pc:docMk/>
+            <pc:sldMk cId="1846964177" sldId="258"/>
+            <ac:spMk id="20" creationId="{00000000-0000-0000-0000-000000000000}"/>
+          </ac:spMkLst>
+        </pc:spChg>
+        <pc:spChg chg="mod">
+          <ac:chgData name="김 재현" userId="e331c24078343b94" providerId="LiveId" clId="{19C9B56C-74E6-4678-B583-1EBFD9EC01EA}" dt="2020-03-22T09:54:31.778" v="18577" actId="1076"/>
+          <ac:spMkLst>
+            <pc:docMk/>
+            <pc:sldMk cId="1846964177" sldId="258"/>
+            <ac:spMk id="21" creationId="{00000000-0000-0000-0000-000000000000}"/>
+          </ac:spMkLst>
+        </pc:spChg>
+        <pc:spChg chg="add del mod">
+          <ac:chgData name="김 재현" userId="e331c24078343b94" providerId="LiveId" clId="{19C9B56C-74E6-4678-B583-1EBFD9EC01EA}" dt="2020-03-22T09:54:27.625" v="18576" actId="1076"/>
+          <ac:spMkLst>
+            <pc:docMk/>
+            <pc:sldMk cId="1846964177" sldId="258"/>
+            <ac:spMk id="22" creationId="{00000000-0000-0000-0000-000000000000}"/>
+          </ac:spMkLst>
+        </pc:spChg>
+        <pc:spChg chg="mod">
+          <ac:chgData name="김 재현" userId="e331c24078343b94" providerId="LiveId" clId="{19C9B56C-74E6-4678-B583-1EBFD9EC01EA}" dt="2020-03-22T09:54:25.127" v="18575" actId="1076"/>
+          <ac:spMkLst>
+            <pc:docMk/>
+            <pc:sldMk cId="1846964177" sldId="258"/>
+            <ac:spMk id="23" creationId="{00000000-0000-0000-0000-000000000000}"/>
+          </ac:spMkLst>
+        </pc:spChg>
+        <pc:spChg chg="add del mod">
+          <ac:chgData name="김 재현" userId="e331c24078343b94" providerId="LiveId" clId="{19C9B56C-74E6-4678-B583-1EBFD9EC01EA}" dt="2020-03-22T09:54:20.996" v="18574" actId="1076"/>
+          <ac:spMkLst>
+            <pc:docMk/>
+            <pc:sldMk cId="1846964177" sldId="258"/>
+            <ac:spMk id="24" creationId="{00000000-0000-0000-0000-000000000000}"/>
+          </ac:spMkLst>
+        </pc:spChg>
+        <pc:grpChg chg="mod">
+          <ac:chgData name="김 재현" userId="e331c24078343b94" providerId="LiveId" clId="{19C9B56C-74E6-4678-B583-1EBFD9EC01EA}" dt="2020-03-22T09:49:14.207" v="18326" actId="1076"/>
+          <ac:grpSpMkLst>
+            <pc:docMk/>
+            <pc:sldMk cId="1846964177" sldId="258"/>
+            <ac:grpSpMk id="26" creationId="{00000000-0000-0000-0000-000000000000}"/>
+          </ac:grpSpMkLst>
+        </pc:grpChg>
+        <pc:cxnChg chg="mod">
+          <ac:chgData name="김 재현" userId="e331c24078343b94" providerId="LiveId" clId="{19C9B56C-74E6-4678-B583-1EBFD9EC01EA}" dt="2020-03-22T09:50:39.986" v="18355" actId="1076"/>
+          <ac:cxnSpMkLst>
+            <pc:docMk/>
+            <pc:sldMk cId="1846964177" sldId="258"/>
+            <ac:cxnSpMk id="14" creationId="{00000000-0000-0000-0000-000000000000}"/>
+          </ac:cxnSpMkLst>
+        </pc:cxnChg>
+        <pc:cxnChg chg="mod">
+          <ac:chgData name="김 재현" userId="e331c24078343b94" providerId="LiveId" clId="{19C9B56C-74E6-4678-B583-1EBFD9EC01EA}" dt="2020-03-22T09:50:57.850" v="18362" actId="1076"/>
+          <ac:cxnSpMkLst>
+            <pc:docMk/>
+            <pc:sldMk cId="1846964177" sldId="258"/>
+            <ac:cxnSpMk id="15" creationId="{00000000-0000-0000-0000-000000000000}"/>
+          </ac:cxnSpMkLst>
+        </pc:cxnChg>
+        <pc:cxnChg chg="mod">
+          <ac:chgData name="김 재현" userId="e331c24078343b94" providerId="LiveId" clId="{19C9B56C-74E6-4678-B583-1EBFD9EC01EA}" dt="2020-03-22T09:50:39.986" v="18355" actId="1076"/>
+          <ac:cxnSpMkLst>
+            <pc:docMk/>
+            <pc:sldMk cId="1846964177" sldId="258"/>
+            <ac:cxnSpMk id="16" creationId="{00000000-0000-0000-0000-000000000000}"/>
+          </ac:cxnSpMkLst>
+        </pc:cxnChg>
+        <pc:cxnChg chg="mod">
+          <ac:chgData name="김 재현" userId="e331c24078343b94" providerId="LiveId" clId="{19C9B56C-74E6-4678-B583-1EBFD9EC01EA}" dt="2020-03-22T09:50:39.986" v="18355" actId="1076"/>
+          <ac:cxnSpMkLst>
+            <pc:docMk/>
+            <pc:sldMk cId="1846964177" sldId="258"/>
+            <ac:cxnSpMk id="17" creationId="{00000000-0000-0000-0000-000000000000}"/>
+          </ac:cxnSpMkLst>
+        </pc:cxnChg>
+        <pc:cxnChg chg="mod">
+          <ac:chgData name="김 재현" userId="e331c24078343b94" providerId="LiveId" clId="{19C9B56C-74E6-4678-B583-1EBFD9EC01EA}" dt="2020-03-22T09:50:39.986" v="18355" actId="1076"/>
+          <ac:cxnSpMkLst>
+            <pc:docMk/>
+            <pc:sldMk cId="1846964177" sldId="258"/>
+            <ac:cxnSpMk id="18" creationId="{00000000-0000-0000-0000-000000000000}"/>
+          </ac:cxnSpMkLst>
+        </pc:cxnChg>
+        <pc:cxnChg chg="mod">
+          <ac:chgData name="김 재현" userId="e331c24078343b94" providerId="LiveId" clId="{19C9B56C-74E6-4678-B583-1EBFD9EC01EA}" dt="2020-03-22T09:50:39.986" v="18355" actId="1076"/>
+          <ac:cxnSpMkLst>
+            <pc:docMk/>
+            <pc:sldMk cId="1846964177" sldId="258"/>
+            <ac:cxnSpMk id="19" creationId="{00000000-0000-0000-0000-000000000000}"/>
+          </ac:cxnSpMkLst>
+        </pc:cxnChg>
+      </pc:sldChg>
+      <pc:sldChg chg="addSp modSp del">
+        <pc:chgData name="김 재현" userId="e331c24078343b94" providerId="LiveId" clId="{19C9B56C-74E6-4678-B583-1EBFD9EC01EA}" dt="2020-03-17T11:38:49.659" v="1128" actId="2696"/>
+        <pc:sldMkLst>
+          <pc:docMk/>
+          <pc:sldMk cId="4290185744" sldId="259"/>
+        </pc:sldMkLst>
+        <pc:spChg chg="mod">
+          <ac:chgData name="김 재현" userId="e331c24078343b94" providerId="LiveId" clId="{19C9B56C-74E6-4678-B583-1EBFD9EC01EA}" dt="2020-03-17T11:30:04.159" v="1083" actId="207"/>
+          <ac:spMkLst>
+            <pc:docMk/>
+            <pc:sldMk cId="4290185744" sldId="259"/>
+            <ac:spMk id="25" creationId="{00000000-0000-0000-0000-000000000000}"/>
+          </ac:spMkLst>
+        </pc:spChg>
+        <pc:spChg chg="mod">
+          <ac:chgData name="김 재현" userId="e331c24078343b94" providerId="LiveId" clId="{19C9B56C-74E6-4678-B583-1EBFD9EC01EA}" dt="2020-03-17T11:13:12.962" v="1079" actId="1076"/>
+          <ac:spMkLst>
+            <pc:docMk/>
+            <pc:sldMk cId="4290185744" sldId="259"/>
+            <ac:spMk id="26" creationId="{00000000-0000-0000-0000-000000000000}"/>
+          </ac:spMkLst>
+        </pc:spChg>
+        <pc:spChg chg="mod">
+          <ac:chgData name="김 재현" userId="e331c24078343b94" providerId="LiveId" clId="{19C9B56C-74E6-4678-B583-1EBFD9EC01EA}" dt="2020-03-17T11:13:18.395" v="1080" actId="1076"/>
+          <ac:spMkLst>
+            <pc:docMk/>
+            <pc:sldMk cId="4290185744" sldId="259"/>
+            <ac:spMk id="27" creationId="{00000000-0000-0000-0000-000000000000}"/>
+          </ac:spMkLst>
+        </pc:spChg>
+        <pc:spChg chg="mod">
+          <ac:chgData name="김 재현" userId="e331c24078343b94" providerId="LiveId" clId="{19C9B56C-74E6-4678-B583-1EBFD9EC01EA}" dt="2020-03-17T11:13:26.242" v="1081" actId="1076"/>
+          <ac:spMkLst>
+            <pc:docMk/>
+            <pc:sldMk cId="4290185744" sldId="259"/>
+            <ac:spMk id="28" creationId="{00000000-0000-0000-0000-000000000000}"/>
+          </ac:spMkLst>
+        </pc:spChg>
+        <pc:spChg chg="mod">
+          <ac:chgData name="김 재현" userId="e331c24078343b94" providerId="LiveId" clId="{19C9B56C-74E6-4678-B583-1EBFD9EC01EA}" dt="2020-03-17T11:13:31.834" v="1082" actId="1076"/>
+          <ac:spMkLst>
+            <pc:docMk/>
+            <pc:sldMk cId="4290185744" sldId="259"/>
+            <ac:spMk id="29" creationId="{00000000-0000-0000-0000-000000000000}"/>
+          </ac:spMkLst>
+        </pc:spChg>
+        <pc:grpChg chg="mod">
+          <ac:chgData name="김 재현" userId="e331c24078343b94" providerId="LiveId" clId="{19C9B56C-74E6-4678-B583-1EBFD9EC01EA}" dt="2020-03-17T10:57:31.316" v="302" actId="1076"/>
+          <ac:grpSpMkLst>
+            <pc:docMk/>
+            <pc:sldMk cId="4290185744" sldId="259"/>
+            <ac:grpSpMk id="19" creationId="{00000000-0000-0000-0000-000000000000}"/>
+          </ac:grpSpMkLst>
+        </pc:grpChg>
+        <pc:grpChg chg="add mod">
+          <ac:chgData name="김 재현" userId="e331c24078343b94" providerId="LiveId" clId="{19C9B56C-74E6-4678-B583-1EBFD9EC01EA}" dt="2020-03-17T10:57:27.776" v="301" actId="571"/>
+          <ac:grpSpMkLst>
+            <pc:docMk/>
+            <pc:sldMk cId="4290185744" sldId="259"/>
+            <ac:grpSpMk id="36" creationId="{D03B14B4-A129-45AA-9CAB-5BFF33EEC656}"/>
+          </ac:grpSpMkLst>
+        </pc:grpChg>
+        <pc:cxnChg chg="mod">
+          <ac:chgData name="김 재현" userId="e331c24078343b94" providerId="LiveId" clId="{19C9B56C-74E6-4678-B583-1EBFD9EC01EA}" dt="2020-03-17T10:57:31.316" v="302" actId="1076"/>
+          <ac:cxnSpMkLst>
+            <pc:docMk/>
+            <pc:sldMk cId="4290185744" sldId="259"/>
+            <ac:cxnSpMk id="15" creationId="{00000000-0000-0000-0000-000000000000}"/>
+          </ac:cxnSpMkLst>
+        </pc:cxnChg>
+        <pc:cxnChg chg="mod">
+          <ac:chgData name="김 재현" userId="e331c24078343b94" providerId="LiveId" clId="{19C9B56C-74E6-4678-B583-1EBFD9EC01EA}" dt="2020-03-17T10:57:36.180" v="303" actId="1076"/>
+          <ac:cxnSpMkLst>
+            <pc:docMk/>
+            <pc:sldMk cId="4290185744" sldId="259"/>
+            <ac:cxnSpMk id="16" creationId="{00000000-0000-0000-0000-000000000000}"/>
+          </ac:cxnSpMkLst>
+        </pc:cxnChg>
+        <pc:cxnChg chg="mod">
+          <ac:chgData name="김 재현" userId="e331c24078343b94" providerId="LiveId" clId="{19C9B56C-74E6-4678-B583-1EBFD9EC01EA}" dt="2020-03-17T10:57:40.444" v="304" actId="1076"/>
+          <ac:cxnSpMkLst>
+            <pc:docMk/>
+            <pc:sldMk cId="4290185744" sldId="259"/>
+            <ac:cxnSpMk id="17" creationId="{00000000-0000-0000-0000-000000000000}"/>
+          </ac:cxnSpMkLst>
+        </pc:cxnChg>
+        <pc:cxnChg chg="mod">
+          <ac:chgData name="김 재현" userId="e331c24078343b94" providerId="LiveId" clId="{19C9B56C-74E6-4678-B583-1EBFD9EC01EA}" dt="2020-03-17T10:57:45.508" v="305" actId="1076"/>
+          <ac:cxnSpMkLst>
+            <pc:docMk/>
+            <pc:sldMk cId="4290185744" sldId="259"/>
+            <ac:cxnSpMk id="18" creationId="{00000000-0000-0000-0000-000000000000}"/>
+          </ac:cxnSpMkLst>
+        </pc:cxnChg>
+        <pc:cxnChg chg="mod">
+          <ac:chgData name="김 재현" userId="e331c24078343b94" providerId="LiveId" clId="{19C9B56C-74E6-4678-B583-1EBFD9EC01EA}" dt="2020-03-17T10:57:47.739" v="306" actId="1076"/>
+          <ac:cxnSpMkLst>
+            <pc:docMk/>
+            <pc:sldMk cId="4290185744" sldId="259"/>
+            <ac:cxnSpMk id="21" creationId="{00000000-0000-0000-0000-000000000000}"/>
+          </ac:cxnSpMkLst>
+        </pc:cxnChg>
+        <pc:cxnChg chg="mod">
+          <ac:chgData name="김 재현" userId="e331c24078343b94" providerId="LiveId" clId="{19C9B56C-74E6-4678-B583-1EBFD9EC01EA}" dt="2020-03-17T10:57:59.076" v="308" actId="1076"/>
+          <ac:cxnSpMkLst>
+            <pc:docMk/>
+            <pc:sldMk cId="4290185744" sldId="259"/>
+            <ac:cxnSpMk id="24" creationId="{00000000-0000-0000-0000-000000000000}"/>
+          </ac:cxnSpMkLst>
+        </pc:cxnChg>
+        <pc:cxnChg chg="add mod">
+          <ac:chgData name="김 재현" userId="e331c24078343b94" providerId="LiveId" clId="{19C9B56C-74E6-4678-B583-1EBFD9EC01EA}" dt="2020-03-17T10:57:27.776" v="301" actId="571"/>
+          <ac:cxnSpMkLst>
+            <pc:docMk/>
+            <pc:sldMk cId="4290185744" sldId="259"/>
+            <ac:cxnSpMk id="30" creationId="{C7C37232-C748-4E68-979F-5E97E2711872}"/>
+          </ac:cxnSpMkLst>
+        </pc:cxnChg>
+        <pc:cxnChg chg="add mod">
+          <ac:chgData name="김 재현" userId="e331c24078343b94" providerId="LiveId" clId="{19C9B56C-74E6-4678-B583-1EBFD9EC01EA}" dt="2020-03-17T10:57:27.776" v="301" actId="571"/>
+          <ac:cxnSpMkLst>
+            <pc:docMk/>
+            <pc:sldMk cId="4290185744" sldId="259"/>
+            <ac:cxnSpMk id="31" creationId="{B14A7C13-63CC-4BCB-B01F-836C3A434813}"/>
+          </ac:cxnSpMkLst>
+        </pc:cxnChg>
+        <pc:cxnChg chg="add mod">
+          <ac:chgData name="김 재현" userId="e331c24078343b94" providerId="LiveId" clId="{19C9B56C-74E6-4678-B583-1EBFD9EC01EA}" dt="2020-03-17T10:57:27.776" v="301" actId="571"/>
+          <ac:cxnSpMkLst>
+            <pc:docMk/>
+            <pc:sldMk cId="4290185744" sldId="259"/>
+            <ac:cxnSpMk id="32" creationId="{09A02EA3-B812-4D08-BB49-E42E34995BDF}"/>
+          </ac:cxnSpMkLst>
+        </pc:cxnChg>
+        <pc:cxnChg chg="add mod">
+          <ac:chgData name="김 재현" userId="e331c24078343b94" providerId="LiveId" clId="{19C9B56C-74E6-4678-B583-1EBFD9EC01EA}" dt="2020-03-17T10:57:27.776" v="301" actId="571"/>
+          <ac:cxnSpMkLst>
+            <pc:docMk/>
+            <pc:sldMk cId="4290185744" sldId="259"/>
+            <ac:cxnSpMk id="33" creationId="{0FB4DE59-309D-4396-AC21-D3FC3B4C082A}"/>
+          </ac:cxnSpMkLst>
+        </pc:cxnChg>
+        <pc:cxnChg chg="add mod">
+          <ac:chgData name="김 재현" userId="e331c24078343b94" providerId="LiveId" clId="{19C9B56C-74E6-4678-B583-1EBFD9EC01EA}" dt="2020-03-17T10:57:27.776" v="301" actId="571"/>
+          <ac:cxnSpMkLst>
+            <pc:docMk/>
+            <pc:sldMk cId="4290185744" sldId="259"/>
+            <ac:cxnSpMk id="34" creationId="{A13F5720-19D0-4F36-A9F8-BE2364AE8A50}"/>
+          </ac:cxnSpMkLst>
+        </pc:cxnChg>
+        <pc:cxnChg chg="add mod">
+          <ac:chgData name="김 재현" userId="e331c24078343b94" providerId="LiveId" clId="{19C9B56C-74E6-4678-B583-1EBFD9EC01EA}" dt="2020-03-17T10:57:27.776" v="301" actId="571"/>
+          <ac:cxnSpMkLst>
+            <pc:docMk/>
+            <pc:sldMk cId="4290185744" sldId="259"/>
+            <ac:cxnSpMk id="35" creationId="{4AC5B735-2EB4-488E-90A8-80495F3F0B7C}"/>
+          </ac:cxnSpMkLst>
+        </pc:cxnChg>
+      </pc:sldChg>
+      <pc:sldChg chg="addSp delSp modSp modNotesTx">
+        <pc:chgData name="김 재현" userId="e331c24078343b94" providerId="LiveId" clId="{19C9B56C-74E6-4678-B583-1EBFD9EC01EA}" dt="2020-03-17T15:32:47.558" v="1975" actId="1037"/>
+        <pc:sldMkLst>
+          <pc:docMk/>
+          <pc:sldMk cId="362029914" sldId="260"/>
+        </pc:sldMkLst>
+        <pc:spChg chg="mod">
+          <ac:chgData name="김 재현" userId="e331c24078343b94" providerId="LiveId" clId="{19C9B56C-74E6-4678-B583-1EBFD9EC01EA}" dt="2020-03-17T11:40:54.194" v="1147" actId="207"/>
+          <ac:spMkLst>
+            <pc:docMk/>
+            <pc:sldMk cId="362029914" sldId="260"/>
+            <ac:spMk id="4" creationId="{00000000-0000-0000-0000-000000000000}"/>
+          </ac:spMkLst>
+        </pc:spChg>
+        <pc:spChg chg="add mod">
+          <ac:chgData name="김 재현" userId="e331c24078343b94" providerId="LiveId" clId="{19C9B56C-74E6-4678-B583-1EBFD9EC01EA}" dt="2020-03-17T15:27:31.410" v="1549" actId="1076"/>
+          <ac:spMkLst>
+            <pc:docMk/>
+            <pc:sldMk cId="362029914" sldId="260"/>
+            <ac:spMk id="5" creationId="{6685E845-6D86-4F91-A572-B6397EFAE014}"/>
+          </ac:spMkLst>
+        </pc:spChg>
+        <pc:spChg chg="add del">
+          <ac:chgData name="김 재현" userId="e331c24078343b94" providerId="LiveId" clId="{19C9B56C-74E6-4678-B583-1EBFD9EC01EA}" dt="2020-03-17T11:37:27.280" v="1113"/>
+          <ac:spMkLst>
+            <pc:docMk/>
+            <pc:sldMk cId="362029914" sldId="260"/>
+            <ac:spMk id="12" creationId="{E0DB7339-5452-4AA9-B1E6-07D4A0BF503D}"/>
+          </ac:spMkLst>
+        </pc:spChg>
+        <pc:spChg chg="mod">
+          <ac:chgData name="김 재현" userId="e331c24078343b94" providerId="LiveId" clId="{19C9B56C-74E6-4678-B583-1EBFD9EC01EA}" dt="2020-03-17T11:08:22.259" v="575" actId="1076"/>
+          <ac:spMkLst>
+            <pc:docMk/>
+            <pc:sldMk cId="362029914" sldId="260"/>
+            <ac:spMk id="14" creationId="{00000000-0000-0000-0000-000000000000}"/>
+          </ac:spMkLst>
+        </pc:spChg>
+        <pc:spChg chg="mod">
+          <ac:chgData name="김 재현" userId="e331c24078343b94" providerId="LiveId" clId="{19C9B56C-74E6-4678-B583-1EBFD9EC01EA}" dt="2020-03-17T11:08:22.259" v="575" actId="1076"/>
+          <ac:spMkLst>
+            <pc:docMk/>
+            <pc:sldMk cId="362029914" sldId="260"/>
+            <ac:spMk id="15" creationId="{00000000-0000-0000-0000-000000000000}"/>
+          </ac:spMkLst>
+        </pc:spChg>
+        <pc:spChg chg="mod">
+          <ac:chgData name="김 재현" userId="e331c24078343b94" providerId="LiveId" clId="{19C9B56C-74E6-4678-B583-1EBFD9EC01EA}" dt="2020-03-17T11:08:22.259" v="575" actId="1076"/>
+          <ac:spMkLst>
+            <pc:docMk/>
+            <pc:sldMk cId="362029914" sldId="260"/>
+            <ac:spMk id="16" creationId="{00000000-0000-0000-0000-000000000000}"/>
+          </ac:spMkLst>
+        </pc:spChg>
+        <pc:spChg chg="mod">
+          <ac:chgData name="김 재현" userId="e331c24078343b94" providerId="LiveId" clId="{19C9B56C-74E6-4678-B583-1EBFD9EC01EA}" dt="2020-03-17T11:30:22.336" v="1085" actId="255"/>
+          <ac:spMkLst>
+            <pc:docMk/>
+            <pc:sldMk cId="362029914" sldId="260"/>
+            <ac:spMk id="17" creationId="{00000000-0000-0000-0000-000000000000}"/>
+          </ac:spMkLst>
+        </pc:spChg>
+        <pc:spChg chg="add mod">
+          <ac:chgData name="김 재현" userId="e331c24078343b94" providerId="LiveId" clId="{19C9B56C-74E6-4678-B583-1EBFD9EC01EA}" dt="2020-03-17T15:22:45.957" v="1295" actId="2711"/>
+          <ac:spMkLst>
+            <pc:docMk/>
+            <pc:sldMk cId="362029914" sldId="260"/>
+            <ac:spMk id="19" creationId="{F3DD76FB-EABD-4D35-A04F-233C454D3994}"/>
+          </ac:spMkLst>
+        </pc:spChg>
+        <pc:spChg chg="mod">
+          <ac:chgData name="김 재현" userId="e331c24078343b94" providerId="LiveId" clId="{19C9B56C-74E6-4678-B583-1EBFD9EC01EA}" dt="2020-03-17T11:30:22.336" v="1085" actId="255"/>
+          <ac:spMkLst>
+            <pc:docMk/>
+            <pc:sldMk cId="362029914" sldId="260"/>
+            <ac:spMk id="23" creationId="{00000000-0000-0000-0000-000000000000}"/>
+          </ac:spMkLst>
+        </pc:spChg>
+        <pc:spChg chg="mod">
+          <ac:chgData name="김 재현" userId="e331c24078343b94" providerId="LiveId" clId="{19C9B56C-74E6-4678-B583-1EBFD9EC01EA}" dt="2020-03-17T11:30:22.336" v="1085" actId="255"/>
+          <ac:spMkLst>
+            <pc:docMk/>
+            <pc:sldMk cId="362029914" sldId="260"/>
+            <ac:spMk id="24" creationId="{00000000-0000-0000-0000-000000000000}"/>
+          </ac:spMkLst>
+        </pc:spChg>
+        <pc:spChg chg="mod">
+          <ac:chgData name="김 재현" userId="e331c24078343b94" providerId="LiveId" clId="{19C9B56C-74E6-4678-B583-1EBFD9EC01EA}" dt="2020-03-17T11:30:22.336" v="1085" actId="255"/>
+          <ac:spMkLst>
+            <pc:docMk/>
+            <pc:sldMk cId="362029914" sldId="260"/>
+            <ac:spMk id="25" creationId="{00000000-0000-0000-0000-000000000000}"/>
+          </ac:spMkLst>
+        </pc:spChg>
+        <pc:spChg chg="mod">
+          <ac:chgData name="김 재현" userId="e331c24078343b94" providerId="LiveId" clId="{19C9B56C-74E6-4678-B583-1EBFD9EC01EA}" dt="2020-03-17T11:30:22.336" v="1085" actId="255"/>
+          <ac:spMkLst>
+            <pc:docMk/>
+            <pc:sldMk cId="362029914" sldId="260"/>
+            <ac:spMk id="26" creationId="{00000000-0000-0000-0000-000000000000}"/>
+          </ac:spMkLst>
+        </pc:spChg>
+        <pc:spChg chg="add mod">
+          <ac:chgData name="김 재현" userId="e331c24078343b94" providerId="LiveId" clId="{19C9B56C-74E6-4678-B583-1EBFD9EC01EA}" dt="2020-03-17T15:32:47.558" v="1975" actId="1037"/>
+          <ac:spMkLst>
+            <pc:docMk/>
+            <pc:sldMk cId="362029914" sldId="260"/>
+            <ac:spMk id="28" creationId="{1FDF55E8-20BF-4898-AB45-AE16437DC077}"/>
+          </ac:spMkLst>
+        </pc:spChg>
+        <pc:picChg chg="add del mod">
+          <ac:chgData name="김 재현" userId="e331c24078343b94" providerId="LiveId" clId="{19C9B56C-74E6-4678-B583-1EBFD9EC01EA}" dt="2020-03-17T15:26:28.185" v="1531" actId="478"/>
+          <ac:picMkLst>
+            <pc:docMk/>
+            <pc:sldMk cId="362029914" sldId="260"/>
+            <ac:picMk id="3" creationId="{F114CDD5-48BE-4625-A0D4-889B8B7620DA}"/>
+          </ac:picMkLst>
+        </pc:picChg>
+        <pc:picChg chg="add mod ord">
+          <ac:chgData name="김 재현" userId="e331c24078343b94" providerId="LiveId" clId="{19C9B56C-74E6-4678-B583-1EBFD9EC01EA}" dt="2020-03-17T15:26:47.017" v="1540" actId="1076"/>
+          <ac:picMkLst>
+            <pc:docMk/>
+            <pc:sldMk cId="362029914" sldId="260"/>
+            <ac:picMk id="21" creationId="{BA8E4CD2-35A9-4E76-AAE1-3024FF0685AB}"/>
+          </ac:picMkLst>
+        </pc:picChg>
+        <pc:cxnChg chg="add del mod">
+          <ac:chgData name="김 재현" userId="e331c24078343b94" providerId="LiveId" clId="{19C9B56C-74E6-4678-B583-1EBFD9EC01EA}" dt="2020-03-17T15:19:47.815" v="1230" actId="11529"/>
+          <ac:cxnSpMkLst>
+            <pc:docMk/>
+            <pc:sldMk cId="362029914" sldId="260"/>
+            <ac:cxnSpMk id="7" creationId="{A5782F03-DC8E-4580-A6E7-70ECFF5FB9D5}"/>
+          </ac:cxnSpMkLst>
+        </pc:cxnChg>
+        <pc:cxnChg chg="add del mod">
+          <ac:chgData name="김 재현" userId="e331c24078343b94" providerId="LiveId" clId="{19C9B56C-74E6-4678-B583-1EBFD9EC01EA}" dt="2020-03-17T15:19:55.096" v="1232" actId="11529"/>
+          <ac:cxnSpMkLst>
+            <pc:docMk/>
+            <pc:sldMk cId="362029914" sldId="260"/>
+            <ac:cxnSpMk id="9" creationId="{677AD31B-5CF6-4428-97EB-92203DB7164F}"/>
+          </ac:cxnSpMkLst>
+        </pc:cxnChg>
+        <pc:cxnChg chg="add del mod">
+          <ac:chgData name="김 재현" userId="e331c24078343b94" providerId="LiveId" clId="{19C9B56C-74E6-4678-B583-1EBFD9EC01EA}" dt="2020-03-17T15:19:57.999" v="1234" actId="11529"/>
+          <ac:cxnSpMkLst>
+            <pc:docMk/>
+            <pc:sldMk cId="362029914" sldId="260"/>
+            <ac:cxnSpMk id="12" creationId="{4D755103-4082-4273-B4A3-2A3E7FD0E352}"/>
+          </ac:cxnSpMkLst>
+        </pc:cxnChg>
+        <pc:cxnChg chg="add mod">
+          <ac:chgData name="김 재현" userId="e331c24078343b94" providerId="LiveId" clId="{19C9B56C-74E6-4678-B583-1EBFD9EC01EA}" dt="2020-03-17T15:26:58.522" v="1544" actId="14100"/>
+          <ac:cxnSpMkLst>
+            <pc:docMk/>
+            <pc:sldMk cId="362029914" sldId="260"/>
+            <ac:cxnSpMk id="18" creationId="{89C848C6-6FDC-4D22-8AC0-8053449136C2}"/>
+          </ac:cxnSpMkLst>
+        </pc:cxnChg>
+      </pc:sldChg>
+      <pc:sldChg chg="addSp delSp modSp ord modNotesTx">
+        <pc:chgData name="김 재현" userId="e331c24078343b94" providerId="LiveId" clId="{19C9B56C-74E6-4678-B583-1EBFD9EC01EA}" dt="2020-03-17T13:57:01.402" v="1215" actId="20577"/>
+        <pc:sldMkLst>
+          <pc:docMk/>
+          <pc:sldMk cId="4178664146" sldId="261"/>
+        </pc:sldMkLst>
+        <pc:spChg chg="add del mod">
+          <ac:chgData name="김 재현" userId="e331c24078343b94" providerId="LiveId" clId="{19C9B56C-74E6-4678-B583-1EBFD9EC01EA}" dt="2020-03-17T11:01:18.633" v="347"/>
+          <ac:spMkLst>
+            <pc:docMk/>
+            <pc:sldMk cId="4178664146" sldId="261"/>
+            <ac:spMk id="2" creationId="{CE595A04-90F2-4C0B-961A-892C6C02434C}"/>
+          </ac:spMkLst>
+        </pc:spChg>
+        <pc:spChg chg="mod">
+          <ac:chgData name="김 재현" userId="e331c24078343b94" providerId="LiveId" clId="{19C9B56C-74E6-4678-B583-1EBFD9EC01EA}" dt="2020-03-17T11:00:06.819" v="343" actId="14100"/>
+          <ac:spMkLst>
+            <pc:docMk/>
+            <pc:sldMk cId="4178664146" sldId="261"/>
+            <ac:spMk id="4" creationId="{00000000-0000-0000-0000-000000000000}"/>
+          </ac:spMkLst>
+        </pc:spChg>
+        <pc:spChg chg="mod">
+          <ac:chgData name="김 재현" userId="e331c24078343b94" providerId="LiveId" clId="{19C9B56C-74E6-4678-B583-1EBFD9EC01EA}" dt="2020-03-17T11:00:24.916" v="344" actId="1076"/>
+          <ac:spMkLst>
+            <pc:docMk/>
+            <pc:sldMk cId="4178664146" sldId="261"/>
+            <ac:spMk id="14" creationId="{00000000-0000-0000-0000-000000000000}"/>
+          </ac:spMkLst>
+        </pc:spChg>
+        <pc:spChg chg="mod">
+          <ac:chgData name="김 재현" userId="e331c24078343b94" providerId="LiveId" clId="{19C9B56C-74E6-4678-B583-1EBFD9EC01EA}" dt="2020-03-17T11:00:24.916" v="344" actId="1076"/>
+          <ac:spMkLst>
+            <pc:docMk/>
+            <pc:sldMk cId="4178664146" sldId="261"/>
+            <ac:spMk id="15" creationId="{00000000-0000-0000-0000-000000000000}"/>
+          </ac:spMkLst>
+        </pc:spChg>
+        <pc:spChg chg="mod">
+          <ac:chgData name="김 재현" userId="e331c24078343b94" providerId="LiveId" clId="{19C9B56C-74E6-4678-B583-1EBFD9EC01EA}" dt="2020-03-17T11:00:24.916" v="344" actId="1076"/>
+          <ac:spMkLst>
+            <pc:docMk/>
+            <pc:sldMk cId="4178664146" sldId="261"/>
+            <ac:spMk id="16" creationId="{00000000-0000-0000-0000-000000000000}"/>
+          </ac:spMkLst>
+        </pc:spChg>
+        <pc:spChg chg="del">
+          <ac:chgData name="김 재현" userId="e331c24078343b94" providerId="LiveId" clId="{19C9B56C-74E6-4678-B583-1EBFD9EC01EA}" dt="2020-03-17T11:08:05.177" v="573" actId="478"/>
+          <ac:spMkLst>
+            <pc:docMk/>
+            <pc:sldMk cId="4178664146" sldId="261"/>
+            <ac:spMk id="17" creationId="{00000000-0000-0000-0000-000000000000}"/>
+          </ac:spMkLst>
+        </pc:spChg>
+        <pc:spChg chg="del">
+          <ac:chgData name="김 재현" userId="e331c24078343b94" providerId="LiveId" clId="{19C9B56C-74E6-4678-B583-1EBFD9EC01EA}" dt="2020-03-17T11:08:05.177" v="573" actId="478"/>
+          <ac:spMkLst>
+            <pc:docMk/>
+            <pc:sldMk cId="4178664146" sldId="261"/>
+            <ac:spMk id="23" creationId="{00000000-0000-0000-0000-000000000000}"/>
+          </ac:spMkLst>
+        </pc:spChg>
+        <pc:spChg chg="del">
+          <ac:chgData name="김 재현" userId="e331c24078343b94" providerId="LiveId" clId="{19C9B56C-74E6-4678-B583-1EBFD9EC01EA}" dt="2020-03-17T11:08:05.177" v="573" actId="478"/>
+          <ac:spMkLst>
+            <pc:docMk/>
+            <pc:sldMk cId="4178664146" sldId="261"/>
+            <ac:spMk id="24" creationId="{00000000-0000-0000-0000-000000000000}"/>
+          </ac:spMkLst>
+        </pc:spChg>
+        <pc:spChg chg="del">
+          <ac:chgData name="김 재현" userId="e331c24078343b94" providerId="LiveId" clId="{19C9B56C-74E6-4678-B583-1EBFD9EC01EA}" dt="2020-03-17T11:08:05.177" v="573" actId="478"/>
+          <ac:spMkLst>
+            <pc:docMk/>
+            <pc:sldMk cId="4178664146" sldId="261"/>
+            <ac:spMk id="25" creationId="{00000000-0000-0000-0000-000000000000}"/>
+          </ac:spMkLst>
+        </pc:spChg>
+        <pc:spChg chg="del">
+          <ac:chgData name="김 재현" userId="e331c24078343b94" providerId="LiveId" clId="{19C9B56C-74E6-4678-B583-1EBFD9EC01EA}" dt="2020-03-17T11:08:05.177" v="573" actId="478"/>
+          <ac:spMkLst>
+            <pc:docMk/>
+            <pc:sldMk cId="4178664146" sldId="261"/>
+            <ac:spMk id="26" creationId="{00000000-0000-0000-0000-000000000000}"/>
+          </ac:spMkLst>
+        </pc:spChg>
+        <pc:picChg chg="add mod">
+          <ac:chgData name="김 재현" userId="e331c24078343b94" providerId="LiveId" clId="{19C9B56C-74E6-4678-B583-1EBFD9EC01EA}" dt="2020-03-17T11:06:33.770" v="359" actId="14100"/>
+          <ac:picMkLst>
+            <pc:docMk/>
+            <pc:sldMk cId="4178664146" sldId="261"/>
+            <ac:picMk id="3" creationId="{335DEEA7-A274-4BDA-8AD7-44EFBAADE6DA}"/>
+          </ac:picMkLst>
+        </pc:picChg>
+      </pc:sldChg>
+      <pc:sldChg chg="modSp">
+        <pc:chgData name="김 재현" userId="e331c24078343b94" providerId="LiveId" clId="{19C9B56C-74E6-4678-B583-1EBFD9EC01EA}" dt="2020-03-17T11:40:27.346" v="1146" actId="255"/>
+        <pc:sldMkLst>
+          <pc:docMk/>
+          <pc:sldMk cId="3829077549" sldId="267"/>
+        </pc:sldMkLst>
+        <pc:spChg chg="mod">
+          <ac:chgData name="김 재현" userId="e331c24078343b94" providerId="LiveId" clId="{19C9B56C-74E6-4678-B583-1EBFD9EC01EA}" dt="2020-03-17T11:40:20.576" v="1145" actId="1076"/>
+          <ac:spMkLst>
+            <pc:docMk/>
+            <pc:sldMk cId="3829077549" sldId="267"/>
+            <ac:spMk id="13" creationId="{00000000-0000-0000-0000-000000000000}"/>
+          </ac:spMkLst>
+        </pc:spChg>
+        <pc:spChg chg="mod">
+          <ac:chgData name="김 재현" userId="e331c24078343b94" providerId="LiveId" clId="{19C9B56C-74E6-4678-B583-1EBFD9EC01EA}" dt="2020-03-17T11:40:27.346" v="1146" actId="255"/>
+          <ac:spMkLst>
+            <pc:docMk/>
+            <pc:sldMk cId="3829077549" sldId="267"/>
+            <ac:spMk id="82" creationId="{00000000-0000-0000-0000-000000000000}"/>
+          </ac:spMkLst>
+        </pc:spChg>
+        <pc:grpChg chg="mod">
+          <ac:chgData name="김 재현" userId="e331c24078343b94" providerId="LiveId" clId="{19C9B56C-74E6-4678-B583-1EBFD9EC01EA}" dt="2020-03-17T11:40:20.576" v="1145" actId="1076"/>
+          <ac:grpSpMkLst>
+            <pc:docMk/>
+            <pc:sldMk cId="3829077549" sldId="267"/>
+            <ac:grpSpMk id="14" creationId="{00000000-0000-0000-0000-000000000000}"/>
+          </ac:grpSpMkLst>
+        </pc:grpChg>
+      </pc:sldChg>
+      <pc:sldChg chg="add del">
+        <pc:chgData name="김 재현" userId="e331c24078343b94" providerId="LiveId" clId="{19C9B56C-74E6-4678-B583-1EBFD9EC01EA}" dt="2020-03-17T10:55:46.303" v="280"/>
+        <pc:sldMkLst>
+          <pc:docMk/>
+          <pc:sldMk cId="1046903494" sldId="268"/>
+        </pc:sldMkLst>
+      </pc:sldChg>
+      <pc:sldChg chg="add del">
+        <pc:chgData name="김 재현" userId="e331c24078343b94" providerId="LiveId" clId="{19C9B56C-74E6-4678-B583-1EBFD9EC01EA}" dt="2020-03-17T11:30:54.283" v="1087" actId="2696"/>
+        <pc:sldMkLst>
+          <pc:docMk/>
+          <pc:sldMk cId="1444919124" sldId="268"/>
+        </pc:sldMkLst>
+      </pc:sldChg>
+      <pc:sldChg chg="add del">
+        <pc:chgData name="김 재현" userId="e331c24078343b94" providerId="LiveId" clId="{19C9B56C-74E6-4678-B583-1EBFD9EC01EA}" dt="2020-03-17T10:55:49.704" v="282"/>
+        <pc:sldMkLst>
+          <pc:docMk/>
+          <pc:sldMk cId="3537088451" sldId="268"/>
+        </pc:sldMkLst>
+      </pc:sldChg>
+      <pc:sldChg chg="modSp add del ord">
+        <pc:chgData name="김 재현" userId="e331c24078343b94" providerId="LiveId" clId="{19C9B56C-74E6-4678-B583-1EBFD9EC01EA}" dt="2020-03-17T11:38:49.661" v="1129" actId="2696"/>
+        <pc:sldMkLst>
+          <pc:docMk/>
+          <pc:sldMk cId="3726497635" sldId="268"/>
+        </pc:sldMkLst>
+        <pc:spChg chg="mod">
+          <ac:chgData name="김 재현" userId="e331c24078343b94" providerId="LiveId" clId="{19C9B56C-74E6-4678-B583-1EBFD9EC01EA}" dt="2020-03-17T11:36:06.180" v="1099" actId="255"/>
+          <ac:spMkLst>
+            <pc:docMk/>
+            <pc:sldMk cId="3726497635" sldId="268"/>
+            <ac:spMk id="23" creationId="{00000000-0000-0000-0000-000000000000}"/>
+          </ac:spMkLst>
+        </pc:spChg>
+        <pc:spChg chg="mod">
+          <ac:chgData name="김 재현" userId="e331c24078343b94" providerId="LiveId" clId="{19C9B56C-74E6-4678-B583-1EBFD9EC01EA}" dt="2020-03-17T11:36:40.705" v="1106" actId="1076"/>
+          <ac:spMkLst>
+            <pc:docMk/>
+            <pc:sldMk cId="3726497635" sldId="268"/>
+            <ac:spMk id="25" creationId="{00000000-0000-0000-0000-000000000000}"/>
+          </ac:spMkLst>
+        </pc:spChg>
+        <pc:spChg chg="mod">
+          <ac:chgData name="김 재현" userId="e331c24078343b94" providerId="LiveId" clId="{19C9B56C-74E6-4678-B583-1EBFD9EC01EA}" dt="2020-03-17T11:36:48.977" v="1107" actId="1076"/>
+          <ac:spMkLst>
+            <pc:docMk/>
+            <pc:sldMk cId="3726497635" sldId="268"/>
+            <ac:spMk id="26" creationId="{00000000-0000-0000-0000-000000000000}"/>
+          </ac:spMkLst>
+        </pc:spChg>
+        <pc:spChg chg="mod">
+          <ac:chgData name="김 재현" userId="e331c24078343b94" providerId="LiveId" clId="{19C9B56C-74E6-4678-B583-1EBFD9EC01EA}" dt="2020-03-17T11:36:59.841" v="1108" actId="1076"/>
+          <ac:spMkLst>
+            <pc:docMk/>
+            <pc:sldMk cId="3726497635" sldId="268"/>
+            <ac:spMk id="27" creationId="{00000000-0000-0000-0000-000000000000}"/>
+          </ac:spMkLst>
+        </pc:spChg>
+        <pc:spChg chg="mod">
+          <ac:chgData name="김 재현" userId="e331c24078343b94" providerId="LiveId" clId="{19C9B56C-74E6-4678-B583-1EBFD9EC01EA}" dt="2020-03-17T11:37:04.449" v="1109" actId="1076"/>
+          <ac:spMkLst>
+            <pc:docMk/>
+            <pc:sldMk cId="3726497635" sldId="268"/>
+            <ac:spMk id="28" creationId="{00000000-0000-0000-0000-000000000000}"/>
+          </ac:spMkLst>
+        </pc:spChg>
+        <pc:spChg chg="mod">
+          <ac:chgData name="김 재현" userId="e331c24078343b94" providerId="LiveId" clId="{19C9B56C-74E6-4678-B583-1EBFD9EC01EA}" dt="2020-03-17T11:37:08.009" v="1110" actId="1076"/>
+          <ac:spMkLst>
+            <pc:docMk/>
+            <pc:sldMk cId="3726497635" sldId="268"/>
+            <ac:spMk id="29" creationId="{00000000-0000-0000-0000-000000000000}"/>
+          </ac:spMkLst>
+        </pc:spChg>
+        <pc:grpChg chg="mod">
+          <ac:chgData name="김 재현" userId="e331c24078343b94" providerId="LiveId" clId="{19C9B56C-74E6-4678-B583-1EBFD9EC01EA}" dt="2020-03-17T11:35:30.185" v="1096" actId="1076"/>
+          <ac:grpSpMkLst>
+            <pc:docMk/>
+            <pc:sldMk cId="3726497635" sldId="268"/>
+            <ac:grpSpMk id="19" creationId="{00000000-0000-0000-0000-000000000000}"/>
+          </ac:grpSpMkLst>
+        </pc:grpChg>
+        <pc:cxnChg chg="mod">
+          <ac:chgData name="김 재현" userId="e331c24078343b94" providerId="LiveId" clId="{19C9B56C-74E6-4678-B583-1EBFD9EC01EA}" dt="2020-03-17T11:35:30.185" v="1096" actId="1076"/>
+          <ac:cxnSpMkLst>
+            <pc:docMk/>
+            <pc:sldMk cId="3726497635" sldId="268"/>
+            <ac:cxnSpMk id="15" creationId="{00000000-0000-0000-0000-000000000000}"/>
+          </ac:cxnSpMkLst>
+        </pc:cxnChg>
+        <pc:cxnChg chg="mod">
+          <ac:chgData name="김 재현" userId="e331c24078343b94" providerId="LiveId" clId="{19C9B56C-74E6-4678-B583-1EBFD9EC01EA}" dt="2020-03-17T11:36:24.768" v="1101" actId="1076"/>
+          <ac:cxnSpMkLst>
+            <pc:docMk/>
+            <pc:sldMk cId="3726497635" sldId="268"/>
+            <ac:cxnSpMk id="16" creationId="{00000000-0000-0000-0000-000000000000}"/>
+          </ac:cxnSpMkLst>
+        </pc:cxnChg>
+        <pc:cxnChg chg="mod">
+          <ac:chgData name="김 재현" userId="e331c24078343b94" providerId="LiveId" clId="{19C9B56C-74E6-4678-B583-1EBFD9EC01EA}" dt="2020-03-17T11:36:27.857" v="1102" actId="1076"/>
+          <ac:cxnSpMkLst>
+            <pc:docMk/>
+            <pc:sldMk cId="3726497635" sldId="268"/>
+            <ac:cxnSpMk id="17" creationId="{00000000-0000-0000-0000-000000000000}"/>
+          </ac:cxnSpMkLst>
+        </pc:cxnChg>
+        <pc:cxnChg chg="mod">
+          <ac:chgData name="김 재현" userId="e331c24078343b94" providerId="LiveId" clId="{19C9B56C-74E6-4678-B583-1EBFD9EC01EA}" dt="2020-03-17T11:36:30.776" v="1103" actId="1076"/>
+          <ac:cxnSpMkLst>
+            <pc:docMk/>
+            <pc:sldMk cId="3726497635" sldId="268"/>
+            <ac:cxnSpMk id="18" creationId="{00000000-0000-0000-0000-000000000000}"/>
+          </ac:cxnSpMkLst>
+        </pc:cxnChg>
+        <pc:cxnChg chg="mod">
+          <ac:chgData name="김 재현" userId="e331c24078343b94" providerId="LiveId" clId="{19C9B56C-74E6-4678-B583-1EBFD9EC01EA}" dt="2020-03-17T11:36:32.712" v="1104" actId="1076"/>
+          <ac:cxnSpMkLst>
+            <pc:docMk/>
+            <pc:sldMk cId="3726497635" sldId="268"/>
+            <ac:cxnSpMk id="21" creationId="{00000000-0000-0000-0000-000000000000}"/>
+          </ac:cxnSpMkLst>
+        </pc:cxnChg>
+        <pc:cxnChg chg="mod">
+          <ac:chgData name="김 재현" userId="e331c24078343b94" providerId="LiveId" clId="{19C9B56C-74E6-4678-B583-1EBFD9EC01EA}" dt="2020-03-17T11:36:34.665" v="1105" actId="1076"/>
+          <ac:cxnSpMkLst>
+            <pc:docMk/>
+            <pc:sldMk cId="3726497635" sldId="268"/>
+            <ac:cxnSpMk id="24" creationId="{00000000-0000-0000-0000-000000000000}"/>
+          </ac:cxnSpMkLst>
+        </pc:cxnChg>
+      </pc:sldChg>
+      <pc:sldChg chg="add del setBg">
+        <pc:chgData name="김 재현" userId="e331c24078343b94" providerId="LiveId" clId="{19C9B56C-74E6-4678-B583-1EBFD9EC01EA}" dt="2020-03-17T11:33:42.540" v="1094"/>
+        <pc:sldMkLst>
+          <pc:docMk/>
+          <pc:sldMk cId="4173048198" sldId="268"/>
+        </pc:sldMkLst>
+      </pc:sldChg>
+      <pc:sldChg chg="add del">
+        <pc:chgData name="김 재현" userId="e331c24078343b94" providerId="LiveId" clId="{19C9B56C-74E6-4678-B583-1EBFD9EC01EA}" dt="2020-03-17T10:55:45.918" v="279"/>
+        <pc:sldMkLst>
+          <pc:docMk/>
+          <pc:sldMk cId="1116229761" sldId="269"/>
+        </pc:sldMkLst>
+      </pc:sldChg>
+      <pc:sldChg chg="addSp delSp modSp add modAnim modNotesTx">
+        <pc:chgData name="김 재현" userId="e331c24078343b94" providerId="LiveId" clId="{19C9B56C-74E6-4678-B583-1EBFD9EC01EA}" dt="2020-03-18T16:29:06.619" v="5089" actId="20577"/>
+        <pc:sldMkLst>
+          <pc:docMk/>
+          <pc:sldMk cId="2226304341" sldId="269"/>
+        </pc:sldMkLst>
+        <pc:spChg chg="add mod">
+          <ac:chgData name="김 재현" userId="e331c24078343b94" providerId="LiveId" clId="{19C9B56C-74E6-4678-B583-1EBFD9EC01EA}" dt="2020-03-18T16:16:00.430" v="4240" actId="1582"/>
+          <ac:spMkLst>
+            <pc:docMk/>
+            <pc:sldMk cId="2226304341" sldId="269"/>
+            <ac:spMk id="3" creationId="{B69BD3A5-1BC1-4281-B928-4A780399A0AE}"/>
+          </ac:spMkLst>
+        </pc:spChg>
+        <pc:spChg chg="mod">
+          <ac:chgData name="김 재현" userId="e331c24078343b94" providerId="LiveId" clId="{19C9B56C-74E6-4678-B583-1EBFD9EC01EA}" dt="2020-03-17T11:37:44.738" v="1119"/>
+          <ac:spMkLst>
+            <pc:docMk/>
+            <pc:sldMk cId="2226304341" sldId="269"/>
+            <ac:spMk id="4" creationId="{00000000-0000-0000-0000-000000000000}"/>
+          </ac:spMkLst>
+        </pc:spChg>
+        <pc:spChg chg="add del mod">
+          <ac:chgData name="김 재현" userId="e331c24078343b94" providerId="LiveId" clId="{19C9B56C-74E6-4678-B583-1EBFD9EC01EA}" dt="2020-03-18T16:15:31.435" v="4236"/>
+          <ac:spMkLst>
+            <pc:docMk/>
+            <pc:sldMk cId="2226304341" sldId="269"/>
+            <ac:spMk id="5" creationId="{0A97FD25-C8DE-4E88-9B83-85C71646A13D}"/>
+          </ac:spMkLst>
+        </pc:spChg>
+        <pc:spChg chg="mod">
+          <ac:chgData name="김 재현" userId="e331c24078343b94" providerId="LiveId" clId="{19C9B56C-74E6-4678-B583-1EBFD9EC01EA}" dt="2020-03-17T11:39:10.806" v="1131" actId="207"/>
+          <ac:spMkLst>
+            <pc:docMk/>
+            <pc:sldMk cId="2226304341" sldId="269"/>
+            <ac:spMk id="17" creationId="{00000000-0000-0000-0000-000000000000}"/>
+          </ac:spMkLst>
+        </pc:spChg>
+        <pc:spChg chg="mod">
+          <ac:chgData name="김 재현" userId="e331c24078343b94" providerId="LiveId" clId="{19C9B56C-74E6-4678-B583-1EBFD9EC01EA}" dt="2020-03-17T11:39:05.921" v="1130" actId="207"/>
+          <ac:spMkLst>
+            <pc:docMk/>
+            <pc:sldMk cId="2226304341" sldId="269"/>
+            <ac:spMk id="23" creationId="{00000000-0000-0000-0000-000000000000}"/>
+          </ac:spMkLst>
+        </pc:spChg>
+        <pc:picChg chg="add del mod">
+          <ac:chgData name="김 재현" userId="e331c24078343b94" providerId="LiveId" clId="{19C9B56C-74E6-4678-B583-1EBFD9EC01EA}" dt="2020-03-18T16:14:51.496" v="4217" actId="478"/>
+          <ac:picMkLst>
+            <pc:docMk/>
+            <pc:sldMk cId="2226304341" sldId="269"/>
+            <ac:picMk id="2" creationId="{2636F02C-9DF7-41A9-BD82-16DDAD092E56}"/>
+          </ac:picMkLst>
+        </pc:picChg>
+        <pc:picChg chg="add mod ord">
+          <ac:chgData name="김 재현" userId="e331c24078343b94" providerId="LiveId" clId="{19C9B56C-74E6-4678-B583-1EBFD9EC01EA}" dt="2020-03-18T16:15:15.888" v="4223" actId="1076"/>
+          <ac:picMkLst>
+            <pc:docMk/>
+            <pc:sldMk cId="2226304341" sldId="269"/>
+            <ac:picMk id="18" creationId="{01EF7ED5-644C-4641-8BBC-1C4FEBF44372}"/>
+          </ac:picMkLst>
+        </pc:picChg>
+      </pc:sldChg>
+      <pc:sldChg chg="add del">
+        <pc:chgData name="김 재현" userId="e331c24078343b94" providerId="LiveId" clId="{19C9B56C-74E6-4678-B583-1EBFD9EC01EA}" dt="2020-03-17T11:30:54.874" v="1088" actId="2696"/>
+        <pc:sldMkLst>
+          <pc:docMk/>
+          <pc:sldMk cId="3159724214" sldId="269"/>
+        </pc:sldMkLst>
+      </pc:sldChg>
+      <pc:sldChg chg="add del">
+        <pc:chgData name="김 재현" userId="e331c24078343b94" providerId="LiveId" clId="{19C9B56C-74E6-4678-B583-1EBFD9EC01EA}" dt="2020-03-17T11:30:55.342" v="1089" actId="2696"/>
+        <pc:sldMkLst>
+          <pc:docMk/>
+          <pc:sldMk cId="1294536764" sldId="270"/>
+        </pc:sldMkLst>
+      </pc:sldChg>
+      <pc:sldChg chg="addSp delSp modSp add modAnim modNotesTx">
+        <pc:chgData name="김 재현" userId="e331c24078343b94" providerId="LiveId" clId="{19C9B56C-74E6-4678-B583-1EBFD9EC01EA}" dt="2020-03-22T09:52:39.203" v="18486" actId="20577"/>
+        <pc:sldMkLst>
+          <pc:docMk/>
+          <pc:sldMk cId="3503202351" sldId="270"/>
+        </pc:sldMkLst>
+        <pc:spChg chg="mod">
+          <ac:chgData name="김 재현" userId="e331c24078343b94" providerId="LiveId" clId="{19C9B56C-74E6-4678-B583-1EBFD9EC01EA}" dt="2020-03-22T09:52:39.203" v="18486" actId="20577"/>
+          <ac:spMkLst>
+            <pc:docMk/>
+            <pc:sldMk cId="3503202351" sldId="270"/>
+            <ac:spMk id="4" creationId="{00000000-0000-0000-0000-000000000000}"/>
+          </ac:spMkLst>
+        </pc:spChg>
+        <pc:spChg chg="add mod">
+          <ac:chgData name="김 재현" userId="e331c24078343b94" providerId="LiveId" clId="{19C9B56C-74E6-4678-B583-1EBFD9EC01EA}" dt="2020-03-19T12:05:03.404" v="8998" actId="208"/>
+          <ac:spMkLst>
+            <pc:docMk/>
+            <pc:sldMk cId="3503202351" sldId="270"/>
+            <ac:spMk id="13" creationId="{14F69094-DB02-486A-8413-93FDC75772D2}"/>
+          </ac:spMkLst>
+        </pc:spChg>
+        <pc:spChg chg="mod">
+          <ac:chgData name="김 재현" userId="e331c24078343b94" providerId="LiveId" clId="{19C9B56C-74E6-4678-B583-1EBFD9EC01EA}" dt="2020-03-17T11:39:15.297" v="1132" actId="207"/>
+          <ac:spMkLst>
+            <pc:docMk/>
+            <pc:sldMk cId="3503202351" sldId="270"/>
+            <ac:spMk id="17" creationId="{00000000-0000-0000-0000-000000000000}"/>
+          </ac:spMkLst>
+        </pc:spChg>
+        <pc:spChg chg="add mod">
+          <ac:chgData name="김 재현" userId="e331c24078343b94" providerId="LiveId" clId="{19C9B56C-74E6-4678-B583-1EBFD9EC01EA}" dt="2020-03-19T12:05:03.404" v="8998" actId="208"/>
+          <ac:spMkLst>
+            <pc:docMk/>
+            <pc:sldMk cId="3503202351" sldId="270"/>
+            <ac:spMk id="18" creationId="{7ACEA776-AC77-4B94-92BA-4426EB08188F}"/>
+          </ac:spMkLst>
+        </pc:spChg>
+        <pc:spChg chg="add mod">
+          <ac:chgData name="김 재현" userId="e331c24078343b94" providerId="LiveId" clId="{19C9B56C-74E6-4678-B583-1EBFD9EC01EA}" dt="2020-03-19T12:05:21.743" v="8999" actId="208"/>
+          <ac:spMkLst>
+            <pc:docMk/>
+            <pc:sldMk cId="3503202351" sldId="270"/>
+            <ac:spMk id="19" creationId="{E337D3C8-AFBC-4CB9-800A-4558D9B8C92E}"/>
+          </ac:spMkLst>
+        </pc:spChg>
+        <pc:spChg chg="add del">
+          <ac:chgData name="김 재현" userId="e331c24078343b94" providerId="LiveId" clId="{19C9B56C-74E6-4678-B583-1EBFD9EC01EA}" dt="2020-03-19T12:04:11.698" v="8978"/>
+          <ac:spMkLst>
+            <pc:docMk/>
+            <pc:sldMk cId="3503202351" sldId="270"/>
+            <ac:spMk id="20" creationId="{39ABDDBD-7685-46B6-ACFF-30AE94112CE5}"/>
+          </ac:spMkLst>
+        </pc:spChg>
+        <pc:spChg chg="add mod">
+          <ac:chgData name="김 재현" userId="e331c24078343b94" providerId="LiveId" clId="{19C9B56C-74E6-4678-B583-1EBFD9EC01EA}" dt="2020-03-19T12:05:21.743" v="8999" actId="208"/>
+          <ac:spMkLst>
+            <pc:docMk/>
+            <pc:sldMk cId="3503202351" sldId="270"/>
+            <ac:spMk id="21" creationId="{03E42192-BBFB-4111-A9AA-F0028B45AAA7}"/>
+          </ac:spMkLst>
+        </pc:spChg>
+        <pc:spChg chg="mod">
+          <ac:chgData name="김 재현" userId="e331c24078343b94" providerId="LiveId" clId="{19C9B56C-74E6-4678-B583-1EBFD9EC01EA}" dt="2020-03-17T11:39:19.011" v="1133" actId="207"/>
+          <ac:spMkLst>
+            <pc:docMk/>
+            <pc:sldMk cId="3503202351" sldId="270"/>
+            <ac:spMk id="24" creationId="{00000000-0000-0000-0000-000000000000}"/>
+          </ac:spMkLst>
+        </pc:spChg>
+        <pc:picChg chg="add mod">
+          <ac:chgData name="김 재현" userId="e331c24078343b94" providerId="LiveId" clId="{19C9B56C-74E6-4678-B583-1EBFD9EC01EA}" dt="2020-03-19T13:34:37.175" v="10465" actId="1076"/>
+          <ac:picMkLst>
+            <pc:docMk/>
+            <pc:sldMk cId="3503202351" sldId="270"/>
+            <ac:picMk id="12" creationId="{C966E118-46CF-497A-8DE2-61CD70A1C139}"/>
+          </ac:picMkLst>
+        </pc:picChg>
+      </pc:sldChg>
+      <pc:sldChg chg="addSp modSp add">
+        <pc:chgData name="김 재현" userId="e331c24078343b94" providerId="LiveId" clId="{19C9B56C-74E6-4678-B583-1EBFD9EC01EA}" dt="2020-03-19T17:06:58.078" v="12404" actId="20577"/>
+        <pc:sldMkLst>
+          <pc:docMk/>
+          <pc:sldMk cId="158215895" sldId="271"/>
+        </pc:sldMkLst>
+        <pc:spChg chg="mod">
+          <ac:chgData name="김 재현" userId="e331c24078343b94" providerId="LiveId" clId="{19C9B56C-74E6-4678-B583-1EBFD9EC01EA}" dt="2020-03-17T11:37:57.272" v="1121"/>
+          <ac:spMkLst>
+            <pc:docMk/>
+            <pc:sldMk cId="158215895" sldId="271"/>
+            <ac:spMk id="4" creationId="{00000000-0000-0000-0000-000000000000}"/>
+          </ac:spMkLst>
+        </pc:spChg>
+        <pc:spChg chg="add mod">
+          <ac:chgData name="김 재현" userId="e331c24078343b94" providerId="LiveId" clId="{19C9B56C-74E6-4678-B583-1EBFD9EC01EA}" dt="2020-03-19T17:06:58.078" v="12404" actId="20577"/>
+          <ac:spMkLst>
+            <pc:docMk/>
+            <pc:sldMk cId="158215895" sldId="271"/>
+            <ac:spMk id="12" creationId="{3D87C60C-A315-4988-9FB2-435544A913B2}"/>
+          </ac:spMkLst>
+        </pc:spChg>
+        <pc:spChg chg="mod">
+          <ac:chgData name="김 재현" userId="e331c24078343b94" providerId="LiveId" clId="{19C9B56C-74E6-4678-B583-1EBFD9EC01EA}" dt="2020-03-17T11:39:43.121" v="1137" actId="207"/>
+          <ac:spMkLst>
+            <pc:docMk/>
+            <pc:sldMk cId="158215895" sldId="271"/>
+            <ac:spMk id="17" creationId="{00000000-0000-0000-0000-000000000000}"/>
+          </ac:spMkLst>
+        </pc:spChg>
+        <pc:spChg chg="mod">
+          <ac:chgData name="김 재현" userId="e331c24078343b94" providerId="LiveId" clId="{19C9B56C-74E6-4678-B583-1EBFD9EC01EA}" dt="2020-03-17T11:39:33.291" v="1134" actId="207"/>
+          <ac:spMkLst>
+            <pc:docMk/>
+            <pc:sldMk cId="158215895" sldId="271"/>
+            <ac:spMk id="25" creationId="{00000000-0000-0000-0000-000000000000}"/>
+          </ac:spMkLst>
+        </pc:spChg>
+      </pc:sldChg>
+      <pc:sldChg chg="add del">
+        <pc:chgData name="김 재현" userId="e331c24078343b94" providerId="LiveId" clId="{19C9B56C-74E6-4678-B583-1EBFD9EC01EA}" dt="2020-03-17T11:30:51.940" v="1086" actId="2696"/>
+        <pc:sldMkLst>
+          <pc:docMk/>
+          <pc:sldMk cId="1786549127" sldId="271"/>
+        </pc:sldMkLst>
+      </pc:sldChg>
+      <pc:sldChg chg="addSp modSp add">
+        <pc:chgData name="김 재현" userId="e331c24078343b94" providerId="LiveId" clId="{19C9B56C-74E6-4678-B583-1EBFD9EC01EA}" dt="2020-03-22T09:53:43.260" v="18546"/>
+        <pc:sldMkLst>
+          <pc:docMk/>
+          <pc:sldMk cId="1365976168" sldId="272"/>
+        </pc:sldMkLst>
+        <pc:spChg chg="mod">
+          <ac:chgData name="김 재현" userId="e331c24078343b94" providerId="LiveId" clId="{19C9B56C-74E6-4678-B583-1EBFD9EC01EA}" dt="2020-03-22T09:53:43.260" v="18546"/>
+          <ac:spMkLst>
+            <pc:docMk/>
+            <pc:sldMk cId="1365976168" sldId="272"/>
+            <ac:spMk id="4" creationId="{00000000-0000-0000-0000-000000000000}"/>
+          </ac:spMkLst>
+        </pc:spChg>
+        <pc:spChg chg="add mod">
+          <ac:chgData name="김 재현" userId="e331c24078343b94" providerId="LiveId" clId="{19C9B56C-74E6-4678-B583-1EBFD9EC01EA}" dt="2020-03-17T11:38:13.721" v="1125" actId="571"/>
+          <ac:spMkLst>
+            <pc:docMk/>
+            <pc:sldMk cId="1365976168" sldId="272"/>
+            <ac:spMk id="12" creationId="{7721E317-F443-4ADE-944D-DE229E106435}"/>
+          </ac:spMkLst>
+        </pc:spChg>
+        <pc:spChg chg="add mod">
+          <ac:chgData name="김 재현" userId="e331c24078343b94" providerId="LiveId" clId="{19C9B56C-74E6-4678-B583-1EBFD9EC01EA}" dt="2020-03-17T11:38:13.721" v="1125" actId="571"/>
+          <ac:spMkLst>
+            <pc:docMk/>
+            <pc:sldMk cId="1365976168" sldId="272"/>
+            <ac:spMk id="13" creationId="{AB573C03-1BCC-4F88-9FF4-80850C9D541F}"/>
+          </ac:spMkLst>
+        </pc:spChg>
+        <pc:spChg chg="mod">
+          <ac:chgData name="김 재현" userId="e331c24078343b94" providerId="LiveId" clId="{19C9B56C-74E6-4678-B583-1EBFD9EC01EA}" dt="2020-03-17T11:38:15.792" v="1126" actId="1076"/>
+          <ac:spMkLst>
+            <pc:docMk/>
+            <pc:sldMk cId="1365976168" sldId="272"/>
+            <ac:spMk id="14" creationId="{00000000-0000-0000-0000-000000000000}"/>
+          </ac:spMkLst>
+        </pc:spChg>
+        <pc:spChg chg="mod">
+          <ac:chgData name="김 재현" userId="e331c24078343b94" providerId="LiveId" clId="{19C9B56C-74E6-4678-B583-1EBFD9EC01EA}" dt="2020-03-17T11:38:15.792" v="1126" actId="1076"/>
+          <ac:spMkLst>
+            <pc:docMk/>
+            <pc:sldMk cId="1365976168" sldId="272"/>
+            <ac:spMk id="15" creationId="{00000000-0000-0000-0000-000000000000}"/>
+          </ac:spMkLst>
+        </pc:spChg>
+        <pc:spChg chg="mod">
+          <ac:chgData name="김 재현" userId="e331c24078343b94" providerId="LiveId" clId="{19C9B56C-74E6-4678-B583-1EBFD9EC01EA}" dt="2020-03-17T11:38:15.792" v="1126" actId="1076"/>
+          <ac:spMkLst>
+            <pc:docMk/>
+            <pc:sldMk cId="1365976168" sldId="272"/>
+            <ac:spMk id="16" creationId="{00000000-0000-0000-0000-000000000000}"/>
+          </ac:spMkLst>
+        </pc:spChg>
+        <pc:spChg chg="mod">
+          <ac:chgData name="김 재현" userId="e331c24078343b94" providerId="LiveId" clId="{19C9B56C-74E6-4678-B583-1EBFD9EC01EA}" dt="2020-03-17T11:39:39.804" v="1136" actId="207"/>
+          <ac:spMkLst>
+            <pc:docMk/>
+            <pc:sldMk cId="1365976168" sldId="272"/>
+            <ac:spMk id="17" creationId="{00000000-0000-0000-0000-000000000000}"/>
+          </ac:spMkLst>
+        </pc:spChg>
+        <pc:spChg chg="add mod">
+          <ac:chgData name="김 재현" userId="e331c24078343b94" providerId="LiveId" clId="{19C9B56C-74E6-4678-B583-1EBFD9EC01EA}" dt="2020-03-17T11:38:13.721" v="1125" actId="571"/>
+          <ac:spMkLst>
+            <pc:docMk/>
+            <pc:sldMk cId="1365976168" sldId="272"/>
+            <ac:spMk id="18" creationId="{B1C28B4C-011C-4E44-B2F3-1C8B61BA54BF}"/>
+          </ac:spMkLst>
+        </pc:spChg>
+        <pc:spChg chg="mod">
+          <ac:chgData name="김 재현" userId="e331c24078343b94" providerId="LiveId" clId="{19C9B56C-74E6-4678-B583-1EBFD9EC01EA}" dt="2020-03-17T11:39:36.561" v="1135" actId="207"/>
+          <ac:spMkLst>
+            <pc:docMk/>
+            <pc:sldMk cId="1365976168" sldId="272"/>
+            <ac:spMk id="26" creationId="{00000000-0000-0000-0000-000000000000}"/>
+          </ac:spMkLst>
+        </pc:spChg>
+      </pc:sldChg>
+      <pc:sldChg chg="add del">
+        <pc:chgData name="김 재현" userId="e331c24078343b94" providerId="LiveId" clId="{19C9B56C-74E6-4678-B583-1EBFD9EC01EA}" dt="2020-03-17T15:37:36.587" v="2225" actId="2696"/>
+        <pc:sldMkLst>
+          <pc:docMk/>
+          <pc:sldMk cId="4229676219" sldId="273"/>
+        </pc:sldMkLst>
+      </pc:sldChg>
+      <pc:sldChg chg="add del">
+        <pc:chgData name="김 재현" userId="e331c24078343b94" providerId="LiveId" clId="{19C9B56C-74E6-4678-B583-1EBFD9EC01EA}" dt="2020-03-17T15:37:37.707" v="2226" actId="2696"/>
+        <pc:sldMkLst>
+          <pc:docMk/>
+          <pc:sldMk cId="1228334485" sldId="274"/>
+        </pc:sldMkLst>
+      </pc:sldChg>
+      <pc:sldChg chg="add del">
+        <pc:chgData name="김 재현" userId="e331c24078343b94" providerId="LiveId" clId="{19C9B56C-74E6-4678-B583-1EBFD9EC01EA}" dt="2020-03-17T15:37:38.587" v="2227" actId="2696"/>
+        <pc:sldMkLst>
+          <pc:docMk/>
+          <pc:sldMk cId="3635247377" sldId="275"/>
+        </pc:sldMkLst>
+      </pc:sldChg>
+      <pc:sldChg chg="addSp delSp modSp add ord delAnim modAnim modNotesTx">
+        <pc:chgData name="김 재현" userId="e331c24078343b94" providerId="LiveId" clId="{19C9B56C-74E6-4678-B583-1EBFD9EC01EA}" dt="2020-03-18T16:58:50.405" v="6013"/>
+        <pc:sldMkLst>
+          <pc:docMk/>
+          <pc:sldMk cId="3453096922" sldId="276"/>
+        </pc:sldMkLst>
+        <pc:spChg chg="add del mod">
+          <ac:chgData name="김 재현" userId="e331c24078343b94" providerId="LiveId" clId="{19C9B56C-74E6-4678-B583-1EBFD9EC01EA}" dt="2020-03-18T16:23:55.448" v="4848"/>
+          <ac:spMkLst>
+            <pc:docMk/>
+            <pc:sldMk cId="3453096922" sldId="276"/>
+            <ac:spMk id="2" creationId="{011299AC-C309-4BB3-981C-D6032E3B183F}"/>
+          </ac:spMkLst>
+        </pc:spChg>
+        <pc:spChg chg="add mod">
+          <ac:chgData name="김 재현" userId="e331c24078343b94" providerId="LiveId" clId="{19C9B56C-74E6-4678-B583-1EBFD9EC01EA}" dt="2020-03-18T16:26:53.181" v="4986" actId="1076"/>
+          <ac:spMkLst>
+            <pc:docMk/>
+            <pc:sldMk cId="3453096922" sldId="276"/>
+            <ac:spMk id="3" creationId="{9CAF46CC-D7D5-4A5C-A8A0-ADE97A4FB0F8}"/>
+          </ac:spMkLst>
+        </pc:spChg>
+        <pc:spChg chg="add mod">
+          <ac:chgData name="김 재현" userId="e331c24078343b94" providerId="LiveId" clId="{19C9B56C-74E6-4678-B583-1EBFD9EC01EA}" dt="2020-03-18T16:57:00.179" v="5964" actId="1076"/>
+          <ac:spMkLst>
+            <pc:docMk/>
+            <pc:sldMk cId="3453096922" sldId="276"/>
+            <ac:spMk id="5" creationId="{FEC6D0AE-1E36-4D6E-BCD8-54BD61C7432E}"/>
+          </ac:spMkLst>
+        </pc:spChg>
+        <pc:spChg chg="add mod">
+          <ac:chgData name="김 재현" userId="e331c24078343b94" providerId="LiveId" clId="{19C9B56C-74E6-4678-B583-1EBFD9EC01EA}" dt="2020-03-18T16:57:59.362" v="6009" actId="1076"/>
+          <ac:spMkLst>
+            <pc:docMk/>
+            <pc:sldMk cId="3453096922" sldId="276"/>
+            <ac:spMk id="6" creationId="{9962A81A-954A-47F2-A217-CC607D93DBCC}"/>
+          </ac:spMkLst>
+        </pc:spChg>
+        <pc:spChg chg="add mod">
+          <ac:chgData name="김 재현" userId="e331c24078343b94" providerId="LiveId" clId="{19C9B56C-74E6-4678-B583-1EBFD9EC01EA}" dt="2020-03-18T16:26:53.181" v="4986" actId="1076"/>
+          <ac:spMkLst>
+            <pc:docMk/>
+            <pc:sldMk cId="3453096922" sldId="276"/>
+            <ac:spMk id="18" creationId="{9C856963-26B5-4D3B-8F2F-5DB5B6ABA0D8}"/>
+          </ac:spMkLst>
+        </pc:spChg>
+        <pc:spChg chg="add del">
+          <ac:chgData name="김 재현" userId="e331c24078343b94" providerId="LiveId" clId="{19C9B56C-74E6-4678-B583-1EBFD9EC01EA}" dt="2020-03-18T16:56:46.792" v="5940" actId="478"/>
+          <ac:spMkLst>
+            <pc:docMk/>
+            <pc:sldMk cId="3453096922" sldId="276"/>
+            <ac:spMk id="19" creationId="{D667B076-E1A1-4D6C-8034-5D85D696D4C7}"/>
+          </ac:spMkLst>
+        </pc:spChg>
+        <pc:spChg chg="add del mod">
+          <ac:chgData name="김 재현" userId="e331c24078343b94" providerId="LiveId" clId="{19C9B56C-74E6-4678-B583-1EBFD9EC01EA}" dt="2020-03-18T16:57:30.392" v="5969" actId="478"/>
+          <ac:spMkLst>
+            <pc:docMk/>
+            <pc:sldMk cId="3453096922" sldId="276"/>
+            <ac:spMk id="20" creationId="{8AA6261A-DF14-4D24-A06E-A54903C2C5B7}"/>
+          </ac:spMkLst>
+        </pc:spChg>
+        <pc:picChg chg="add del mod">
+          <ac:chgData name="김 재현" userId="e331c24078343b94" providerId="LiveId" clId="{19C9B56C-74E6-4678-B583-1EBFD9EC01EA}" dt="2020-03-18T16:21:54.265" v="4447" actId="478"/>
+          <ac:picMkLst>
+            <pc:docMk/>
+            <pc:sldMk cId="3453096922" sldId="276"/>
+            <ac:picMk id="1026" creationId="{838EF50B-012A-4358-B898-6779275FE875}"/>
+          </ac:picMkLst>
+        </pc:picChg>
+        <pc:picChg chg="add mod">
+          <ac:chgData name="김 재현" userId="e331c24078343b94" providerId="LiveId" clId="{19C9B56C-74E6-4678-B583-1EBFD9EC01EA}" dt="2020-03-18T16:26:53.181" v="4986" actId="1076"/>
+          <ac:picMkLst>
+            <pc:docMk/>
+            <pc:sldMk cId="3453096922" sldId="276"/>
+            <ac:picMk id="1028" creationId="{50128099-6A51-42B7-9A86-234D6E7352DE}"/>
+          </ac:picMkLst>
+        </pc:picChg>
+      </pc:sldChg>
+      <pc:sldChg chg="addSp delSp modSp add ord modNotesTx">
+        <pc:chgData name="김 재현" userId="e331c24078343b94" providerId="LiveId" clId="{19C9B56C-74E6-4678-B583-1EBFD9EC01EA}" dt="2020-03-18T17:18:37.825" v="6573" actId="1076"/>
+        <pc:sldMkLst>
+          <pc:docMk/>
+          <pc:sldMk cId="1914350996" sldId="277"/>
+        </pc:sldMkLst>
+        <pc:spChg chg="add del mod">
+          <ac:chgData name="김 재현" userId="e331c24078343b94" providerId="LiveId" clId="{19C9B56C-74E6-4678-B583-1EBFD9EC01EA}" dt="2020-03-18T16:37:55.799" v="5209" actId="478"/>
+          <ac:spMkLst>
+            <pc:docMk/>
+            <pc:sldMk cId="1914350996" sldId="277"/>
+            <ac:spMk id="2" creationId="{ABE2B093-15E8-467B-9C61-A23569738F22}"/>
+          </ac:spMkLst>
+        </pc:spChg>
+        <pc:spChg chg="add mod">
+          <ac:chgData name="김 재현" userId="e331c24078343b94" providerId="LiveId" clId="{19C9B56C-74E6-4678-B583-1EBFD9EC01EA}" dt="2020-03-18T17:18:37.825" v="6573" actId="1076"/>
+          <ac:spMkLst>
+            <pc:docMk/>
+            <pc:sldMk cId="1914350996" sldId="277"/>
+            <ac:spMk id="13" creationId="{04BFA42B-0594-4424-9224-055D130B5759}"/>
+          </ac:spMkLst>
+        </pc:spChg>
+      </pc:sldChg>
+      <pc:sldChg chg="addSp modSp add ord modAnim">
+        <pc:chgData name="김 재현" userId="e331c24078343b94" providerId="LiveId" clId="{19C9B56C-74E6-4678-B583-1EBFD9EC01EA}" dt="2020-03-18T17:22:21.505" v="6704" actId="1076"/>
+        <pc:sldMkLst>
+          <pc:docMk/>
+          <pc:sldMk cId="3712910900" sldId="278"/>
+        </pc:sldMkLst>
+        <pc:spChg chg="add mod">
+          <ac:chgData name="김 재현" userId="e331c24078343b94" providerId="LiveId" clId="{19C9B56C-74E6-4678-B583-1EBFD9EC01EA}" dt="2020-03-18T17:22:21.505" v="6704" actId="1076"/>
+          <ac:spMkLst>
+            <pc:docMk/>
+            <pc:sldMk cId="3712910900" sldId="278"/>
+            <ac:spMk id="2" creationId="{17627198-7BA4-4049-8F8A-321825339A26}"/>
+          </ac:spMkLst>
+        </pc:spChg>
+        <pc:spChg chg="add mod">
+          <ac:chgData name="김 재현" userId="e331c24078343b94" providerId="LiveId" clId="{19C9B56C-74E6-4678-B583-1EBFD9EC01EA}" dt="2020-03-18T17:22:21.505" v="6704" actId="1076"/>
+          <ac:spMkLst>
+            <pc:docMk/>
+            <pc:sldMk cId="3712910900" sldId="278"/>
+            <ac:spMk id="6" creationId="{9E82A7BE-BB44-4128-A011-AF6C1C838491}"/>
+          </ac:spMkLst>
+        </pc:spChg>
+        <pc:picChg chg="add mod">
+          <ac:chgData name="김 재현" userId="e331c24078343b94" providerId="LiveId" clId="{19C9B56C-74E6-4678-B583-1EBFD9EC01EA}" dt="2020-03-18T16:47:55.730" v="5644" actId="1076"/>
+          <ac:picMkLst>
+            <pc:docMk/>
+            <pc:sldMk cId="3712910900" sldId="278"/>
+            <ac:picMk id="3" creationId="{4D50163F-BACF-42DB-9689-480AAEAB320B}"/>
+          </ac:picMkLst>
+        </pc:picChg>
+        <pc:picChg chg="add mod">
+          <ac:chgData name="김 재현" userId="e331c24078343b94" providerId="LiveId" clId="{19C9B56C-74E6-4678-B583-1EBFD9EC01EA}" dt="2020-03-18T17:22:13.844" v="6701" actId="1076"/>
+          <ac:picMkLst>
+            <pc:docMk/>
+            <pc:sldMk cId="3712910900" sldId="278"/>
+            <ac:picMk id="5" creationId="{D7F6EF17-E8F0-4A96-992F-9FCC6EAD4EA1}"/>
+          </ac:picMkLst>
+        </pc:picChg>
+      </pc:sldChg>
+      <pc:sldChg chg="addSp modSp add modNotesTx">
+        <pc:chgData name="김 재현" userId="e331c24078343b94" providerId="LiveId" clId="{19C9B56C-74E6-4678-B583-1EBFD9EC01EA}" dt="2020-03-22T09:52:43.280" v="18487"/>
+        <pc:sldMkLst>
+          <pc:docMk/>
+          <pc:sldMk cId="2037925639" sldId="279"/>
+        </pc:sldMkLst>
+        <pc:spChg chg="mod">
+          <ac:chgData name="김 재현" userId="e331c24078343b94" providerId="LiveId" clId="{19C9B56C-74E6-4678-B583-1EBFD9EC01EA}" dt="2020-03-22T09:52:43.280" v="18487"/>
+          <ac:spMkLst>
+            <pc:docMk/>
+            <pc:sldMk cId="2037925639" sldId="279"/>
+            <ac:spMk id="4" creationId="{00000000-0000-0000-0000-000000000000}"/>
+          </ac:spMkLst>
+        </pc:spChg>
+        <pc:spChg chg="add mod">
+          <ac:chgData name="김 재현" userId="e331c24078343b94" providerId="LiveId" clId="{19C9B56C-74E6-4678-B583-1EBFD9EC01EA}" dt="2020-03-19T11:22:09.919" v="7203" actId="1076"/>
+          <ac:spMkLst>
+            <pc:docMk/>
+            <pc:sldMk cId="2037925639" sldId="279"/>
+            <ac:spMk id="12" creationId="{C22CF5BF-37CF-46C6-BA0B-E4DA8C51842D}"/>
+          </ac:spMkLst>
+        </pc:spChg>
+      </pc:sldChg>
+      <pc:sldChg chg="addSp delSp modSp add modNotesTx">
+        <pc:chgData name="김 재현" userId="e331c24078343b94" providerId="LiveId" clId="{19C9B56C-74E6-4678-B583-1EBFD9EC01EA}" dt="2020-03-22T09:52:46.713" v="18488"/>
+        <pc:sldMkLst>
+          <pc:docMk/>
+          <pc:sldMk cId="2123990020" sldId="280"/>
+        </pc:sldMkLst>
+        <pc:spChg chg="add del mod">
+          <ac:chgData name="김 재현" userId="e331c24078343b94" providerId="LiveId" clId="{19C9B56C-74E6-4678-B583-1EBFD9EC01EA}" dt="2020-03-19T11:34:05.318" v="7992"/>
+          <ac:spMkLst>
+            <pc:docMk/>
+            <pc:sldMk cId="2123990020" sldId="280"/>
+            <ac:spMk id="2" creationId="{36EA0E47-5309-470A-BD9B-1AF1AC375F7F}"/>
+          </ac:spMkLst>
+        </pc:spChg>
+        <pc:spChg chg="add mod">
+          <ac:chgData name="김 재현" userId="e331c24078343b94" providerId="LiveId" clId="{19C9B56C-74E6-4678-B583-1EBFD9EC01EA}" dt="2020-03-19T11:48:40.373" v="8721" actId="1076"/>
+          <ac:spMkLst>
+            <pc:docMk/>
+            <pc:sldMk cId="2123990020" sldId="280"/>
+            <ac:spMk id="3" creationId="{50A130A3-E193-4A06-8CC7-7ADE0FED2522}"/>
+          </ac:spMkLst>
+        </pc:spChg>
+        <pc:spChg chg="mod">
+          <ac:chgData name="김 재현" userId="e331c24078343b94" providerId="LiveId" clId="{19C9B56C-74E6-4678-B583-1EBFD9EC01EA}" dt="2020-03-22T09:52:46.713" v="18488"/>
+          <ac:spMkLst>
+            <pc:docMk/>
+            <pc:sldMk cId="2123990020" sldId="280"/>
+            <ac:spMk id="4" creationId="{00000000-0000-0000-0000-000000000000}"/>
+          </ac:spMkLst>
+        </pc:spChg>
+        <pc:spChg chg="add mod">
+          <ac:chgData name="김 재현" userId="e331c24078343b94" providerId="LiveId" clId="{19C9B56C-74E6-4678-B583-1EBFD9EC01EA}" dt="2020-03-19T11:48:42.831" v="8722" actId="1076"/>
+          <ac:spMkLst>
+            <pc:docMk/>
+            <pc:sldMk cId="2123990020" sldId="280"/>
+            <ac:spMk id="5" creationId="{3ABDA874-68D4-46DA-887E-AD1D02EB9B27}"/>
+          </ac:spMkLst>
+        </pc:spChg>
+        <pc:spChg chg="add del mod">
+          <ac:chgData name="김 재현" userId="e331c24078343b94" providerId="LiveId" clId="{19C9B56C-74E6-4678-B583-1EBFD9EC01EA}" dt="2020-03-19T11:44:22.890" v="8371" actId="478"/>
+          <ac:spMkLst>
+            <pc:docMk/>
+            <pc:sldMk cId="2123990020" sldId="280"/>
+            <ac:spMk id="6" creationId="{785A5ED0-66CB-403C-8101-92285008E1AD}"/>
+          </ac:spMkLst>
+        </pc:spChg>
+        <pc:spChg chg="add mod">
+          <ac:chgData name="김 재현" userId="e331c24078343b94" providerId="LiveId" clId="{19C9B56C-74E6-4678-B583-1EBFD9EC01EA}" dt="2020-03-19T11:22:30.911" v="7219" actId="1076"/>
+          <ac:spMkLst>
+            <pc:docMk/>
+            <pc:sldMk cId="2123990020" sldId="280"/>
+            <ac:spMk id="12" creationId="{F0BC8F14-D7D8-488C-904D-68FC6BE4A754}"/>
+          </ac:spMkLst>
+        </pc:spChg>
+      </pc:sldChg>
+      <pc:sldChg chg="addSp modSp add">
+        <pc:chgData name="김 재현" userId="e331c24078343b94" providerId="LiveId" clId="{19C9B56C-74E6-4678-B583-1EBFD9EC01EA}" dt="2020-03-22T09:53:08.371" v="18502"/>
+        <pc:sldMkLst>
+          <pc:docMk/>
+          <pc:sldMk cId="2947727484" sldId="281"/>
+        </pc:sldMkLst>
+        <pc:spChg chg="mod">
+          <ac:chgData name="김 재현" userId="e331c24078343b94" providerId="LiveId" clId="{19C9B56C-74E6-4678-B583-1EBFD9EC01EA}" dt="2020-03-22T09:53:08.371" v="18502"/>
+          <ac:spMkLst>
+            <pc:docMk/>
+            <pc:sldMk cId="2947727484" sldId="281"/>
+            <ac:spMk id="4" creationId="{00000000-0000-0000-0000-000000000000}"/>
+          </ac:spMkLst>
+        </pc:spChg>
+        <pc:spChg chg="add">
+          <ac:chgData name="김 재현" userId="e331c24078343b94" providerId="LiveId" clId="{19C9B56C-74E6-4678-B583-1EBFD9EC01EA}" dt="2020-03-19T13:13:25.353" v="10386"/>
+          <ac:spMkLst>
+            <pc:docMk/>
+            <pc:sldMk cId="2947727484" sldId="281"/>
+            <ac:spMk id="12" creationId="{16654B83-06FE-485F-9F64-08AAEE8E2D82}"/>
+          </ac:spMkLst>
+        </pc:spChg>
+      </pc:sldChg>
+      <pc:sldChg chg="addSp delSp modSp add del modNotesTx">
+        <pc:chgData name="김 재현" userId="e331c24078343b94" providerId="LiveId" clId="{19C9B56C-74E6-4678-B583-1EBFD9EC01EA}" dt="2020-03-20T18:38:58.246" v="17575" actId="20577"/>
+        <pc:sldMkLst>
+          <pc:docMk/>
+          <pc:sldMk cId="2057029628" sldId="282"/>
+        </pc:sldMkLst>
+        <pc:spChg chg="add del mod">
+          <ac:chgData name="김 재현" userId="e331c24078343b94" providerId="LiveId" clId="{19C9B56C-74E6-4678-B583-1EBFD9EC01EA}" dt="2020-03-20T18:23:39.850" v="17000"/>
+          <ac:spMkLst>
+            <pc:docMk/>
+            <pc:sldMk cId="2057029628" sldId="282"/>
+            <ac:spMk id="3" creationId="{AF34CCEA-BC22-42E0-80A4-2E0973E7B75C}"/>
+          </ac:spMkLst>
+        </pc:spChg>
+        <pc:spChg chg="add del mod">
+          <ac:chgData name="김 재현" userId="e331c24078343b94" providerId="LiveId" clId="{19C9B56C-74E6-4678-B583-1EBFD9EC01EA}" dt="2020-03-20T18:29:57.750" v="17344"/>
+          <ac:spMkLst>
+            <pc:docMk/>
+            <pc:sldMk cId="2057029628" sldId="282"/>
+            <ac:spMk id="5" creationId="{B75BEE11-0FEB-4DB8-9B70-DC9D4A1D5554}"/>
+          </ac:spMkLst>
+        </pc:spChg>
+        <pc:spChg chg="add del mod">
+          <ac:chgData name="김 재현" userId="e331c24078343b94" providerId="LiveId" clId="{19C9B56C-74E6-4678-B583-1EBFD9EC01EA}" dt="2020-03-20T18:30:32.280" v="17353"/>
+          <ac:spMkLst>
+            <pc:docMk/>
+            <pc:sldMk cId="2057029628" sldId="282"/>
+            <ac:spMk id="7" creationId="{9AF4BE7E-3A4F-42C1-8BF7-C2E4C394479A}"/>
+          </ac:spMkLst>
+        </pc:spChg>
+        <pc:spChg chg="add mod">
+          <ac:chgData name="김 재현" userId="e331c24078343b94" providerId="LiveId" clId="{19C9B56C-74E6-4678-B583-1EBFD9EC01EA}" dt="2020-03-20T18:38:57.016" v="17574" actId="20577"/>
+          <ac:spMkLst>
+            <pc:docMk/>
+            <pc:sldMk cId="2057029628" sldId="282"/>
+            <ac:spMk id="8" creationId="{A3AA9069-F122-4B9E-A339-DD0F070566AD}"/>
+          </ac:spMkLst>
+        </pc:spChg>
+        <pc:spChg chg="add mod">
+          <ac:chgData name="김 재현" userId="e331c24078343b94" providerId="LiveId" clId="{19C9B56C-74E6-4678-B583-1EBFD9EC01EA}" dt="2020-03-20T18:28:12.309" v="17121" actId="1076"/>
+          <ac:spMkLst>
+            <pc:docMk/>
+            <pc:sldMk cId="2057029628" sldId="282"/>
+            <ac:spMk id="18" creationId="{B0820434-B245-42C7-AF0F-8015FCB3897F}"/>
+          </ac:spMkLst>
+        </pc:spChg>
+        <pc:spChg chg="add del">
+          <ac:chgData name="김 재현" userId="e331c24078343b94" providerId="LiveId" clId="{19C9B56C-74E6-4678-B583-1EBFD9EC01EA}" dt="2020-03-20T18:31:32.701" v="17476"/>
+          <ac:spMkLst>
+            <pc:docMk/>
+            <pc:sldMk cId="2057029628" sldId="282"/>
+            <ac:spMk id="19" creationId="{B0B399B9-487E-4754-8093-BDC83F7721FC}"/>
+          </ac:spMkLst>
+        </pc:spChg>
+        <pc:spChg chg="add mod">
+          <ac:chgData name="김 재현" userId="e331c24078343b94" providerId="LiveId" clId="{19C9B56C-74E6-4678-B583-1EBFD9EC01EA}" dt="2020-03-20T18:38:58.246" v="17575" actId="20577"/>
+          <ac:spMkLst>
+            <pc:docMk/>
+            <pc:sldMk cId="2057029628" sldId="282"/>
+            <ac:spMk id="20" creationId="{00AFCD7F-3A01-4DFF-8823-FB64CBFC9E61}"/>
+          </ac:spMkLst>
+        </pc:spChg>
+        <pc:picChg chg="add del">
+          <ac:chgData name="김 재현" userId="e331c24078343b94" providerId="LiveId" clId="{19C9B56C-74E6-4678-B583-1EBFD9EC01EA}" dt="2020-03-20T18:23:39.850" v="17000"/>
+          <ac:picMkLst>
+            <pc:docMk/>
+            <pc:sldMk cId="2057029628" sldId="282"/>
+            <ac:picMk id="2" creationId="{DF221D35-722F-406E-B2DC-DE4B4729D494}"/>
+          </ac:picMkLst>
+        </pc:picChg>
+        <pc:picChg chg="add mod">
+          <ac:chgData name="김 재현" userId="e331c24078343b94" providerId="LiveId" clId="{19C9B56C-74E6-4678-B583-1EBFD9EC01EA}" dt="2020-03-20T18:30:09.244" v="17350" actId="1076"/>
+          <ac:picMkLst>
+            <pc:docMk/>
+            <pc:sldMk cId="2057029628" sldId="282"/>
+            <ac:picMk id="6" creationId="{E32FB117-B862-43EC-9398-7F0EA7C17E72}"/>
+          </ac:picMkLst>
+        </pc:picChg>
+      </pc:sldChg>
+      <pc:sldChg chg="addSp modSp add ord modNotesTx">
+        <pc:chgData name="김 재현" userId="e331c24078343b94" providerId="LiveId" clId="{19C9B56C-74E6-4678-B583-1EBFD9EC01EA}" dt="2020-03-19T16:48:53.370" v="11402" actId="1076"/>
+        <pc:sldMkLst>
+          <pc:docMk/>
+          <pc:sldMk cId="1634034898" sldId="283"/>
+        </pc:sldMkLst>
+        <pc:spChg chg="add mod">
+          <ac:chgData name="김 재현" userId="e331c24078343b94" providerId="LiveId" clId="{19C9B56C-74E6-4678-B583-1EBFD9EC01EA}" dt="2020-03-19T16:25:09.372" v="10502"/>
+          <ac:spMkLst>
+            <pc:docMk/>
+            <pc:sldMk cId="1634034898" sldId="283"/>
+            <ac:spMk id="2" creationId="{7BAEF6C2-0585-4C64-AAAC-6086B42D65ED}"/>
+          </ac:spMkLst>
+        </pc:spChg>
+        <pc:spChg chg="add mod">
+          <ac:chgData name="김 재현" userId="e331c24078343b94" providerId="LiveId" clId="{19C9B56C-74E6-4678-B583-1EBFD9EC01EA}" dt="2020-03-19T16:25:53.731" v="10597" actId="1076"/>
+          <ac:spMkLst>
+            <pc:docMk/>
+            <pc:sldMk cId="1634034898" sldId="283"/>
+            <ac:spMk id="5" creationId="{FBDC78CF-F4F0-4AAF-B0F9-1478A4A94D8D}"/>
+          </ac:spMkLst>
+        </pc:spChg>
+        <pc:spChg chg="add mod">
+          <ac:chgData name="김 재현" userId="e331c24078343b94" providerId="LiveId" clId="{19C9B56C-74E6-4678-B583-1EBFD9EC01EA}" dt="2020-03-19T16:48:53.370" v="11402" actId="1076"/>
+          <ac:spMkLst>
+            <pc:docMk/>
+            <pc:sldMk cId="1634034898" sldId="283"/>
+            <ac:spMk id="6" creationId="{AB48DDF1-24E4-46DD-BEA9-CACD36507823}"/>
+          </ac:spMkLst>
+        </pc:spChg>
+        <pc:picChg chg="add mod">
+          <ac:chgData name="김 재현" userId="e331c24078343b94" providerId="LiveId" clId="{19C9B56C-74E6-4678-B583-1EBFD9EC01EA}" dt="2020-03-19T16:24:59.754" v="10490" actId="1076"/>
+          <ac:picMkLst>
+            <pc:docMk/>
+            <pc:sldMk cId="1634034898" sldId="283"/>
+            <ac:picMk id="3" creationId="{FC27073A-D226-44FA-81A9-D54D702A90D6}"/>
+          </ac:picMkLst>
+        </pc:picChg>
+      </pc:sldChg>
+      <pc:sldChg chg="addSp add">
+        <pc:chgData name="김 재현" userId="e331c24078343b94" providerId="LiveId" clId="{19C9B56C-74E6-4678-B583-1EBFD9EC01EA}" dt="2020-03-19T13:13:33.259" v="10388"/>
+        <pc:sldMkLst>
+          <pc:docMk/>
+          <pc:sldMk cId="3933428076" sldId="284"/>
+        </pc:sldMkLst>
+        <pc:spChg chg="add">
+          <ac:chgData name="김 재현" userId="e331c24078343b94" providerId="LiveId" clId="{19C9B56C-74E6-4678-B583-1EBFD9EC01EA}" dt="2020-03-19T13:13:33.259" v="10388"/>
+          <ac:spMkLst>
+            <pc:docMk/>
+            <pc:sldMk cId="3933428076" sldId="284"/>
+            <ac:spMk id="12" creationId="{9E24237C-0F42-420B-B40F-4C8D115CF2EF}"/>
+          </ac:spMkLst>
+        </pc:spChg>
+      </pc:sldChg>
+      <pc:sldChg chg="addSp delSp modSp add">
+        <pc:chgData name="김 재현" userId="e331c24078343b94" providerId="LiveId" clId="{19C9B56C-74E6-4678-B583-1EBFD9EC01EA}" dt="2020-03-22T09:53:47.120" v="18549"/>
+        <pc:sldMkLst>
+          <pc:docMk/>
+          <pc:sldMk cId="182718600" sldId="285"/>
+        </pc:sldMkLst>
+        <pc:spChg chg="add del">
+          <ac:chgData name="김 재현" userId="e331c24078343b94" providerId="LiveId" clId="{19C9B56C-74E6-4678-B583-1EBFD9EC01EA}" dt="2020-03-22T09:53:46.058" v="18548"/>
+          <ac:spMkLst>
+            <pc:docMk/>
+            <pc:sldMk cId="182718600" sldId="285"/>
+            <ac:spMk id="2" creationId="{0132C714-5B9A-4ED3-9C6F-93CC7BB6AE1E}"/>
+          </ac:spMkLst>
+        </pc:spChg>
+        <pc:spChg chg="mod">
+          <ac:chgData name="김 재현" userId="e331c24078343b94" providerId="LiveId" clId="{19C9B56C-74E6-4678-B583-1EBFD9EC01EA}" dt="2020-03-22T09:53:47.120" v="18549"/>
+          <ac:spMkLst>
+            <pc:docMk/>
+            <pc:sldMk cId="182718600" sldId="285"/>
+            <ac:spMk id="4" creationId="{00000000-0000-0000-0000-000000000000}"/>
+          </ac:spMkLst>
+        </pc:spChg>
+      </pc:sldChg>
+      <pc:sldChg chg="modSp add">
+        <pc:chgData name="김 재현" userId="e331c24078343b94" providerId="LiveId" clId="{19C9B56C-74E6-4678-B583-1EBFD9EC01EA}" dt="2020-03-22T09:53:49.383" v="18550"/>
+        <pc:sldMkLst>
+          <pc:docMk/>
+          <pc:sldMk cId="2904559209" sldId="286"/>
+        </pc:sldMkLst>
+        <pc:spChg chg="mod">
+          <ac:chgData name="김 재현" userId="e331c24078343b94" providerId="LiveId" clId="{19C9B56C-74E6-4678-B583-1EBFD9EC01EA}" dt="2020-03-22T09:53:49.383" v="18550"/>
+          <ac:spMkLst>
+            <pc:docMk/>
+            <pc:sldMk cId="2904559209" sldId="286"/>
+            <ac:spMk id="4" creationId="{00000000-0000-0000-0000-000000000000}"/>
+          </ac:spMkLst>
+        </pc:spChg>
+      </pc:sldChg>
+      <pc:sldChg chg="addSp modSp add">
+        <pc:chgData name="김 재현" userId="e331c24078343b94" providerId="LiveId" clId="{19C9B56C-74E6-4678-B583-1EBFD9EC01EA}" dt="2020-03-22T09:53:51.293" v="18551"/>
+        <pc:sldMkLst>
+          <pc:docMk/>
+          <pc:sldMk cId="2224076728" sldId="287"/>
+        </pc:sldMkLst>
+        <pc:spChg chg="mod">
+          <ac:chgData name="김 재현" userId="e331c24078343b94" providerId="LiveId" clId="{19C9B56C-74E6-4678-B583-1EBFD9EC01EA}" dt="2020-03-22T09:53:51.293" v="18551"/>
+          <ac:spMkLst>
+            <pc:docMk/>
+            <pc:sldMk cId="2224076728" sldId="287"/>
+            <ac:spMk id="4" creationId="{00000000-0000-0000-0000-000000000000}"/>
+          </ac:spMkLst>
+        </pc:spChg>
+        <pc:spChg chg="add">
+          <ac:chgData name="김 재현" userId="e331c24078343b94" providerId="LiveId" clId="{19C9B56C-74E6-4678-B583-1EBFD9EC01EA}" dt="2020-03-19T13:13:35.475" v="10389"/>
+          <ac:spMkLst>
+            <pc:docMk/>
+            <pc:sldMk cId="2224076728" sldId="287"/>
+            <ac:spMk id="12" creationId="{D4F9DB8E-3BC3-4DF9-8C2C-071BF81334AB}"/>
+          </ac:spMkLst>
+        </pc:spChg>
+      </pc:sldChg>
+      <pc:sldChg chg="modSp add del">
+        <pc:chgData name="김 재현" userId="e331c24078343b94" providerId="LiveId" clId="{19C9B56C-74E6-4678-B583-1EBFD9EC01EA}" dt="2020-03-17T15:24:26.730" v="1405"/>
+        <pc:sldMkLst>
+          <pc:docMk/>
+          <pc:sldMk cId="2544827942" sldId="288"/>
+        </pc:sldMkLst>
+        <pc:spChg chg="mod">
+          <ac:chgData name="김 재현" userId="e331c24078343b94" providerId="LiveId" clId="{19C9B56C-74E6-4678-B583-1EBFD9EC01EA}" dt="2020-03-17T15:24:23.715" v="1404"/>
+          <ac:spMkLst>
+            <pc:docMk/>
+            <pc:sldMk cId="2544827942" sldId="288"/>
+            <ac:spMk id="5" creationId="{6685E845-6D86-4F91-A572-B6397EFAE014}"/>
+          </ac:spMkLst>
+        </pc:spChg>
+      </pc:sldChg>
+      <pc:sldChg chg="modSp add del modNotesTx">
+        <pc:chgData name="김 재현" userId="e331c24078343b94" providerId="LiveId" clId="{19C9B56C-74E6-4678-B583-1EBFD9EC01EA}" dt="2020-03-17T15:27:57.413" v="1553" actId="2696"/>
+        <pc:sldMkLst>
+          <pc:docMk/>
+          <pc:sldMk cId="2830755774" sldId="288"/>
+        </pc:sldMkLst>
+        <pc:spChg chg="mod">
+          <ac:chgData name="김 재현" userId="e331c24078343b94" providerId="LiveId" clId="{19C9B56C-74E6-4678-B583-1EBFD9EC01EA}" dt="2020-03-17T15:24:36.857" v="1409" actId="14100"/>
+          <ac:spMkLst>
+            <pc:docMk/>
+            <pc:sldMk cId="2830755774" sldId="288"/>
+            <ac:spMk id="5" creationId="{6685E845-6D86-4F91-A572-B6397EFAE014}"/>
+          </ac:spMkLst>
+        </pc:spChg>
+        <pc:spChg chg="mod">
+          <ac:chgData name="김 재현" userId="e331c24078343b94" providerId="LiveId" clId="{19C9B56C-74E6-4678-B583-1EBFD9EC01EA}" dt="2020-03-17T15:25:51.738" v="1530" actId="20577"/>
+          <ac:spMkLst>
+            <pc:docMk/>
+            <pc:sldMk cId="2830755774" sldId="288"/>
+            <ac:spMk id="19" creationId="{F3DD76FB-EABD-4D35-A04F-233C454D3994}"/>
+          </ac:spMkLst>
+        </pc:spChg>
+        <pc:cxnChg chg="mod">
+          <ac:chgData name="김 재현" userId="e331c24078343b94" providerId="LiveId" clId="{19C9B56C-74E6-4678-B583-1EBFD9EC01EA}" dt="2020-03-17T15:25:00.057" v="1410" actId="1076"/>
+          <ac:cxnSpMkLst>
+            <pc:docMk/>
+            <pc:sldMk cId="2830755774" sldId="288"/>
+            <ac:cxnSpMk id="18" creationId="{89C848C6-6FDC-4D22-8AC0-8053449136C2}"/>
+          </ac:cxnSpMkLst>
+        </pc:cxnChg>
+      </pc:sldChg>
+      <pc:sldChg chg="addSp delSp modSp add modNotesTx">
+        <pc:chgData name="김 재현" userId="e331c24078343b94" providerId="LiveId" clId="{19C9B56C-74E6-4678-B583-1EBFD9EC01EA}" dt="2020-03-17T15:42:46.088" v="2525"/>
+        <pc:sldMkLst>
+          <pc:docMk/>
+          <pc:sldMk cId="1618230701" sldId="289"/>
+        </pc:sldMkLst>
+        <pc:spChg chg="del">
+          <ac:chgData name="김 재현" userId="e331c24078343b94" providerId="LiveId" clId="{19C9B56C-74E6-4678-B583-1EBFD9EC01EA}" dt="2020-03-17T15:27:20.679" v="1546" actId="478"/>
+          <ac:spMkLst>
+            <pc:docMk/>
+            <pc:sldMk cId="1618230701" sldId="289"/>
+            <ac:spMk id="5" creationId="{6685E845-6D86-4F91-A572-B6397EFAE014}"/>
+          </ac:spMkLst>
+        </pc:spChg>
+        <pc:spChg chg="del">
+          <ac:chgData name="김 재현" userId="e331c24078343b94" providerId="LiveId" clId="{19C9B56C-74E6-4678-B583-1EBFD9EC01EA}" dt="2020-03-17T15:28:01.170" v="1554" actId="478"/>
+          <ac:spMkLst>
+            <pc:docMk/>
+            <pc:sldMk cId="1618230701" sldId="289"/>
+            <ac:spMk id="19" creationId="{F3DD76FB-EABD-4D35-A04F-233C454D3994}"/>
+          </ac:spMkLst>
+        </pc:spChg>
+        <pc:spChg chg="add mod">
+          <ac:chgData name="김 재현" userId="e331c24078343b94" providerId="LiveId" clId="{19C9B56C-74E6-4678-B583-1EBFD9EC01EA}" dt="2020-03-17T15:27:26.698" v="1548" actId="1076"/>
+          <ac:spMkLst>
+            <pc:docMk/>
+            <pc:sldMk cId="1618230701" sldId="289"/>
+            <ac:spMk id="20" creationId="{81D02332-7A33-4013-984E-9C814D86C969}"/>
+          </ac:spMkLst>
+        </pc:spChg>
+        <pc:spChg chg="add del mod">
+          <ac:chgData name="김 재현" userId="e331c24078343b94" providerId="LiveId" clId="{19C9B56C-74E6-4678-B583-1EBFD9EC01EA}" dt="2020-03-17T15:42:46.088" v="2525"/>
+          <ac:spMkLst>
+            <pc:docMk/>
+            <pc:sldMk cId="1618230701" sldId="289"/>
+            <ac:spMk id="27" creationId="{E753775F-5B5C-4440-AA8D-3F95FF49CC9B}"/>
+          </ac:spMkLst>
+        </pc:spChg>
+        <pc:spChg chg="add mod">
+          <ac:chgData name="김 재현" userId="e331c24078343b94" providerId="LiveId" clId="{19C9B56C-74E6-4678-B583-1EBFD9EC01EA}" dt="2020-03-17T15:33:41.530" v="1990" actId="14100"/>
+          <ac:spMkLst>
+            <pc:docMk/>
+            <pc:sldMk cId="1618230701" sldId="289"/>
+            <ac:spMk id="29" creationId="{9BFF9274-C13E-4A11-B3ED-AE629EF4B72B}"/>
+          </ac:spMkLst>
+        </pc:spChg>
+        <pc:spChg chg="add mod">
+          <ac:chgData name="김 재현" userId="e331c24078343b94" providerId="LiveId" clId="{19C9B56C-74E6-4678-B583-1EBFD9EC01EA}" dt="2020-03-17T15:34:13.201" v="2001" actId="14100"/>
+          <ac:spMkLst>
+            <pc:docMk/>
+            <pc:sldMk cId="1618230701" sldId="289"/>
+            <ac:spMk id="30" creationId="{DAEA1A44-399F-4C4E-9F8C-F1F9369F66B3}"/>
+          </ac:spMkLst>
+        </pc:spChg>
+        <pc:spChg chg="add mod">
+          <ac:chgData name="김 재현" userId="e331c24078343b94" providerId="LiveId" clId="{19C9B56C-74E6-4678-B583-1EBFD9EC01EA}" dt="2020-03-17T15:33:53.417" v="1996" actId="14100"/>
+          <ac:spMkLst>
+            <pc:docMk/>
+            <pc:sldMk cId="1618230701" sldId="289"/>
+            <ac:spMk id="31" creationId="{6AA090C9-C970-434E-BA33-A4F818C28344}"/>
+          </ac:spMkLst>
+        </pc:spChg>
+        <pc:cxnChg chg="del mod">
+          <ac:chgData name="김 재현" userId="e331c24078343b94" providerId="LiveId" clId="{19C9B56C-74E6-4678-B583-1EBFD9EC01EA}" dt="2020-03-17T15:28:01.899" v="1555" actId="478"/>
+          <ac:cxnSpMkLst>
+            <pc:docMk/>
+            <pc:sldMk cId="1618230701" sldId="289"/>
+            <ac:cxnSpMk id="18" creationId="{89C848C6-6FDC-4D22-8AC0-8053449136C2}"/>
+          </ac:cxnSpMkLst>
+        </pc:cxnChg>
+        <pc:cxnChg chg="add mod">
+          <ac:chgData name="김 재현" userId="e331c24078343b94" providerId="LiveId" clId="{19C9B56C-74E6-4678-B583-1EBFD9EC01EA}" dt="2020-03-17T15:28:09.794" v="1557" actId="14100"/>
+          <ac:cxnSpMkLst>
+            <pc:docMk/>
+            <pc:sldMk cId="1618230701" sldId="289"/>
+            <ac:cxnSpMk id="22" creationId="{F1C8DBF2-EAD5-4133-9327-ADEE27573C81}"/>
+          </ac:cxnSpMkLst>
+        </pc:cxnChg>
+        <pc:cxnChg chg="add mod ord">
+          <ac:chgData name="김 재현" userId="e331c24078343b94" providerId="LiveId" clId="{19C9B56C-74E6-4678-B583-1EBFD9EC01EA}" dt="2020-03-17T15:33:56.922" v="1997" actId="166"/>
+          <ac:cxnSpMkLst>
+            <pc:docMk/>
+            <pc:sldMk cId="1618230701" sldId="289"/>
+            <ac:cxnSpMk id="28" creationId="{4CFFD702-771D-465F-94E3-FF272197243E}"/>
+          </ac:cxnSpMkLst>
+        </pc:cxnChg>
+      </pc:sldChg>
+      <pc:sldChg chg="add del">
+        <pc:chgData name="김 재현" userId="e331c24078343b94" providerId="LiveId" clId="{19C9B56C-74E6-4678-B583-1EBFD9EC01EA}" dt="2020-03-17T15:39:04.974" v="2240" actId="2696"/>
+        <pc:sldMkLst>
+          <pc:docMk/>
+          <pc:sldMk cId="2025152192" sldId="290"/>
+        </pc:sldMkLst>
+      </pc:sldChg>
+      <pc:sldChg chg="delSp modSp add modNotesTx">
+        <pc:chgData name="김 재현" userId="e331c24078343b94" providerId="LiveId" clId="{19C9B56C-74E6-4678-B583-1EBFD9EC01EA}" dt="2020-03-17T15:44:00.692" v="2622" actId="20577"/>
+        <pc:sldMkLst>
+          <pc:docMk/>
+          <pc:sldMk cId="3637294503" sldId="291"/>
+        </pc:sldMkLst>
+        <pc:spChg chg="mod">
+          <ac:chgData name="김 재현" userId="e331c24078343b94" providerId="LiveId" clId="{19C9B56C-74E6-4678-B583-1EBFD9EC01EA}" dt="2020-03-17T15:38:05.265" v="2233" actId="1076"/>
+          <ac:spMkLst>
+            <pc:docMk/>
+            <pc:sldMk cId="3637294503" sldId="291"/>
+            <ac:spMk id="20" creationId="{81D02332-7A33-4013-984E-9C814D86C969}"/>
+          </ac:spMkLst>
+        </pc:spChg>
+        <pc:spChg chg="mod">
+          <ac:chgData name="김 재현" userId="e331c24078343b94" providerId="LiveId" clId="{19C9B56C-74E6-4678-B583-1EBFD9EC01EA}" dt="2020-03-17T15:44:00.692" v="2622" actId="20577"/>
+          <ac:spMkLst>
+            <pc:docMk/>
+            <pc:sldMk cId="3637294503" sldId="291"/>
+            <ac:spMk id="27" creationId="{E753775F-5B5C-4440-AA8D-3F95FF49CC9B}"/>
+          </ac:spMkLst>
+        </pc:spChg>
+        <pc:spChg chg="del">
+          <ac:chgData name="김 재현" userId="e331c24078343b94" providerId="LiveId" clId="{19C9B56C-74E6-4678-B583-1EBFD9EC01EA}" dt="2020-03-17T15:38:28.518" v="2234" actId="478"/>
+          <ac:spMkLst>
+            <pc:docMk/>
+            <pc:sldMk cId="3637294503" sldId="291"/>
+            <ac:spMk id="29" creationId="{9BFF9274-C13E-4A11-B3ED-AE629EF4B72B}"/>
+          </ac:spMkLst>
+        </pc:spChg>
+        <pc:spChg chg="del">
+          <ac:chgData name="김 재현" userId="e331c24078343b94" providerId="LiveId" clId="{19C9B56C-74E6-4678-B583-1EBFD9EC01EA}" dt="2020-03-17T15:38:30.289" v="2236" actId="478"/>
+          <ac:spMkLst>
+            <pc:docMk/>
+            <pc:sldMk cId="3637294503" sldId="291"/>
+            <ac:spMk id="30" creationId="{DAEA1A44-399F-4C4E-9F8C-F1F9369F66B3}"/>
+          </ac:spMkLst>
+        </pc:spChg>
+        <pc:spChg chg="del">
+          <ac:chgData name="김 재현" userId="e331c24078343b94" providerId="LiveId" clId="{19C9B56C-74E6-4678-B583-1EBFD9EC01EA}" dt="2020-03-17T15:38:29.319" v="2235" actId="478"/>
+          <ac:spMkLst>
+            <pc:docMk/>
+            <pc:sldMk cId="3637294503" sldId="291"/>
+            <ac:spMk id="31" creationId="{6AA090C9-C970-434E-BA33-A4F818C28344}"/>
+          </ac:spMkLst>
+        </pc:spChg>
+        <pc:cxnChg chg="mod">
+          <ac:chgData name="김 재현" userId="e331c24078343b94" providerId="LiveId" clId="{19C9B56C-74E6-4678-B583-1EBFD9EC01EA}" dt="2020-03-17T15:38:42.577" v="2239" actId="14100"/>
+          <ac:cxnSpMkLst>
+            <pc:docMk/>
+            <pc:sldMk cId="3637294503" sldId="291"/>
+            <ac:cxnSpMk id="22" creationId="{F1C8DBF2-EAD5-4133-9327-ADEE27573C81}"/>
+          </ac:cxnSpMkLst>
+        </pc:cxnChg>
+        <pc:cxnChg chg="mod">
+          <ac:chgData name="김 재현" userId="e331c24078343b94" providerId="LiveId" clId="{19C9B56C-74E6-4678-B583-1EBFD9EC01EA}" dt="2020-03-17T15:38:40.826" v="2238" actId="14100"/>
+          <ac:cxnSpMkLst>
+            <pc:docMk/>
+            <pc:sldMk cId="3637294503" sldId="291"/>
+            <ac:cxnSpMk id="28" creationId="{4CFFD702-771D-465F-94E3-FF272197243E}"/>
+          </ac:cxnSpMkLst>
+        </pc:cxnChg>
+      </pc:sldChg>
+      <pc:sldChg chg="addSp delSp modSp add modNotesTx">
+        <pc:chgData name="김 재현" userId="e331c24078343b94" providerId="LiveId" clId="{19C9B56C-74E6-4678-B583-1EBFD9EC01EA}" dt="2020-03-17T16:00:18.526" v="3510" actId="20577"/>
+        <pc:sldMkLst>
+          <pc:docMk/>
+          <pc:sldMk cId="3208199364" sldId="292"/>
+        </pc:sldMkLst>
+        <pc:spChg chg="add mod">
+          <ac:chgData name="김 재현" userId="e331c24078343b94" providerId="LiveId" clId="{19C9B56C-74E6-4678-B583-1EBFD9EC01EA}" dt="2020-03-17T15:45:45.488" v="2687" actId="1076"/>
+          <ac:spMkLst>
+            <pc:docMk/>
+            <pc:sldMk cId="3208199364" sldId="292"/>
+            <ac:spMk id="2" creationId="{A1797C4B-D1FE-4C16-AB13-301BF94178A9}"/>
+          </ac:spMkLst>
+        </pc:spChg>
+        <pc:spChg chg="add mod">
+          <ac:chgData name="김 재현" userId="e331c24078343b94" providerId="LiveId" clId="{19C9B56C-74E6-4678-B583-1EBFD9EC01EA}" dt="2020-03-17T15:52:07.560" v="2926" actId="1076"/>
+          <ac:spMkLst>
+            <pc:docMk/>
+            <pc:sldMk cId="3208199364" sldId="292"/>
+            <ac:spMk id="3" creationId="{4BC51B91-EBAF-4F04-AB8F-3D46411BD3ED}"/>
+          </ac:spMkLst>
+        </pc:spChg>
+        <pc:spChg chg="del">
+          <ac:chgData name="김 재현" userId="e331c24078343b94" providerId="LiveId" clId="{19C9B56C-74E6-4678-B583-1EBFD9EC01EA}" dt="2020-03-17T15:44:44.081" v="2625" actId="478"/>
+          <ac:spMkLst>
+            <pc:docMk/>
+            <pc:sldMk cId="3208199364" sldId="292"/>
+            <ac:spMk id="20" creationId="{81D02332-7A33-4013-984E-9C814D86C969}"/>
+          </ac:spMkLst>
+        </pc:spChg>
+        <pc:spChg chg="del">
+          <ac:chgData name="김 재현" userId="e331c24078343b94" providerId="LiveId" clId="{19C9B56C-74E6-4678-B583-1EBFD9EC01EA}" dt="2020-03-17T15:44:44.081" v="2625" actId="478"/>
+          <ac:spMkLst>
+            <pc:docMk/>
+            <pc:sldMk cId="3208199364" sldId="292"/>
+            <ac:spMk id="27" creationId="{E753775F-5B5C-4440-AA8D-3F95FF49CC9B}"/>
+          </ac:spMkLst>
+        </pc:spChg>
+        <pc:picChg chg="del">
+          <ac:chgData name="김 재현" userId="e331c24078343b94" providerId="LiveId" clId="{19C9B56C-74E6-4678-B583-1EBFD9EC01EA}" dt="2020-03-17T15:44:44.081" v="2625" actId="478"/>
+          <ac:picMkLst>
+            <pc:docMk/>
+            <pc:sldMk cId="3208199364" sldId="292"/>
+            <ac:picMk id="21" creationId="{BA8E4CD2-35A9-4E76-AAE1-3024FF0685AB}"/>
+          </ac:picMkLst>
+        </pc:picChg>
+        <pc:cxnChg chg="del">
+          <ac:chgData name="김 재현" userId="e331c24078343b94" providerId="LiveId" clId="{19C9B56C-74E6-4678-B583-1EBFD9EC01EA}" dt="2020-03-17T15:44:44.081" v="2625" actId="478"/>
+          <ac:cxnSpMkLst>
+            <pc:docMk/>
+            <pc:sldMk cId="3208199364" sldId="292"/>
+            <ac:cxnSpMk id="22" creationId="{F1C8DBF2-EAD5-4133-9327-ADEE27573C81}"/>
+          </ac:cxnSpMkLst>
+        </pc:cxnChg>
+        <pc:cxnChg chg="del">
+          <ac:chgData name="김 재현" userId="e331c24078343b94" providerId="LiveId" clId="{19C9B56C-74E6-4678-B583-1EBFD9EC01EA}" dt="2020-03-17T15:44:44.081" v="2625" actId="478"/>
+          <ac:cxnSpMkLst>
+            <pc:docMk/>
+            <pc:sldMk cId="3208199364" sldId="292"/>
+            <ac:cxnSpMk id="28" creationId="{4CFFD702-771D-465F-94E3-FF272197243E}"/>
+          </ac:cxnSpMkLst>
+        </pc:cxnChg>
+      </pc:sldChg>
+      <pc:sldChg chg="addSp delSp modSp add modNotesTx">
+        <pc:chgData name="김 재현" userId="e331c24078343b94" providerId="LiveId" clId="{19C9B56C-74E6-4678-B583-1EBFD9EC01EA}" dt="2020-03-17T16:04:11.687" v="3714" actId="1076"/>
+        <pc:sldMkLst>
+          <pc:docMk/>
+          <pc:sldMk cId="2644107556" sldId="293"/>
+        </pc:sldMkLst>
+        <pc:spChg chg="del">
+          <ac:chgData name="김 재현" userId="e331c24078343b94" providerId="LiveId" clId="{19C9B56C-74E6-4678-B583-1EBFD9EC01EA}" dt="2020-03-17T15:52:42.820" v="2931" actId="478"/>
+          <ac:spMkLst>
+            <pc:docMk/>
+            <pc:sldMk cId="2644107556" sldId="293"/>
+            <ac:spMk id="2" creationId="{A1797C4B-D1FE-4C16-AB13-301BF94178A9}"/>
+          </ac:spMkLst>
+        </pc:spChg>
+        <pc:spChg chg="mod">
+          <ac:chgData name="김 재현" userId="e331c24078343b94" providerId="LiveId" clId="{19C9B56C-74E6-4678-B583-1EBFD9EC01EA}" dt="2020-03-17T15:52:58.325" v="2935" actId="1076"/>
+          <ac:spMkLst>
+            <pc:docMk/>
+            <pc:sldMk cId="2644107556" sldId="293"/>
+            <ac:spMk id="3" creationId="{4BC51B91-EBAF-4F04-AB8F-3D46411BD3ED}"/>
+          </ac:spMkLst>
+        </pc:spChg>
+        <pc:picChg chg="add del mod modCrop">
+          <ac:chgData name="김 재현" userId="e331c24078343b94" providerId="LiveId" clId="{19C9B56C-74E6-4678-B583-1EBFD9EC01EA}" dt="2020-03-17T16:02:15.812" v="3576" actId="478"/>
+          <ac:picMkLst>
+            <pc:docMk/>
+            <pc:sldMk cId="2644107556" sldId="293"/>
+            <ac:picMk id="5" creationId="{6E289820-2DCD-49E9-B536-2AA0D5CC1967}"/>
+          </ac:picMkLst>
+        </pc:picChg>
+        <pc:picChg chg="add mod">
+          <ac:chgData name="김 재현" userId="e331c24078343b94" providerId="LiveId" clId="{19C9B56C-74E6-4678-B583-1EBFD9EC01EA}" dt="2020-03-17T16:02:19.287" v="3579" actId="1076"/>
+          <ac:picMkLst>
+            <pc:docMk/>
+            <pc:sldMk cId="2644107556" sldId="293"/>
+            <ac:picMk id="6" creationId="{0FEF612F-4B3B-424B-B252-3617571D7B65}"/>
+          </ac:picMkLst>
+        </pc:picChg>
+        <pc:picChg chg="add mod">
+          <ac:chgData name="김 재현" userId="e331c24078343b94" providerId="LiveId" clId="{19C9B56C-74E6-4678-B583-1EBFD9EC01EA}" dt="2020-03-17T16:03:39.159" v="3705" actId="1076"/>
+          <ac:picMkLst>
+            <pc:docMk/>
+            <pc:sldMk cId="2644107556" sldId="293"/>
+            <ac:picMk id="7" creationId="{8EB6DFA6-7DA5-4BF5-AAA1-93276BE73FBD}"/>
+          </ac:picMkLst>
+        </pc:picChg>
+        <pc:picChg chg="add mod">
+          <ac:chgData name="김 재현" userId="e331c24078343b94" providerId="LiveId" clId="{19C9B56C-74E6-4678-B583-1EBFD9EC01EA}" dt="2020-03-17T16:03:47.567" v="3709" actId="1076"/>
+          <ac:picMkLst>
+            <pc:docMk/>
+            <pc:sldMk cId="2644107556" sldId="293"/>
+            <ac:picMk id="8" creationId="{E1FF36EC-3C3F-4FC0-BCF8-9273A22193AF}"/>
+          </ac:picMkLst>
+        </pc:picChg>
+        <pc:picChg chg="add mod modCrop">
+          <ac:chgData name="김 재현" userId="e331c24078343b94" providerId="LiveId" clId="{19C9B56C-74E6-4678-B583-1EBFD9EC01EA}" dt="2020-03-17T16:04:11.687" v="3714" actId="1076"/>
+          <ac:picMkLst>
+            <pc:docMk/>
+            <pc:sldMk cId="2644107556" sldId="293"/>
+            <ac:picMk id="9" creationId="{0425920C-934F-4FC1-AE3B-C70EE1816AFA}"/>
+          </ac:picMkLst>
+        </pc:picChg>
+      </pc:sldChg>
+      <pc:sldChg chg="addSp delSp modSp add modNotesTx">
+        <pc:chgData name="김 재현" userId="e331c24078343b94" providerId="LiveId" clId="{19C9B56C-74E6-4678-B583-1EBFD9EC01EA}" dt="2020-03-17T16:09:45.697" v="3858" actId="20577"/>
+        <pc:sldMkLst>
+          <pc:docMk/>
+          <pc:sldMk cId="419462434" sldId="294"/>
+        </pc:sldMkLst>
+        <pc:spChg chg="del">
+          <ac:chgData name="김 재현" userId="e331c24078343b94" providerId="LiveId" clId="{19C9B56C-74E6-4678-B583-1EBFD9EC01EA}" dt="2020-03-17T16:04:22.007" v="3719" actId="478"/>
+          <ac:spMkLst>
+            <pc:docMk/>
+            <pc:sldMk cId="419462434" sldId="294"/>
+            <ac:spMk id="2" creationId="{A1797C4B-D1FE-4C16-AB13-301BF94178A9}"/>
+          </ac:spMkLst>
+        </pc:spChg>
+        <pc:spChg chg="mod">
+          <ac:chgData name="김 재현" userId="e331c24078343b94" providerId="LiveId" clId="{19C9B56C-74E6-4678-B583-1EBFD9EC01EA}" dt="2020-03-17T16:04:25.808" v="3720" actId="1076"/>
+          <ac:spMkLst>
+            <pc:docMk/>
+            <pc:sldMk cId="419462434" sldId="294"/>
+            <ac:spMk id="3" creationId="{4BC51B91-EBAF-4F04-AB8F-3D46411BD3ED}"/>
+          </ac:spMkLst>
+        </pc:spChg>
+        <pc:picChg chg="add mod">
+          <ac:chgData name="김 재현" userId="e331c24078343b94" providerId="LiveId" clId="{19C9B56C-74E6-4678-B583-1EBFD9EC01EA}" dt="2020-03-17T16:06:49.634" v="3733" actId="1076"/>
+          <ac:picMkLst>
+            <pc:docMk/>
+            <pc:sldMk cId="419462434" sldId="294"/>
+            <ac:picMk id="5" creationId="{A900C306-AFB7-449F-88D2-1670E0466D02}"/>
+          </ac:picMkLst>
+        </pc:picChg>
+        <pc:picChg chg="add mod modCrop">
+          <ac:chgData name="김 재현" userId="e331c24078343b94" providerId="LiveId" clId="{19C9B56C-74E6-4678-B583-1EBFD9EC01EA}" dt="2020-03-17T16:06:27.807" v="3727" actId="1076"/>
+          <ac:picMkLst>
+            <pc:docMk/>
+            <pc:sldMk cId="419462434" sldId="294"/>
+            <ac:picMk id="6" creationId="{09353660-5D2D-4FAC-8A47-F2BB29B387E7}"/>
+          </ac:picMkLst>
+        </pc:picChg>
+      </pc:sldChg>
+      <pc:sldChg chg="addSp delSp modSp add modNotesTx">
+        <pc:chgData name="김 재현" userId="e331c24078343b94" providerId="LiveId" clId="{19C9B56C-74E6-4678-B583-1EBFD9EC01EA}" dt="2020-03-17T16:10:24.323" v="4010" actId="20577"/>
+        <pc:sldMkLst>
+          <pc:docMk/>
+          <pc:sldMk cId="3538734000" sldId="295"/>
+        </pc:sldMkLst>
+        <pc:spChg chg="del">
+          <ac:chgData name="김 재현" userId="e331c24078343b94" providerId="LiveId" clId="{19C9B56C-74E6-4678-B583-1EBFD9EC01EA}" dt="2020-03-17T16:07:06.245" v="3736" actId="478"/>
+          <ac:spMkLst>
+            <pc:docMk/>
+            <pc:sldMk cId="3538734000" sldId="295"/>
+            <ac:spMk id="2" creationId="{A1797C4B-D1FE-4C16-AB13-301BF94178A9}"/>
+          </ac:spMkLst>
+        </pc:spChg>
+        <pc:spChg chg="mod">
+          <ac:chgData name="김 재현" userId="e331c24078343b94" providerId="LiveId" clId="{19C9B56C-74E6-4678-B583-1EBFD9EC01EA}" dt="2020-03-17T16:07:12.504" v="3739" actId="14100"/>
+          <ac:spMkLst>
+            <pc:docMk/>
+            <pc:sldMk cId="3538734000" sldId="295"/>
+            <ac:spMk id="3" creationId="{4BC51B91-EBAF-4F04-AB8F-3D46411BD3ED}"/>
+          </ac:spMkLst>
+        </pc:spChg>
+        <pc:picChg chg="add mod">
+          <ac:chgData name="김 재현" userId="e331c24078343b94" providerId="LiveId" clId="{19C9B56C-74E6-4678-B583-1EBFD9EC01EA}" dt="2020-03-17T16:08:34.415" v="3742" actId="1076"/>
+          <ac:picMkLst>
+            <pc:docMk/>
+            <pc:sldMk cId="3538734000" sldId="295"/>
+            <ac:picMk id="5" creationId="{6BB6F7C4-9AFD-41FE-B506-44910A62CF12}"/>
+          </ac:picMkLst>
+        </pc:picChg>
+        <pc:picChg chg="add mod">
+          <ac:chgData name="김 재현" userId="e331c24078343b94" providerId="LiveId" clId="{19C9B56C-74E6-4678-B583-1EBFD9EC01EA}" dt="2020-03-17T16:08:48.111" v="3745" actId="14100"/>
+          <ac:picMkLst>
+            <pc:docMk/>
+            <pc:sldMk cId="3538734000" sldId="295"/>
+            <ac:picMk id="6" creationId="{741E4601-FA31-4E3E-8543-D842D07F6742}"/>
+          </ac:picMkLst>
+        </pc:picChg>
+      </pc:sldChg>
+      <pc:sldChg chg="addSp delSp modSp add modNotesTx">
+        <pc:chgData name="김 재현" userId="e331c24078343b94" providerId="LiveId" clId="{19C9B56C-74E6-4678-B583-1EBFD9EC01EA}" dt="2020-03-19T13:07:28.875" v="10053" actId="255"/>
+        <pc:sldMkLst>
+          <pc:docMk/>
+          <pc:sldMk cId="1975835853" sldId="296"/>
+        </pc:sldMkLst>
+        <pc:spChg chg="add mod">
+          <ac:chgData name="김 재현" userId="e331c24078343b94" providerId="LiveId" clId="{19C9B56C-74E6-4678-B583-1EBFD9EC01EA}" dt="2020-03-19T13:07:28.875" v="10053" actId="255"/>
+          <ac:spMkLst>
+            <pc:docMk/>
+            <pc:sldMk cId="1975835853" sldId="296"/>
+            <ac:spMk id="2" creationId="{243E1373-DCDE-42EA-B4E6-CEDFD82676E7}"/>
+          </ac:spMkLst>
+        </pc:spChg>
+        <pc:spChg chg="del">
+          <ac:chgData name="김 재현" userId="e331c24078343b94" providerId="LiveId" clId="{19C9B56C-74E6-4678-B583-1EBFD9EC01EA}" dt="2020-03-17T16:11:43.672" v="4012" actId="478"/>
+          <ac:spMkLst>
+            <pc:docMk/>
+            <pc:sldMk cId="1975835853" sldId="296"/>
+            <ac:spMk id="5" creationId="{6685E845-6D86-4F91-A572-B6397EFAE014}"/>
+          </ac:spMkLst>
+        </pc:spChg>
+        <pc:spChg chg="del">
+          <ac:chgData name="김 재현" userId="e331c24078343b94" providerId="LiveId" clId="{19C9B56C-74E6-4678-B583-1EBFD9EC01EA}" dt="2020-03-17T16:11:43.672" v="4012" actId="478"/>
+          <ac:spMkLst>
+            <pc:docMk/>
+            <pc:sldMk cId="1975835853" sldId="296"/>
+            <ac:spMk id="19" creationId="{F3DD76FB-EABD-4D35-A04F-233C454D3994}"/>
+          </ac:spMkLst>
+        </pc:spChg>
+        <pc:spChg chg="del">
+          <ac:chgData name="김 재현" userId="e331c24078343b94" providerId="LiveId" clId="{19C9B56C-74E6-4678-B583-1EBFD9EC01EA}" dt="2020-03-17T16:11:43.672" v="4012" actId="478"/>
+          <ac:spMkLst>
+            <pc:docMk/>
+            <pc:sldMk cId="1975835853" sldId="296"/>
+            <ac:spMk id="28" creationId="{1FDF55E8-20BF-4898-AB45-AE16437DC077}"/>
+          </ac:spMkLst>
+        </pc:spChg>
+        <pc:picChg chg="del">
+          <ac:chgData name="김 재현" userId="e331c24078343b94" providerId="LiveId" clId="{19C9B56C-74E6-4678-B583-1EBFD9EC01EA}" dt="2020-03-17T16:11:45.561" v="4013" actId="478"/>
+          <ac:picMkLst>
+            <pc:docMk/>
+            <pc:sldMk cId="1975835853" sldId="296"/>
+            <ac:picMk id="21" creationId="{BA8E4CD2-35A9-4E76-AAE1-3024FF0685AB}"/>
+          </ac:picMkLst>
+        </pc:picChg>
+        <pc:cxnChg chg="del mod">
+          <ac:chgData name="김 재현" userId="e331c24078343b94" providerId="LiveId" clId="{19C9B56C-74E6-4678-B583-1EBFD9EC01EA}" dt="2020-03-17T16:11:43.672" v="4012" actId="478"/>
+          <ac:cxnSpMkLst>
+            <pc:docMk/>
+            <pc:sldMk cId="1975835853" sldId="296"/>
+            <ac:cxnSpMk id="18" creationId="{89C848C6-6FDC-4D22-8AC0-8053449136C2}"/>
+          </ac:cxnSpMkLst>
+        </pc:cxnChg>
+      </pc:sldChg>
+      <pc:sldChg chg="add del">
+        <pc:chgData name="김 재현" userId="e331c24078343b94" providerId="LiveId" clId="{19C9B56C-74E6-4678-B583-1EBFD9EC01EA}" dt="2020-03-18T16:50:33.206" v="5669" actId="2696"/>
+        <pc:sldMkLst>
+          <pc:docMk/>
+          <pc:sldMk cId="3234239337" sldId="297"/>
+        </pc:sldMkLst>
+      </pc:sldChg>
+      <pc:sldChg chg="add del">
+        <pc:chgData name="김 재현" userId="e331c24078343b94" providerId="LiveId" clId="{19C9B56C-74E6-4678-B583-1EBFD9EC01EA}" dt="2020-03-18T16:50:36.101" v="5672" actId="2696"/>
+        <pc:sldMkLst>
+          <pc:docMk/>
+          <pc:sldMk cId="249392051" sldId="298"/>
+        </pc:sldMkLst>
+      </pc:sldChg>
+      <pc:sldChg chg="add del">
+        <pc:chgData name="김 재현" userId="e331c24078343b94" providerId="LiveId" clId="{19C9B56C-74E6-4678-B583-1EBFD9EC01EA}" dt="2020-03-18T16:50:34.521" v="5670" actId="2696"/>
+        <pc:sldMkLst>
+          <pc:docMk/>
+          <pc:sldMk cId="126705818" sldId="299"/>
+        </pc:sldMkLst>
+      </pc:sldChg>
+      <pc:sldChg chg="add del">
+        <pc:chgData name="김 재현" userId="e331c24078343b94" providerId="LiveId" clId="{19C9B56C-74E6-4678-B583-1EBFD9EC01EA}" dt="2020-03-18T16:50:35.478" v="5671" actId="2696"/>
+        <pc:sldMkLst>
+          <pc:docMk/>
+          <pc:sldMk cId="1747347166" sldId="300"/>
+        </pc:sldMkLst>
+      </pc:sldChg>
+      <pc:sldChg chg="addSp delSp modSp add modNotesTx">
+        <pc:chgData name="김 재현" userId="e331c24078343b94" providerId="LiveId" clId="{19C9B56C-74E6-4678-B583-1EBFD9EC01EA}" dt="2020-03-18T17:22:32.001" v="6705" actId="1076"/>
+        <pc:sldMkLst>
+          <pc:docMk/>
+          <pc:sldMk cId="270533716" sldId="301"/>
+        </pc:sldMkLst>
+        <pc:spChg chg="mod">
+          <ac:chgData name="김 재현" userId="e331c24078343b94" providerId="LiveId" clId="{19C9B56C-74E6-4678-B583-1EBFD9EC01EA}" dt="2020-03-18T17:22:32.001" v="6705" actId="1076"/>
+          <ac:spMkLst>
+            <pc:docMk/>
+            <pc:sldMk cId="270533716" sldId="301"/>
+            <ac:spMk id="2" creationId="{17627198-7BA4-4049-8F8A-321825339A26}"/>
+          </ac:spMkLst>
+        </pc:spChg>
+        <pc:spChg chg="add del mod">
+          <ac:chgData name="김 재현" userId="e331c24078343b94" providerId="LiveId" clId="{19C9B56C-74E6-4678-B583-1EBFD9EC01EA}" dt="2020-03-18T17:22:32.001" v="6705" actId="1076"/>
+          <ac:spMkLst>
+            <pc:docMk/>
+            <pc:sldMk cId="270533716" sldId="301"/>
+            <ac:spMk id="7" creationId="{251CA5DB-B6B2-48B0-8E6E-CC842C7CB6BF}"/>
+          </ac:spMkLst>
+        </pc:spChg>
+        <pc:picChg chg="mod">
+          <ac:chgData name="김 재현" userId="e331c24078343b94" providerId="LiveId" clId="{19C9B56C-74E6-4678-B583-1EBFD9EC01EA}" dt="2020-03-18T17:20:29.385" v="6656" actId="1076"/>
+          <ac:picMkLst>
+            <pc:docMk/>
+            <pc:sldMk cId="270533716" sldId="301"/>
+            <ac:picMk id="3" creationId="{4D50163F-BACF-42DB-9689-480AAEAB320B}"/>
+          </ac:picMkLst>
+        </pc:picChg>
+        <pc:picChg chg="mod">
+          <ac:chgData name="김 재현" userId="e331c24078343b94" providerId="LiveId" clId="{19C9B56C-74E6-4678-B583-1EBFD9EC01EA}" dt="2020-03-18T17:20:28.329" v="6655" actId="1076"/>
+          <ac:picMkLst>
+            <pc:docMk/>
+            <pc:sldMk cId="270533716" sldId="301"/>
+            <ac:picMk id="5" creationId="{D7F6EF17-E8F0-4A96-992F-9FCC6EAD4EA1}"/>
+          </ac:picMkLst>
+        </pc:picChg>
+        <pc:picChg chg="add del">
+          <ac:chgData name="김 재현" userId="e331c24078343b94" providerId="LiveId" clId="{19C9B56C-74E6-4678-B583-1EBFD9EC01EA}" dt="2020-03-18T16:50:14.600" v="5666"/>
+          <ac:picMkLst>
+            <pc:docMk/>
+            <pc:sldMk cId="270533716" sldId="301"/>
+            <ac:picMk id="6" creationId="{9D455AF6-3AA7-4DD4-9929-CA63187B8E7E}"/>
+          </ac:picMkLst>
+        </pc:picChg>
+      </pc:sldChg>
+      <pc:sldChg chg="addSp modSp add modNotesTx">
+        <pc:chgData name="김 재현" userId="e331c24078343b94" providerId="LiveId" clId="{19C9B56C-74E6-4678-B583-1EBFD9EC01EA}" dt="2020-03-18T17:22:44.361" v="6706" actId="1076"/>
+        <pc:sldMkLst>
+          <pc:docMk/>
+          <pc:sldMk cId="557777666" sldId="302"/>
+        </pc:sldMkLst>
+        <pc:spChg chg="mod">
+          <ac:chgData name="김 재현" userId="e331c24078343b94" providerId="LiveId" clId="{19C9B56C-74E6-4678-B583-1EBFD9EC01EA}" dt="2020-03-18T17:22:44.361" v="6706" actId="1076"/>
+          <ac:spMkLst>
+            <pc:docMk/>
+            <pc:sldMk cId="557777666" sldId="302"/>
+            <ac:spMk id="2" creationId="{17627198-7BA4-4049-8F8A-321825339A26}"/>
+          </ac:spMkLst>
+        </pc:spChg>
+        <pc:spChg chg="add mod">
+          <ac:chgData name="김 재현" userId="e331c24078343b94" providerId="LiveId" clId="{19C9B56C-74E6-4678-B583-1EBFD9EC01EA}" dt="2020-03-18T17:22:44.361" v="6706" actId="1076"/>
+          <ac:spMkLst>
+            <pc:docMk/>
+            <pc:sldMk cId="557777666" sldId="302"/>
+            <ac:spMk id="6" creationId="{81A8DC94-4F28-4B15-8466-40A8DDB94BA4}"/>
+          </ac:spMkLst>
+        </pc:spChg>
+        <pc:picChg chg="mod">
+          <ac:chgData name="김 재현" userId="e331c24078343b94" providerId="LiveId" clId="{19C9B56C-74E6-4678-B583-1EBFD9EC01EA}" dt="2020-03-18T16:52:06.411" v="5800" actId="14826"/>
+          <ac:picMkLst>
+            <pc:docMk/>
+            <pc:sldMk cId="557777666" sldId="302"/>
+            <ac:picMk id="3" creationId="{4D50163F-BACF-42DB-9689-480AAEAB320B}"/>
+          </ac:picMkLst>
+        </pc:picChg>
+        <pc:picChg chg="mod">
+          <ac:chgData name="김 재현" userId="e331c24078343b94" providerId="LiveId" clId="{19C9B56C-74E6-4678-B583-1EBFD9EC01EA}" dt="2020-03-18T16:52:15.544" v="5801" actId="14826"/>
+          <ac:picMkLst>
+            <pc:docMk/>
+            <pc:sldMk cId="557777666" sldId="302"/>
+            <ac:picMk id="5" creationId="{D7F6EF17-E8F0-4A96-992F-9FCC6EAD4EA1}"/>
+          </ac:picMkLst>
+        </pc:picChg>
+      </pc:sldChg>
+      <pc:sldChg chg="addSp modSp add modNotesTx">
+        <pc:chgData name="김 재현" userId="e331c24078343b94" providerId="LiveId" clId="{19C9B56C-74E6-4678-B583-1EBFD9EC01EA}" dt="2020-03-18T17:23:08.943" v="6712" actId="1076"/>
+        <pc:sldMkLst>
+          <pc:docMk/>
+          <pc:sldMk cId="624117837" sldId="303"/>
+        </pc:sldMkLst>
+        <pc:spChg chg="mod">
+          <ac:chgData name="김 재현" userId="e331c24078343b94" providerId="LiveId" clId="{19C9B56C-74E6-4678-B583-1EBFD9EC01EA}" dt="2020-03-18T17:23:08.943" v="6712" actId="1076"/>
+          <ac:spMkLst>
+            <pc:docMk/>
+            <pc:sldMk cId="624117837" sldId="303"/>
+            <ac:spMk id="2" creationId="{17627198-7BA4-4049-8F8A-321825339A26}"/>
+          </ac:spMkLst>
+        </pc:spChg>
+        <pc:spChg chg="add mod">
+          <ac:chgData name="김 재현" userId="e331c24078343b94" providerId="LiveId" clId="{19C9B56C-74E6-4678-B583-1EBFD9EC01EA}" dt="2020-03-18T17:23:04.977" v="6711" actId="1076"/>
+          <ac:spMkLst>
+            <pc:docMk/>
+            <pc:sldMk cId="624117837" sldId="303"/>
+            <ac:spMk id="18" creationId="{B191A7DB-FA75-4B11-AA8D-37FC12283E1D}"/>
+          </ac:spMkLst>
+        </pc:spChg>
+        <pc:picChg chg="mod">
+          <ac:chgData name="김 재현" userId="e331c24078343b94" providerId="LiveId" clId="{19C9B56C-74E6-4678-B583-1EBFD9EC01EA}" dt="2020-03-18T17:22:54.328" v="6707" actId="1076"/>
+          <ac:picMkLst>
+            <pc:docMk/>
+            <pc:sldMk cId="624117837" sldId="303"/>
+            <ac:picMk id="3" creationId="{4D50163F-BACF-42DB-9689-480AAEAB320B}"/>
+          </ac:picMkLst>
+        </pc:picChg>
+        <pc:picChg chg="mod modCrop">
+          <ac:chgData name="김 재현" userId="e331c24078343b94" providerId="LiveId" clId="{19C9B56C-74E6-4678-B583-1EBFD9EC01EA}" dt="2020-03-18T17:23:02.728" v="6710" actId="1076"/>
+          <ac:picMkLst>
+            <pc:docMk/>
+            <pc:sldMk cId="624117837" sldId="303"/>
+            <ac:picMk id="5" creationId="{D7F6EF17-E8F0-4A96-992F-9FCC6EAD4EA1}"/>
+          </ac:picMkLst>
+        </pc:picChg>
+      </pc:sldChg>
+      <pc:sldChg chg="addSp delSp modSp add modNotesTx">
+        <pc:chgData name="김 재현" userId="e331c24078343b94" providerId="LiveId" clId="{19C9B56C-74E6-4678-B583-1EBFD9EC01EA}" dt="2020-03-18T17:21:45.323" v="6698" actId="1076"/>
+        <pc:sldMkLst>
+          <pc:docMk/>
+          <pc:sldMk cId="698444660" sldId="304"/>
+        </pc:sldMkLst>
+        <pc:spChg chg="mod">
+          <ac:chgData name="김 재현" userId="e331c24078343b94" providerId="LiveId" clId="{19C9B56C-74E6-4678-B583-1EBFD9EC01EA}" dt="2020-03-18T16:56:39.266" v="5938" actId="1076"/>
+          <ac:spMkLst>
+            <pc:docMk/>
+            <pc:sldMk cId="698444660" sldId="304"/>
+            <ac:spMk id="2" creationId="{17627198-7BA4-4049-8F8A-321825339A26}"/>
+          </ac:spMkLst>
+        </pc:spChg>
+        <pc:spChg chg="add del mod">
+          <ac:chgData name="김 재현" userId="e331c24078343b94" providerId="LiveId" clId="{19C9B56C-74E6-4678-B583-1EBFD9EC01EA}" dt="2020-03-18T17:02:41.042" v="6164" actId="1076"/>
+          <ac:spMkLst>
+            <pc:docMk/>
+            <pc:sldMk cId="698444660" sldId="304"/>
+            <ac:spMk id="7" creationId="{71E28C23-060C-48F1-91A6-21C81B00FC64}"/>
+          </ac:spMkLst>
+        </pc:spChg>
+        <pc:picChg chg="mod">
+          <ac:chgData name="김 재현" userId="e331c24078343b94" providerId="LiveId" clId="{19C9B56C-74E6-4678-B583-1EBFD9EC01EA}" dt="2020-03-18T17:01:44.472" v="6136" actId="1076"/>
+          <ac:picMkLst>
+            <pc:docMk/>
+            <pc:sldMk cId="698444660" sldId="304"/>
+            <ac:picMk id="3" creationId="{4D50163F-BACF-42DB-9689-480AAEAB320B}"/>
+          </ac:picMkLst>
+        </pc:picChg>
+        <pc:picChg chg="mod ord">
+          <ac:chgData name="김 재현" userId="e331c24078343b94" providerId="LiveId" clId="{19C9B56C-74E6-4678-B583-1EBFD9EC01EA}" dt="2020-03-18T17:02:58.130" v="6168" actId="1076"/>
+          <ac:picMkLst>
+            <pc:docMk/>
+            <pc:sldMk cId="698444660" sldId="304"/>
+            <ac:picMk id="5" creationId="{D7F6EF17-E8F0-4A96-992F-9FCC6EAD4EA1}"/>
+          </ac:picMkLst>
+        </pc:picChg>
+        <pc:picChg chg="add mod">
+          <ac:chgData name="김 재현" userId="e331c24078343b94" providerId="LiveId" clId="{19C9B56C-74E6-4678-B583-1EBFD9EC01EA}" dt="2020-03-18T17:21:45.323" v="6698" actId="1076"/>
+          <ac:picMkLst>
+            <pc:docMk/>
+            <pc:sldMk cId="698444660" sldId="304"/>
+            <ac:picMk id="6" creationId="{93F6A373-8EBF-42FD-B8BB-AD43312ED28F}"/>
+          </ac:picMkLst>
+        </pc:picChg>
+      </pc:sldChg>
+      <pc:sldChg chg="modSp add modNotesTx">
+        <pc:chgData name="김 재현" userId="e331c24078343b94" providerId="LiveId" clId="{19C9B56C-74E6-4678-B583-1EBFD9EC01EA}" dt="2020-03-18T17:21:48.408" v="6699" actId="1076"/>
+        <pc:sldMkLst>
+          <pc:docMk/>
+          <pc:sldMk cId="2587317154" sldId="305"/>
+        </pc:sldMkLst>
+        <pc:spChg chg="mod">
+          <ac:chgData name="김 재현" userId="e331c24078343b94" providerId="LiveId" clId="{19C9B56C-74E6-4678-B583-1EBFD9EC01EA}" dt="2020-03-18T17:04:24.740" v="6175"/>
+          <ac:spMkLst>
+            <pc:docMk/>
+            <pc:sldMk cId="2587317154" sldId="305"/>
+            <ac:spMk id="2" creationId="{17627198-7BA4-4049-8F8A-321825339A26}"/>
+          </ac:spMkLst>
+        </pc:spChg>
+        <pc:spChg chg="mod">
+          <ac:chgData name="김 재현" userId="e331c24078343b94" providerId="LiveId" clId="{19C9B56C-74E6-4678-B583-1EBFD9EC01EA}" dt="2020-03-18T17:05:29.794" v="6196"/>
+          <ac:spMkLst>
+            <pc:docMk/>
+            <pc:sldMk cId="2587317154" sldId="305"/>
+            <ac:spMk id="7" creationId="{71E28C23-060C-48F1-91A6-21C81B00FC64}"/>
+          </ac:spMkLst>
+        </pc:spChg>
+        <pc:picChg chg="mod">
+          <ac:chgData name="김 재현" userId="e331c24078343b94" providerId="LiveId" clId="{19C9B56C-74E6-4678-B583-1EBFD9EC01EA}" dt="2020-03-18T17:04:50.243" v="6180" actId="14826"/>
+          <ac:picMkLst>
+            <pc:docMk/>
+            <pc:sldMk cId="2587317154" sldId="305"/>
+            <ac:picMk id="3" creationId="{4D50163F-BACF-42DB-9689-480AAEAB320B}"/>
+          </ac:picMkLst>
+        </pc:picChg>
+        <pc:picChg chg="mod">
+          <ac:chgData name="김 재현" userId="e331c24078343b94" providerId="LiveId" clId="{19C9B56C-74E6-4678-B583-1EBFD9EC01EA}" dt="2020-03-18T17:05:16.364" v="6182" actId="14826"/>
+          <ac:picMkLst>
+            <pc:docMk/>
+            <pc:sldMk cId="2587317154" sldId="305"/>
+            <ac:picMk id="5" creationId="{D7F6EF17-E8F0-4A96-992F-9FCC6EAD4EA1}"/>
+          </ac:picMkLst>
+        </pc:picChg>
+        <pc:picChg chg="mod">
+          <ac:chgData name="김 재현" userId="e331c24078343b94" providerId="LiveId" clId="{19C9B56C-74E6-4678-B583-1EBFD9EC01EA}" dt="2020-03-18T17:21:48.408" v="6699" actId="1076"/>
+          <ac:picMkLst>
+            <pc:docMk/>
+            <pc:sldMk cId="2587317154" sldId="305"/>
+            <ac:picMk id="6" creationId="{93F6A373-8EBF-42FD-B8BB-AD43312ED28F}"/>
+          </ac:picMkLst>
+        </pc:picChg>
+      </pc:sldChg>
+      <pc:sldChg chg="addSp delSp modSp add delAnim modAnim modNotesTx">
+        <pc:chgData name="김 재현" userId="e331c24078343b94" providerId="LiveId" clId="{19C9B56C-74E6-4678-B583-1EBFD9EC01EA}" dt="2020-03-18T17:17:15.386" v="6525" actId="20577"/>
+        <pc:sldMkLst>
+          <pc:docMk/>
+          <pc:sldMk cId="1836632089" sldId="306"/>
+        </pc:sldMkLst>
+        <pc:spChg chg="mod">
+          <ac:chgData name="김 재현" userId="e331c24078343b94" providerId="LiveId" clId="{19C9B56C-74E6-4678-B583-1EBFD9EC01EA}" dt="2020-03-18T17:06:18.738" v="6226" actId="1076"/>
+          <ac:spMkLst>
+            <pc:docMk/>
+            <pc:sldMk cId="1836632089" sldId="306"/>
+            <ac:spMk id="2" creationId="{17627198-7BA4-4049-8F8A-321825339A26}"/>
+          </ac:spMkLst>
+        </pc:spChg>
+        <pc:spChg chg="add mod">
+          <ac:chgData name="김 재현" userId="e331c24078343b94" providerId="LiveId" clId="{19C9B56C-74E6-4678-B583-1EBFD9EC01EA}" dt="2020-03-18T17:15:31.354" v="6458" actId="1076"/>
+          <ac:spMkLst>
+            <pc:docMk/>
+            <pc:sldMk cId="1836632089" sldId="306"/>
+            <ac:spMk id="6" creationId="{B00B2C36-00C4-4142-8128-CF5584C2DFBD}"/>
+          </ac:spMkLst>
+        </pc:spChg>
+        <pc:spChg chg="add del">
+          <ac:chgData name="김 재현" userId="e331c24078343b94" providerId="LiveId" clId="{19C9B56C-74E6-4678-B583-1EBFD9EC01EA}" dt="2020-03-18T17:07:18.700" v="6245" actId="478"/>
+          <ac:spMkLst>
+            <pc:docMk/>
+            <pc:sldMk cId="1836632089" sldId="306"/>
+            <ac:spMk id="7" creationId="{F4E4FFA0-EBD4-4672-8FA5-1444E3052971}"/>
+          </ac:spMkLst>
+        </pc:spChg>
+        <pc:spChg chg="add mod">
+          <ac:chgData name="김 재현" userId="e331c24078343b94" providerId="LiveId" clId="{19C9B56C-74E6-4678-B583-1EBFD9EC01EA}" dt="2020-03-18T17:17:15.386" v="6525" actId="20577"/>
+          <ac:spMkLst>
+            <pc:docMk/>
+            <pc:sldMk cId="1836632089" sldId="306"/>
+            <ac:spMk id="9" creationId="{2A350382-5B4E-4D93-B5F2-2E60D71AFC61}"/>
+          </ac:spMkLst>
+        </pc:spChg>
+        <pc:spChg chg="add mod">
+          <ac:chgData name="김 재현" userId="e331c24078343b94" providerId="LiveId" clId="{19C9B56C-74E6-4678-B583-1EBFD9EC01EA}" dt="2020-03-18T17:15:34.665" v="6459" actId="1076"/>
+          <ac:spMkLst>
+            <pc:docMk/>
+            <pc:sldMk cId="1836632089" sldId="306"/>
+            <ac:spMk id="18" creationId="{C4E11F33-4E56-4FE5-8B69-3A66A64C6DED}"/>
+          </ac:spMkLst>
+        </pc:spChg>
+        <pc:picChg chg="del">
+          <ac:chgData name="김 재현" userId="e331c24078343b94" providerId="LiveId" clId="{19C9B56C-74E6-4678-B583-1EBFD9EC01EA}" dt="2020-03-18T17:07:01.658" v="6230" actId="478"/>
+          <ac:picMkLst>
+            <pc:docMk/>
+            <pc:sldMk cId="1836632089" sldId="306"/>
+            <ac:picMk id="3" creationId="{4D50163F-BACF-42DB-9689-480AAEAB320B}"/>
+          </ac:picMkLst>
+        </pc:picChg>
+        <pc:picChg chg="del">
+          <ac:chgData name="김 재현" userId="e331c24078343b94" providerId="LiveId" clId="{19C9B56C-74E6-4678-B583-1EBFD9EC01EA}" dt="2020-03-18T17:07:02.060" v="6231" actId="478"/>
+          <ac:picMkLst>
+            <pc:docMk/>
+            <pc:sldMk cId="1836632089" sldId="306"/>
+            <ac:picMk id="5" creationId="{D7F6EF17-E8F0-4A96-992F-9FCC6EAD4EA1}"/>
+          </ac:picMkLst>
+        </pc:picChg>
+        <pc:picChg chg="add mod">
+          <ac:chgData name="김 재현" userId="e331c24078343b94" providerId="LiveId" clId="{19C9B56C-74E6-4678-B583-1EBFD9EC01EA}" dt="2020-03-18T17:15:38.969" v="6462" actId="1076"/>
+          <ac:picMkLst>
+            <pc:docMk/>
+            <pc:sldMk cId="1836632089" sldId="306"/>
+            <ac:picMk id="8" creationId="{4415BB22-5F9E-4608-9622-DCFE071356AC}"/>
+          </ac:picMkLst>
+        </pc:picChg>
+      </pc:sldChg>
+      <pc:sldChg chg="addSp delSp modSp add modAnim modNotesTx">
+        <pc:chgData name="김 재현" userId="e331c24078343b94" providerId="LiveId" clId="{19C9B56C-74E6-4678-B583-1EBFD9EC01EA}" dt="2020-03-19T13:14:45.232" v="10393" actId="1076"/>
+        <pc:sldMkLst>
+          <pc:docMk/>
+          <pc:sldMk cId="2586186972" sldId="307"/>
+        </pc:sldMkLst>
+        <pc:spChg chg="mod">
+          <ac:chgData name="김 재현" userId="e331c24078343b94" providerId="LiveId" clId="{19C9B56C-74E6-4678-B583-1EBFD9EC01EA}" dt="2020-03-18T17:09:18.321" v="6407" actId="1076"/>
+          <ac:spMkLst>
+            <pc:docMk/>
+            <pc:sldMk cId="2586186972" sldId="307"/>
+            <ac:spMk id="2" creationId="{17627198-7BA4-4049-8F8A-321825339A26}"/>
+          </ac:spMkLst>
+        </pc:spChg>
+        <pc:spChg chg="del">
+          <ac:chgData name="김 재현" userId="e331c24078343b94" providerId="LiveId" clId="{19C9B56C-74E6-4678-B583-1EBFD9EC01EA}" dt="2020-03-18T17:14:24.980" v="6414" actId="478"/>
+          <ac:spMkLst>
+            <pc:docMk/>
+            <pc:sldMk cId="2586186972" sldId="307"/>
+            <ac:spMk id="7" creationId="{71E28C23-060C-48F1-91A6-21C81B00FC64}"/>
+          </ac:spMkLst>
+        </pc:spChg>
+        <pc:picChg chg="add del mod">
+          <ac:chgData name="김 재현" userId="e331c24078343b94" providerId="LiveId" clId="{19C9B56C-74E6-4678-B583-1EBFD9EC01EA}" dt="2020-03-19T13:14:45.232" v="10393" actId="1076"/>
+          <ac:picMkLst>
+            <pc:docMk/>
+            <pc:sldMk cId="2586186972" sldId="307"/>
+            <ac:picMk id="3" creationId="{4D50163F-BACF-42DB-9689-480AAEAB320B}"/>
+          </ac:picMkLst>
+        </pc:picChg>
+        <pc:picChg chg="del">
+          <ac:chgData name="김 재현" userId="e331c24078343b94" providerId="LiveId" clId="{19C9B56C-74E6-4678-B583-1EBFD9EC01EA}" dt="2020-03-18T17:14:25.471" v="6415" actId="478"/>
+          <ac:picMkLst>
+            <pc:docMk/>
+            <pc:sldMk cId="2586186972" sldId="307"/>
+            <ac:picMk id="5" creationId="{D7F6EF17-E8F0-4A96-992F-9FCC6EAD4EA1}"/>
+          </ac:picMkLst>
+        </pc:picChg>
+        <pc:picChg chg="del">
+          <ac:chgData name="김 재현" userId="e331c24078343b94" providerId="LiveId" clId="{19C9B56C-74E6-4678-B583-1EBFD9EC01EA}" dt="2020-03-18T17:14:24.128" v="6413" actId="478"/>
+          <ac:picMkLst>
+            <pc:docMk/>
+            <pc:sldMk cId="2586186972" sldId="307"/>
+            <ac:picMk id="6" creationId="{93F6A373-8EBF-42FD-B8BB-AD43312ED28F}"/>
+          </ac:picMkLst>
+        </pc:picChg>
+      </pc:sldChg>
+      <pc:sldChg chg="modSp add del">
+        <pc:chgData name="김 재현" userId="e331c24078343b94" providerId="LiveId" clId="{19C9B56C-74E6-4678-B583-1EBFD9EC01EA}" dt="2020-03-18T17:18:18.226" v="6563" actId="2696"/>
+        <pc:sldMkLst>
+          <pc:docMk/>
+          <pc:sldMk cId="48828937" sldId="308"/>
+        </pc:sldMkLst>
+        <pc:spChg chg="mod">
+          <ac:chgData name="김 재현" userId="e331c24078343b94" providerId="LiveId" clId="{19C9B56C-74E6-4678-B583-1EBFD9EC01EA}" dt="2020-03-18T17:17:54.409" v="6562" actId="1076"/>
+          <ac:spMkLst>
+            <pc:docMk/>
+            <pc:sldMk cId="48828937" sldId="308"/>
+            <ac:spMk id="2" creationId="{17627198-7BA4-4049-8F8A-321825339A26}"/>
+          </ac:spMkLst>
+        </pc:spChg>
+      </pc:sldChg>
+      <pc:sldChg chg="addSp modSp add">
+        <pc:chgData name="김 재현" userId="e331c24078343b94" providerId="LiveId" clId="{19C9B56C-74E6-4678-B583-1EBFD9EC01EA}" dt="2020-03-22T09:52:48.943" v="18489"/>
+        <pc:sldMkLst>
+          <pc:docMk/>
+          <pc:sldMk cId="2071565347" sldId="308"/>
+        </pc:sldMkLst>
+        <pc:spChg chg="add mod">
+          <ac:chgData name="김 재현" userId="e331c24078343b94" providerId="LiveId" clId="{19C9B56C-74E6-4678-B583-1EBFD9EC01EA}" dt="2020-03-19T11:50:59.062" v="8943" actId="1076"/>
+          <ac:spMkLst>
+            <pc:docMk/>
+            <pc:sldMk cId="2071565347" sldId="308"/>
+            <ac:spMk id="2" creationId="{597D1DA3-B7F4-4E28-B148-82B1FFC1342D}"/>
+          </ac:spMkLst>
+        </pc:spChg>
+        <pc:spChg chg="add mod">
+          <ac:chgData name="김 재현" userId="e331c24078343b94" providerId="LiveId" clId="{19C9B56C-74E6-4678-B583-1EBFD9EC01EA}" dt="2020-03-19T11:50:30.550" v="8937" actId="1076"/>
+          <ac:spMkLst>
+            <pc:docMk/>
+            <pc:sldMk cId="2071565347" sldId="308"/>
+            <ac:spMk id="3" creationId="{EAD1D2BF-B74C-4D29-935A-28262124FACB}"/>
+          </ac:spMkLst>
+        </pc:spChg>
+        <pc:spChg chg="mod">
+          <ac:chgData name="김 재현" userId="e331c24078343b94" providerId="LiveId" clId="{19C9B56C-74E6-4678-B583-1EBFD9EC01EA}" dt="2020-03-22T09:52:48.943" v="18489"/>
+          <ac:spMkLst>
+            <pc:docMk/>
+            <pc:sldMk cId="2071565347" sldId="308"/>
+            <ac:spMk id="4" creationId="{00000000-0000-0000-0000-000000000000}"/>
+          </ac:spMkLst>
+        </pc:spChg>
+        <pc:spChg chg="add mod">
+          <ac:chgData name="김 재현" userId="e331c24078343b94" providerId="LiveId" clId="{19C9B56C-74E6-4678-B583-1EBFD9EC01EA}" dt="2020-03-19T11:50:40.646" v="8941" actId="1076"/>
+          <ac:spMkLst>
+            <pc:docMk/>
+            <pc:sldMk cId="2071565347" sldId="308"/>
+            <ac:spMk id="5" creationId="{26CF1E0E-7C33-4030-86C8-AD8D7FF30074}"/>
+          </ac:spMkLst>
+        </pc:spChg>
+        <pc:spChg chg="add mod">
+          <ac:chgData name="김 재현" userId="e331c24078343b94" providerId="LiveId" clId="{19C9B56C-74E6-4678-B583-1EBFD9EC01EA}" dt="2020-03-19T16:44:49.466" v="11136" actId="1076"/>
+          <ac:spMkLst>
+            <pc:docMk/>
+            <pc:sldMk cId="2071565347" sldId="308"/>
+            <ac:spMk id="6" creationId="{E029AA77-9CD5-4381-AA8F-8F5F2485957D}"/>
+          </ac:spMkLst>
+        </pc:spChg>
+        <pc:spChg chg="mod">
+          <ac:chgData name="김 재현" userId="e331c24078343b94" providerId="LiveId" clId="{19C9B56C-74E6-4678-B583-1EBFD9EC01EA}" dt="2020-03-19T11:47:01.077" v="8531" actId="1076"/>
+          <ac:spMkLst>
+            <pc:docMk/>
+            <pc:sldMk cId="2071565347" sldId="308"/>
+            <ac:spMk id="12" creationId="{F0BC8F14-D7D8-488C-904D-68FC6BE4A754}"/>
+          </ac:spMkLst>
+        </pc:spChg>
+      </pc:sldChg>
+      <pc:sldChg chg="addSp delSp modSp add modAnim modNotesTx">
+        <pc:chgData name="김 재현" userId="e331c24078343b94" providerId="LiveId" clId="{19C9B56C-74E6-4678-B583-1EBFD9EC01EA}" dt="2020-03-22T09:52:52.549" v="18490"/>
+        <pc:sldMkLst>
+          <pc:docMk/>
+          <pc:sldMk cId="1868619973" sldId="309"/>
+        </pc:sldMkLst>
+        <pc:spChg chg="mod">
+          <ac:chgData name="김 재현" userId="e331c24078343b94" providerId="LiveId" clId="{19C9B56C-74E6-4678-B583-1EBFD9EC01EA}" dt="2020-03-22T09:52:52.549" v="18490"/>
+          <ac:spMkLst>
+            <pc:docMk/>
+            <pc:sldMk cId="1868619973" sldId="309"/>
+            <ac:spMk id="4" creationId="{00000000-0000-0000-0000-000000000000}"/>
+          </ac:spMkLst>
+        </pc:spChg>
+        <pc:spChg chg="del mod">
+          <ac:chgData name="김 재현" userId="e331c24078343b94" providerId="LiveId" clId="{19C9B56C-74E6-4678-B583-1EBFD9EC01EA}" dt="2020-03-19T12:10:24.535" v="9021" actId="478"/>
+          <ac:spMkLst>
+            <pc:docMk/>
+            <pc:sldMk cId="1868619973" sldId="309"/>
+            <ac:spMk id="12" creationId="{F0BC8F14-D7D8-488C-904D-68FC6BE4A754}"/>
+          </ac:spMkLst>
+        </pc:spChg>
+        <pc:picChg chg="add mod">
+          <ac:chgData name="김 재현" userId="e331c24078343b94" providerId="LiveId" clId="{19C9B56C-74E6-4678-B583-1EBFD9EC01EA}" dt="2020-03-19T12:11:04.412" v="9028" actId="1076"/>
+          <ac:picMkLst>
+            <pc:docMk/>
+            <pc:sldMk cId="1868619973" sldId="309"/>
+            <ac:picMk id="2" creationId="{5186D296-1A4A-4447-A309-71ADB1D11351}"/>
+          </ac:picMkLst>
+        </pc:picChg>
+        <pc:picChg chg="add del">
+          <ac:chgData name="김 재현" userId="e331c24078343b94" providerId="LiveId" clId="{19C9B56C-74E6-4678-B583-1EBFD9EC01EA}" dt="2020-03-19T12:10:19.922" v="9019"/>
+          <ac:picMkLst>
+            <pc:docMk/>
+            <pc:sldMk cId="1868619973" sldId="309"/>
+            <ac:picMk id="18" creationId="{F940B835-96A3-46F7-B300-817FEF191757}"/>
+          </ac:picMkLst>
+        </pc:picChg>
+      </pc:sldChg>
+      <pc:sldChg chg="addSp delSp modSp add del modNotesTx">
+        <pc:chgData name="김 재현" userId="e331c24078343b94" providerId="LiveId" clId="{19C9B56C-74E6-4678-B583-1EBFD9EC01EA}" dt="2020-03-22T09:53:06.126" v="18501"/>
+        <pc:sldMkLst>
+          <pc:docMk/>
+          <pc:sldMk cId="2543218078" sldId="310"/>
+        </pc:sldMkLst>
+        <pc:spChg chg="add del mod">
+          <ac:chgData name="김 재현" userId="e331c24078343b94" providerId="LiveId" clId="{19C9B56C-74E6-4678-B583-1EBFD9EC01EA}" dt="2020-03-19T13:09:20.105" v="10101" actId="478"/>
+          <ac:spMkLst>
+            <pc:docMk/>
+            <pc:sldMk cId="2543218078" sldId="310"/>
+            <ac:spMk id="2" creationId="{74DF327E-651A-44B8-8B9D-EA1D8551392D}"/>
+          </ac:spMkLst>
+        </pc:spChg>
+        <pc:spChg chg="mod">
+          <ac:chgData name="김 재현" userId="e331c24078343b94" providerId="LiveId" clId="{19C9B56C-74E6-4678-B583-1EBFD9EC01EA}" dt="2020-03-22T09:53:06.126" v="18501"/>
+          <ac:spMkLst>
+            <pc:docMk/>
+            <pc:sldMk cId="2543218078" sldId="310"/>
+            <ac:spMk id="4" creationId="{00000000-0000-0000-0000-000000000000}"/>
+          </ac:spMkLst>
+        </pc:spChg>
+        <pc:spChg chg="add mod">
+          <ac:chgData name="김 재현" userId="e331c24078343b94" providerId="LiveId" clId="{19C9B56C-74E6-4678-B583-1EBFD9EC01EA}" dt="2020-03-19T13:11:21.562" v="10182" actId="164"/>
+          <ac:spMkLst>
+            <pc:docMk/>
+            <pc:sldMk cId="2543218078" sldId="310"/>
+            <ac:spMk id="5" creationId="{BAA85031-EE5B-4FFA-938F-F7ADCE88F21B}"/>
+          </ac:spMkLst>
+        </pc:spChg>
+        <pc:spChg chg="add mod">
+          <ac:chgData name="김 재현" userId="e331c24078343b94" providerId="LiveId" clId="{19C9B56C-74E6-4678-B583-1EBFD9EC01EA}" dt="2020-03-19T13:11:21.562" v="10182" actId="164"/>
+          <ac:spMkLst>
+            <pc:docMk/>
+            <pc:sldMk cId="2543218078" sldId="310"/>
+            <ac:spMk id="6" creationId="{5EE32B52-EB16-46D1-950F-AB6BAF231419}"/>
+          </ac:spMkLst>
+        </pc:spChg>
+        <pc:spChg chg="mod">
+          <ac:chgData name="김 재현" userId="e331c24078343b94" providerId="LiveId" clId="{19C9B56C-74E6-4678-B583-1EBFD9EC01EA}" dt="2020-03-19T13:05:59.144" v="9940" actId="1076"/>
+          <ac:spMkLst>
+            <pc:docMk/>
+            <pc:sldMk cId="2543218078" sldId="310"/>
+            <ac:spMk id="12" creationId="{F0BC8F14-D7D8-488C-904D-68FC6BE4A754}"/>
+          </ac:spMkLst>
+        </pc:spChg>
+        <pc:grpChg chg="add mod">
+          <ac:chgData name="김 재현" userId="e331c24078343b94" providerId="LiveId" clId="{19C9B56C-74E6-4678-B583-1EBFD9EC01EA}" dt="2020-03-19T13:11:25.792" v="10183" actId="1076"/>
+          <ac:grpSpMkLst>
+            <pc:docMk/>
+            <pc:sldMk cId="2543218078" sldId="310"/>
+            <ac:grpSpMk id="7" creationId="{64F8693F-BAA8-4F2E-927B-ED692C2BC72E}"/>
+          </ac:grpSpMkLst>
+        </pc:grpChg>
+        <pc:picChg chg="add mod">
+          <ac:chgData name="김 재현" userId="e331c24078343b94" providerId="LiveId" clId="{19C9B56C-74E6-4678-B583-1EBFD9EC01EA}" dt="2020-03-19T13:11:21.562" v="10182" actId="164"/>
+          <ac:picMkLst>
+            <pc:docMk/>
+            <pc:sldMk cId="2543218078" sldId="310"/>
+            <ac:picMk id="3" creationId="{FBF85A49-88DA-4A94-9F8F-58B262F2C58A}"/>
+          </ac:picMkLst>
+        </pc:picChg>
+      </pc:sldChg>
+      <pc:sldChg chg="addSp delSp modSp add modAnim modNotesTx">
+        <pc:chgData name="김 재현" userId="e331c24078343b94" providerId="LiveId" clId="{19C9B56C-74E6-4678-B583-1EBFD9EC01EA}" dt="2020-03-22T09:52:54.614" v="18491"/>
+        <pc:sldMkLst>
+          <pc:docMk/>
+          <pc:sldMk cId="4225888431" sldId="311"/>
+        </pc:sldMkLst>
+        <pc:spChg chg="mod">
+          <ac:chgData name="김 재현" userId="e331c24078343b94" providerId="LiveId" clId="{19C9B56C-74E6-4678-B583-1EBFD9EC01EA}" dt="2020-03-22T09:52:54.614" v="18491"/>
+          <ac:spMkLst>
+            <pc:docMk/>
+            <pc:sldMk cId="4225888431" sldId="311"/>
+            <ac:spMk id="4" creationId="{00000000-0000-0000-0000-000000000000}"/>
+          </ac:spMkLst>
+        </pc:spChg>
+        <pc:picChg chg="del">
+          <ac:chgData name="김 재현" userId="e331c24078343b94" providerId="LiveId" clId="{19C9B56C-74E6-4678-B583-1EBFD9EC01EA}" dt="2020-03-19T12:14:21.376" v="9031" actId="478"/>
+          <ac:picMkLst>
+            <pc:docMk/>
+            <pc:sldMk cId="4225888431" sldId="311"/>
+            <ac:picMk id="2" creationId="{5186D296-1A4A-4447-A309-71ADB1D11351}"/>
+          </ac:picMkLst>
+        </pc:picChg>
+        <pc:picChg chg="add mod">
+          <ac:chgData name="김 재현" userId="e331c24078343b94" providerId="LiveId" clId="{19C9B56C-74E6-4678-B583-1EBFD9EC01EA}" dt="2020-03-19T12:15:00.485" v="9045" actId="1076"/>
+          <ac:picMkLst>
+            <pc:docMk/>
+            <pc:sldMk cId="4225888431" sldId="311"/>
+            <ac:picMk id="3" creationId="{66553F12-BFB8-41EB-B32D-35EF3DCEB8BB}"/>
+          </ac:picMkLst>
+        </pc:picChg>
+        <pc:picChg chg="add mod ord">
+          <ac:chgData name="김 재현" userId="e331c24078343b94" providerId="LiveId" clId="{19C9B56C-74E6-4678-B583-1EBFD9EC01EA}" dt="2020-03-19T12:15:19.586" v="9047" actId="167"/>
+          <ac:picMkLst>
+            <pc:docMk/>
+            <pc:sldMk cId="4225888431" sldId="311"/>
+            <ac:picMk id="5" creationId="{6171069F-FD18-44AD-9561-4F77A1B67579}"/>
+          </ac:picMkLst>
+        </pc:picChg>
+      </pc:sldChg>
+      <pc:sldChg chg="modSp add modAnim modNotesTx">
+        <pc:chgData name="김 재현" userId="e331c24078343b94" providerId="LiveId" clId="{19C9B56C-74E6-4678-B583-1EBFD9EC01EA}" dt="2020-03-22T09:52:57.302" v="18494"/>
+        <pc:sldMkLst>
+          <pc:docMk/>
+          <pc:sldMk cId="3143954993" sldId="312"/>
+        </pc:sldMkLst>
+        <pc:spChg chg="mod">
+          <ac:chgData name="김 재현" userId="e331c24078343b94" providerId="LiveId" clId="{19C9B56C-74E6-4678-B583-1EBFD9EC01EA}" dt="2020-03-22T09:52:57.302" v="18494"/>
+          <ac:spMkLst>
+            <pc:docMk/>
+            <pc:sldMk cId="3143954993" sldId="312"/>
+            <ac:spMk id="4" creationId="{00000000-0000-0000-0000-000000000000}"/>
+          </ac:spMkLst>
+        </pc:spChg>
+        <pc:spChg chg="mod">
+          <ac:chgData name="김 재현" userId="e331c24078343b94" providerId="LiveId" clId="{19C9B56C-74E6-4678-B583-1EBFD9EC01EA}" dt="2020-03-19T12:23:08.910" v="9187" actId="20577"/>
+          <ac:spMkLst>
+            <pc:docMk/>
+            <pc:sldMk cId="3143954993" sldId="312"/>
+            <ac:spMk id="12" creationId="{F0BC8F14-D7D8-488C-904D-68FC6BE4A754}"/>
+          </ac:spMkLst>
+        </pc:spChg>
+        <pc:picChg chg="mod">
+          <ac:chgData name="김 재현" userId="e331c24078343b94" providerId="LiveId" clId="{19C9B56C-74E6-4678-B583-1EBFD9EC01EA}" dt="2020-03-19T12:21:17.567" v="9059" actId="14826"/>
+          <ac:picMkLst>
+            <pc:docMk/>
+            <pc:sldMk cId="3143954993" sldId="312"/>
+            <ac:picMk id="3" creationId="{66553F12-BFB8-41EB-B32D-35EF3DCEB8BB}"/>
+          </ac:picMkLst>
+        </pc:picChg>
+        <pc:picChg chg="mod">
+          <ac:chgData name="김 재현" userId="e331c24078343b94" providerId="LiveId" clId="{19C9B56C-74E6-4678-B583-1EBFD9EC01EA}" dt="2020-03-19T12:18:44.811" v="9057" actId="1076"/>
+          <ac:picMkLst>
+            <pc:docMk/>
+            <pc:sldMk cId="3143954993" sldId="312"/>
+            <ac:picMk id="5" creationId="{6171069F-FD18-44AD-9561-4F77A1B67579}"/>
+          </ac:picMkLst>
+        </pc:picChg>
+      </pc:sldChg>
+      <pc:sldChg chg="addSp delSp modSp add modAnim modNotesTx">
+        <pc:chgData name="김 재현" userId="e331c24078343b94" providerId="LiveId" clId="{19C9B56C-74E6-4678-B583-1EBFD9EC01EA}" dt="2020-03-22T09:52:59.347" v="18495"/>
+        <pc:sldMkLst>
+          <pc:docMk/>
+          <pc:sldMk cId="1962280978" sldId="313"/>
+        </pc:sldMkLst>
+        <pc:spChg chg="add del mod">
+          <ac:chgData name="김 재현" userId="e331c24078343b94" providerId="LiveId" clId="{19C9B56C-74E6-4678-B583-1EBFD9EC01EA}" dt="2020-03-19T12:26:46.727" v="9263"/>
+          <ac:spMkLst>
+            <pc:docMk/>
+            <pc:sldMk cId="1962280978" sldId="313"/>
+            <ac:spMk id="2" creationId="{D0793175-3627-4F94-B680-D841EBE0DBB9}"/>
+          </ac:spMkLst>
+        </pc:spChg>
+        <pc:spChg chg="mod">
+          <ac:chgData name="김 재현" userId="e331c24078343b94" providerId="LiveId" clId="{19C9B56C-74E6-4678-B583-1EBFD9EC01EA}" dt="2020-03-22T09:52:59.347" v="18495"/>
+          <ac:spMkLst>
+            <pc:docMk/>
+            <pc:sldMk cId="1962280978" sldId="313"/>
+            <ac:spMk id="4" creationId="{00000000-0000-0000-0000-000000000000}"/>
+          </ac:spMkLst>
+        </pc:spChg>
+        <pc:spChg chg="add del mod">
+          <ac:chgData name="김 재현" userId="e331c24078343b94" providerId="LiveId" clId="{19C9B56C-74E6-4678-B583-1EBFD9EC01EA}" dt="2020-03-19T12:26:55.480" v="9265" actId="11529"/>
+          <ac:spMkLst>
+            <pc:docMk/>
+            <pc:sldMk cId="1962280978" sldId="313"/>
+            <ac:spMk id="6" creationId="{779A96FD-F9EF-4799-B6A2-D406D1D71798}"/>
+          </ac:spMkLst>
+        </pc:spChg>
+        <pc:spChg chg="add mod">
+          <ac:chgData name="김 재현" userId="e331c24078343b94" providerId="LiveId" clId="{19C9B56C-74E6-4678-B583-1EBFD9EC01EA}" dt="2020-03-19T12:27:19.533" v="9269" actId="207"/>
+          <ac:spMkLst>
+            <pc:docMk/>
+            <pc:sldMk cId="1962280978" sldId="313"/>
+            <ac:spMk id="7" creationId="{E0DF264C-D4A6-4CB1-B5C7-74446E78DEAE}"/>
+          </ac:spMkLst>
+        </pc:spChg>
+        <pc:spChg chg="add del mod">
+          <ac:chgData name="김 재현" userId="e331c24078343b94" providerId="LiveId" clId="{19C9B56C-74E6-4678-B583-1EBFD9EC01EA}" dt="2020-03-19T12:28:29.613" v="9281"/>
+          <ac:spMkLst>
+            <pc:docMk/>
+            <pc:sldMk cId="1962280978" sldId="313"/>
+            <ac:spMk id="8" creationId="{4A341CCC-D453-4A2B-BA3B-CF6F90504EEB}"/>
+          </ac:spMkLst>
+        </pc:spChg>
+        <pc:spChg chg="add mod">
+          <ac:chgData name="김 재현" userId="e331c24078343b94" providerId="LiveId" clId="{19C9B56C-74E6-4678-B583-1EBFD9EC01EA}" dt="2020-03-19T12:40:14.003" v="9697" actId="14100"/>
+          <ac:spMkLst>
+            <pc:docMk/>
+            <pc:sldMk cId="1962280978" sldId="313"/>
+            <ac:spMk id="9" creationId="{9EEEC1DF-6151-4401-A2F1-B46F0D38CAD4}"/>
+          </ac:spMkLst>
+        </pc:spChg>
+        <pc:spChg chg="add mod">
+          <ac:chgData name="김 재현" userId="e331c24078343b94" providerId="LiveId" clId="{19C9B56C-74E6-4678-B583-1EBFD9EC01EA}" dt="2020-03-19T12:29:49.699" v="9380" actId="1076"/>
+          <ac:spMkLst>
+            <pc:docMk/>
+            <pc:sldMk cId="1962280978" sldId="313"/>
+            <ac:spMk id="10" creationId="{06BBAEF5-6AA0-4CD5-9828-076D86F22CC7}"/>
+          </ac:spMkLst>
+        </pc:spChg>
+        <pc:spChg chg="mod">
+          <ac:chgData name="김 재현" userId="e331c24078343b94" providerId="LiveId" clId="{19C9B56C-74E6-4678-B583-1EBFD9EC01EA}" dt="2020-03-19T12:23:16.092" v="9189" actId="20577"/>
+          <ac:spMkLst>
+            <pc:docMk/>
+            <pc:sldMk cId="1962280978" sldId="313"/>
+            <ac:spMk id="12" creationId="{F0BC8F14-D7D8-488C-904D-68FC6BE4A754}"/>
+          </ac:spMkLst>
+        </pc:spChg>
+        <pc:spChg chg="add mod">
+          <ac:chgData name="김 재현" userId="e331c24078343b94" providerId="LiveId" clId="{19C9B56C-74E6-4678-B583-1EBFD9EC01EA}" dt="2020-03-19T12:39:34.562" v="9673" actId="1076"/>
+          <ac:spMkLst>
+            <pc:docMk/>
+            <pc:sldMk cId="1962280978" sldId="313"/>
+            <ac:spMk id="13" creationId="{62321A30-7677-4A50-A4F6-C97B0198884A}"/>
+          </ac:spMkLst>
+        </pc:spChg>
+        <pc:spChg chg="add mod">
+          <ac:chgData name="김 재현" userId="e331c24078343b94" providerId="LiveId" clId="{19C9B56C-74E6-4678-B583-1EBFD9EC01EA}" dt="2020-03-19T12:27:25.695" v="9270" actId="207"/>
+          <ac:spMkLst>
+            <pc:docMk/>
+            <pc:sldMk cId="1962280978" sldId="313"/>
+            <ac:spMk id="18" creationId="{C797F48C-0B8A-4FB4-AF2B-5A5BDD921DA4}"/>
+          </ac:spMkLst>
+        </pc:spChg>
+        <pc:spChg chg="add mod">
+          <ac:chgData name="김 재현" userId="e331c24078343b94" providerId="LiveId" clId="{19C9B56C-74E6-4678-B583-1EBFD9EC01EA}" dt="2020-03-19T12:27:30.099" v="9271" actId="207"/>
+          <ac:spMkLst>
+            <pc:docMk/>
+            <pc:sldMk cId="1962280978" sldId="313"/>
+            <ac:spMk id="19" creationId="{BE619A23-A11C-43AC-B60A-172E0D86F130}"/>
+          </ac:spMkLst>
+        </pc:spChg>
+        <pc:spChg chg="add mod">
+          <ac:chgData name="김 재현" userId="e331c24078343b94" providerId="LiveId" clId="{19C9B56C-74E6-4678-B583-1EBFD9EC01EA}" dt="2020-03-19T12:30:01.958" v="9386" actId="20577"/>
+          <ac:spMkLst>
+            <pc:docMk/>
+            <pc:sldMk cId="1962280978" sldId="313"/>
+            <ac:spMk id="27" creationId="{05A0774D-A7A4-4A2C-9D4D-111FBC005765}"/>
+          </ac:spMkLst>
+        </pc:spChg>
+        <pc:spChg chg="add mod">
+          <ac:chgData name="김 재현" userId="e331c24078343b94" providerId="LiveId" clId="{19C9B56C-74E6-4678-B583-1EBFD9EC01EA}" dt="2020-03-19T12:29:59.856" v="9384" actId="20577"/>
+          <ac:spMkLst>
+            <pc:docMk/>
+            <pc:sldMk cId="1962280978" sldId="313"/>
+            <ac:spMk id="28" creationId="{4C401D5A-4D98-4128-B46D-09D34A604CF1}"/>
+          </ac:spMkLst>
+        </pc:spChg>
+        <pc:spChg chg="add del">
+          <ac:chgData name="김 재현" userId="e331c24078343b94" providerId="LiveId" clId="{19C9B56C-74E6-4678-B583-1EBFD9EC01EA}" dt="2020-03-19T12:40:46.236" v="9699"/>
+          <ac:spMkLst>
+            <pc:docMk/>
+            <pc:sldMk cId="1962280978" sldId="313"/>
+            <ac:spMk id="29" creationId="{273FA6DF-F6E4-4794-A129-65512135A4B6}"/>
+          </ac:spMkLst>
+        </pc:spChg>
+        <pc:picChg chg="mod">
+          <ac:chgData name="김 재현" userId="e331c24078343b94" providerId="LiveId" clId="{19C9B56C-74E6-4678-B583-1EBFD9EC01EA}" dt="2020-03-19T12:28:54.629" v="9354" actId="1076"/>
+          <ac:picMkLst>
+            <pc:docMk/>
+            <pc:sldMk cId="1962280978" sldId="313"/>
+            <ac:picMk id="3" creationId="{66553F12-BFB8-41EB-B32D-35EF3DCEB8BB}"/>
+          </ac:picMkLst>
+        </pc:picChg>
+        <pc:picChg chg="mod">
+          <ac:chgData name="김 재현" userId="e331c24078343b94" providerId="LiveId" clId="{19C9B56C-74E6-4678-B583-1EBFD9EC01EA}" dt="2020-03-19T12:25:04.153" v="9242" actId="14826"/>
+          <ac:picMkLst>
+            <pc:docMk/>
+            <pc:sldMk cId="1962280978" sldId="313"/>
+            <ac:picMk id="5" creationId="{6171069F-FD18-44AD-9561-4F77A1B67579}"/>
+          </ac:picMkLst>
+        </pc:picChg>
+      </pc:sldChg>
+      <pc:sldChg chg="addSp modSp add modAnim modNotesTx">
+        <pc:chgData name="김 재현" userId="e331c24078343b94" providerId="LiveId" clId="{19C9B56C-74E6-4678-B583-1EBFD9EC01EA}" dt="2020-03-22T09:53:03.236" v="18498"/>
+        <pc:sldMkLst>
+          <pc:docMk/>
+          <pc:sldMk cId="2434373630" sldId="314"/>
+        </pc:sldMkLst>
+        <pc:spChg chg="add mod">
+          <ac:chgData name="김 재현" userId="e331c24078343b94" providerId="LiveId" clId="{19C9B56C-74E6-4678-B583-1EBFD9EC01EA}" dt="2020-03-19T12:50:17.346" v="9809" actId="1076"/>
+          <ac:spMkLst>
+            <pc:docMk/>
+            <pc:sldMk cId="2434373630" sldId="314"/>
+            <ac:spMk id="2" creationId="{DDFA7E09-5616-4F86-AF05-790AAD846F5E}"/>
+          </ac:spMkLst>
+        </pc:spChg>
+        <pc:spChg chg="mod">
+          <ac:chgData name="김 재현" userId="e331c24078343b94" providerId="LiveId" clId="{19C9B56C-74E6-4678-B583-1EBFD9EC01EA}" dt="2020-03-22T09:53:03.236" v="18498"/>
+          <ac:spMkLst>
+            <pc:docMk/>
+            <pc:sldMk cId="2434373630" sldId="314"/>
+            <ac:spMk id="4" creationId="{00000000-0000-0000-0000-000000000000}"/>
+          </ac:spMkLst>
+        </pc:spChg>
+        <pc:spChg chg="mod">
+          <ac:chgData name="김 재현" userId="e331c24078343b94" providerId="LiveId" clId="{19C9B56C-74E6-4678-B583-1EBFD9EC01EA}" dt="2020-03-19T12:41:44.672" v="9735" actId="20577"/>
+          <ac:spMkLst>
+            <pc:docMk/>
+            <pc:sldMk cId="2434373630" sldId="314"/>
+            <ac:spMk id="12" creationId="{F0BC8F14-D7D8-488C-904D-68FC6BE4A754}"/>
+          </ac:spMkLst>
+        </pc:spChg>
+        <pc:picChg chg="mod modCrop">
+          <ac:chgData name="김 재현" userId="e331c24078343b94" providerId="LiveId" clId="{19C9B56C-74E6-4678-B583-1EBFD9EC01EA}" dt="2020-03-19T12:51:18.425" v="9906" actId="1076"/>
+          <ac:picMkLst>
+            <pc:docMk/>
+            <pc:sldMk cId="2434373630" sldId="314"/>
+            <ac:picMk id="3" creationId="{66553F12-BFB8-41EB-B32D-35EF3DCEB8BB}"/>
+          </ac:picMkLst>
+        </pc:picChg>
+        <pc:picChg chg="mod">
+          <ac:chgData name="김 재현" userId="e331c24078343b94" providerId="LiveId" clId="{19C9B56C-74E6-4678-B583-1EBFD9EC01EA}" dt="2020-03-19T12:51:20.826" v="9907" actId="1076"/>
+          <ac:picMkLst>
+            <pc:docMk/>
+            <pc:sldMk cId="2434373630" sldId="314"/>
+            <ac:picMk id="5" creationId="{6171069F-FD18-44AD-9561-4F77A1B67579}"/>
+          </ac:picMkLst>
+        </pc:picChg>
+      </pc:sldChg>
+      <pc:sldChg chg="addSp delSp modSp add modNotesTx">
+        <pc:chgData name="김 재현" userId="e331c24078343b94" providerId="LiveId" clId="{19C9B56C-74E6-4678-B583-1EBFD9EC01EA}" dt="2020-03-20T14:39:18.961" v="13254" actId="20577"/>
+        <pc:sldMkLst>
+          <pc:docMk/>
+          <pc:sldMk cId="2856347680" sldId="315"/>
+        </pc:sldMkLst>
+        <pc:spChg chg="del mod">
+          <ac:chgData name="김 재현" userId="e331c24078343b94" providerId="LiveId" clId="{19C9B56C-74E6-4678-B583-1EBFD9EC01EA}" dt="2020-03-20T14:26:08.334" v="12409" actId="478"/>
+          <ac:spMkLst>
+            <pc:docMk/>
+            <pc:sldMk cId="2856347680" sldId="315"/>
+            <ac:spMk id="2" creationId="{243E1373-DCDE-42EA-B4E6-CEDFD82676E7}"/>
+          </ac:spMkLst>
+        </pc:spChg>
+        <pc:spChg chg="add mod">
+          <ac:chgData name="김 재현" userId="e331c24078343b94" providerId="LiveId" clId="{19C9B56C-74E6-4678-B583-1EBFD9EC01EA}" dt="2020-03-20T14:26:21.353" v="12426" actId="1076"/>
+          <ac:spMkLst>
+            <pc:docMk/>
+            <pc:sldMk cId="2856347680" sldId="315"/>
+            <ac:spMk id="3" creationId="{E30BF68A-BB34-4EF4-ACE4-AE76818724E0}"/>
+          </ac:spMkLst>
+        </pc:spChg>
+        <pc:spChg chg="mod">
+          <ac:chgData name="김 재현" userId="e331c24078343b94" providerId="LiveId" clId="{19C9B56C-74E6-4678-B583-1EBFD9EC01EA}" dt="2020-03-19T13:12:58.800" v="10381"/>
+          <ac:spMkLst>
+            <pc:docMk/>
+            <pc:sldMk cId="2856347680" sldId="315"/>
+            <ac:spMk id="4" creationId="{00000000-0000-0000-0000-000000000000}"/>
+          </ac:spMkLst>
+        </pc:spChg>
+        <pc:spChg chg="add mod">
+          <ac:chgData name="김 재현" userId="e331c24078343b94" providerId="LiveId" clId="{19C9B56C-74E6-4678-B583-1EBFD9EC01EA}" dt="2020-03-20T14:38:37.294" v="13224" actId="1076"/>
+          <ac:spMkLst>
+            <pc:docMk/>
+            <pc:sldMk cId="2856347680" sldId="315"/>
+            <ac:spMk id="5" creationId="{FAB81883-E1CF-4B29-88EF-17102413FB72}"/>
+          </ac:spMkLst>
+        </pc:spChg>
+        <pc:spChg chg="add mod">
+          <ac:chgData name="김 재현" userId="e331c24078343b94" providerId="LiveId" clId="{19C9B56C-74E6-4678-B583-1EBFD9EC01EA}" dt="2020-03-20T14:39:02.767" v="13230" actId="14100"/>
+          <ac:spMkLst>
+            <pc:docMk/>
+            <pc:sldMk cId="2856347680" sldId="315"/>
+            <ac:spMk id="6" creationId="{198B4516-C2EB-4251-BE57-22A68B708351}"/>
+          </ac:spMkLst>
+        </pc:spChg>
+        <pc:spChg chg="add mod">
+          <ac:chgData name="김 재현" userId="e331c24078343b94" providerId="LiveId" clId="{19C9B56C-74E6-4678-B583-1EBFD9EC01EA}" dt="2020-03-20T14:38:17.873" v="13221" actId="207"/>
+          <ac:spMkLst>
+            <pc:docMk/>
+            <pc:sldMk cId="2856347680" sldId="315"/>
+            <ac:spMk id="7" creationId="{8B2F36A9-969B-4BBF-8AFB-4BFEF6C751A6}"/>
+          </ac:spMkLst>
+        </pc:spChg>
+        <pc:spChg chg="mod">
+          <ac:chgData name="김 재현" userId="e331c24078343b94" providerId="LiveId" clId="{19C9B56C-74E6-4678-B583-1EBFD9EC01EA}" dt="2020-03-19T13:13:07.850" v="10383" actId="207"/>
+          <ac:spMkLst>
+            <pc:docMk/>
+            <pc:sldMk cId="2856347680" sldId="315"/>
+            <ac:spMk id="17" creationId="{00000000-0000-0000-0000-000000000000}"/>
+          </ac:spMkLst>
+        </pc:spChg>
+        <pc:spChg chg="mod">
+          <ac:chgData name="김 재현" userId="e331c24078343b94" providerId="LiveId" clId="{19C9B56C-74E6-4678-B583-1EBFD9EC01EA}" dt="2020-03-19T13:13:04.707" v="10382" actId="207"/>
+          <ac:spMkLst>
+            <pc:docMk/>
+            <pc:sldMk cId="2856347680" sldId="315"/>
+            <ac:spMk id="23" creationId="{00000000-0000-0000-0000-000000000000}"/>
+          </ac:spMkLst>
+        </pc:spChg>
+      </pc:sldChg>
+      <pc:sldChg chg="addSp delSp modSp add modNotesTx">
+        <pc:chgData name="김 재현" userId="e331c24078343b94" providerId="LiveId" clId="{19C9B56C-74E6-4678-B583-1EBFD9EC01EA}" dt="2020-03-19T16:45:31.739" v="11184" actId="1038"/>
+        <pc:sldMkLst>
+          <pc:docMk/>
+          <pc:sldMk cId="2008704619" sldId="316"/>
+        </pc:sldMkLst>
+        <pc:spChg chg="del">
+          <ac:chgData name="김 재현" userId="e331c24078343b94" providerId="LiveId" clId="{19C9B56C-74E6-4678-B583-1EBFD9EC01EA}" dt="2020-03-19T16:29:10.559" v="11034" actId="478"/>
+          <ac:spMkLst>
+            <pc:docMk/>
+            <pc:sldMk cId="2008704619" sldId="316"/>
+            <ac:spMk id="2" creationId="{7BAEF6C2-0585-4C64-AAAC-6086B42D65ED}"/>
+          </ac:spMkLst>
+        </pc:spChg>
+        <pc:spChg chg="del">
+          <ac:chgData name="김 재현" userId="e331c24078343b94" providerId="LiveId" clId="{19C9B56C-74E6-4678-B583-1EBFD9EC01EA}" dt="2020-03-19T16:29:54.282" v="11039" actId="478"/>
+          <ac:spMkLst>
+            <pc:docMk/>
+            <pc:sldMk cId="2008704619" sldId="316"/>
+            <ac:spMk id="5" creationId="{FBDC78CF-F4F0-4AAF-B0F9-1478A4A94D8D}"/>
+          </ac:spMkLst>
+        </pc:spChg>
+        <pc:picChg chg="del">
+          <ac:chgData name="김 재현" userId="e331c24078343b94" providerId="LiveId" clId="{19C9B56C-74E6-4678-B583-1EBFD9EC01EA}" dt="2020-03-19T16:29:54.899" v="11040" actId="478"/>
+          <ac:picMkLst>
+            <pc:docMk/>
+            <pc:sldMk cId="2008704619" sldId="316"/>
+            <ac:picMk id="3" creationId="{FC27073A-D226-44FA-81A9-D54D702A90D6}"/>
+          </ac:picMkLst>
+        </pc:picChg>
+        <pc:picChg chg="add mod">
+          <ac:chgData name="김 재현" userId="e331c24078343b94" providerId="LiveId" clId="{19C9B56C-74E6-4678-B583-1EBFD9EC01EA}" dt="2020-03-19T16:45:31.739" v="11184" actId="1038"/>
+          <ac:picMkLst>
+            <pc:docMk/>
+            <pc:sldMk cId="2008704619" sldId="316"/>
+            <ac:picMk id="6" creationId="{665DB7D8-2636-44C9-A18B-8D833A97BB7F}"/>
+          </ac:picMkLst>
+        </pc:picChg>
+      </pc:sldChg>
+      <pc:sldChg chg="addSp delSp add del">
+        <pc:chgData name="김 재현" userId="e331c24078343b94" providerId="LiveId" clId="{19C9B56C-74E6-4678-B583-1EBFD9EC01EA}" dt="2020-03-19T13:13:27.625" v="10387" actId="2696"/>
+        <pc:sldMkLst>
+          <pc:docMk/>
+          <pc:sldMk cId="4054542881" sldId="316"/>
+        </pc:sldMkLst>
+        <pc:spChg chg="add del">
+          <ac:chgData name="김 재현" userId="e331c24078343b94" providerId="LiveId" clId="{19C9B56C-74E6-4678-B583-1EBFD9EC01EA}" dt="2020-03-19T13:13:22.752" v="10385"/>
+          <ac:spMkLst>
+            <pc:docMk/>
+            <pc:sldMk cId="4054542881" sldId="316"/>
+            <ac:spMk id="13" creationId="{E179ED8D-616D-44A1-9F51-766EAD4C5059}"/>
+          </ac:spMkLst>
+        </pc:spChg>
+      </pc:sldChg>
+      <pc:sldChg chg="addSp delSp modSp add ord delAnim modAnim modNotesTx">
+        <pc:chgData name="김 재현" userId="e331c24078343b94" providerId="LiveId" clId="{19C9B56C-74E6-4678-B583-1EBFD9EC01EA}" dt="2020-03-20T14:48:06.214" v="13258" actId="27309"/>
+        <pc:sldMkLst>
+          <pc:docMk/>
+          <pc:sldMk cId="1111202844" sldId="317"/>
+        </pc:sldMkLst>
+        <pc:spChg chg="add mod ord">
+          <ac:chgData name="김 재현" userId="e331c24078343b94" providerId="LiveId" clId="{19C9B56C-74E6-4678-B583-1EBFD9EC01EA}" dt="2020-03-19T17:00:34.840" v="11748" actId="1076"/>
+          <ac:spMkLst>
+            <pc:docMk/>
+            <pc:sldMk cId="1111202844" sldId="317"/>
+            <ac:spMk id="9" creationId="{841BAF0F-370C-4DA9-AC02-8F17D34D5E4A}"/>
+          </ac:spMkLst>
+        </pc:spChg>
+        <pc:spChg chg="add mod">
+          <ac:chgData name="김 재현" userId="e331c24078343b94" providerId="LiveId" clId="{19C9B56C-74E6-4678-B583-1EBFD9EC01EA}" dt="2020-03-19T16:59:54.186" v="11744" actId="1076"/>
+          <ac:spMkLst>
+            <pc:docMk/>
+            <pc:sldMk cId="1111202844" sldId="317"/>
+            <ac:spMk id="13" creationId="{4F943173-DBE2-458D-B7FD-1ABC3D6FB18D}"/>
+          </ac:spMkLst>
+        </pc:spChg>
+        <pc:spChg chg="add del">
+          <ac:chgData name="김 재현" userId="e331c24078343b94" providerId="LiveId" clId="{19C9B56C-74E6-4678-B583-1EBFD9EC01EA}" dt="2020-03-19T16:59:48.933" v="11742"/>
+          <ac:spMkLst>
+            <pc:docMk/>
+            <pc:sldMk cId="1111202844" sldId="317"/>
+            <ac:spMk id="27" creationId="{80E392C2-DEA7-40EB-AABF-C4AC662C5EAD}"/>
+          </ac:spMkLst>
+        </pc:spChg>
+        <pc:spChg chg="add mod">
+          <ac:chgData name="김 재현" userId="e331c24078343b94" providerId="LiveId" clId="{19C9B56C-74E6-4678-B583-1EBFD9EC01EA}" dt="2020-03-19T17:01:08.640" v="11765" actId="20577"/>
+          <ac:spMkLst>
+            <pc:docMk/>
+            <pc:sldMk cId="1111202844" sldId="317"/>
+            <ac:spMk id="29" creationId="{63F41EB9-E108-4FAF-8AE3-C8A2B40028CD}"/>
+          </ac:spMkLst>
+        </pc:spChg>
+        <pc:spChg chg="add mod">
+          <ac:chgData name="김 재현" userId="e331c24078343b94" providerId="LiveId" clId="{19C9B56C-74E6-4678-B583-1EBFD9EC01EA}" dt="2020-03-19T17:01:10.667" v="11767" actId="20577"/>
+          <ac:spMkLst>
+            <pc:docMk/>
+            <pc:sldMk cId="1111202844" sldId="317"/>
+            <ac:spMk id="31" creationId="{E0AD9BCE-C128-4F7C-BD21-27636ED9AA40}"/>
+          </ac:spMkLst>
+        </pc:spChg>
+        <pc:graphicFrameChg chg="add del modGraphic">
+          <ac:chgData name="김 재현" userId="e331c24078343b94" providerId="LiveId" clId="{19C9B56C-74E6-4678-B583-1EBFD9EC01EA}" dt="2020-03-20T14:48:06.214" v="13258" actId="27309"/>
+          <ac:graphicFrameMkLst>
+            <pc:docMk/>
+            <pc:sldMk cId="1111202844" sldId="317"/>
+            <ac:graphicFrameMk id="5" creationId="{78C82892-8607-4B46-B70C-5B6624475EA1}"/>
+          </ac:graphicFrameMkLst>
+        </pc:graphicFrameChg>
+        <pc:picChg chg="add del mod modCrop">
+          <ac:chgData name="김 재현" userId="e331c24078343b94" providerId="LiveId" clId="{19C9B56C-74E6-4678-B583-1EBFD9EC01EA}" dt="2020-03-19T16:56:13.856" v="11446" actId="478"/>
+          <ac:picMkLst>
+            <pc:docMk/>
+            <pc:sldMk cId="1111202844" sldId="317"/>
+            <ac:picMk id="2" creationId="{869CB947-6CFA-4EDF-8572-B894746C2416}"/>
+          </ac:picMkLst>
+        </pc:picChg>
+        <pc:picChg chg="add mod">
+          <ac:chgData name="김 재현" userId="e331c24078343b94" providerId="LiveId" clId="{19C9B56C-74E6-4678-B583-1EBFD9EC01EA}" dt="2020-03-19T16:56:18.809" v="11452" actId="1076"/>
+          <ac:picMkLst>
+            <pc:docMk/>
+            <pc:sldMk cId="1111202844" sldId="317"/>
+            <ac:picMk id="3" creationId="{514F3926-5861-47A8-92B7-0850D4AD1275}"/>
+          </ac:picMkLst>
+        </pc:picChg>
+        <pc:picChg chg="add del mod">
+          <ac:chgData name="김 재현" userId="e331c24078343b94" providerId="LiveId" clId="{19C9B56C-74E6-4678-B583-1EBFD9EC01EA}" dt="2020-03-19T16:56:12.801" v="11445" actId="478"/>
+          <ac:picMkLst>
+            <pc:docMk/>
+            <pc:sldMk cId="1111202844" sldId="317"/>
+            <ac:picMk id="5" creationId="{7A7F83CC-5B4A-4175-84F8-93C761698151}"/>
+          </ac:picMkLst>
+        </pc:picChg>
+        <pc:picChg chg="del">
+          <ac:chgData name="김 재현" userId="e331c24078343b94" providerId="LiveId" clId="{19C9B56C-74E6-4678-B583-1EBFD9EC01EA}" dt="2020-03-19T16:45:46.884" v="11186" actId="478"/>
+          <ac:picMkLst>
+            <pc:docMk/>
+            <pc:sldMk cId="1111202844" sldId="317"/>
+            <ac:picMk id="6" creationId="{665DB7D8-2636-44C9-A18B-8D833A97BB7F}"/>
+          </ac:picMkLst>
+        </pc:picChg>
+        <pc:picChg chg="add mod">
+          <ac:chgData name="김 재현" userId="e331c24078343b94" providerId="LiveId" clId="{19C9B56C-74E6-4678-B583-1EBFD9EC01EA}" dt="2020-03-19T16:56:20.833" v="11453" actId="1076"/>
+          <ac:picMkLst>
+            <pc:docMk/>
+            <pc:sldMk cId="1111202844" sldId="317"/>
+            <ac:picMk id="7" creationId="{7E1ACE36-7236-458A-A8C2-815460DAF9A6}"/>
+          </ac:picMkLst>
+        </pc:picChg>
+        <pc:picChg chg="add del">
+          <ac:chgData name="김 재현" userId="e331c24078343b94" providerId="LiveId" clId="{19C9B56C-74E6-4678-B583-1EBFD9EC01EA}" dt="2020-03-19T16:55:43.660" v="11437"/>
+          <ac:picMkLst>
+            <pc:docMk/>
+            <pc:sldMk cId="1111202844" sldId="317"/>
+            <ac:picMk id="8" creationId="{8E805D0B-44A1-4D8A-A655-4976684F37BE}"/>
+          </ac:picMkLst>
+        </pc:picChg>
+        <pc:cxnChg chg="add mod">
+          <ac:chgData name="김 재현" userId="e331c24078343b94" providerId="LiveId" clId="{19C9B56C-74E6-4678-B583-1EBFD9EC01EA}" dt="2020-03-19T17:00:58.521" v="11759" actId="14100"/>
+          <ac:cxnSpMkLst>
+            <pc:docMk/>
+            <pc:sldMk cId="1111202844" sldId="317"/>
+            <ac:cxnSpMk id="12" creationId="{6DFA803B-24C6-4F0F-9334-2F9E0D9F5C1D}"/>
+          </ac:cxnSpMkLst>
+        </pc:cxnChg>
+        <pc:cxnChg chg="add del">
+          <ac:chgData name="김 재현" userId="e331c24078343b94" providerId="LiveId" clId="{19C9B56C-74E6-4678-B583-1EBFD9EC01EA}" dt="2020-03-19T16:59:48.933" v="11742"/>
+          <ac:cxnSpMkLst>
+            <pc:docMk/>
+            <pc:sldMk cId="1111202844" sldId="317"/>
+            <ac:cxnSpMk id="22" creationId="{F5CC0A3F-4474-409A-8DA8-F149D9E6A846}"/>
+          </ac:cxnSpMkLst>
+        </pc:cxnChg>
+        <pc:cxnChg chg="add mod">
+          <ac:chgData name="김 재현" userId="e331c24078343b94" providerId="LiveId" clId="{19C9B56C-74E6-4678-B583-1EBFD9EC01EA}" dt="2020-03-19T17:00:58.521" v="11759" actId="14100"/>
+          <ac:cxnSpMkLst>
+            <pc:docMk/>
+            <pc:sldMk cId="1111202844" sldId="317"/>
+            <ac:cxnSpMk id="28" creationId="{EF0A168C-270C-48FE-8F01-7F0F61E4862D}"/>
+          </ac:cxnSpMkLst>
+        </pc:cxnChg>
+        <pc:cxnChg chg="add mod">
+          <ac:chgData name="김 재현" userId="e331c24078343b94" providerId="LiveId" clId="{19C9B56C-74E6-4678-B583-1EBFD9EC01EA}" dt="2020-03-19T17:00:58.521" v="11759" actId="14100"/>
+          <ac:cxnSpMkLst>
+            <pc:docMk/>
+            <pc:sldMk cId="1111202844" sldId="317"/>
+            <ac:cxnSpMk id="30" creationId="{FF4B4404-A978-423A-8E4C-033EC674DD24}"/>
+          </ac:cxnSpMkLst>
+        </pc:cxnChg>
+      </pc:sldChg>
+      <pc:sldChg chg="addSp delSp modSp add addAnim delAnim">
+        <pc:chgData name="김 재현" userId="e331c24078343b94" providerId="LiveId" clId="{19C9B56C-74E6-4678-B583-1EBFD9EC01EA}" dt="2020-03-19T16:57:50.573" v="11554" actId="167"/>
+        <pc:sldMkLst>
+          <pc:docMk/>
+          <pc:sldMk cId="3540827344" sldId="318"/>
+        </pc:sldMkLst>
+        <pc:spChg chg="add ord">
+          <ac:chgData name="김 재현" userId="e331c24078343b94" providerId="LiveId" clId="{19C9B56C-74E6-4678-B583-1EBFD9EC01EA}" dt="2020-03-19T16:57:50.573" v="11554" actId="167"/>
+          <ac:spMkLst>
+            <pc:docMk/>
+            <pc:sldMk cId="3540827344" sldId="318"/>
+            <ac:spMk id="18" creationId="{002A8843-303B-479B-9B47-DF07E7742C5E}"/>
+          </ac:spMkLst>
+        </pc:spChg>
+        <pc:picChg chg="mod">
+          <ac:chgData name="김 재현" userId="e331c24078343b94" providerId="LiveId" clId="{19C9B56C-74E6-4678-B583-1EBFD9EC01EA}" dt="2020-03-19T16:56:35.633" v="11459" actId="1076"/>
+          <ac:picMkLst>
+            <pc:docMk/>
+            <pc:sldMk cId="3540827344" sldId="318"/>
+            <ac:picMk id="2" creationId="{869CB947-6CFA-4EDF-8572-B894746C2416}"/>
+          </ac:picMkLst>
+        </pc:picChg>
+        <pc:picChg chg="del">
+          <ac:chgData name="김 재현" userId="e331c24078343b94" providerId="LiveId" clId="{19C9B56C-74E6-4678-B583-1EBFD9EC01EA}" dt="2020-03-19T16:56:31.222" v="11455" actId="478"/>
+          <ac:picMkLst>
+            <pc:docMk/>
+            <pc:sldMk cId="3540827344" sldId="318"/>
+            <ac:picMk id="3" creationId="{514F3926-5861-47A8-92B7-0850D4AD1275}"/>
+          </ac:picMkLst>
+        </pc:picChg>
+        <pc:picChg chg="add del mod">
+          <ac:chgData name="김 재현" userId="e331c24078343b94" providerId="LiveId" clId="{19C9B56C-74E6-4678-B583-1EBFD9EC01EA}" dt="2020-03-19T16:56:38.225" v="11461" actId="1076"/>
+          <ac:picMkLst>
+            <pc:docMk/>
+            <pc:sldMk cId="3540827344" sldId="318"/>
+            <ac:picMk id="5" creationId="{7A7F83CC-5B4A-4175-84F8-93C761698151}"/>
+          </ac:picMkLst>
+        </pc:picChg>
+        <pc:picChg chg="add del">
+          <ac:chgData name="김 재현" userId="e331c24078343b94" providerId="LiveId" clId="{19C9B56C-74E6-4678-B583-1EBFD9EC01EA}" dt="2020-03-19T16:56:30.850" v="11454" actId="478"/>
+          <ac:picMkLst>
+            <pc:docMk/>
+            <pc:sldMk cId="3540827344" sldId="318"/>
+            <ac:picMk id="7" creationId="{7E1ACE36-7236-458A-A8C2-815460DAF9A6}"/>
+          </ac:picMkLst>
+        </pc:picChg>
+      </pc:sldChg>
+      <pc:sldChg chg="addSp delSp modSp add modNotesTx">
+        <pc:chgData name="김 재현" userId="e331c24078343b94" providerId="LiveId" clId="{19C9B56C-74E6-4678-B583-1EBFD9EC01EA}" dt="2020-03-20T16:04:46.903" v="14082" actId="20577"/>
+        <pc:sldMkLst>
+          <pc:docMk/>
+          <pc:sldMk cId="2488903090" sldId="319"/>
+        </pc:sldMkLst>
+        <pc:spChg chg="add mod">
+          <ac:chgData name="김 재현" userId="e331c24078343b94" providerId="LiveId" clId="{19C9B56C-74E6-4678-B583-1EBFD9EC01EA}" dt="2020-03-20T15:51:25.680" v="13294" actId="1076"/>
+          <ac:spMkLst>
+            <pc:docMk/>
+            <pc:sldMk cId="2488903090" sldId="319"/>
+            <ac:spMk id="2" creationId="{3D3ED797-2CE3-4173-B7A3-AD1CE2266116}"/>
+          </ac:spMkLst>
+        </pc:spChg>
+        <pc:spChg chg="add mod">
+          <ac:chgData name="김 재현" userId="e331c24078343b94" providerId="LiveId" clId="{19C9B56C-74E6-4678-B583-1EBFD9EC01EA}" dt="2020-03-20T16:04:41.088" v="14080"/>
+          <ac:spMkLst>
+            <pc:docMk/>
+            <pc:sldMk cId="2488903090" sldId="319"/>
+            <ac:spMk id="7" creationId="{48FEA967-A8A6-4980-B77C-1E8492C05BDD}"/>
+          </ac:spMkLst>
+        </pc:spChg>
+        <pc:picChg chg="add del mod">
+          <ac:chgData name="김 재현" userId="e331c24078343b94" providerId="LiveId" clId="{19C9B56C-74E6-4678-B583-1EBFD9EC01EA}" dt="2020-03-20T15:59:20.469" v="13664" actId="478"/>
+          <ac:picMkLst>
+            <pc:docMk/>
+            <pc:sldMk cId="2488903090" sldId="319"/>
+            <ac:picMk id="3" creationId="{D8194F6E-E92B-4C51-9FB9-285192F3D4EE}"/>
+          </ac:picMkLst>
+        </pc:picChg>
+        <pc:picChg chg="add del mod">
+          <ac:chgData name="김 재현" userId="e331c24078343b94" providerId="LiveId" clId="{19C9B56C-74E6-4678-B583-1EBFD9EC01EA}" dt="2020-03-20T15:59:20.106" v="13663" actId="478"/>
+          <ac:picMkLst>
+            <pc:docMk/>
+            <pc:sldMk cId="2488903090" sldId="319"/>
+            <ac:picMk id="5" creationId="{A5B3DEBA-E2B4-478B-9C04-21D9B49774A3}"/>
+          </ac:picMkLst>
+        </pc:picChg>
+        <pc:picChg chg="del">
+          <ac:chgData name="김 재현" userId="e331c24078343b94" providerId="LiveId" clId="{19C9B56C-74E6-4678-B583-1EBFD9EC01EA}" dt="2020-03-19T17:07:27.042" v="12406" actId="478"/>
+          <ac:picMkLst>
+            <pc:docMk/>
+            <pc:sldMk cId="2488903090" sldId="319"/>
+            <ac:picMk id="6" creationId="{665DB7D8-2636-44C9-A18B-8D833A97BB7F}"/>
+          </ac:picMkLst>
+        </pc:picChg>
+        <pc:picChg chg="add del">
+          <ac:chgData name="김 재현" userId="e331c24078343b94" providerId="LiveId" clId="{19C9B56C-74E6-4678-B583-1EBFD9EC01EA}" dt="2020-03-20T15:59:17.495" v="13661"/>
+          <ac:picMkLst>
+            <pc:docMk/>
+            <pc:sldMk cId="2488903090" sldId="319"/>
+            <ac:picMk id="6" creationId="{A4DF5D92-2BE4-467C-AF77-3753C9128936}"/>
+          </ac:picMkLst>
+        </pc:picChg>
+      </pc:sldChg>
+      <pc:sldChg chg="add">
+        <pc:chgData name="김 재현" userId="e331c24078343b94" providerId="LiveId" clId="{19C9B56C-74E6-4678-B583-1EBFD9EC01EA}" dt="2020-03-20T14:23:53.136" v="12408"/>
+        <pc:sldMkLst>
+          <pc:docMk/>
+          <pc:sldMk cId="2435001519" sldId="320"/>
+        </pc:sldMkLst>
+      </pc:sldChg>
+      <pc:sldChg chg="add del">
+        <pc:chgData name="김 재현" userId="e331c24078343b94" providerId="LiveId" clId="{19C9B56C-74E6-4678-B583-1EBFD9EC01EA}" dt="2020-03-20T15:52:18.482" v="13296"/>
+        <pc:sldMkLst>
+          <pc:docMk/>
+          <pc:sldMk cId="1090772570" sldId="321"/>
+        </pc:sldMkLst>
+      </pc:sldChg>
+      <pc:sldChg chg="modSp add modNotesTx">
+        <pc:chgData name="김 재현" userId="e331c24078343b94" providerId="LiveId" clId="{19C9B56C-74E6-4678-B583-1EBFD9EC01EA}" dt="2020-03-20T16:09:27.833" v="14694" actId="20577"/>
+        <pc:sldMkLst>
+          <pc:docMk/>
+          <pc:sldMk cId="1832491869" sldId="321"/>
+        </pc:sldMkLst>
+        <pc:spChg chg="mod">
+          <ac:chgData name="김 재현" userId="e331c24078343b94" providerId="LiveId" clId="{19C9B56C-74E6-4678-B583-1EBFD9EC01EA}" dt="2020-03-20T16:09:27.833" v="14694" actId="20577"/>
+          <ac:spMkLst>
+            <pc:docMk/>
+            <pc:sldMk cId="1832491869" sldId="321"/>
+            <ac:spMk id="2" creationId="{3D3ED797-2CE3-4173-B7A3-AD1CE2266116}"/>
+          </ac:spMkLst>
+        </pc:spChg>
+        <pc:picChg chg="mod">
+          <ac:chgData name="김 재현" userId="e331c24078343b94" providerId="LiveId" clId="{19C9B56C-74E6-4678-B583-1EBFD9EC01EA}" dt="2020-03-20T16:05:02.261" v="14085" actId="1076"/>
+          <ac:picMkLst>
+            <pc:docMk/>
+            <pc:sldMk cId="1832491869" sldId="321"/>
+            <ac:picMk id="3" creationId="{D8194F6E-E92B-4C51-9FB9-285192F3D4EE}"/>
+          </ac:picMkLst>
+        </pc:picChg>
+        <pc:picChg chg="mod">
+          <ac:chgData name="김 재현" userId="e331c24078343b94" providerId="LiveId" clId="{19C9B56C-74E6-4678-B583-1EBFD9EC01EA}" dt="2020-03-20T16:05:05.863" v="14087" actId="1076"/>
+          <ac:picMkLst>
+            <pc:docMk/>
+            <pc:sldMk cId="1832491869" sldId="321"/>
+            <ac:picMk id="5" creationId="{A5B3DEBA-E2B4-478B-9C04-21D9B49774A3}"/>
+          </ac:picMkLst>
+        </pc:picChg>
+      </pc:sldChg>
+      <pc:sldChg chg="add del">
+        <pc:chgData name="김 재현" userId="e331c24078343b94" providerId="LiveId" clId="{19C9B56C-74E6-4678-B583-1EBFD9EC01EA}" dt="2020-03-20T15:54:02.482" v="13300" actId="2696"/>
+        <pc:sldMkLst>
+          <pc:docMk/>
+          <pc:sldMk cId="4127758740" sldId="321"/>
+        </pc:sldMkLst>
+      </pc:sldChg>
+      <pc:sldChg chg="addSp delSp modSp add del modNotesTx">
+        <pc:chgData name="김 재현" userId="e331c24078343b94" providerId="LiveId" clId="{19C9B56C-74E6-4678-B583-1EBFD9EC01EA}" dt="2020-03-20T16:36:29.622" v="15187" actId="20577"/>
+        <pc:sldMkLst>
+          <pc:docMk/>
+          <pc:sldMk cId="2668941675" sldId="322"/>
+        </pc:sldMkLst>
+        <pc:spChg chg="mod">
+          <ac:chgData name="김 재현" userId="e331c24078343b94" providerId="LiveId" clId="{19C9B56C-74E6-4678-B583-1EBFD9EC01EA}" dt="2020-03-20T16:29:33.870" v="14724" actId="20577"/>
+          <ac:spMkLst>
+            <pc:docMk/>
+            <pc:sldMk cId="2668941675" sldId="322"/>
+            <ac:spMk id="2" creationId="{3D3ED797-2CE3-4173-B7A3-AD1CE2266116}"/>
+          </ac:spMkLst>
+        </pc:spChg>
+        <pc:spChg chg="del">
+          <ac:chgData name="김 재현" userId="e331c24078343b94" providerId="LiveId" clId="{19C9B56C-74E6-4678-B583-1EBFD9EC01EA}" dt="2020-03-20T16:29:28.847" v="14720" actId="478"/>
+          <ac:spMkLst>
+            <pc:docMk/>
+            <pc:sldMk cId="2668941675" sldId="322"/>
+            <ac:spMk id="7" creationId="{48FEA967-A8A6-4980-B77C-1E8492C05BDD}"/>
+          </ac:spMkLst>
+        </pc:spChg>
+        <pc:picChg chg="add mod modCrop">
+          <ac:chgData name="김 재현" userId="e331c24078343b94" providerId="LiveId" clId="{19C9B56C-74E6-4678-B583-1EBFD9EC01EA}" dt="2020-03-20T16:30:28.045" v="14748" actId="14100"/>
+          <ac:picMkLst>
+            <pc:docMk/>
+            <pc:sldMk cId="2668941675" sldId="322"/>
+            <ac:picMk id="3" creationId="{F81EDC5E-0C33-4B50-B136-62D915327F9B}"/>
+          </ac:picMkLst>
+        </pc:picChg>
+      </pc:sldChg>
+      <pc:sldChg chg="addSp delSp modSp add modNotesTx">
+        <pc:chgData name="김 재현" userId="e331c24078343b94" providerId="LiveId" clId="{19C9B56C-74E6-4678-B583-1EBFD9EC01EA}" dt="2020-03-20T16:54:19.550" v="16221" actId="20577"/>
+        <pc:sldMkLst>
+          <pc:docMk/>
+          <pc:sldMk cId="4278751852" sldId="323"/>
+        </pc:sldMkLst>
+        <pc:spChg chg="mod">
+          <ac:chgData name="김 재현" userId="e331c24078343b94" providerId="LiveId" clId="{19C9B56C-74E6-4678-B583-1EBFD9EC01EA}" dt="2020-03-20T16:29:36.019" v="14726" actId="20577"/>
+          <ac:spMkLst>
+            <pc:docMk/>
+            <pc:sldMk cId="4278751852" sldId="323"/>
+            <ac:spMk id="2" creationId="{3D3ED797-2CE3-4173-B7A3-AD1CE2266116}"/>
+          </ac:spMkLst>
+        </pc:spChg>
+        <pc:spChg chg="del">
+          <ac:chgData name="김 재현" userId="e331c24078343b94" providerId="LiveId" clId="{19C9B56C-74E6-4678-B583-1EBFD9EC01EA}" dt="2020-03-20T16:36:43.090" v="15188" actId="478"/>
+          <ac:spMkLst>
+            <pc:docMk/>
+            <pc:sldMk cId="4278751852" sldId="323"/>
+            <ac:spMk id="7" creationId="{48FEA967-A8A6-4980-B77C-1E8492C05BDD}"/>
+          </ac:spMkLst>
+        </pc:spChg>
+        <pc:spChg chg="add mod">
+          <ac:chgData name="김 재현" userId="e331c24078343b94" providerId="LiveId" clId="{19C9B56C-74E6-4678-B583-1EBFD9EC01EA}" dt="2020-03-20T16:47:11.019" v="15575" actId="1076"/>
+          <ac:spMkLst>
+            <pc:docMk/>
+            <pc:sldMk cId="4278751852" sldId="323"/>
+            <ac:spMk id="8" creationId="{3B73BC44-3CE3-402E-A298-30BFF9C3F341}"/>
+          </ac:spMkLst>
+        </pc:spChg>
+        <pc:spChg chg="add mod">
+          <ac:chgData name="김 재현" userId="e331c24078343b94" providerId="LiveId" clId="{19C9B56C-74E6-4678-B583-1EBFD9EC01EA}" dt="2020-03-20T16:47:21.049" v="15579" actId="20577"/>
+          <ac:spMkLst>
+            <pc:docMk/>
+            <pc:sldMk cId="4278751852" sldId="323"/>
+            <ac:spMk id="18" creationId="{B6930E6B-6570-4B5E-8477-306B9A95B38F}"/>
+          </ac:spMkLst>
+        </pc:spChg>
+        <pc:spChg chg="add mod">
+          <ac:chgData name="김 재현" userId="e331c24078343b94" providerId="LiveId" clId="{19C9B56C-74E6-4678-B583-1EBFD9EC01EA}" dt="2020-03-20T16:47:32.166" v="15583" actId="20577"/>
+          <ac:spMkLst>
+            <pc:docMk/>
+            <pc:sldMk cId="4278751852" sldId="323"/>
+            <ac:spMk id="19" creationId="{2BED0062-4517-48CF-9017-780073BD56A5}"/>
+          </ac:spMkLst>
+        </pc:spChg>
+        <pc:picChg chg="add mod modCrop">
+          <ac:chgData name="김 재현" userId="e331c24078343b94" providerId="LiveId" clId="{19C9B56C-74E6-4678-B583-1EBFD9EC01EA}" dt="2020-03-20T16:44:26.811" v="15467" actId="1076"/>
+          <ac:picMkLst>
+            <pc:docMk/>
+            <pc:sldMk cId="4278751852" sldId="323"/>
+            <ac:picMk id="3" creationId="{0A06759C-4B9A-4DC1-BCE0-256E58B07F60}"/>
+          </ac:picMkLst>
+        </pc:picChg>
+        <pc:picChg chg="add mod modCrop">
+          <ac:chgData name="김 재현" userId="e331c24078343b94" providerId="LiveId" clId="{19C9B56C-74E6-4678-B583-1EBFD9EC01EA}" dt="2020-03-20T16:44:32.947" v="15469" actId="14100"/>
+          <ac:picMkLst>
+            <pc:docMk/>
+            <pc:sldMk cId="4278751852" sldId="323"/>
+            <ac:picMk id="5" creationId="{1144A6B4-5678-4F9C-A4EB-579E7A20564D}"/>
+          </ac:picMkLst>
+        </pc:picChg>
+        <pc:picChg chg="add mod modCrop">
+          <ac:chgData name="김 재현" userId="e331c24078343b94" providerId="LiveId" clId="{19C9B56C-74E6-4678-B583-1EBFD9EC01EA}" dt="2020-03-20T16:44:36.025" v="15470" actId="1076"/>
+          <ac:picMkLst>
+            <pc:docMk/>
+            <pc:sldMk cId="4278751852" sldId="323"/>
+            <ac:picMk id="6" creationId="{CD8424A4-25F5-462F-9705-B1EBDBE05E23}"/>
+          </ac:picMkLst>
+        </pc:picChg>
+      </pc:sldChg>
+      <pc:sldChg chg="add del">
+        <pc:chgData name="김 재현" userId="e331c24078343b94" providerId="LiveId" clId="{19C9B56C-74E6-4678-B583-1EBFD9EC01EA}" dt="2020-03-20T16:29:31.052" v="14722"/>
+        <pc:sldMkLst>
+          <pc:docMk/>
+          <pc:sldMk cId="1527717863" sldId="324"/>
+        </pc:sldMkLst>
+      </pc:sldChg>
+      <pc:sldChg chg="addSp delSp modSp add modNotesTx">
+        <pc:chgData name="김 재현" userId="e331c24078343b94" providerId="LiveId" clId="{19C9B56C-74E6-4678-B583-1EBFD9EC01EA}" dt="2020-03-21T16:55:31.966" v="18282" actId="1076"/>
+        <pc:sldMkLst>
+          <pc:docMk/>
+          <pc:sldMk cId="2453640813" sldId="324"/>
+        </pc:sldMkLst>
+        <pc:spChg chg="mod">
+          <ac:chgData name="김 재현" userId="e331c24078343b94" providerId="LiveId" clId="{19C9B56C-74E6-4678-B583-1EBFD9EC01EA}" dt="2020-03-20T17:04:44.330" v="16258" actId="1076"/>
+          <ac:spMkLst>
+            <pc:docMk/>
+            <pc:sldMk cId="2453640813" sldId="324"/>
+            <ac:spMk id="2" creationId="{3D3ED797-2CE3-4173-B7A3-AD1CE2266116}"/>
+          </ac:spMkLst>
+        </pc:spChg>
+        <pc:spChg chg="add del mod">
+          <ac:chgData name="김 재현" userId="e331c24078343b94" providerId="LiveId" clId="{19C9B56C-74E6-4678-B583-1EBFD9EC01EA}" dt="2020-03-20T17:05:19.357" v="16264" actId="478"/>
+          <ac:spMkLst>
+            <pc:docMk/>
+            <pc:sldMk cId="2453640813" sldId="324"/>
+            <ac:spMk id="5" creationId="{1F187173-ACB6-4BAA-97B2-47293F6F7A74}"/>
+          </ac:spMkLst>
+        </pc:spChg>
+        <pc:spChg chg="add mod">
+          <ac:chgData name="김 재현" userId="e331c24078343b94" providerId="LiveId" clId="{19C9B56C-74E6-4678-B583-1EBFD9EC01EA}" dt="2020-03-21T16:55:31.966" v="18282" actId="1076"/>
+          <ac:spMkLst>
+            <pc:docMk/>
+            <pc:sldMk cId="2453640813" sldId="324"/>
+            <ac:spMk id="9" creationId="{C4EC2091-7E8C-47DD-913F-0605F58E034B}"/>
+          </ac:spMkLst>
+        </pc:spChg>
+        <pc:picChg chg="del">
+          <ac:chgData name="김 재현" userId="e331c24078343b94" providerId="LiveId" clId="{19C9B56C-74E6-4678-B583-1EBFD9EC01EA}" dt="2020-03-20T16:55:52.932" v="16223" actId="478"/>
+          <ac:picMkLst>
+            <pc:docMk/>
+            <pc:sldMk cId="2453640813" sldId="324"/>
+            <ac:picMk id="3" creationId="{F81EDC5E-0C33-4B50-B136-62D915327F9B}"/>
+          </ac:picMkLst>
+        </pc:picChg>
+        <pc:picChg chg="add del mod">
+          <ac:chgData name="김 재현" userId="e331c24078343b94" providerId="LiveId" clId="{19C9B56C-74E6-4678-B583-1EBFD9EC01EA}" dt="2020-03-20T17:21:57.865" v="16299" actId="478"/>
+          <ac:picMkLst>
+            <pc:docMk/>
+            <pc:sldMk cId="2453640813" sldId="324"/>
+            <ac:picMk id="6" creationId="{72D6F3D6-4084-45A4-8213-2F2A75E1C6B2}"/>
+          </ac:picMkLst>
+        </pc:picChg>
+        <pc:picChg chg="add mod">
+          <ac:chgData name="김 재현" userId="e331c24078343b94" providerId="LiveId" clId="{19C9B56C-74E6-4678-B583-1EBFD9EC01EA}" dt="2020-03-20T17:23:39.160" v="16323" actId="1076"/>
+          <ac:picMkLst>
+            <pc:docMk/>
+            <pc:sldMk cId="2453640813" sldId="324"/>
+            <ac:picMk id="7" creationId="{264CB965-2C92-4E0D-8A7E-61D4C9AB983B}"/>
+          </ac:picMkLst>
+        </pc:picChg>
+        <pc:picChg chg="add mod modCrop">
+          <ac:chgData name="김 재현" userId="e331c24078343b94" providerId="LiveId" clId="{19C9B56C-74E6-4678-B583-1EBFD9EC01EA}" dt="2020-03-20T17:23:37.129" v="16322" actId="1076"/>
+          <ac:picMkLst>
+            <pc:docMk/>
+            <pc:sldMk cId="2453640813" sldId="324"/>
+            <ac:picMk id="8" creationId="{F44A526C-C53B-4458-8C19-1668FE377B78}"/>
+          </ac:picMkLst>
+        </pc:picChg>
+      </pc:sldChg>
+      <pc:sldChg chg="add del">
+        <pc:chgData name="김 재현" userId="e331c24078343b94" providerId="LiveId" clId="{19C9B56C-74E6-4678-B583-1EBFD9EC01EA}" dt="2020-03-20T16:29:38.516" v="14728"/>
+        <pc:sldMkLst>
+          <pc:docMk/>
+          <pc:sldMk cId="3542788003" sldId="324"/>
+        </pc:sldMkLst>
+      </pc:sldChg>
+      <pc:sldChg chg="addSp delSp modSp add">
+        <pc:chgData name="김 재현" userId="e331c24078343b94" providerId="LiveId" clId="{19C9B56C-74E6-4678-B583-1EBFD9EC01EA}" dt="2020-03-20T17:41:52.656" v="16581"/>
+        <pc:sldMkLst>
+          <pc:docMk/>
+          <pc:sldMk cId="2757773068" sldId="325"/>
+        </pc:sldMkLst>
+        <pc:spChg chg="mod">
+          <ac:chgData name="김 재현" userId="e331c24078343b94" providerId="LiveId" clId="{19C9B56C-74E6-4678-B583-1EBFD9EC01EA}" dt="2020-03-20T17:05:42.271" v="16272" actId="20577"/>
+          <ac:spMkLst>
+            <pc:docMk/>
+            <pc:sldMk cId="2757773068" sldId="325"/>
+            <ac:spMk id="2" creationId="{3D3ED797-2CE3-4173-B7A3-AD1CE2266116}"/>
+          </ac:spMkLst>
+        </pc:spChg>
+        <pc:spChg chg="add mod">
+          <ac:chgData name="김 재현" userId="e331c24078343b94" providerId="LiveId" clId="{19C9B56C-74E6-4678-B583-1EBFD9EC01EA}" dt="2020-03-20T17:41:52.656" v="16581"/>
+          <ac:spMkLst>
+            <pc:docMk/>
+            <pc:sldMk cId="2757773068" sldId="325"/>
+            <ac:spMk id="3" creationId="{3BCFCEFC-2D02-4427-8327-2EE035C54DC7}"/>
+          </ac:spMkLst>
+        </pc:spChg>
+        <pc:spChg chg="del mod">
+          <ac:chgData name="김 재현" userId="e331c24078343b94" providerId="LiveId" clId="{19C9B56C-74E6-4678-B583-1EBFD9EC01EA}" dt="2020-03-20T17:05:28.757" v="16268" actId="478"/>
+          <ac:spMkLst>
+            <pc:docMk/>
+            <pc:sldMk cId="2757773068" sldId="325"/>
+            <ac:spMk id="5" creationId="{1F187173-ACB6-4BAA-97B2-47293F6F7A74}"/>
+          </ac:spMkLst>
+        </pc:spChg>
+        <pc:spChg chg="add del">
+          <ac:chgData name="김 재현" userId="e331c24078343b94" providerId="LiveId" clId="{19C9B56C-74E6-4678-B583-1EBFD9EC01EA}" dt="2020-03-20T17:25:51.688" v="16327"/>
+          <ac:spMkLst>
+            <pc:docMk/>
+            <pc:sldMk cId="2757773068" sldId="325"/>
+            <ac:spMk id="6" creationId="{262F6DCE-68A2-451B-8FD7-CF4B3CA96D5E}"/>
+          </ac:spMkLst>
+        </pc:spChg>
+        <pc:spChg chg="add del mod">
+          <ac:chgData name="김 재현" userId="e331c24078343b94" providerId="LiveId" clId="{19C9B56C-74E6-4678-B583-1EBFD9EC01EA}" dt="2020-03-20T17:26:00.825" v="16330" actId="478"/>
+          <ac:spMkLst>
+            <pc:docMk/>
+            <pc:sldMk cId="2757773068" sldId="325"/>
+            <ac:spMk id="7" creationId="{CA5B710F-52FF-489F-AEBD-AA0C89E47229}"/>
+          </ac:spMkLst>
+        </pc:spChg>
+        <pc:spChg chg="add mod">
+          <ac:chgData name="김 재현" userId="e331c24078343b94" providerId="LiveId" clId="{19C9B56C-74E6-4678-B583-1EBFD9EC01EA}" dt="2020-03-20T17:36:37.592" v="16520"/>
+          <ac:spMkLst>
+            <pc:docMk/>
+            <pc:sldMk cId="2757773068" sldId="325"/>
+            <ac:spMk id="18" creationId="{5AE3223B-6157-4782-AEB9-284F572F7DDF}"/>
+          </ac:spMkLst>
+        </pc:spChg>
+        <pc:picChg chg="add mod">
+          <ac:chgData name="김 재현" userId="e331c24078343b94" providerId="LiveId" clId="{19C9B56C-74E6-4678-B583-1EBFD9EC01EA}" dt="2020-03-20T17:36:30.097" v="16514" actId="1076"/>
+          <ac:picMkLst>
+            <pc:docMk/>
+            <pc:sldMk cId="2757773068" sldId="325"/>
+            <ac:picMk id="8" creationId="{52B414E6-F381-4995-8FDE-DC9E0032033A}"/>
+          </ac:picMkLst>
+        </pc:picChg>
+        <pc:picChg chg="add mod modCrop">
+          <ac:chgData name="김 재현" userId="e331c24078343b94" providerId="LiveId" clId="{19C9B56C-74E6-4678-B583-1EBFD9EC01EA}" dt="2020-03-20T17:36:26.170" v="16512" actId="1076"/>
+          <ac:picMkLst>
+            <pc:docMk/>
+            <pc:sldMk cId="2757773068" sldId="325"/>
+            <ac:picMk id="9" creationId="{D0A38FA7-90F8-4BDA-A62E-2FA8F79BC22F}"/>
+          </ac:picMkLst>
+        </pc:picChg>
+      </pc:sldChg>
+      <pc:sldChg chg="addSp delSp modSp add">
+        <pc:chgData name="김 재현" userId="e331c24078343b94" providerId="LiveId" clId="{19C9B56C-74E6-4678-B583-1EBFD9EC01EA}" dt="2020-03-20T17:41:56.993" v="16597"/>
+        <pc:sldMkLst>
+          <pc:docMk/>
+          <pc:sldMk cId="4106071919" sldId="326"/>
+        </pc:sldMkLst>
+        <pc:spChg chg="mod">
+          <ac:chgData name="김 재현" userId="e331c24078343b94" providerId="LiveId" clId="{19C9B56C-74E6-4678-B583-1EBFD9EC01EA}" dt="2020-03-20T17:05:50.960" v="16276" actId="20577"/>
+          <ac:spMkLst>
+            <pc:docMk/>
+            <pc:sldMk cId="4106071919" sldId="326"/>
+            <ac:spMk id="2" creationId="{3D3ED797-2CE3-4173-B7A3-AD1CE2266116}"/>
+          </ac:spMkLst>
+        </pc:spChg>
+        <pc:spChg chg="del">
+          <ac:chgData name="김 재현" userId="e331c24078343b94" providerId="LiveId" clId="{19C9B56C-74E6-4678-B583-1EBFD9EC01EA}" dt="2020-03-20T17:05:37.103" v="16270" actId="478"/>
+          <ac:spMkLst>
+            <pc:docMk/>
+            <pc:sldMk cId="4106071919" sldId="326"/>
+            <ac:spMk id="5" creationId="{1F187173-ACB6-4BAA-97B2-47293F6F7A74}"/>
+          </ac:spMkLst>
+        </pc:spChg>
+        <pc:spChg chg="add mod">
+          <ac:chgData name="김 재현" userId="e331c24078343b94" providerId="LiveId" clId="{19C9B56C-74E6-4678-B583-1EBFD9EC01EA}" dt="2020-03-20T17:37:52.333" v="16539" actId="20577"/>
+          <ac:spMkLst>
+            <pc:docMk/>
+            <pc:sldMk cId="4106071919" sldId="326"/>
+            <ac:spMk id="18" creationId="{5BED8091-C9A3-4443-98F5-A7AF925F0132}"/>
+          </ac:spMkLst>
+        </pc:spChg>
+        <pc:spChg chg="add mod">
+          <ac:chgData name="김 재현" userId="e331c24078343b94" providerId="LiveId" clId="{19C9B56C-74E6-4678-B583-1EBFD9EC01EA}" dt="2020-03-20T17:41:56.993" v="16597"/>
+          <ac:spMkLst>
+            <pc:docMk/>
+            <pc:sldMk cId="4106071919" sldId="326"/>
+            <ac:spMk id="19" creationId="{19B9430C-0088-465F-B244-2C9C1455C836}"/>
+          </ac:spMkLst>
+        </pc:spChg>
+        <pc:picChg chg="add mod">
+          <ac:chgData name="김 재현" userId="e331c24078343b94" providerId="LiveId" clId="{19C9B56C-74E6-4678-B583-1EBFD9EC01EA}" dt="2020-03-20T17:41:00.144" v="16545" actId="1076"/>
+          <ac:picMkLst>
+            <pc:docMk/>
+            <pc:sldMk cId="4106071919" sldId="326"/>
+            <ac:picMk id="3" creationId="{CA09F003-EB85-4CC2-A943-D413A18774C8}"/>
+          </ac:picMkLst>
+        </pc:picChg>
+        <pc:picChg chg="add mod">
+          <ac:chgData name="김 재현" userId="e331c24078343b94" providerId="LiveId" clId="{19C9B56C-74E6-4678-B583-1EBFD9EC01EA}" dt="2020-03-20T17:41:19.568" v="16549" actId="1076"/>
+          <ac:picMkLst>
+            <pc:docMk/>
+            <pc:sldMk cId="4106071919" sldId="326"/>
+            <ac:picMk id="6" creationId="{529AC103-2A3A-4203-B70D-308EE33CEDA5}"/>
+          </ac:picMkLst>
+        </pc:picChg>
+      </pc:sldChg>
+      <pc:sldChg chg="addSp delSp modSp add ord modNotesTx">
+        <pc:chgData name="김 재현" userId="e331c24078343b94" providerId="LiveId" clId="{19C9B56C-74E6-4678-B583-1EBFD9EC01EA}" dt="2020-03-21T16:55:56.458" v="18295" actId="1076"/>
+        <pc:sldMkLst>
+          <pc:docMk/>
+          <pc:sldMk cId="1562730402" sldId="327"/>
+        </pc:sldMkLst>
+        <pc:spChg chg="mod">
+          <ac:chgData name="김 재현" userId="e331c24078343b94" providerId="LiveId" clId="{19C9B56C-74E6-4678-B583-1EBFD9EC01EA}" dt="2020-03-20T18:17:00.477" v="16691" actId="1076"/>
+          <ac:spMkLst>
+            <pc:docMk/>
+            <pc:sldMk cId="1562730402" sldId="327"/>
+            <ac:spMk id="2" creationId="{3D3ED797-2CE3-4173-B7A3-AD1CE2266116}"/>
+          </ac:spMkLst>
+        </pc:spChg>
+        <pc:spChg chg="add mod">
+          <ac:chgData name="김 재현" userId="e331c24078343b94" providerId="LiveId" clId="{19C9B56C-74E6-4678-B583-1EBFD9EC01EA}" dt="2020-03-21T16:55:56.458" v="18295" actId="1076"/>
+          <ac:spMkLst>
+            <pc:docMk/>
+            <pc:sldMk cId="1562730402" sldId="327"/>
+            <ac:spMk id="3" creationId="{448F30D8-EB17-4B9F-B8B1-7943409E6044}"/>
+          </ac:spMkLst>
+        </pc:spChg>
+        <pc:spChg chg="del mod">
+          <ac:chgData name="김 재현" userId="e331c24078343b94" providerId="LiveId" clId="{19C9B56C-74E6-4678-B583-1EBFD9EC01EA}" dt="2020-03-20T17:06:04.785" v="16283" actId="478"/>
+          <ac:spMkLst>
+            <pc:docMk/>
+            <pc:sldMk cId="1562730402" sldId="327"/>
+            <ac:spMk id="5" creationId="{1F187173-ACB6-4BAA-97B2-47293F6F7A74}"/>
+          </ac:spMkLst>
+        </pc:spChg>
+        <pc:spChg chg="add mod">
+          <ac:chgData name="김 재현" userId="e331c24078343b94" providerId="LiveId" clId="{19C9B56C-74E6-4678-B583-1EBFD9EC01EA}" dt="2020-03-20T18:16:54.822" v="16690" actId="1076"/>
+          <ac:spMkLst>
+            <pc:docMk/>
+            <pc:sldMk cId="1562730402" sldId="327"/>
+            <ac:spMk id="18" creationId="{20C90F2E-4BA0-44CC-B463-5501464D9A73}"/>
+          </ac:spMkLst>
+        </pc:spChg>
+      </pc:sldChg>
+      <pc:sldChg chg="addSp delSp modSp add delAnim modAnim modNotesTx">
+        <pc:chgData name="김 재현" userId="e331c24078343b94" providerId="LiveId" clId="{19C9B56C-74E6-4678-B583-1EBFD9EC01EA}" dt="2020-03-20T18:27:47.469" v="17071" actId="1076"/>
+        <pc:sldMkLst>
+          <pc:docMk/>
+          <pc:sldMk cId="3598295233" sldId="328"/>
+        </pc:sldMkLst>
+        <pc:spChg chg="mod">
+          <ac:chgData name="김 재현" userId="e331c24078343b94" providerId="LiveId" clId="{19C9B56C-74E6-4678-B583-1EBFD9EC01EA}" dt="2020-03-20T18:27:47.469" v="17071" actId="1076"/>
+          <ac:spMkLst>
+            <pc:docMk/>
+            <pc:sldMk cId="3598295233" sldId="328"/>
+            <ac:spMk id="2" creationId="{3D3ED797-2CE3-4173-B7A3-AD1CE2266116}"/>
+          </ac:spMkLst>
+        </pc:spChg>
+        <pc:spChg chg="add mod">
+          <ac:chgData name="김 재현" userId="e331c24078343b94" providerId="LiveId" clId="{19C9B56C-74E6-4678-B583-1EBFD9EC01EA}" dt="2020-03-20T18:25:21.956" v="17043" actId="1076"/>
+          <ac:spMkLst>
+            <pc:docMk/>
+            <pc:sldMk cId="3598295233" sldId="328"/>
+            <ac:spMk id="3" creationId="{12257F61-697C-4369-9F09-76ED146E5C46}"/>
+          </ac:spMkLst>
+        </pc:spChg>
+        <pc:spChg chg="del">
+          <ac:chgData name="김 재현" userId="e331c24078343b94" providerId="LiveId" clId="{19C9B56C-74E6-4678-B583-1EBFD9EC01EA}" dt="2020-03-20T17:06:15.073" v="16288" actId="478"/>
+          <ac:spMkLst>
+            <pc:docMk/>
+            <pc:sldMk cId="3598295233" sldId="328"/>
+            <ac:spMk id="5" creationId="{1F187173-ACB6-4BAA-97B2-47293F6F7A74}"/>
+          </ac:spMkLst>
+        </pc:spChg>
+        <pc:spChg chg="add mod">
+          <ac:chgData name="김 재현" userId="e331c24078343b94" providerId="LiveId" clId="{19C9B56C-74E6-4678-B583-1EBFD9EC01EA}" dt="2020-03-20T18:27:32.103" v="17068" actId="13822"/>
+          <ac:spMkLst>
+            <pc:docMk/>
+            <pc:sldMk cId="3598295233" sldId="328"/>
+            <ac:spMk id="6" creationId="{614B5FFD-FC18-47D9-88AB-E6E443266BEE}"/>
+          </ac:spMkLst>
+        </pc:spChg>
+        <pc:spChg chg="add del mod">
+          <ac:chgData name="김 재현" userId="e331c24078343b94" providerId="LiveId" clId="{19C9B56C-74E6-4678-B583-1EBFD9EC01EA}" dt="2020-03-20T18:26:32.441" v="17054" actId="478"/>
+          <ac:spMkLst>
+            <pc:docMk/>
+            <pc:sldMk cId="3598295233" sldId="328"/>
+            <ac:spMk id="7" creationId="{B20C0614-49AE-4E28-BD5B-57C220640F32}"/>
+          </ac:spMkLst>
+        </pc:spChg>
+        <pc:spChg chg="add mod">
+          <ac:chgData name="김 재현" userId="e331c24078343b94" providerId="LiveId" clId="{19C9B56C-74E6-4678-B583-1EBFD9EC01EA}" dt="2020-03-20T18:25:27.020" v="17044" actId="1076"/>
+          <ac:spMkLst>
+            <pc:docMk/>
+            <pc:sldMk cId="3598295233" sldId="328"/>
+            <ac:spMk id="19" creationId="{67ACE86B-21FB-435D-83DD-779B518D5B77}"/>
+          </ac:spMkLst>
+        </pc:spChg>
+        <pc:spChg chg="add del mod">
+          <ac:chgData name="김 재현" userId="e331c24078343b94" providerId="LiveId" clId="{19C9B56C-74E6-4678-B583-1EBFD9EC01EA}" dt="2020-03-20T18:26:56.159" v="17059" actId="478"/>
+          <ac:spMkLst>
+            <pc:docMk/>
+            <pc:sldMk cId="3598295233" sldId="328"/>
+            <ac:spMk id="20" creationId="{99C32E60-F954-453C-A78C-E15C65A87BAC}"/>
+          </ac:spMkLst>
+        </pc:spChg>
+        <pc:picChg chg="add mod modCrop">
+          <ac:chgData name="김 재현" userId="e331c24078343b94" providerId="LiveId" clId="{19C9B56C-74E6-4678-B583-1EBFD9EC01EA}" dt="2020-03-20T18:25:43.471" v="17047" actId="732"/>
+          <ac:picMkLst>
+            <pc:docMk/>
+            <pc:sldMk cId="3598295233" sldId="328"/>
+            <ac:picMk id="18" creationId="{30F8DA25-39A3-454F-997F-8C5DA7A008ED}"/>
+          </ac:picMkLst>
+        </pc:picChg>
+      </pc:sldChg>
+      <pc:sldChg chg="add del">
+        <pc:chgData name="김 재현" userId="e331c24078343b94" providerId="LiveId" clId="{19C9B56C-74E6-4678-B583-1EBFD9EC01EA}" dt="2020-03-20T17:37:34.814" v="16529"/>
+        <pc:sldMkLst>
+          <pc:docMk/>
+          <pc:sldMk cId="2171196329" sldId="329"/>
+        </pc:sldMkLst>
+      </pc:sldChg>
+      <pc:sldChg chg="addSp delSp modSp add modNotesTx">
+        <pc:chgData name="김 재현" userId="e331c24078343b94" providerId="LiveId" clId="{19C9B56C-74E6-4678-B583-1EBFD9EC01EA}" dt="2020-03-20T18:22:18.519" v="16729" actId="20577"/>
+        <pc:sldMkLst>
+          <pc:docMk/>
+          <pc:sldMk cId="3553838450" sldId="329"/>
+        </pc:sldMkLst>
+        <pc:spChg chg="mod">
+          <ac:chgData name="김 재현" userId="e331c24078343b94" providerId="LiveId" clId="{19C9B56C-74E6-4678-B583-1EBFD9EC01EA}" dt="2020-03-20T17:44:16.088" v="16619" actId="14100"/>
+          <ac:spMkLst>
+            <pc:docMk/>
+            <pc:sldMk cId="3553838450" sldId="329"/>
+            <ac:spMk id="2" creationId="{3D3ED797-2CE3-4173-B7A3-AD1CE2266116}"/>
+          </ac:spMkLst>
+        </pc:spChg>
+        <pc:spChg chg="add del">
+          <ac:chgData name="김 재현" userId="e331c24078343b94" providerId="LiveId" clId="{19C9B56C-74E6-4678-B583-1EBFD9EC01EA}" dt="2020-03-20T18:13:54.811" v="16621" actId="478"/>
+          <ac:spMkLst>
+            <pc:docMk/>
+            <pc:sldMk cId="3553838450" sldId="329"/>
+            <ac:spMk id="5" creationId="{49E7C464-110A-459D-9AC0-61B2EFB44A18}"/>
+          </ac:spMkLst>
+        </pc:spChg>
+        <pc:spChg chg="add del">
+          <ac:chgData name="김 재현" userId="e331c24078343b94" providerId="LiveId" clId="{19C9B56C-74E6-4678-B583-1EBFD9EC01EA}" dt="2020-03-20T18:14:00.241" v="16623"/>
+          <ac:spMkLst>
+            <pc:docMk/>
+            <pc:sldMk cId="3553838450" sldId="329"/>
+            <ac:spMk id="7" creationId="{67DB4696-544F-4657-A83E-665AA4959D3B}"/>
+          </ac:spMkLst>
+        </pc:spChg>
+        <pc:spChg chg="add del">
+          <ac:chgData name="김 재현" userId="e331c24078343b94" providerId="LiveId" clId="{19C9B56C-74E6-4678-B583-1EBFD9EC01EA}" dt="2020-03-20T18:14:01.824" v="16625"/>
+          <ac:spMkLst>
+            <pc:docMk/>
+            <pc:sldMk cId="3553838450" sldId="329"/>
+            <ac:spMk id="8" creationId="{84479722-F337-4115-8D7F-675DF452068E}"/>
+          </ac:spMkLst>
+        </pc:spChg>
+        <pc:spChg chg="del">
+          <ac:chgData name="김 재현" userId="e331c24078343b94" providerId="LiveId" clId="{19C9B56C-74E6-4678-B583-1EBFD9EC01EA}" dt="2020-03-20T18:16:05.356" v="16687" actId="478"/>
+          <ac:spMkLst>
+            <pc:docMk/>
+            <pc:sldMk cId="3553838450" sldId="329"/>
+            <ac:spMk id="18" creationId="{5BED8091-C9A3-4443-98F5-A7AF925F0132}"/>
+          </ac:spMkLst>
+        </pc:spChg>
+        <pc:spChg chg="del mod">
+          <ac:chgData name="김 재현" userId="e331c24078343b94" providerId="LiveId" clId="{19C9B56C-74E6-4678-B583-1EBFD9EC01EA}" dt="2020-03-20T18:14:50.807" v="16660"/>
+          <ac:spMkLst>
+            <pc:docMk/>
+            <pc:sldMk cId="3553838450" sldId="329"/>
+            <ac:spMk id="19" creationId="{19B9430C-0088-465F-B244-2C9C1455C836}"/>
+          </ac:spMkLst>
+        </pc:spChg>
+        <pc:picChg chg="mod">
+          <ac:chgData name="김 재현" userId="e331c24078343b94" providerId="LiveId" clId="{19C9B56C-74E6-4678-B583-1EBFD9EC01EA}" dt="2020-03-20T18:20:20.758" v="16696" actId="1076"/>
+          <ac:picMkLst>
+            <pc:docMk/>
+            <pc:sldMk cId="3553838450" sldId="329"/>
+            <ac:picMk id="3" creationId="{CA09F003-EB85-4CC2-A943-D413A18774C8}"/>
+          </ac:picMkLst>
+        </pc:picChg>
+        <pc:picChg chg="mod">
+          <ac:chgData name="김 재현" userId="e331c24078343b94" providerId="LiveId" clId="{19C9B56C-74E6-4678-B583-1EBFD9EC01EA}" dt="2020-03-20T18:20:13.785" v="16693" actId="14826"/>
+          <ac:picMkLst>
+            <pc:docMk/>
+            <pc:sldMk cId="3553838450" sldId="329"/>
+            <ac:picMk id="6" creationId="{529AC103-2A3A-4203-B70D-308EE33CEDA5}"/>
+          </ac:picMkLst>
+        </pc:picChg>
+      </pc:sldChg>
+      <pc:sldChg chg="addSp delSp modSp add modNotesTx">
+        <pc:chgData name="김 재현" userId="e331c24078343b94" providerId="LiveId" clId="{19C9B56C-74E6-4678-B583-1EBFD9EC01EA}" dt="2020-03-20T18:46:01.825" v="18272" actId="20577"/>
+        <pc:sldMkLst>
+          <pc:docMk/>
+          <pc:sldMk cId="3369162311" sldId="330"/>
+        </pc:sldMkLst>
+        <pc:spChg chg="mod">
+          <ac:chgData name="김 재현" userId="e331c24078343b94" providerId="LiveId" clId="{19C9B56C-74E6-4678-B583-1EBFD9EC01EA}" dt="2020-03-20T18:38:43.090" v="17573"/>
+          <ac:spMkLst>
+            <pc:docMk/>
+            <pc:sldMk cId="3369162311" sldId="330"/>
+            <ac:spMk id="2" creationId="{3D3ED797-2CE3-4173-B7A3-AD1CE2266116}"/>
+          </ac:spMkLst>
+        </pc:spChg>
+        <pc:picChg chg="del">
+          <ac:chgData name="김 재현" userId="e331c24078343b94" providerId="LiveId" clId="{19C9B56C-74E6-4678-B583-1EBFD9EC01EA}" dt="2020-03-20T18:37:02.502" v="17555" actId="478"/>
+          <ac:picMkLst>
+            <pc:docMk/>
+            <pc:sldMk cId="3369162311" sldId="330"/>
+            <ac:picMk id="3" creationId="{CA09F003-EB85-4CC2-A943-D413A18774C8}"/>
+          </ac:picMkLst>
+        </pc:picChg>
+        <pc:picChg chg="add del mod">
+          <ac:chgData name="김 재현" userId="e331c24078343b94" providerId="LiveId" clId="{19C9B56C-74E6-4678-B583-1EBFD9EC01EA}" dt="2020-03-20T18:43:33.383" v="17847" actId="478"/>
+          <ac:picMkLst>
+            <pc:docMk/>
+            <pc:sldMk cId="3369162311" sldId="330"/>
+            <ac:picMk id="5" creationId="{00C0A0F9-F070-497F-BAE4-B4E73A5C7859}"/>
+          </ac:picMkLst>
+        </pc:picChg>
+        <pc:picChg chg="del">
+          <ac:chgData name="김 재현" userId="e331c24078343b94" providerId="LiveId" clId="{19C9B56C-74E6-4678-B583-1EBFD9EC01EA}" dt="2020-03-20T18:37:02.848" v="17556" actId="478"/>
+          <ac:picMkLst>
+            <pc:docMk/>
+            <pc:sldMk cId="3369162311" sldId="330"/>
+            <ac:picMk id="6" creationId="{529AC103-2A3A-4203-B70D-308EE33CEDA5}"/>
+          </ac:picMkLst>
+        </pc:picChg>
+        <pc:picChg chg="add del mod">
+          <ac:chgData name="김 재현" userId="e331c24078343b94" providerId="LiveId" clId="{19C9B56C-74E6-4678-B583-1EBFD9EC01EA}" dt="2020-03-20T18:43:35.195" v="17849" actId="478"/>
+          <ac:picMkLst>
+            <pc:docMk/>
+            <pc:sldMk cId="3369162311" sldId="330"/>
+            <ac:picMk id="7" creationId="{87D0EAA4-6765-4517-9202-37EFBEE5052B}"/>
+          </ac:picMkLst>
+        </pc:picChg>
+        <pc:picChg chg="add del mod">
+          <ac:chgData name="김 재현" userId="e331c24078343b94" providerId="LiveId" clId="{19C9B56C-74E6-4678-B583-1EBFD9EC01EA}" dt="2020-03-20T18:43:33.801" v="17848" actId="478"/>
+          <ac:picMkLst>
+            <pc:docMk/>
+            <pc:sldMk cId="3369162311" sldId="330"/>
+            <ac:picMk id="8" creationId="{DFCF8795-6944-4F2E-9CFA-AF488A680381}"/>
+          </ac:picMkLst>
+        </pc:picChg>
+        <pc:picChg chg="add mod">
+          <ac:chgData name="김 재현" userId="e331c24078343b94" providerId="LiveId" clId="{19C9B56C-74E6-4678-B583-1EBFD9EC01EA}" dt="2020-03-20T18:43:46.435" v="17852" actId="1076"/>
+          <ac:picMkLst>
+            <pc:docMk/>
+            <pc:sldMk cId="3369162311" sldId="330"/>
+            <ac:picMk id="9" creationId="{103CB43C-9506-4CA0-A1BA-C45F35BC338C}"/>
+          </ac:picMkLst>
+        </pc:picChg>
+      </pc:sldChg>
+      <pc:sldChg chg="addSp delSp modSp add ord modNotesTx">
+        <pc:chgData name="김 재현" userId="e331c24078343b94" providerId="LiveId" clId="{19C9B56C-74E6-4678-B583-1EBFD9EC01EA}" dt="2020-03-20T18:45:56.306" v="18265" actId="20577"/>
+        <pc:sldMkLst>
+          <pc:docMk/>
+          <pc:sldMk cId="1467157103" sldId="331"/>
+        </pc:sldMkLst>
+        <pc:spChg chg="del">
+          <ac:chgData name="김 재현" userId="e331c24078343b94" providerId="LiveId" clId="{19C9B56C-74E6-4678-B583-1EBFD9EC01EA}" dt="2020-03-20T18:39:59.866" v="17596" actId="478"/>
+          <ac:spMkLst>
+            <pc:docMk/>
+            <pc:sldMk cId="1467157103" sldId="331"/>
+            <ac:spMk id="2" creationId="{3D3ED797-2CE3-4173-B7A3-AD1CE2266116}"/>
+          </ac:spMkLst>
+        </pc:spChg>
+        <pc:spChg chg="add mod">
+          <ac:chgData name="김 재현" userId="e331c24078343b94" providerId="LiveId" clId="{19C9B56C-74E6-4678-B583-1EBFD9EC01EA}" dt="2020-03-20T18:43:29.880" v="17846" actId="207"/>
+          <ac:spMkLst>
+            <pc:docMk/>
+            <pc:sldMk cId="1467157103" sldId="331"/>
+            <ac:spMk id="3" creationId="{9BA79138-C4BF-4B67-867B-88B69387306B}"/>
+          </ac:spMkLst>
+        </pc:spChg>
+        <pc:spChg chg="add del mod">
+          <ac:chgData name="김 재현" userId="e331c24078343b94" providerId="LiveId" clId="{19C9B56C-74E6-4678-B583-1EBFD9EC01EA}" dt="2020-03-20T18:42:58.134" v="17843" actId="478"/>
+          <ac:spMkLst>
+            <pc:docMk/>
+            <pc:sldMk cId="1467157103" sldId="331"/>
+            <ac:spMk id="6" creationId="{82065FE6-D768-4662-B1C5-DE0EF2346AE0}"/>
+          </ac:spMkLst>
+        </pc:spChg>
+        <pc:spChg chg="add mod">
+          <ac:chgData name="김 재현" userId="e331c24078343b94" providerId="LiveId" clId="{19C9B56C-74E6-4678-B583-1EBFD9EC01EA}" dt="2020-03-20T18:43:29.880" v="17846" actId="207"/>
+          <ac:spMkLst>
+            <pc:docMk/>
+            <pc:sldMk cId="1467157103" sldId="331"/>
+            <ac:spMk id="18" creationId="{981F1C5B-60FC-4E06-99DC-3503C28A2886}"/>
+          </ac:spMkLst>
+        </pc:spChg>
+        <pc:spChg chg="add ord">
+          <ac:chgData name="김 재현" userId="e331c24078343b94" providerId="LiveId" clId="{19C9B56C-74E6-4678-B583-1EBFD9EC01EA}" dt="2020-03-20T18:43:21.937" v="17845" actId="167"/>
+          <ac:spMkLst>
+            <pc:docMk/>
+            <pc:sldMk cId="1467157103" sldId="331"/>
+            <ac:spMk id="20" creationId="{ACA524B1-622A-4B10-89D3-8173ACEBEE00}"/>
+          </ac:spMkLst>
+        </pc:spChg>
+        <pc:picChg chg="mod modCrop">
+          <ac:chgData name="김 재현" userId="e331c24078343b94" providerId="LiveId" clId="{19C9B56C-74E6-4678-B583-1EBFD9EC01EA}" dt="2020-03-20T18:41:07.677" v="17656" actId="1076"/>
+          <ac:picMkLst>
+            <pc:docMk/>
+            <pc:sldMk cId="1467157103" sldId="331"/>
+            <ac:picMk id="5" creationId="{00C0A0F9-F070-497F-BAE4-B4E73A5C7859}"/>
+          </ac:picMkLst>
+        </pc:picChg>
+        <pc:picChg chg="mod modCrop">
+          <ac:chgData name="김 재현" userId="e331c24078343b94" providerId="LiveId" clId="{19C9B56C-74E6-4678-B583-1EBFD9EC01EA}" dt="2020-03-20T18:41:11.212" v="17657" actId="1076"/>
+          <ac:picMkLst>
+            <pc:docMk/>
+            <pc:sldMk cId="1467157103" sldId="331"/>
+            <ac:picMk id="7" creationId="{87D0EAA4-6765-4517-9202-37EFBEE5052B}"/>
+          </ac:picMkLst>
+        </pc:picChg>
+        <pc:picChg chg="mod modCrop">
+          <ac:chgData name="김 재현" userId="e331c24078343b94" providerId="LiveId" clId="{19C9B56C-74E6-4678-B583-1EBFD9EC01EA}" dt="2020-03-20T18:41:13.867" v="17658" actId="14100"/>
+          <ac:picMkLst>
+            <pc:docMk/>
+            <pc:sldMk cId="1467157103" sldId="331"/>
+            <ac:picMk id="8" creationId="{DFCF8795-6944-4F2E-9CFA-AF488A680381}"/>
+          </ac:picMkLst>
+        </pc:picChg>
+        <pc:picChg chg="del">
+          <ac:chgData name="김 재현" userId="e331c24078343b94" providerId="LiveId" clId="{19C9B56C-74E6-4678-B583-1EBFD9EC01EA}" dt="2020-03-20T18:39:09.390" v="17577" actId="478"/>
+          <ac:picMkLst>
+            <pc:docMk/>
+            <pc:sldMk cId="1467157103" sldId="331"/>
+            <ac:picMk id="9" creationId="{103CB43C-9506-4CA0-A1BA-C45F35BC338C}"/>
+          </ac:picMkLst>
+        </pc:picChg>
+      </pc:sldChg>
+    </pc:docChg>
+  </pc:docChgLst>
+  <pc:docChgLst>
     <pc:chgData name="김 재현" userId="e331c24078343b94" providerId="LiveId" clId="{91320770-4D47-4DA2-AF01-8E6672F3CBD9}"/>
     <pc:docChg chg="undo custSel addSld delSld modSld delMainMaster">
       <pc:chgData name="김 재현" userId="e331c24078343b94" providerId="LiveId" clId="{91320770-4D47-4DA2-AF01-8E6672F3CBD9}" dt="2020-03-28T10:42:55.120" v="241"/>
@@ -723,3841 +4558,6 @@
       </pc:sldMasterChg>
     </pc:docChg>
   </pc:docChgLst>
-  <pc:docChgLst>
-    <pc:chgData name="김 재현" userId="e331c24078343b94" providerId="LiveId" clId="{19C9B56C-74E6-4678-B583-1EBFD9EC01EA}"/>
-    <pc:docChg chg="undo redo custSel addSld delSld modSld sldOrd">
-      <pc:chgData name="김 재현" userId="e331c24078343b94" providerId="LiveId" clId="{19C9B56C-74E6-4678-B583-1EBFD9EC01EA}" dt="2020-03-22T09:54:37.049" v="18578" actId="1076"/>
-      <pc:docMkLst>
-        <pc:docMk/>
-      </pc:docMkLst>
-      <pc:sldChg chg="addSp modSp">
-        <pc:chgData name="김 재현" userId="e331c24078343b94" providerId="LiveId" clId="{19C9B56C-74E6-4678-B583-1EBFD9EC01EA}" dt="2020-03-20T16:10:00.654" v="14718" actId="1076"/>
-        <pc:sldMkLst>
-          <pc:docMk/>
-          <pc:sldMk cId="3957649275" sldId="257"/>
-        </pc:sldMkLst>
-        <pc:spChg chg="add mod">
-          <ac:chgData name="김 재현" userId="e331c24078343b94" providerId="LiveId" clId="{19C9B56C-74E6-4678-B583-1EBFD9EC01EA}" dt="2020-03-17T10:54:56.436" v="276"/>
-          <ac:spMkLst>
-            <pc:docMk/>
-            <pc:sldMk cId="3957649275" sldId="257"/>
-            <ac:spMk id="2" creationId="{C1B09AF6-A61C-4173-9E08-C61EBDF428EB}"/>
-          </ac:spMkLst>
-        </pc:spChg>
-        <pc:spChg chg="mod">
-          <ac:chgData name="김 재현" userId="e331c24078343b94" providerId="LiveId" clId="{19C9B56C-74E6-4678-B583-1EBFD9EC01EA}" dt="2020-03-20T16:10:00.654" v="14718" actId="1076"/>
-          <ac:spMkLst>
-            <pc:docMk/>
-            <pc:sldMk cId="3957649275" sldId="257"/>
-            <ac:spMk id="12" creationId="{00000000-0000-0000-0000-000000000000}"/>
-          </ac:spMkLst>
-        </pc:spChg>
-        <pc:spChg chg="mod">
-          <ac:chgData name="김 재현" userId="e331c24078343b94" providerId="LiveId" clId="{19C9B56C-74E6-4678-B583-1EBFD9EC01EA}" dt="2020-03-17T10:49:05.356" v="166" actId="1076"/>
-          <ac:spMkLst>
-            <pc:docMk/>
-            <pc:sldMk cId="3957649275" sldId="257"/>
-            <ac:spMk id="13" creationId="{00000000-0000-0000-0000-000000000000}"/>
-          </ac:spMkLst>
-        </pc:spChg>
-        <pc:spChg chg="mod">
-          <ac:chgData name="김 재현" userId="e331c24078343b94" providerId="LiveId" clId="{19C9B56C-74E6-4678-B583-1EBFD9EC01EA}" dt="2020-03-17T10:49:35.780" v="174" actId="1076"/>
-          <ac:spMkLst>
-            <pc:docMk/>
-            <pc:sldMk cId="3957649275" sldId="257"/>
-            <ac:spMk id="21" creationId="{00000000-0000-0000-0000-000000000000}"/>
-          </ac:spMkLst>
-        </pc:spChg>
-        <pc:grpChg chg="mod">
-          <ac:chgData name="김 재현" userId="e331c24078343b94" providerId="LiveId" clId="{19C9B56C-74E6-4678-B583-1EBFD9EC01EA}" dt="2020-03-17T10:48:50.282" v="163" actId="14100"/>
-          <ac:grpSpMkLst>
-            <pc:docMk/>
-            <pc:sldMk cId="3957649275" sldId="257"/>
-            <ac:grpSpMk id="24" creationId="{00000000-0000-0000-0000-000000000000}"/>
-          </ac:grpSpMkLst>
-        </pc:grpChg>
-      </pc:sldChg>
-      <pc:sldChg chg="addSp delSp modSp add del setBg">
-        <pc:chgData name="김 재현" userId="e331c24078343b94" providerId="LiveId" clId="{19C9B56C-74E6-4678-B583-1EBFD9EC01EA}" dt="2020-03-22T09:54:37.049" v="18578" actId="1076"/>
-        <pc:sldMkLst>
-          <pc:docMk/>
-          <pc:sldMk cId="1846964177" sldId="258"/>
-        </pc:sldMkLst>
-        <pc:spChg chg="mod">
-          <ac:chgData name="김 재현" userId="e331c24078343b94" providerId="LiveId" clId="{19C9B56C-74E6-4678-B583-1EBFD9EC01EA}" dt="2020-03-22T09:50:55.030" v="18360" actId="207"/>
-          <ac:spMkLst>
-            <pc:docMk/>
-            <pc:sldMk cId="1846964177" sldId="258"/>
-            <ac:spMk id="8" creationId="{00000000-0000-0000-0000-000000000000}"/>
-          </ac:spMkLst>
-        </pc:spChg>
-        <pc:spChg chg="mod">
-          <ac:chgData name="김 재현" userId="e331c24078343b94" providerId="LiveId" clId="{19C9B56C-74E6-4678-B583-1EBFD9EC01EA}" dt="2020-03-22T09:51:02.657" v="18364" actId="1076"/>
-          <ac:spMkLst>
-            <pc:docMk/>
-            <pc:sldMk cId="1846964177" sldId="258"/>
-            <ac:spMk id="9" creationId="{00000000-0000-0000-0000-000000000000}"/>
-          </ac:spMkLst>
-        </pc:spChg>
-        <pc:spChg chg="mod">
-          <ac:chgData name="김 재현" userId="e331c24078343b94" providerId="LiveId" clId="{19C9B56C-74E6-4678-B583-1EBFD9EC01EA}" dt="2020-03-22T09:51:10.466" v="18366" actId="1076"/>
-          <ac:spMkLst>
-            <pc:docMk/>
-            <pc:sldMk cId="1846964177" sldId="258"/>
-            <ac:spMk id="10" creationId="{00000000-0000-0000-0000-000000000000}"/>
-          </ac:spMkLst>
-        </pc:spChg>
-        <pc:spChg chg="mod">
-          <ac:chgData name="김 재현" userId="e331c24078343b94" providerId="LiveId" clId="{19C9B56C-74E6-4678-B583-1EBFD9EC01EA}" dt="2020-03-22T09:51:23.825" v="18368" actId="1076"/>
-          <ac:spMkLst>
-            <pc:docMk/>
-            <pc:sldMk cId="1846964177" sldId="258"/>
-            <ac:spMk id="11" creationId="{00000000-0000-0000-0000-000000000000}"/>
-          </ac:spMkLst>
-        </pc:spChg>
-        <pc:spChg chg="mod">
-          <ac:chgData name="김 재현" userId="e331c24078343b94" providerId="LiveId" clId="{19C9B56C-74E6-4678-B583-1EBFD9EC01EA}" dt="2020-03-22T09:51:33.482" v="18370" actId="1076"/>
-          <ac:spMkLst>
-            <pc:docMk/>
-            <pc:sldMk cId="1846964177" sldId="258"/>
-            <ac:spMk id="12" creationId="{00000000-0000-0000-0000-000000000000}"/>
-          </ac:spMkLst>
-        </pc:spChg>
-        <pc:spChg chg="mod">
-          <ac:chgData name="김 재현" userId="e331c24078343b94" providerId="LiveId" clId="{19C9B56C-74E6-4678-B583-1EBFD9EC01EA}" dt="2020-03-22T09:54:37.049" v="18578" actId="1076"/>
-          <ac:spMkLst>
-            <pc:docMk/>
-            <pc:sldMk cId="1846964177" sldId="258"/>
-            <ac:spMk id="20" creationId="{00000000-0000-0000-0000-000000000000}"/>
-          </ac:spMkLst>
-        </pc:spChg>
-        <pc:spChg chg="mod">
-          <ac:chgData name="김 재현" userId="e331c24078343b94" providerId="LiveId" clId="{19C9B56C-74E6-4678-B583-1EBFD9EC01EA}" dt="2020-03-22T09:54:31.778" v="18577" actId="1076"/>
-          <ac:spMkLst>
-            <pc:docMk/>
-            <pc:sldMk cId="1846964177" sldId="258"/>
-            <ac:spMk id="21" creationId="{00000000-0000-0000-0000-000000000000}"/>
-          </ac:spMkLst>
-        </pc:spChg>
-        <pc:spChg chg="add del mod">
-          <ac:chgData name="김 재현" userId="e331c24078343b94" providerId="LiveId" clId="{19C9B56C-74E6-4678-B583-1EBFD9EC01EA}" dt="2020-03-22T09:54:27.625" v="18576" actId="1076"/>
-          <ac:spMkLst>
-            <pc:docMk/>
-            <pc:sldMk cId="1846964177" sldId="258"/>
-            <ac:spMk id="22" creationId="{00000000-0000-0000-0000-000000000000}"/>
-          </ac:spMkLst>
-        </pc:spChg>
-        <pc:spChg chg="mod">
-          <ac:chgData name="김 재현" userId="e331c24078343b94" providerId="LiveId" clId="{19C9B56C-74E6-4678-B583-1EBFD9EC01EA}" dt="2020-03-22T09:54:25.127" v="18575" actId="1076"/>
-          <ac:spMkLst>
-            <pc:docMk/>
-            <pc:sldMk cId="1846964177" sldId="258"/>
-            <ac:spMk id="23" creationId="{00000000-0000-0000-0000-000000000000}"/>
-          </ac:spMkLst>
-        </pc:spChg>
-        <pc:spChg chg="add del mod">
-          <ac:chgData name="김 재현" userId="e331c24078343b94" providerId="LiveId" clId="{19C9B56C-74E6-4678-B583-1EBFD9EC01EA}" dt="2020-03-22T09:54:20.996" v="18574" actId="1076"/>
-          <ac:spMkLst>
-            <pc:docMk/>
-            <pc:sldMk cId="1846964177" sldId="258"/>
-            <ac:spMk id="24" creationId="{00000000-0000-0000-0000-000000000000}"/>
-          </ac:spMkLst>
-        </pc:spChg>
-        <pc:grpChg chg="mod">
-          <ac:chgData name="김 재현" userId="e331c24078343b94" providerId="LiveId" clId="{19C9B56C-74E6-4678-B583-1EBFD9EC01EA}" dt="2020-03-22T09:49:14.207" v="18326" actId="1076"/>
-          <ac:grpSpMkLst>
-            <pc:docMk/>
-            <pc:sldMk cId="1846964177" sldId="258"/>
-            <ac:grpSpMk id="26" creationId="{00000000-0000-0000-0000-000000000000}"/>
-          </ac:grpSpMkLst>
-        </pc:grpChg>
-        <pc:cxnChg chg="mod">
-          <ac:chgData name="김 재현" userId="e331c24078343b94" providerId="LiveId" clId="{19C9B56C-74E6-4678-B583-1EBFD9EC01EA}" dt="2020-03-22T09:50:39.986" v="18355" actId="1076"/>
-          <ac:cxnSpMkLst>
-            <pc:docMk/>
-            <pc:sldMk cId="1846964177" sldId="258"/>
-            <ac:cxnSpMk id="14" creationId="{00000000-0000-0000-0000-000000000000}"/>
-          </ac:cxnSpMkLst>
-        </pc:cxnChg>
-        <pc:cxnChg chg="mod">
-          <ac:chgData name="김 재현" userId="e331c24078343b94" providerId="LiveId" clId="{19C9B56C-74E6-4678-B583-1EBFD9EC01EA}" dt="2020-03-22T09:50:57.850" v="18362" actId="1076"/>
-          <ac:cxnSpMkLst>
-            <pc:docMk/>
-            <pc:sldMk cId="1846964177" sldId="258"/>
-            <ac:cxnSpMk id="15" creationId="{00000000-0000-0000-0000-000000000000}"/>
-          </ac:cxnSpMkLst>
-        </pc:cxnChg>
-        <pc:cxnChg chg="mod">
-          <ac:chgData name="김 재현" userId="e331c24078343b94" providerId="LiveId" clId="{19C9B56C-74E6-4678-B583-1EBFD9EC01EA}" dt="2020-03-22T09:50:39.986" v="18355" actId="1076"/>
-          <ac:cxnSpMkLst>
-            <pc:docMk/>
-            <pc:sldMk cId="1846964177" sldId="258"/>
-            <ac:cxnSpMk id="16" creationId="{00000000-0000-0000-0000-000000000000}"/>
-          </ac:cxnSpMkLst>
-        </pc:cxnChg>
-        <pc:cxnChg chg="mod">
-          <ac:chgData name="김 재현" userId="e331c24078343b94" providerId="LiveId" clId="{19C9B56C-74E6-4678-B583-1EBFD9EC01EA}" dt="2020-03-22T09:50:39.986" v="18355" actId="1076"/>
-          <ac:cxnSpMkLst>
-            <pc:docMk/>
-            <pc:sldMk cId="1846964177" sldId="258"/>
-            <ac:cxnSpMk id="17" creationId="{00000000-0000-0000-0000-000000000000}"/>
-          </ac:cxnSpMkLst>
-        </pc:cxnChg>
-        <pc:cxnChg chg="mod">
-          <ac:chgData name="김 재현" userId="e331c24078343b94" providerId="LiveId" clId="{19C9B56C-74E6-4678-B583-1EBFD9EC01EA}" dt="2020-03-22T09:50:39.986" v="18355" actId="1076"/>
-          <ac:cxnSpMkLst>
-            <pc:docMk/>
-            <pc:sldMk cId="1846964177" sldId="258"/>
-            <ac:cxnSpMk id="18" creationId="{00000000-0000-0000-0000-000000000000}"/>
-          </ac:cxnSpMkLst>
-        </pc:cxnChg>
-        <pc:cxnChg chg="mod">
-          <ac:chgData name="김 재현" userId="e331c24078343b94" providerId="LiveId" clId="{19C9B56C-74E6-4678-B583-1EBFD9EC01EA}" dt="2020-03-22T09:50:39.986" v="18355" actId="1076"/>
-          <ac:cxnSpMkLst>
-            <pc:docMk/>
-            <pc:sldMk cId="1846964177" sldId="258"/>
-            <ac:cxnSpMk id="19" creationId="{00000000-0000-0000-0000-000000000000}"/>
-          </ac:cxnSpMkLst>
-        </pc:cxnChg>
-      </pc:sldChg>
-      <pc:sldChg chg="addSp modSp del">
-        <pc:chgData name="김 재현" userId="e331c24078343b94" providerId="LiveId" clId="{19C9B56C-74E6-4678-B583-1EBFD9EC01EA}" dt="2020-03-17T11:38:49.659" v="1128" actId="2696"/>
-        <pc:sldMkLst>
-          <pc:docMk/>
-          <pc:sldMk cId="4290185744" sldId="259"/>
-        </pc:sldMkLst>
-        <pc:spChg chg="mod">
-          <ac:chgData name="김 재현" userId="e331c24078343b94" providerId="LiveId" clId="{19C9B56C-74E6-4678-B583-1EBFD9EC01EA}" dt="2020-03-17T11:30:04.159" v="1083" actId="207"/>
-          <ac:spMkLst>
-            <pc:docMk/>
-            <pc:sldMk cId="4290185744" sldId="259"/>
-            <ac:spMk id="25" creationId="{00000000-0000-0000-0000-000000000000}"/>
-          </ac:spMkLst>
-        </pc:spChg>
-        <pc:spChg chg="mod">
-          <ac:chgData name="김 재현" userId="e331c24078343b94" providerId="LiveId" clId="{19C9B56C-74E6-4678-B583-1EBFD9EC01EA}" dt="2020-03-17T11:13:12.962" v="1079" actId="1076"/>
-          <ac:spMkLst>
-            <pc:docMk/>
-            <pc:sldMk cId="4290185744" sldId="259"/>
-            <ac:spMk id="26" creationId="{00000000-0000-0000-0000-000000000000}"/>
-          </ac:spMkLst>
-        </pc:spChg>
-        <pc:spChg chg="mod">
-          <ac:chgData name="김 재현" userId="e331c24078343b94" providerId="LiveId" clId="{19C9B56C-74E6-4678-B583-1EBFD9EC01EA}" dt="2020-03-17T11:13:18.395" v="1080" actId="1076"/>
-          <ac:spMkLst>
-            <pc:docMk/>
-            <pc:sldMk cId="4290185744" sldId="259"/>
-            <ac:spMk id="27" creationId="{00000000-0000-0000-0000-000000000000}"/>
-          </ac:spMkLst>
-        </pc:spChg>
-        <pc:spChg chg="mod">
-          <ac:chgData name="김 재현" userId="e331c24078343b94" providerId="LiveId" clId="{19C9B56C-74E6-4678-B583-1EBFD9EC01EA}" dt="2020-03-17T11:13:26.242" v="1081" actId="1076"/>
-          <ac:spMkLst>
-            <pc:docMk/>
-            <pc:sldMk cId="4290185744" sldId="259"/>
-            <ac:spMk id="28" creationId="{00000000-0000-0000-0000-000000000000}"/>
-          </ac:spMkLst>
-        </pc:spChg>
-        <pc:spChg chg="mod">
-          <ac:chgData name="김 재현" userId="e331c24078343b94" providerId="LiveId" clId="{19C9B56C-74E6-4678-B583-1EBFD9EC01EA}" dt="2020-03-17T11:13:31.834" v="1082" actId="1076"/>
-          <ac:spMkLst>
-            <pc:docMk/>
-            <pc:sldMk cId="4290185744" sldId="259"/>
-            <ac:spMk id="29" creationId="{00000000-0000-0000-0000-000000000000}"/>
-          </ac:spMkLst>
-        </pc:spChg>
-        <pc:grpChg chg="mod">
-          <ac:chgData name="김 재현" userId="e331c24078343b94" providerId="LiveId" clId="{19C9B56C-74E6-4678-B583-1EBFD9EC01EA}" dt="2020-03-17T10:57:31.316" v="302" actId="1076"/>
-          <ac:grpSpMkLst>
-            <pc:docMk/>
-            <pc:sldMk cId="4290185744" sldId="259"/>
-            <ac:grpSpMk id="19" creationId="{00000000-0000-0000-0000-000000000000}"/>
-          </ac:grpSpMkLst>
-        </pc:grpChg>
-        <pc:grpChg chg="add mod">
-          <ac:chgData name="김 재현" userId="e331c24078343b94" providerId="LiveId" clId="{19C9B56C-74E6-4678-B583-1EBFD9EC01EA}" dt="2020-03-17T10:57:27.776" v="301" actId="571"/>
-          <ac:grpSpMkLst>
-            <pc:docMk/>
-            <pc:sldMk cId="4290185744" sldId="259"/>
-            <ac:grpSpMk id="36" creationId="{D03B14B4-A129-45AA-9CAB-5BFF33EEC656}"/>
-          </ac:grpSpMkLst>
-        </pc:grpChg>
-        <pc:cxnChg chg="mod">
-          <ac:chgData name="김 재현" userId="e331c24078343b94" providerId="LiveId" clId="{19C9B56C-74E6-4678-B583-1EBFD9EC01EA}" dt="2020-03-17T10:57:31.316" v="302" actId="1076"/>
-          <ac:cxnSpMkLst>
-            <pc:docMk/>
-            <pc:sldMk cId="4290185744" sldId="259"/>
-            <ac:cxnSpMk id="15" creationId="{00000000-0000-0000-0000-000000000000}"/>
-          </ac:cxnSpMkLst>
-        </pc:cxnChg>
-        <pc:cxnChg chg="mod">
-          <ac:chgData name="김 재현" userId="e331c24078343b94" providerId="LiveId" clId="{19C9B56C-74E6-4678-B583-1EBFD9EC01EA}" dt="2020-03-17T10:57:36.180" v="303" actId="1076"/>
-          <ac:cxnSpMkLst>
-            <pc:docMk/>
-            <pc:sldMk cId="4290185744" sldId="259"/>
-            <ac:cxnSpMk id="16" creationId="{00000000-0000-0000-0000-000000000000}"/>
-          </ac:cxnSpMkLst>
-        </pc:cxnChg>
-        <pc:cxnChg chg="mod">
-          <ac:chgData name="김 재현" userId="e331c24078343b94" providerId="LiveId" clId="{19C9B56C-74E6-4678-B583-1EBFD9EC01EA}" dt="2020-03-17T10:57:40.444" v="304" actId="1076"/>
-          <ac:cxnSpMkLst>
-            <pc:docMk/>
-            <pc:sldMk cId="4290185744" sldId="259"/>
-            <ac:cxnSpMk id="17" creationId="{00000000-0000-0000-0000-000000000000}"/>
-          </ac:cxnSpMkLst>
-        </pc:cxnChg>
-        <pc:cxnChg chg="mod">
-          <ac:chgData name="김 재현" userId="e331c24078343b94" providerId="LiveId" clId="{19C9B56C-74E6-4678-B583-1EBFD9EC01EA}" dt="2020-03-17T10:57:45.508" v="305" actId="1076"/>
-          <ac:cxnSpMkLst>
-            <pc:docMk/>
-            <pc:sldMk cId="4290185744" sldId="259"/>
-            <ac:cxnSpMk id="18" creationId="{00000000-0000-0000-0000-000000000000}"/>
-          </ac:cxnSpMkLst>
-        </pc:cxnChg>
-        <pc:cxnChg chg="mod">
-          <ac:chgData name="김 재현" userId="e331c24078343b94" providerId="LiveId" clId="{19C9B56C-74E6-4678-B583-1EBFD9EC01EA}" dt="2020-03-17T10:57:47.739" v="306" actId="1076"/>
-          <ac:cxnSpMkLst>
-            <pc:docMk/>
-            <pc:sldMk cId="4290185744" sldId="259"/>
-            <ac:cxnSpMk id="21" creationId="{00000000-0000-0000-0000-000000000000}"/>
-          </ac:cxnSpMkLst>
-        </pc:cxnChg>
-        <pc:cxnChg chg="mod">
-          <ac:chgData name="김 재현" userId="e331c24078343b94" providerId="LiveId" clId="{19C9B56C-74E6-4678-B583-1EBFD9EC01EA}" dt="2020-03-17T10:57:59.076" v="308" actId="1076"/>
-          <ac:cxnSpMkLst>
-            <pc:docMk/>
-            <pc:sldMk cId="4290185744" sldId="259"/>
-            <ac:cxnSpMk id="24" creationId="{00000000-0000-0000-0000-000000000000}"/>
-          </ac:cxnSpMkLst>
-        </pc:cxnChg>
-        <pc:cxnChg chg="add mod">
-          <ac:chgData name="김 재현" userId="e331c24078343b94" providerId="LiveId" clId="{19C9B56C-74E6-4678-B583-1EBFD9EC01EA}" dt="2020-03-17T10:57:27.776" v="301" actId="571"/>
-          <ac:cxnSpMkLst>
-            <pc:docMk/>
-            <pc:sldMk cId="4290185744" sldId="259"/>
-            <ac:cxnSpMk id="30" creationId="{C7C37232-C748-4E68-979F-5E97E2711872}"/>
-          </ac:cxnSpMkLst>
-        </pc:cxnChg>
-        <pc:cxnChg chg="add mod">
-          <ac:chgData name="김 재현" userId="e331c24078343b94" providerId="LiveId" clId="{19C9B56C-74E6-4678-B583-1EBFD9EC01EA}" dt="2020-03-17T10:57:27.776" v="301" actId="571"/>
-          <ac:cxnSpMkLst>
-            <pc:docMk/>
-            <pc:sldMk cId="4290185744" sldId="259"/>
-            <ac:cxnSpMk id="31" creationId="{B14A7C13-63CC-4BCB-B01F-836C3A434813}"/>
-          </ac:cxnSpMkLst>
-        </pc:cxnChg>
-        <pc:cxnChg chg="add mod">
-          <ac:chgData name="김 재현" userId="e331c24078343b94" providerId="LiveId" clId="{19C9B56C-74E6-4678-B583-1EBFD9EC01EA}" dt="2020-03-17T10:57:27.776" v="301" actId="571"/>
-          <ac:cxnSpMkLst>
-            <pc:docMk/>
-            <pc:sldMk cId="4290185744" sldId="259"/>
-            <ac:cxnSpMk id="32" creationId="{09A02EA3-B812-4D08-BB49-E42E34995BDF}"/>
-          </ac:cxnSpMkLst>
-        </pc:cxnChg>
-        <pc:cxnChg chg="add mod">
-          <ac:chgData name="김 재현" userId="e331c24078343b94" providerId="LiveId" clId="{19C9B56C-74E6-4678-B583-1EBFD9EC01EA}" dt="2020-03-17T10:57:27.776" v="301" actId="571"/>
-          <ac:cxnSpMkLst>
-            <pc:docMk/>
-            <pc:sldMk cId="4290185744" sldId="259"/>
-            <ac:cxnSpMk id="33" creationId="{0FB4DE59-309D-4396-AC21-D3FC3B4C082A}"/>
-          </ac:cxnSpMkLst>
-        </pc:cxnChg>
-        <pc:cxnChg chg="add mod">
-          <ac:chgData name="김 재현" userId="e331c24078343b94" providerId="LiveId" clId="{19C9B56C-74E6-4678-B583-1EBFD9EC01EA}" dt="2020-03-17T10:57:27.776" v="301" actId="571"/>
-          <ac:cxnSpMkLst>
-            <pc:docMk/>
-            <pc:sldMk cId="4290185744" sldId="259"/>
-            <ac:cxnSpMk id="34" creationId="{A13F5720-19D0-4F36-A9F8-BE2364AE8A50}"/>
-          </ac:cxnSpMkLst>
-        </pc:cxnChg>
-        <pc:cxnChg chg="add mod">
-          <ac:chgData name="김 재현" userId="e331c24078343b94" providerId="LiveId" clId="{19C9B56C-74E6-4678-B583-1EBFD9EC01EA}" dt="2020-03-17T10:57:27.776" v="301" actId="571"/>
-          <ac:cxnSpMkLst>
-            <pc:docMk/>
-            <pc:sldMk cId="4290185744" sldId="259"/>
-            <ac:cxnSpMk id="35" creationId="{4AC5B735-2EB4-488E-90A8-80495F3F0B7C}"/>
-          </ac:cxnSpMkLst>
-        </pc:cxnChg>
-      </pc:sldChg>
-      <pc:sldChg chg="addSp delSp modSp modNotesTx">
-        <pc:chgData name="김 재현" userId="e331c24078343b94" providerId="LiveId" clId="{19C9B56C-74E6-4678-B583-1EBFD9EC01EA}" dt="2020-03-17T15:32:47.558" v="1975" actId="1037"/>
-        <pc:sldMkLst>
-          <pc:docMk/>
-          <pc:sldMk cId="362029914" sldId="260"/>
-        </pc:sldMkLst>
-        <pc:spChg chg="mod">
-          <ac:chgData name="김 재현" userId="e331c24078343b94" providerId="LiveId" clId="{19C9B56C-74E6-4678-B583-1EBFD9EC01EA}" dt="2020-03-17T11:40:54.194" v="1147" actId="207"/>
-          <ac:spMkLst>
-            <pc:docMk/>
-            <pc:sldMk cId="362029914" sldId="260"/>
-            <ac:spMk id="4" creationId="{00000000-0000-0000-0000-000000000000}"/>
-          </ac:spMkLst>
-        </pc:spChg>
-        <pc:spChg chg="add mod">
-          <ac:chgData name="김 재현" userId="e331c24078343b94" providerId="LiveId" clId="{19C9B56C-74E6-4678-B583-1EBFD9EC01EA}" dt="2020-03-17T15:27:31.410" v="1549" actId="1076"/>
-          <ac:spMkLst>
-            <pc:docMk/>
-            <pc:sldMk cId="362029914" sldId="260"/>
-            <ac:spMk id="5" creationId="{6685E845-6D86-4F91-A572-B6397EFAE014}"/>
-          </ac:spMkLst>
-        </pc:spChg>
-        <pc:spChg chg="add del">
-          <ac:chgData name="김 재현" userId="e331c24078343b94" providerId="LiveId" clId="{19C9B56C-74E6-4678-B583-1EBFD9EC01EA}" dt="2020-03-17T11:37:27.280" v="1113"/>
-          <ac:spMkLst>
-            <pc:docMk/>
-            <pc:sldMk cId="362029914" sldId="260"/>
-            <ac:spMk id="12" creationId="{E0DB7339-5452-4AA9-B1E6-07D4A0BF503D}"/>
-          </ac:spMkLst>
-        </pc:spChg>
-        <pc:spChg chg="mod">
-          <ac:chgData name="김 재현" userId="e331c24078343b94" providerId="LiveId" clId="{19C9B56C-74E6-4678-B583-1EBFD9EC01EA}" dt="2020-03-17T11:08:22.259" v="575" actId="1076"/>
-          <ac:spMkLst>
-            <pc:docMk/>
-            <pc:sldMk cId="362029914" sldId="260"/>
-            <ac:spMk id="14" creationId="{00000000-0000-0000-0000-000000000000}"/>
-          </ac:spMkLst>
-        </pc:spChg>
-        <pc:spChg chg="mod">
-          <ac:chgData name="김 재현" userId="e331c24078343b94" providerId="LiveId" clId="{19C9B56C-74E6-4678-B583-1EBFD9EC01EA}" dt="2020-03-17T11:08:22.259" v="575" actId="1076"/>
-          <ac:spMkLst>
-            <pc:docMk/>
-            <pc:sldMk cId="362029914" sldId="260"/>
-            <ac:spMk id="15" creationId="{00000000-0000-0000-0000-000000000000}"/>
-          </ac:spMkLst>
-        </pc:spChg>
-        <pc:spChg chg="mod">
-          <ac:chgData name="김 재현" userId="e331c24078343b94" providerId="LiveId" clId="{19C9B56C-74E6-4678-B583-1EBFD9EC01EA}" dt="2020-03-17T11:08:22.259" v="575" actId="1076"/>
-          <ac:spMkLst>
-            <pc:docMk/>
-            <pc:sldMk cId="362029914" sldId="260"/>
-            <ac:spMk id="16" creationId="{00000000-0000-0000-0000-000000000000}"/>
-          </ac:spMkLst>
-        </pc:spChg>
-        <pc:spChg chg="mod">
-          <ac:chgData name="김 재현" userId="e331c24078343b94" providerId="LiveId" clId="{19C9B56C-74E6-4678-B583-1EBFD9EC01EA}" dt="2020-03-17T11:30:22.336" v="1085" actId="255"/>
-          <ac:spMkLst>
-            <pc:docMk/>
-            <pc:sldMk cId="362029914" sldId="260"/>
-            <ac:spMk id="17" creationId="{00000000-0000-0000-0000-000000000000}"/>
-          </ac:spMkLst>
-        </pc:spChg>
-        <pc:spChg chg="add mod">
-          <ac:chgData name="김 재현" userId="e331c24078343b94" providerId="LiveId" clId="{19C9B56C-74E6-4678-B583-1EBFD9EC01EA}" dt="2020-03-17T15:22:45.957" v="1295" actId="2711"/>
-          <ac:spMkLst>
-            <pc:docMk/>
-            <pc:sldMk cId="362029914" sldId="260"/>
-            <ac:spMk id="19" creationId="{F3DD76FB-EABD-4D35-A04F-233C454D3994}"/>
-          </ac:spMkLst>
-        </pc:spChg>
-        <pc:spChg chg="mod">
-          <ac:chgData name="김 재현" userId="e331c24078343b94" providerId="LiveId" clId="{19C9B56C-74E6-4678-B583-1EBFD9EC01EA}" dt="2020-03-17T11:30:22.336" v="1085" actId="255"/>
-          <ac:spMkLst>
-            <pc:docMk/>
-            <pc:sldMk cId="362029914" sldId="260"/>
-            <ac:spMk id="23" creationId="{00000000-0000-0000-0000-000000000000}"/>
-          </ac:spMkLst>
-        </pc:spChg>
-        <pc:spChg chg="mod">
-          <ac:chgData name="김 재현" userId="e331c24078343b94" providerId="LiveId" clId="{19C9B56C-74E6-4678-B583-1EBFD9EC01EA}" dt="2020-03-17T11:30:22.336" v="1085" actId="255"/>
-          <ac:spMkLst>
-            <pc:docMk/>
-            <pc:sldMk cId="362029914" sldId="260"/>
-            <ac:spMk id="24" creationId="{00000000-0000-0000-0000-000000000000}"/>
-          </ac:spMkLst>
-        </pc:spChg>
-        <pc:spChg chg="mod">
-          <ac:chgData name="김 재현" userId="e331c24078343b94" providerId="LiveId" clId="{19C9B56C-74E6-4678-B583-1EBFD9EC01EA}" dt="2020-03-17T11:30:22.336" v="1085" actId="255"/>
-          <ac:spMkLst>
-            <pc:docMk/>
-            <pc:sldMk cId="362029914" sldId="260"/>
-            <ac:spMk id="25" creationId="{00000000-0000-0000-0000-000000000000}"/>
-          </ac:spMkLst>
-        </pc:spChg>
-        <pc:spChg chg="mod">
-          <ac:chgData name="김 재현" userId="e331c24078343b94" providerId="LiveId" clId="{19C9B56C-74E6-4678-B583-1EBFD9EC01EA}" dt="2020-03-17T11:30:22.336" v="1085" actId="255"/>
-          <ac:spMkLst>
-            <pc:docMk/>
-            <pc:sldMk cId="362029914" sldId="260"/>
-            <ac:spMk id="26" creationId="{00000000-0000-0000-0000-000000000000}"/>
-          </ac:spMkLst>
-        </pc:spChg>
-        <pc:spChg chg="add mod">
-          <ac:chgData name="김 재현" userId="e331c24078343b94" providerId="LiveId" clId="{19C9B56C-74E6-4678-B583-1EBFD9EC01EA}" dt="2020-03-17T15:32:47.558" v="1975" actId="1037"/>
-          <ac:spMkLst>
-            <pc:docMk/>
-            <pc:sldMk cId="362029914" sldId="260"/>
-            <ac:spMk id="28" creationId="{1FDF55E8-20BF-4898-AB45-AE16437DC077}"/>
-          </ac:spMkLst>
-        </pc:spChg>
-        <pc:picChg chg="add del mod">
-          <ac:chgData name="김 재현" userId="e331c24078343b94" providerId="LiveId" clId="{19C9B56C-74E6-4678-B583-1EBFD9EC01EA}" dt="2020-03-17T15:26:28.185" v="1531" actId="478"/>
-          <ac:picMkLst>
-            <pc:docMk/>
-            <pc:sldMk cId="362029914" sldId="260"/>
-            <ac:picMk id="3" creationId="{F114CDD5-48BE-4625-A0D4-889B8B7620DA}"/>
-          </ac:picMkLst>
-        </pc:picChg>
-        <pc:picChg chg="add mod ord">
-          <ac:chgData name="김 재현" userId="e331c24078343b94" providerId="LiveId" clId="{19C9B56C-74E6-4678-B583-1EBFD9EC01EA}" dt="2020-03-17T15:26:47.017" v="1540" actId="1076"/>
-          <ac:picMkLst>
-            <pc:docMk/>
-            <pc:sldMk cId="362029914" sldId="260"/>
-            <ac:picMk id="21" creationId="{BA8E4CD2-35A9-4E76-AAE1-3024FF0685AB}"/>
-          </ac:picMkLst>
-        </pc:picChg>
-        <pc:cxnChg chg="add del mod">
-          <ac:chgData name="김 재현" userId="e331c24078343b94" providerId="LiveId" clId="{19C9B56C-74E6-4678-B583-1EBFD9EC01EA}" dt="2020-03-17T15:19:47.815" v="1230" actId="11529"/>
-          <ac:cxnSpMkLst>
-            <pc:docMk/>
-            <pc:sldMk cId="362029914" sldId="260"/>
-            <ac:cxnSpMk id="7" creationId="{A5782F03-DC8E-4580-A6E7-70ECFF5FB9D5}"/>
-          </ac:cxnSpMkLst>
-        </pc:cxnChg>
-        <pc:cxnChg chg="add del mod">
-          <ac:chgData name="김 재현" userId="e331c24078343b94" providerId="LiveId" clId="{19C9B56C-74E6-4678-B583-1EBFD9EC01EA}" dt="2020-03-17T15:19:55.096" v="1232" actId="11529"/>
-          <ac:cxnSpMkLst>
-            <pc:docMk/>
-            <pc:sldMk cId="362029914" sldId="260"/>
-            <ac:cxnSpMk id="9" creationId="{677AD31B-5CF6-4428-97EB-92203DB7164F}"/>
-          </ac:cxnSpMkLst>
-        </pc:cxnChg>
-        <pc:cxnChg chg="add del mod">
-          <ac:chgData name="김 재현" userId="e331c24078343b94" providerId="LiveId" clId="{19C9B56C-74E6-4678-B583-1EBFD9EC01EA}" dt="2020-03-17T15:19:57.999" v="1234" actId="11529"/>
-          <ac:cxnSpMkLst>
-            <pc:docMk/>
-            <pc:sldMk cId="362029914" sldId="260"/>
-            <ac:cxnSpMk id="12" creationId="{4D755103-4082-4273-B4A3-2A3E7FD0E352}"/>
-          </ac:cxnSpMkLst>
-        </pc:cxnChg>
-        <pc:cxnChg chg="add mod">
-          <ac:chgData name="김 재현" userId="e331c24078343b94" providerId="LiveId" clId="{19C9B56C-74E6-4678-B583-1EBFD9EC01EA}" dt="2020-03-17T15:26:58.522" v="1544" actId="14100"/>
-          <ac:cxnSpMkLst>
-            <pc:docMk/>
-            <pc:sldMk cId="362029914" sldId="260"/>
-            <ac:cxnSpMk id="18" creationId="{89C848C6-6FDC-4D22-8AC0-8053449136C2}"/>
-          </ac:cxnSpMkLst>
-        </pc:cxnChg>
-      </pc:sldChg>
-      <pc:sldChg chg="addSp delSp modSp ord modNotesTx">
-        <pc:chgData name="김 재현" userId="e331c24078343b94" providerId="LiveId" clId="{19C9B56C-74E6-4678-B583-1EBFD9EC01EA}" dt="2020-03-17T13:57:01.402" v="1215" actId="20577"/>
-        <pc:sldMkLst>
-          <pc:docMk/>
-          <pc:sldMk cId="4178664146" sldId="261"/>
-        </pc:sldMkLst>
-        <pc:spChg chg="add del mod">
-          <ac:chgData name="김 재현" userId="e331c24078343b94" providerId="LiveId" clId="{19C9B56C-74E6-4678-B583-1EBFD9EC01EA}" dt="2020-03-17T11:01:18.633" v="347"/>
-          <ac:spMkLst>
-            <pc:docMk/>
-            <pc:sldMk cId="4178664146" sldId="261"/>
-            <ac:spMk id="2" creationId="{CE595A04-90F2-4C0B-961A-892C6C02434C}"/>
-          </ac:spMkLst>
-        </pc:spChg>
-        <pc:spChg chg="mod">
-          <ac:chgData name="김 재현" userId="e331c24078343b94" providerId="LiveId" clId="{19C9B56C-74E6-4678-B583-1EBFD9EC01EA}" dt="2020-03-17T11:00:06.819" v="343" actId="14100"/>
-          <ac:spMkLst>
-            <pc:docMk/>
-            <pc:sldMk cId="4178664146" sldId="261"/>
-            <ac:spMk id="4" creationId="{00000000-0000-0000-0000-000000000000}"/>
-          </ac:spMkLst>
-        </pc:spChg>
-        <pc:spChg chg="mod">
-          <ac:chgData name="김 재현" userId="e331c24078343b94" providerId="LiveId" clId="{19C9B56C-74E6-4678-B583-1EBFD9EC01EA}" dt="2020-03-17T11:00:24.916" v="344" actId="1076"/>
-          <ac:spMkLst>
-            <pc:docMk/>
-            <pc:sldMk cId="4178664146" sldId="261"/>
-            <ac:spMk id="14" creationId="{00000000-0000-0000-0000-000000000000}"/>
-          </ac:spMkLst>
-        </pc:spChg>
-        <pc:spChg chg="mod">
-          <ac:chgData name="김 재현" userId="e331c24078343b94" providerId="LiveId" clId="{19C9B56C-74E6-4678-B583-1EBFD9EC01EA}" dt="2020-03-17T11:00:24.916" v="344" actId="1076"/>
-          <ac:spMkLst>
-            <pc:docMk/>
-            <pc:sldMk cId="4178664146" sldId="261"/>
-            <ac:spMk id="15" creationId="{00000000-0000-0000-0000-000000000000}"/>
-          </ac:spMkLst>
-        </pc:spChg>
-        <pc:spChg chg="mod">
-          <ac:chgData name="김 재현" userId="e331c24078343b94" providerId="LiveId" clId="{19C9B56C-74E6-4678-B583-1EBFD9EC01EA}" dt="2020-03-17T11:00:24.916" v="344" actId="1076"/>
-          <ac:spMkLst>
-            <pc:docMk/>
-            <pc:sldMk cId="4178664146" sldId="261"/>
-            <ac:spMk id="16" creationId="{00000000-0000-0000-0000-000000000000}"/>
-          </ac:spMkLst>
-        </pc:spChg>
-        <pc:spChg chg="del">
-          <ac:chgData name="김 재현" userId="e331c24078343b94" providerId="LiveId" clId="{19C9B56C-74E6-4678-B583-1EBFD9EC01EA}" dt="2020-03-17T11:08:05.177" v="573" actId="478"/>
-          <ac:spMkLst>
-            <pc:docMk/>
-            <pc:sldMk cId="4178664146" sldId="261"/>
-            <ac:spMk id="17" creationId="{00000000-0000-0000-0000-000000000000}"/>
-          </ac:spMkLst>
-        </pc:spChg>
-        <pc:spChg chg="del">
-          <ac:chgData name="김 재현" userId="e331c24078343b94" providerId="LiveId" clId="{19C9B56C-74E6-4678-B583-1EBFD9EC01EA}" dt="2020-03-17T11:08:05.177" v="573" actId="478"/>
-          <ac:spMkLst>
-            <pc:docMk/>
-            <pc:sldMk cId="4178664146" sldId="261"/>
-            <ac:spMk id="23" creationId="{00000000-0000-0000-0000-000000000000}"/>
-          </ac:spMkLst>
-        </pc:spChg>
-        <pc:spChg chg="del">
-          <ac:chgData name="김 재현" userId="e331c24078343b94" providerId="LiveId" clId="{19C9B56C-74E6-4678-B583-1EBFD9EC01EA}" dt="2020-03-17T11:08:05.177" v="573" actId="478"/>
-          <ac:spMkLst>
-            <pc:docMk/>
-            <pc:sldMk cId="4178664146" sldId="261"/>
-            <ac:spMk id="24" creationId="{00000000-0000-0000-0000-000000000000}"/>
-          </ac:spMkLst>
-        </pc:spChg>
-        <pc:spChg chg="del">
-          <ac:chgData name="김 재현" userId="e331c24078343b94" providerId="LiveId" clId="{19C9B56C-74E6-4678-B583-1EBFD9EC01EA}" dt="2020-03-17T11:08:05.177" v="573" actId="478"/>
-          <ac:spMkLst>
-            <pc:docMk/>
-            <pc:sldMk cId="4178664146" sldId="261"/>
-            <ac:spMk id="25" creationId="{00000000-0000-0000-0000-000000000000}"/>
-          </ac:spMkLst>
-        </pc:spChg>
-        <pc:spChg chg="del">
-          <ac:chgData name="김 재현" userId="e331c24078343b94" providerId="LiveId" clId="{19C9B56C-74E6-4678-B583-1EBFD9EC01EA}" dt="2020-03-17T11:08:05.177" v="573" actId="478"/>
-          <ac:spMkLst>
-            <pc:docMk/>
-            <pc:sldMk cId="4178664146" sldId="261"/>
-            <ac:spMk id="26" creationId="{00000000-0000-0000-0000-000000000000}"/>
-          </ac:spMkLst>
-        </pc:spChg>
-        <pc:picChg chg="add mod">
-          <ac:chgData name="김 재현" userId="e331c24078343b94" providerId="LiveId" clId="{19C9B56C-74E6-4678-B583-1EBFD9EC01EA}" dt="2020-03-17T11:06:33.770" v="359" actId="14100"/>
-          <ac:picMkLst>
-            <pc:docMk/>
-            <pc:sldMk cId="4178664146" sldId="261"/>
-            <ac:picMk id="3" creationId="{335DEEA7-A274-4BDA-8AD7-44EFBAADE6DA}"/>
-          </ac:picMkLst>
-        </pc:picChg>
-      </pc:sldChg>
-      <pc:sldChg chg="modSp">
-        <pc:chgData name="김 재현" userId="e331c24078343b94" providerId="LiveId" clId="{19C9B56C-74E6-4678-B583-1EBFD9EC01EA}" dt="2020-03-17T11:40:27.346" v="1146" actId="255"/>
-        <pc:sldMkLst>
-          <pc:docMk/>
-          <pc:sldMk cId="3829077549" sldId="267"/>
-        </pc:sldMkLst>
-        <pc:spChg chg="mod">
-          <ac:chgData name="김 재현" userId="e331c24078343b94" providerId="LiveId" clId="{19C9B56C-74E6-4678-B583-1EBFD9EC01EA}" dt="2020-03-17T11:40:20.576" v="1145" actId="1076"/>
-          <ac:spMkLst>
-            <pc:docMk/>
-            <pc:sldMk cId="3829077549" sldId="267"/>
-            <ac:spMk id="13" creationId="{00000000-0000-0000-0000-000000000000}"/>
-          </ac:spMkLst>
-        </pc:spChg>
-        <pc:spChg chg="mod">
-          <ac:chgData name="김 재현" userId="e331c24078343b94" providerId="LiveId" clId="{19C9B56C-74E6-4678-B583-1EBFD9EC01EA}" dt="2020-03-17T11:40:27.346" v="1146" actId="255"/>
-          <ac:spMkLst>
-            <pc:docMk/>
-            <pc:sldMk cId="3829077549" sldId="267"/>
-            <ac:spMk id="82" creationId="{00000000-0000-0000-0000-000000000000}"/>
-          </ac:spMkLst>
-        </pc:spChg>
-        <pc:grpChg chg="mod">
-          <ac:chgData name="김 재현" userId="e331c24078343b94" providerId="LiveId" clId="{19C9B56C-74E6-4678-B583-1EBFD9EC01EA}" dt="2020-03-17T11:40:20.576" v="1145" actId="1076"/>
-          <ac:grpSpMkLst>
-            <pc:docMk/>
-            <pc:sldMk cId="3829077549" sldId="267"/>
-            <ac:grpSpMk id="14" creationId="{00000000-0000-0000-0000-000000000000}"/>
-          </ac:grpSpMkLst>
-        </pc:grpChg>
-      </pc:sldChg>
-      <pc:sldChg chg="add del">
-        <pc:chgData name="김 재현" userId="e331c24078343b94" providerId="LiveId" clId="{19C9B56C-74E6-4678-B583-1EBFD9EC01EA}" dt="2020-03-17T10:55:46.303" v="280"/>
-        <pc:sldMkLst>
-          <pc:docMk/>
-          <pc:sldMk cId="1046903494" sldId="268"/>
-        </pc:sldMkLst>
-      </pc:sldChg>
-      <pc:sldChg chg="add del">
-        <pc:chgData name="김 재현" userId="e331c24078343b94" providerId="LiveId" clId="{19C9B56C-74E6-4678-B583-1EBFD9EC01EA}" dt="2020-03-17T11:30:54.283" v="1087" actId="2696"/>
-        <pc:sldMkLst>
-          <pc:docMk/>
-          <pc:sldMk cId="1444919124" sldId="268"/>
-        </pc:sldMkLst>
-      </pc:sldChg>
-      <pc:sldChg chg="add del">
-        <pc:chgData name="김 재현" userId="e331c24078343b94" providerId="LiveId" clId="{19C9B56C-74E6-4678-B583-1EBFD9EC01EA}" dt="2020-03-17T10:55:49.704" v="282"/>
-        <pc:sldMkLst>
-          <pc:docMk/>
-          <pc:sldMk cId="3537088451" sldId="268"/>
-        </pc:sldMkLst>
-      </pc:sldChg>
-      <pc:sldChg chg="modSp add del ord">
-        <pc:chgData name="김 재현" userId="e331c24078343b94" providerId="LiveId" clId="{19C9B56C-74E6-4678-B583-1EBFD9EC01EA}" dt="2020-03-17T11:38:49.661" v="1129" actId="2696"/>
-        <pc:sldMkLst>
-          <pc:docMk/>
-          <pc:sldMk cId="3726497635" sldId="268"/>
-        </pc:sldMkLst>
-        <pc:spChg chg="mod">
-          <ac:chgData name="김 재현" userId="e331c24078343b94" providerId="LiveId" clId="{19C9B56C-74E6-4678-B583-1EBFD9EC01EA}" dt="2020-03-17T11:36:06.180" v="1099" actId="255"/>
-          <ac:spMkLst>
-            <pc:docMk/>
-            <pc:sldMk cId="3726497635" sldId="268"/>
-            <ac:spMk id="23" creationId="{00000000-0000-0000-0000-000000000000}"/>
-          </ac:spMkLst>
-        </pc:spChg>
-        <pc:spChg chg="mod">
-          <ac:chgData name="김 재현" userId="e331c24078343b94" providerId="LiveId" clId="{19C9B56C-74E6-4678-B583-1EBFD9EC01EA}" dt="2020-03-17T11:36:40.705" v="1106" actId="1076"/>
-          <ac:spMkLst>
-            <pc:docMk/>
-            <pc:sldMk cId="3726497635" sldId="268"/>
-            <ac:spMk id="25" creationId="{00000000-0000-0000-0000-000000000000}"/>
-          </ac:spMkLst>
-        </pc:spChg>
-        <pc:spChg chg="mod">
-          <ac:chgData name="김 재현" userId="e331c24078343b94" providerId="LiveId" clId="{19C9B56C-74E6-4678-B583-1EBFD9EC01EA}" dt="2020-03-17T11:36:48.977" v="1107" actId="1076"/>
-          <ac:spMkLst>
-            <pc:docMk/>
-            <pc:sldMk cId="3726497635" sldId="268"/>
-            <ac:spMk id="26" creationId="{00000000-0000-0000-0000-000000000000}"/>
-          </ac:spMkLst>
-        </pc:spChg>
-        <pc:spChg chg="mod">
-          <ac:chgData name="김 재현" userId="e331c24078343b94" providerId="LiveId" clId="{19C9B56C-74E6-4678-B583-1EBFD9EC01EA}" dt="2020-03-17T11:36:59.841" v="1108" actId="1076"/>
-          <ac:spMkLst>
-            <pc:docMk/>
-            <pc:sldMk cId="3726497635" sldId="268"/>
-            <ac:spMk id="27" creationId="{00000000-0000-0000-0000-000000000000}"/>
-          </ac:spMkLst>
-        </pc:spChg>
-        <pc:spChg chg="mod">
-          <ac:chgData name="김 재현" userId="e331c24078343b94" providerId="LiveId" clId="{19C9B56C-74E6-4678-B583-1EBFD9EC01EA}" dt="2020-03-17T11:37:04.449" v="1109" actId="1076"/>
-          <ac:spMkLst>
-            <pc:docMk/>
-            <pc:sldMk cId="3726497635" sldId="268"/>
-            <ac:spMk id="28" creationId="{00000000-0000-0000-0000-000000000000}"/>
-          </ac:spMkLst>
-        </pc:spChg>
-        <pc:spChg chg="mod">
-          <ac:chgData name="김 재현" userId="e331c24078343b94" providerId="LiveId" clId="{19C9B56C-74E6-4678-B583-1EBFD9EC01EA}" dt="2020-03-17T11:37:08.009" v="1110" actId="1076"/>
-          <ac:spMkLst>
-            <pc:docMk/>
-            <pc:sldMk cId="3726497635" sldId="268"/>
-            <ac:spMk id="29" creationId="{00000000-0000-0000-0000-000000000000}"/>
-          </ac:spMkLst>
-        </pc:spChg>
-        <pc:grpChg chg="mod">
-          <ac:chgData name="김 재현" userId="e331c24078343b94" providerId="LiveId" clId="{19C9B56C-74E6-4678-B583-1EBFD9EC01EA}" dt="2020-03-17T11:35:30.185" v="1096" actId="1076"/>
-          <ac:grpSpMkLst>
-            <pc:docMk/>
-            <pc:sldMk cId="3726497635" sldId="268"/>
-            <ac:grpSpMk id="19" creationId="{00000000-0000-0000-0000-000000000000}"/>
-          </ac:grpSpMkLst>
-        </pc:grpChg>
-        <pc:cxnChg chg="mod">
-          <ac:chgData name="김 재현" userId="e331c24078343b94" providerId="LiveId" clId="{19C9B56C-74E6-4678-B583-1EBFD9EC01EA}" dt="2020-03-17T11:35:30.185" v="1096" actId="1076"/>
-          <ac:cxnSpMkLst>
-            <pc:docMk/>
-            <pc:sldMk cId="3726497635" sldId="268"/>
-            <ac:cxnSpMk id="15" creationId="{00000000-0000-0000-0000-000000000000}"/>
-          </ac:cxnSpMkLst>
-        </pc:cxnChg>
-        <pc:cxnChg chg="mod">
-          <ac:chgData name="김 재현" userId="e331c24078343b94" providerId="LiveId" clId="{19C9B56C-74E6-4678-B583-1EBFD9EC01EA}" dt="2020-03-17T11:36:24.768" v="1101" actId="1076"/>
-          <ac:cxnSpMkLst>
-            <pc:docMk/>
-            <pc:sldMk cId="3726497635" sldId="268"/>
-            <ac:cxnSpMk id="16" creationId="{00000000-0000-0000-0000-000000000000}"/>
-          </ac:cxnSpMkLst>
-        </pc:cxnChg>
-        <pc:cxnChg chg="mod">
-          <ac:chgData name="김 재현" userId="e331c24078343b94" providerId="LiveId" clId="{19C9B56C-74E6-4678-B583-1EBFD9EC01EA}" dt="2020-03-17T11:36:27.857" v="1102" actId="1076"/>
-          <ac:cxnSpMkLst>
-            <pc:docMk/>
-            <pc:sldMk cId="3726497635" sldId="268"/>
-            <ac:cxnSpMk id="17" creationId="{00000000-0000-0000-0000-000000000000}"/>
-          </ac:cxnSpMkLst>
-        </pc:cxnChg>
-        <pc:cxnChg chg="mod">
-          <ac:chgData name="김 재현" userId="e331c24078343b94" providerId="LiveId" clId="{19C9B56C-74E6-4678-B583-1EBFD9EC01EA}" dt="2020-03-17T11:36:30.776" v="1103" actId="1076"/>
-          <ac:cxnSpMkLst>
-            <pc:docMk/>
-            <pc:sldMk cId="3726497635" sldId="268"/>
-            <ac:cxnSpMk id="18" creationId="{00000000-0000-0000-0000-000000000000}"/>
-          </ac:cxnSpMkLst>
-        </pc:cxnChg>
-        <pc:cxnChg chg="mod">
-          <ac:chgData name="김 재현" userId="e331c24078343b94" providerId="LiveId" clId="{19C9B56C-74E6-4678-B583-1EBFD9EC01EA}" dt="2020-03-17T11:36:32.712" v="1104" actId="1076"/>
-          <ac:cxnSpMkLst>
-            <pc:docMk/>
-            <pc:sldMk cId="3726497635" sldId="268"/>
-            <ac:cxnSpMk id="21" creationId="{00000000-0000-0000-0000-000000000000}"/>
-          </ac:cxnSpMkLst>
-        </pc:cxnChg>
-        <pc:cxnChg chg="mod">
-          <ac:chgData name="김 재현" userId="e331c24078343b94" providerId="LiveId" clId="{19C9B56C-74E6-4678-B583-1EBFD9EC01EA}" dt="2020-03-17T11:36:34.665" v="1105" actId="1076"/>
-          <ac:cxnSpMkLst>
-            <pc:docMk/>
-            <pc:sldMk cId="3726497635" sldId="268"/>
-            <ac:cxnSpMk id="24" creationId="{00000000-0000-0000-0000-000000000000}"/>
-          </ac:cxnSpMkLst>
-        </pc:cxnChg>
-      </pc:sldChg>
-      <pc:sldChg chg="add del setBg">
-        <pc:chgData name="김 재현" userId="e331c24078343b94" providerId="LiveId" clId="{19C9B56C-74E6-4678-B583-1EBFD9EC01EA}" dt="2020-03-17T11:33:42.540" v="1094"/>
-        <pc:sldMkLst>
-          <pc:docMk/>
-          <pc:sldMk cId="4173048198" sldId="268"/>
-        </pc:sldMkLst>
-      </pc:sldChg>
-      <pc:sldChg chg="add del">
-        <pc:chgData name="김 재현" userId="e331c24078343b94" providerId="LiveId" clId="{19C9B56C-74E6-4678-B583-1EBFD9EC01EA}" dt="2020-03-17T10:55:45.918" v="279"/>
-        <pc:sldMkLst>
-          <pc:docMk/>
-          <pc:sldMk cId="1116229761" sldId="269"/>
-        </pc:sldMkLst>
-      </pc:sldChg>
-      <pc:sldChg chg="addSp delSp modSp add modAnim modNotesTx">
-        <pc:chgData name="김 재현" userId="e331c24078343b94" providerId="LiveId" clId="{19C9B56C-74E6-4678-B583-1EBFD9EC01EA}" dt="2020-03-18T16:29:06.619" v="5089" actId="20577"/>
-        <pc:sldMkLst>
-          <pc:docMk/>
-          <pc:sldMk cId="2226304341" sldId="269"/>
-        </pc:sldMkLst>
-        <pc:spChg chg="add mod">
-          <ac:chgData name="김 재현" userId="e331c24078343b94" providerId="LiveId" clId="{19C9B56C-74E6-4678-B583-1EBFD9EC01EA}" dt="2020-03-18T16:16:00.430" v="4240" actId="1582"/>
-          <ac:spMkLst>
-            <pc:docMk/>
-            <pc:sldMk cId="2226304341" sldId="269"/>
-            <ac:spMk id="3" creationId="{B69BD3A5-1BC1-4281-B928-4A780399A0AE}"/>
-          </ac:spMkLst>
-        </pc:spChg>
-        <pc:spChg chg="mod">
-          <ac:chgData name="김 재현" userId="e331c24078343b94" providerId="LiveId" clId="{19C9B56C-74E6-4678-B583-1EBFD9EC01EA}" dt="2020-03-17T11:37:44.738" v="1119"/>
-          <ac:spMkLst>
-            <pc:docMk/>
-            <pc:sldMk cId="2226304341" sldId="269"/>
-            <ac:spMk id="4" creationId="{00000000-0000-0000-0000-000000000000}"/>
-          </ac:spMkLst>
-        </pc:spChg>
-        <pc:spChg chg="add del mod">
-          <ac:chgData name="김 재현" userId="e331c24078343b94" providerId="LiveId" clId="{19C9B56C-74E6-4678-B583-1EBFD9EC01EA}" dt="2020-03-18T16:15:31.435" v="4236"/>
-          <ac:spMkLst>
-            <pc:docMk/>
-            <pc:sldMk cId="2226304341" sldId="269"/>
-            <ac:spMk id="5" creationId="{0A97FD25-C8DE-4E88-9B83-85C71646A13D}"/>
-          </ac:spMkLst>
-        </pc:spChg>
-        <pc:spChg chg="mod">
-          <ac:chgData name="김 재현" userId="e331c24078343b94" providerId="LiveId" clId="{19C9B56C-74E6-4678-B583-1EBFD9EC01EA}" dt="2020-03-17T11:39:10.806" v="1131" actId="207"/>
-          <ac:spMkLst>
-            <pc:docMk/>
-            <pc:sldMk cId="2226304341" sldId="269"/>
-            <ac:spMk id="17" creationId="{00000000-0000-0000-0000-000000000000}"/>
-          </ac:spMkLst>
-        </pc:spChg>
-        <pc:spChg chg="mod">
-          <ac:chgData name="김 재현" userId="e331c24078343b94" providerId="LiveId" clId="{19C9B56C-74E6-4678-B583-1EBFD9EC01EA}" dt="2020-03-17T11:39:05.921" v="1130" actId="207"/>
-          <ac:spMkLst>
-            <pc:docMk/>
-            <pc:sldMk cId="2226304341" sldId="269"/>
-            <ac:spMk id="23" creationId="{00000000-0000-0000-0000-000000000000}"/>
-          </ac:spMkLst>
-        </pc:spChg>
-        <pc:picChg chg="add del mod">
-          <ac:chgData name="김 재현" userId="e331c24078343b94" providerId="LiveId" clId="{19C9B56C-74E6-4678-B583-1EBFD9EC01EA}" dt="2020-03-18T16:14:51.496" v="4217" actId="478"/>
-          <ac:picMkLst>
-            <pc:docMk/>
-            <pc:sldMk cId="2226304341" sldId="269"/>
-            <ac:picMk id="2" creationId="{2636F02C-9DF7-41A9-BD82-16DDAD092E56}"/>
-          </ac:picMkLst>
-        </pc:picChg>
-        <pc:picChg chg="add mod ord">
-          <ac:chgData name="김 재현" userId="e331c24078343b94" providerId="LiveId" clId="{19C9B56C-74E6-4678-B583-1EBFD9EC01EA}" dt="2020-03-18T16:15:15.888" v="4223" actId="1076"/>
-          <ac:picMkLst>
-            <pc:docMk/>
-            <pc:sldMk cId="2226304341" sldId="269"/>
-            <ac:picMk id="18" creationId="{01EF7ED5-644C-4641-8BBC-1C4FEBF44372}"/>
-          </ac:picMkLst>
-        </pc:picChg>
-      </pc:sldChg>
-      <pc:sldChg chg="add del">
-        <pc:chgData name="김 재현" userId="e331c24078343b94" providerId="LiveId" clId="{19C9B56C-74E6-4678-B583-1EBFD9EC01EA}" dt="2020-03-17T11:30:54.874" v="1088" actId="2696"/>
-        <pc:sldMkLst>
-          <pc:docMk/>
-          <pc:sldMk cId="3159724214" sldId="269"/>
-        </pc:sldMkLst>
-      </pc:sldChg>
-      <pc:sldChg chg="add del">
-        <pc:chgData name="김 재현" userId="e331c24078343b94" providerId="LiveId" clId="{19C9B56C-74E6-4678-B583-1EBFD9EC01EA}" dt="2020-03-17T11:30:55.342" v="1089" actId="2696"/>
-        <pc:sldMkLst>
-          <pc:docMk/>
-          <pc:sldMk cId="1294536764" sldId="270"/>
-        </pc:sldMkLst>
-      </pc:sldChg>
-      <pc:sldChg chg="addSp delSp modSp add modAnim modNotesTx">
-        <pc:chgData name="김 재현" userId="e331c24078343b94" providerId="LiveId" clId="{19C9B56C-74E6-4678-B583-1EBFD9EC01EA}" dt="2020-03-22T09:52:39.203" v="18486" actId="20577"/>
-        <pc:sldMkLst>
-          <pc:docMk/>
-          <pc:sldMk cId="3503202351" sldId="270"/>
-        </pc:sldMkLst>
-        <pc:spChg chg="mod">
-          <ac:chgData name="김 재현" userId="e331c24078343b94" providerId="LiveId" clId="{19C9B56C-74E6-4678-B583-1EBFD9EC01EA}" dt="2020-03-22T09:52:39.203" v="18486" actId="20577"/>
-          <ac:spMkLst>
-            <pc:docMk/>
-            <pc:sldMk cId="3503202351" sldId="270"/>
-            <ac:spMk id="4" creationId="{00000000-0000-0000-0000-000000000000}"/>
-          </ac:spMkLst>
-        </pc:spChg>
-        <pc:spChg chg="add mod">
-          <ac:chgData name="김 재현" userId="e331c24078343b94" providerId="LiveId" clId="{19C9B56C-74E6-4678-B583-1EBFD9EC01EA}" dt="2020-03-19T12:05:03.404" v="8998" actId="208"/>
-          <ac:spMkLst>
-            <pc:docMk/>
-            <pc:sldMk cId="3503202351" sldId="270"/>
-            <ac:spMk id="13" creationId="{14F69094-DB02-486A-8413-93FDC75772D2}"/>
-          </ac:spMkLst>
-        </pc:spChg>
-        <pc:spChg chg="mod">
-          <ac:chgData name="김 재현" userId="e331c24078343b94" providerId="LiveId" clId="{19C9B56C-74E6-4678-B583-1EBFD9EC01EA}" dt="2020-03-17T11:39:15.297" v="1132" actId="207"/>
-          <ac:spMkLst>
-            <pc:docMk/>
-            <pc:sldMk cId="3503202351" sldId="270"/>
-            <ac:spMk id="17" creationId="{00000000-0000-0000-0000-000000000000}"/>
-          </ac:spMkLst>
-        </pc:spChg>
-        <pc:spChg chg="add mod">
-          <ac:chgData name="김 재현" userId="e331c24078343b94" providerId="LiveId" clId="{19C9B56C-74E6-4678-B583-1EBFD9EC01EA}" dt="2020-03-19T12:05:03.404" v="8998" actId="208"/>
-          <ac:spMkLst>
-            <pc:docMk/>
-            <pc:sldMk cId="3503202351" sldId="270"/>
-            <ac:spMk id="18" creationId="{7ACEA776-AC77-4B94-92BA-4426EB08188F}"/>
-          </ac:spMkLst>
-        </pc:spChg>
-        <pc:spChg chg="add mod">
-          <ac:chgData name="김 재현" userId="e331c24078343b94" providerId="LiveId" clId="{19C9B56C-74E6-4678-B583-1EBFD9EC01EA}" dt="2020-03-19T12:05:21.743" v="8999" actId="208"/>
-          <ac:spMkLst>
-            <pc:docMk/>
-            <pc:sldMk cId="3503202351" sldId="270"/>
-            <ac:spMk id="19" creationId="{E337D3C8-AFBC-4CB9-800A-4558D9B8C92E}"/>
-          </ac:spMkLst>
-        </pc:spChg>
-        <pc:spChg chg="add del">
-          <ac:chgData name="김 재현" userId="e331c24078343b94" providerId="LiveId" clId="{19C9B56C-74E6-4678-B583-1EBFD9EC01EA}" dt="2020-03-19T12:04:11.698" v="8978"/>
-          <ac:spMkLst>
-            <pc:docMk/>
-            <pc:sldMk cId="3503202351" sldId="270"/>
-            <ac:spMk id="20" creationId="{39ABDDBD-7685-46B6-ACFF-30AE94112CE5}"/>
-          </ac:spMkLst>
-        </pc:spChg>
-        <pc:spChg chg="add mod">
-          <ac:chgData name="김 재현" userId="e331c24078343b94" providerId="LiveId" clId="{19C9B56C-74E6-4678-B583-1EBFD9EC01EA}" dt="2020-03-19T12:05:21.743" v="8999" actId="208"/>
-          <ac:spMkLst>
-            <pc:docMk/>
-            <pc:sldMk cId="3503202351" sldId="270"/>
-            <ac:spMk id="21" creationId="{03E42192-BBFB-4111-A9AA-F0028B45AAA7}"/>
-          </ac:spMkLst>
-        </pc:spChg>
-        <pc:spChg chg="mod">
-          <ac:chgData name="김 재현" userId="e331c24078343b94" providerId="LiveId" clId="{19C9B56C-74E6-4678-B583-1EBFD9EC01EA}" dt="2020-03-17T11:39:19.011" v="1133" actId="207"/>
-          <ac:spMkLst>
-            <pc:docMk/>
-            <pc:sldMk cId="3503202351" sldId="270"/>
-            <ac:spMk id="24" creationId="{00000000-0000-0000-0000-000000000000}"/>
-          </ac:spMkLst>
-        </pc:spChg>
-        <pc:picChg chg="add mod">
-          <ac:chgData name="김 재현" userId="e331c24078343b94" providerId="LiveId" clId="{19C9B56C-74E6-4678-B583-1EBFD9EC01EA}" dt="2020-03-19T13:34:37.175" v="10465" actId="1076"/>
-          <ac:picMkLst>
-            <pc:docMk/>
-            <pc:sldMk cId="3503202351" sldId="270"/>
-            <ac:picMk id="12" creationId="{C966E118-46CF-497A-8DE2-61CD70A1C139}"/>
-          </ac:picMkLst>
-        </pc:picChg>
-      </pc:sldChg>
-      <pc:sldChg chg="addSp modSp add">
-        <pc:chgData name="김 재현" userId="e331c24078343b94" providerId="LiveId" clId="{19C9B56C-74E6-4678-B583-1EBFD9EC01EA}" dt="2020-03-19T17:06:58.078" v="12404" actId="20577"/>
-        <pc:sldMkLst>
-          <pc:docMk/>
-          <pc:sldMk cId="158215895" sldId="271"/>
-        </pc:sldMkLst>
-        <pc:spChg chg="mod">
-          <ac:chgData name="김 재현" userId="e331c24078343b94" providerId="LiveId" clId="{19C9B56C-74E6-4678-B583-1EBFD9EC01EA}" dt="2020-03-17T11:37:57.272" v="1121"/>
-          <ac:spMkLst>
-            <pc:docMk/>
-            <pc:sldMk cId="158215895" sldId="271"/>
-            <ac:spMk id="4" creationId="{00000000-0000-0000-0000-000000000000}"/>
-          </ac:spMkLst>
-        </pc:spChg>
-        <pc:spChg chg="add mod">
-          <ac:chgData name="김 재현" userId="e331c24078343b94" providerId="LiveId" clId="{19C9B56C-74E6-4678-B583-1EBFD9EC01EA}" dt="2020-03-19T17:06:58.078" v="12404" actId="20577"/>
-          <ac:spMkLst>
-            <pc:docMk/>
-            <pc:sldMk cId="158215895" sldId="271"/>
-            <ac:spMk id="12" creationId="{3D87C60C-A315-4988-9FB2-435544A913B2}"/>
-          </ac:spMkLst>
-        </pc:spChg>
-        <pc:spChg chg="mod">
-          <ac:chgData name="김 재현" userId="e331c24078343b94" providerId="LiveId" clId="{19C9B56C-74E6-4678-B583-1EBFD9EC01EA}" dt="2020-03-17T11:39:43.121" v="1137" actId="207"/>
-          <ac:spMkLst>
-            <pc:docMk/>
-            <pc:sldMk cId="158215895" sldId="271"/>
-            <ac:spMk id="17" creationId="{00000000-0000-0000-0000-000000000000}"/>
-          </ac:spMkLst>
-        </pc:spChg>
-        <pc:spChg chg="mod">
-          <ac:chgData name="김 재현" userId="e331c24078343b94" providerId="LiveId" clId="{19C9B56C-74E6-4678-B583-1EBFD9EC01EA}" dt="2020-03-17T11:39:33.291" v="1134" actId="207"/>
-          <ac:spMkLst>
-            <pc:docMk/>
-            <pc:sldMk cId="158215895" sldId="271"/>
-            <ac:spMk id="25" creationId="{00000000-0000-0000-0000-000000000000}"/>
-          </ac:spMkLst>
-        </pc:spChg>
-      </pc:sldChg>
-      <pc:sldChg chg="add del">
-        <pc:chgData name="김 재현" userId="e331c24078343b94" providerId="LiveId" clId="{19C9B56C-74E6-4678-B583-1EBFD9EC01EA}" dt="2020-03-17T11:30:51.940" v="1086" actId="2696"/>
-        <pc:sldMkLst>
-          <pc:docMk/>
-          <pc:sldMk cId="1786549127" sldId="271"/>
-        </pc:sldMkLst>
-      </pc:sldChg>
-      <pc:sldChg chg="addSp modSp add">
-        <pc:chgData name="김 재현" userId="e331c24078343b94" providerId="LiveId" clId="{19C9B56C-74E6-4678-B583-1EBFD9EC01EA}" dt="2020-03-22T09:53:43.260" v="18546"/>
-        <pc:sldMkLst>
-          <pc:docMk/>
-          <pc:sldMk cId="1365976168" sldId="272"/>
-        </pc:sldMkLst>
-        <pc:spChg chg="mod">
-          <ac:chgData name="김 재현" userId="e331c24078343b94" providerId="LiveId" clId="{19C9B56C-74E6-4678-B583-1EBFD9EC01EA}" dt="2020-03-22T09:53:43.260" v="18546"/>
-          <ac:spMkLst>
-            <pc:docMk/>
-            <pc:sldMk cId="1365976168" sldId="272"/>
-            <ac:spMk id="4" creationId="{00000000-0000-0000-0000-000000000000}"/>
-          </ac:spMkLst>
-        </pc:spChg>
-        <pc:spChg chg="add mod">
-          <ac:chgData name="김 재현" userId="e331c24078343b94" providerId="LiveId" clId="{19C9B56C-74E6-4678-B583-1EBFD9EC01EA}" dt="2020-03-17T11:38:13.721" v="1125" actId="571"/>
-          <ac:spMkLst>
-            <pc:docMk/>
-            <pc:sldMk cId="1365976168" sldId="272"/>
-            <ac:spMk id="12" creationId="{7721E317-F443-4ADE-944D-DE229E106435}"/>
-          </ac:spMkLst>
-        </pc:spChg>
-        <pc:spChg chg="add mod">
-          <ac:chgData name="김 재현" userId="e331c24078343b94" providerId="LiveId" clId="{19C9B56C-74E6-4678-B583-1EBFD9EC01EA}" dt="2020-03-17T11:38:13.721" v="1125" actId="571"/>
-          <ac:spMkLst>
-            <pc:docMk/>
-            <pc:sldMk cId="1365976168" sldId="272"/>
-            <ac:spMk id="13" creationId="{AB573C03-1BCC-4F88-9FF4-80850C9D541F}"/>
-          </ac:spMkLst>
-        </pc:spChg>
-        <pc:spChg chg="mod">
-          <ac:chgData name="김 재현" userId="e331c24078343b94" providerId="LiveId" clId="{19C9B56C-74E6-4678-B583-1EBFD9EC01EA}" dt="2020-03-17T11:38:15.792" v="1126" actId="1076"/>
-          <ac:spMkLst>
-            <pc:docMk/>
-            <pc:sldMk cId="1365976168" sldId="272"/>
-            <ac:spMk id="14" creationId="{00000000-0000-0000-0000-000000000000}"/>
-          </ac:spMkLst>
-        </pc:spChg>
-        <pc:spChg chg="mod">
-          <ac:chgData name="김 재현" userId="e331c24078343b94" providerId="LiveId" clId="{19C9B56C-74E6-4678-B583-1EBFD9EC01EA}" dt="2020-03-17T11:38:15.792" v="1126" actId="1076"/>
-          <ac:spMkLst>
-            <pc:docMk/>
-            <pc:sldMk cId="1365976168" sldId="272"/>
-            <ac:spMk id="15" creationId="{00000000-0000-0000-0000-000000000000}"/>
-          </ac:spMkLst>
-        </pc:spChg>
-        <pc:spChg chg="mod">
-          <ac:chgData name="김 재현" userId="e331c24078343b94" providerId="LiveId" clId="{19C9B56C-74E6-4678-B583-1EBFD9EC01EA}" dt="2020-03-17T11:38:15.792" v="1126" actId="1076"/>
-          <ac:spMkLst>
-            <pc:docMk/>
-            <pc:sldMk cId="1365976168" sldId="272"/>
-            <ac:spMk id="16" creationId="{00000000-0000-0000-0000-000000000000}"/>
-          </ac:spMkLst>
-        </pc:spChg>
-        <pc:spChg chg="mod">
-          <ac:chgData name="김 재현" userId="e331c24078343b94" providerId="LiveId" clId="{19C9B56C-74E6-4678-B583-1EBFD9EC01EA}" dt="2020-03-17T11:39:39.804" v="1136" actId="207"/>
-          <ac:spMkLst>
-            <pc:docMk/>
-            <pc:sldMk cId="1365976168" sldId="272"/>
-            <ac:spMk id="17" creationId="{00000000-0000-0000-0000-000000000000}"/>
-          </ac:spMkLst>
-        </pc:spChg>
-        <pc:spChg chg="add mod">
-          <ac:chgData name="김 재현" userId="e331c24078343b94" providerId="LiveId" clId="{19C9B56C-74E6-4678-B583-1EBFD9EC01EA}" dt="2020-03-17T11:38:13.721" v="1125" actId="571"/>
-          <ac:spMkLst>
-            <pc:docMk/>
-            <pc:sldMk cId="1365976168" sldId="272"/>
-            <ac:spMk id="18" creationId="{B1C28B4C-011C-4E44-B2F3-1C8B61BA54BF}"/>
-          </ac:spMkLst>
-        </pc:spChg>
-        <pc:spChg chg="mod">
-          <ac:chgData name="김 재현" userId="e331c24078343b94" providerId="LiveId" clId="{19C9B56C-74E6-4678-B583-1EBFD9EC01EA}" dt="2020-03-17T11:39:36.561" v="1135" actId="207"/>
-          <ac:spMkLst>
-            <pc:docMk/>
-            <pc:sldMk cId="1365976168" sldId="272"/>
-            <ac:spMk id="26" creationId="{00000000-0000-0000-0000-000000000000}"/>
-          </ac:spMkLst>
-        </pc:spChg>
-      </pc:sldChg>
-      <pc:sldChg chg="add del">
-        <pc:chgData name="김 재현" userId="e331c24078343b94" providerId="LiveId" clId="{19C9B56C-74E6-4678-B583-1EBFD9EC01EA}" dt="2020-03-17T15:37:36.587" v="2225" actId="2696"/>
-        <pc:sldMkLst>
-          <pc:docMk/>
-          <pc:sldMk cId="4229676219" sldId="273"/>
-        </pc:sldMkLst>
-      </pc:sldChg>
-      <pc:sldChg chg="add del">
-        <pc:chgData name="김 재현" userId="e331c24078343b94" providerId="LiveId" clId="{19C9B56C-74E6-4678-B583-1EBFD9EC01EA}" dt="2020-03-17T15:37:37.707" v="2226" actId="2696"/>
-        <pc:sldMkLst>
-          <pc:docMk/>
-          <pc:sldMk cId="1228334485" sldId="274"/>
-        </pc:sldMkLst>
-      </pc:sldChg>
-      <pc:sldChg chg="add del">
-        <pc:chgData name="김 재현" userId="e331c24078343b94" providerId="LiveId" clId="{19C9B56C-74E6-4678-B583-1EBFD9EC01EA}" dt="2020-03-17T15:37:38.587" v="2227" actId="2696"/>
-        <pc:sldMkLst>
-          <pc:docMk/>
-          <pc:sldMk cId="3635247377" sldId="275"/>
-        </pc:sldMkLst>
-      </pc:sldChg>
-      <pc:sldChg chg="addSp delSp modSp add ord delAnim modAnim modNotesTx">
-        <pc:chgData name="김 재현" userId="e331c24078343b94" providerId="LiveId" clId="{19C9B56C-74E6-4678-B583-1EBFD9EC01EA}" dt="2020-03-18T16:58:50.405" v="6013"/>
-        <pc:sldMkLst>
-          <pc:docMk/>
-          <pc:sldMk cId="3453096922" sldId="276"/>
-        </pc:sldMkLst>
-        <pc:spChg chg="add del mod">
-          <ac:chgData name="김 재현" userId="e331c24078343b94" providerId="LiveId" clId="{19C9B56C-74E6-4678-B583-1EBFD9EC01EA}" dt="2020-03-18T16:23:55.448" v="4848"/>
-          <ac:spMkLst>
-            <pc:docMk/>
-            <pc:sldMk cId="3453096922" sldId="276"/>
-            <ac:spMk id="2" creationId="{011299AC-C309-4BB3-981C-D6032E3B183F}"/>
-          </ac:spMkLst>
-        </pc:spChg>
-        <pc:spChg chg="add mod">
-          <ac:chgData name="김 재현" userId="e331c24078343b94" providerId="LiveId" clId="{19C9B56C-74E6-4678-B583-1EBFD9EC01EA}" dt="2020-03-18T16:26:53.181" v="4986" actId="1076"/>
-          <ac:spMkLst>
-            <pc:docMk/>
-            <pc:sldMk cId="3453096922" sldId="276"/>
-            <ac:spMk id="3" creationId="{9CAF46CC-D7D5-4A5C-A8A0-ADE97A4FB0F8}"/>
-          </ac:spMkLst>
-        </pc:spChg>
-        <pc:spChg chg="add mod">
-          <ac:chgData name="김 재현" userId="e331c24078343b94" providerId="LiveId" clId="{19C9B56C-74E6-4678-B583-1EBFD9EC01EA}" dt="2020-03-18T16:57:00.179" v="5964" actId="1076"/>
-          <ac:spMkLst>
-            <pc:docMk/>
-            <pc:sldMk cId="3453096922" sldId="276"/>
-            <ac:spMk id="5" creationId="{FEC6D0AE-1E36-4D6E-BCD8-54BD61C7432E}"/>
-          </ac:spMkLst>
-        </pc:spChg>
-        <pc:spChg chg="add mod">
-          <ac:chgData name="김 재현" userId="e331c24078343b94" providerId="LiveId" clId="{19C9B56C-74E6-4678-B583-1EBFD9EC01EA}" dt="2020-03-18T16:57:59.362" v="6009" actId="1076"/>
-          <ac:spMkLst>
-            <pc:docMk/>
-            <pc:sldMk cId="3453096922" sldId="276"/>
-            <ac:spMk id="6" creationId="{9962A81A-954A-47F2-A217-CC607D93DBCC}"/>
-          </ac:spMkLst>
-        </pc:spChg>
-        <pc:spChg chg="add mod">
-          <ac:chgData name="김 재현" userId="e331c24078343b94" providerId="LiveId" clId="{19C9B56C-74E6-4678-B583-1EBFD9EC01EA}" dt="2020-03-18T16:26:53.181" v="4986" actId="1076"/>
-          <ac:spMkLst>
-            <pc:docMk/>
-            <pc:sldMk cId="3453096922" sldId="276"/>
-            <ac:spMk id="18" creationId="{9C856963-26B5-4D3B-8F2F-5DB5B6ABA0D8}"/>
-          </ac:spMkLst>
-        </pc:spChg>
-        <pc:spChg chg="add del">
-          <ac:chgData name="김 재현" userId="e331c24078343b94" providerId="LiveId" clId="{19C9B56C-74E6-4678-B583-1EBFD9EC01EA}" dt="2020-03-18T16:56:46.792" v="5940" actId="478"/>
-          <ac:spMkLst>
-            <pc:docMk/>
-            <pc:sldMk cId="3453096922" sldId="276"/>
-            <ac:spMk id="19" creationId="{D667B076-E1A1-4D6C-8034-5D85D696D4C7}"/>
-          </ac:spMkLst>
-        </pc:spChg>
-        <pc:spChg chg="add del mod">
-          <ac:chgData name="김 재현" userId="e331c24078343b94" providerId="LiveId" clId="{19C9B56C-74E6-4678-B583-1EBFD9EC01EA}" dt="2020-03-18T16:57:30.392" v="5969" actId="478"/>
-          <ac:spMkLst>
-            <pc:docMk/>
-            <pc:sldMk cId="3453096922" sldId="276"/>
-            <ac:spMk id="20" creationId="{8AA6261A-DF14-4D24-A06E-A54903C2C5B7}"/>
-          </ac:spMkLst>
-        </pc:spChg>
-        <pc:picChg chg="add del mod">
-          <ac:chgData name="김 재현" userId="e331c24078343b94" providerId="LiveId" clId="{19C9B56C-74E6-4678-B583-1EBFD9EC01EA}" dt="2020-03-18T16:21:54.265" v="4447" actId="478"/>
-          <ac:picMkLst>
-            <pc:docMk/>
-            <pc:sldMk cId="3453096922" sldId="276"/>
-            <ac:picMk id="1026" creationId="{838EF50B-012A-4358-B898-6779275FE875}"/>
-          </ac:picMkLst>
-        </pc:picChg>
-        <pc:picChg chg="add mod">
-          <ac:chgData name="김 재현" userId="e331c24078343b94" providerId="LiveId" clId="{19C9B56C-74E6-4678-B583-1EBFD9EC01EA}" dt="2020-03-18T16:26:53.181" v="4986" actId="1076"/>
-          <ac:picMkLst>
-            <pc:docMk/>
-            <pc:sldMk cId="3453096922" sldId="276"/>
-            <ac:picMk id="1028" creationId="{50128099-6A51-42B7-9A86-234D6E7352DE}"/>
-          </ac:picMkLst>
-        </pc:picChg>
-      </pc:sldChg>
-      <pc:sldChg chg="addSp delSp modSp add ord modNotesTx">
-        <pc:chgData name="김 재현" userId="e331c24078343b94" providerId="LiveId" clId="{19C9B56C-74E6-4678-B583-1EBFD9EC01EA}" dt="2020-03-18T17:18:37.825" v="6573" actId="1076"/>
-        <pc:sldMkLst>
-          <pc:docMk/>
-          <pc:sldMk cId="1914350996" sldId="277"/>
-        </pc:sldMkLst>
-        <pc:spChg chg="add del mod">
-          <ac:chgData name="김 재현" userId="e331c24078343b94" providerId="LiveId" clId="{19C9B56C-74E6-4678-B583-1EBFD9EC01EA}" dt="2020-03-18T16:37:55.799" v="5209" actId="478"/>
-          <ac:spMkLst>
-            <pc:docMk/>
-            <pc:sldMk cId="1914350996" sldId="277"/>
-            <ac:spMk id="2" creationId="{ABE2B093-15E8-467B-9C61-A23569738F22}"/>
-          </ac:spMkLst>
-        </pc:spChg>
-        <pc:spChg chg="add mod">
-          <ac:chgData name="김 재현" userId="e331c24078343b94" providerId="LiveId" clId="{19C9B56C-74E6-4678-B583-1EBFD9EC01EA}" dt="2020-03-18T17:18:37.825" v="6573" actId="1076"/>
-          <ac:spMkLst>
-            <pc:docMk/>
-            <pc:sldMk cId="1914350996" sldId="277"/>
-            <ac:spMk id="13" creationId="{04BFA42B-0594-4424-9224-055D130B5759}"/>
-          </ac:spMkLst>
-        </pc:spChg>
-      </pc:sldChg>
-      <pc:sldChg chg="addSp modSp add ord modAnim">
-        <pc:chgData name="김 재현" userId="e331c24078343b94" providerId="LiveId" clId="{19C9B56C-74E6-4678-B583-1EBFD9EC01EA}" dt="2020-03-18T17:22:21.505" v="6704" actId="1076"/>
-        <pc:sldMkLst>
-          <pc:docMk/>
-          <pc:sldMk cId="3712910900" sldId="278"/>
-        </pc:sldMkLst>
-        <pc:spChg chg="add mod">
-          <ac:chgData name="김 재현" userId="e331c24078343b94" providerId="LiveId" clId="{19C9B56C-74E6-4678-B583-1EBFD9EC01EA}" dt="2020-03-18T17:22:21.505" v="6704" actId="1076"/>
-          <ac:spMkLst>
-            <pc:docMk/>
-            <pc:sldMk cId="3712910900" sldId="278"/>
-            <ac:spMk id="2" creationId="{17627198-7BA4-4049-8F8A-321825339A26}"/>
-          </ac:spMkLst>
-        </pc:spChg>
-        <pc:spChg chg="add mod">
-          <ac:chgData name="김 재현" userId="e331c24078343b94" providerId="LiveId" clId="{19C9B56C-74E6-4678-B583-1EBFD9EC01EA}" dt="2020-03-18T17:22:21.505" v="6704" actId="1076"/>
-          <ac:spMkLst>
-            <pc:docMk/>
-            <pc:sldMk cId="3712910900" sldId="278"/>
-            <ac:spMk id="6" creationId="{9E82A7BE-BB44-4128-A011-AF6C1C838491}"/>
-          </ac:spMkLst>
-        </pc:spChg>
-        <pc:picChg chg="add mod">
-          <ac:chgData name="김 재현" userId="e331c24078343b94" providerId="LiveId" clId="{19C9B56C-74E6-4678-B583-1EBFD9EC01EA}" dt="2020-03-18T16:47:55.730" v="5644" actId="1076"/>
-          <ac:picMkLst>
-            <pc:docMk/>
-            <pc:sldMk cId="3712910900" sldId="278"/>
-            <ac:picMk id="3" creationId="{4D50163F-BACF-42DB-9689-480AAEAB320B}"/>
-          </ac:picMkLst>
-        </pc:picChg>
-        <pc:picChg chg="add mod">
-          <ac:chgData name="김 재현" userId="e331c24078343b94" providerId="LiveId" clId="{19C9B56C-74E6-4678-B583-1EBFD9EC01EA}" dt="2020-03-18T17:22:13.844" v="6701" actId="1076"/>
-          <ac:picMkLst>
-            <pc:docMk/>
-            <pc:sldMk cId="3712910900" sldId="278"/>
-            <ac:picMk id="5" creationId="{D7F6EF17-E8F0-4A96-992F-9FCC6EAD4EA1}"/>
-          </ac:picMkLst>
-        </pc:picChg>
-      </pc:sldChg>
-      <pc:sldChg chg="addSp modSp add modNotesTx">
-        <pc:chgData name="김 재현" userId="e331c24078343b94" providerId="LiveId" clId="{19C9B56C-74E6-4678-B583-1EBFD9EC01EA}" dt="2020-03-22T09:52:43.280" v="18487"/>
-        <pc:sldMkLst>
-          <pc:docMk/>
-          <pc:sldMk cId="2037925639" sldId="279"/>
-        </pc:sldMkLst>
-        <pc:spChg chg="mod">
-          <ac:chgData name="김 재현" userId="e331c24078343b94" providerId="LiveId" clId="{19C9B56C-74E6-4678-B583-1EBFD9EC01EA}" dt="2020-03-22T09:52:43.280" v="18487"/>
-          <ac:spMkLst>
-            <pc:docMk/>
-            <pc:sldMk cId="2037925639" sldId="279"/>
-            <ac:spMk id="4" creationId="{00000000-0000-0000-0000-000000000000}"/>
-          </ac:spMkLst>
-        </pc:spChg>
-        <pc:spChg chg="add mod">
-          <ac:chgData name="김 재현" userId="e331c24078343b94" providerId="LiveId" clId="{19C9B56C-74E6-4678-B583-1EBFD9EC01EA}" dt="2020-03-19T11:22:09.919" v="7203" actId="1076"/>
-          <ac:spMkLst>
-            <pc:docMk/>
-            <pc:sldMk cId="2037925639" sldId="279"/>
-            <ac:spMk id="12" creationId="{C22CF5BF-37CF-46C6-BA0B-E4DA8C51842D}"/>
-          </ac:spMkLst>
-        </pc:spChg>
-      </pc:sldChg>
-      <pc:sldChg chg="addSp delSp modSp add modNotesTx">
-        <pc:chgData name="김 재현" userId="e331c24078343b94" providerId="LiveId" clId="{19C9B56C-74E6-4678-B583-1EBFD9EC01EA}" dt="2020-03-22T09:52:46.713" v="18488"/>
-        <pc:sldMkLst>
-          <pc:docMk/>
-          <pc:sldMk cId="2123990020" sldId="280"/>
-        </pc:sldMkLst>
-        <pc:spChg chg="add del mod">
-          <ac:chgData name="김 재현" userId="e331c24078343b94" providerId="LiveId" clId="{19C9B56C-74E6-4678-B583-1EBFD9EC01EA}" dt="2020-03-19T11:34:05.318" v="7992"/>
-          <ac:spMkLst>
-            <pc:docMk/>
-            <pc:sldMk cId="2123990020" sldId="280"/>
-            <ac:spMk id="2" creationId="{36EA0E47-5309-470A-BD9B-1AF1AC375F7F}"/>
-          </ac:spMkLst>
-        </pc:spChg>
-        <pc:spChg chg="add mod">
-          <ac:chgData name="김 재현" userId="e331c24078343b94" providerId="LiveId" clId="{19C9B56C-74E6-4678-B583-1EBFD9EC01EA}" dt="2020-03-19T11:48:40.373" v="8721" actId="1076"/>
-          <ac:spMkLst>
-            <pc:docMk/>
-            <pc:sldMk cId="2123990020" sldId="280"/>
-            <ac:spMk id="3" creationId="{50A130A3-E193-4A06-8CC7-7ADE0FED2522}"/>
-          </ac:spMkLst>
-        </pc:spChg>
-        <pc:spChg chg="mod">
-          <ac:chgData name="김 재현" userId="e331c24078343b94" providerId="LiveId" clId="{19C9B56C-74E6-4678-B583-1EBFD9EC01EA}" dt="2020-03-22T09:52:46.713" v="18488"/>
-          <ac:spMkLst>
-            <pc:docMk/>
-            <pc:sldMk cId="2123990020" sldId="280"/>
-            <ac:spMk id="4" creationId="{00000000-0000-0000-0000-000000000000}"/>
-          </ac:spMkLst>
-        </pc:spChg>
-        <pc:spChg chg="add mod">
-          <ac:chgData name="김 재현" userId="e331c24078343b94" providerId="LiveId" clId="{19C9B56C-74E6-4678-B583-1EBFD9EC01EA}" dt="2020-03-19T11:48:42.831" v="8722" actId="1076"/>
-          <ac:spMkLst>
-            <pc:docMk/>
-            <pc:sldMk cId="2123990020" sldId="280"/>
-            <ac:spMk id="5" creationId="{3ABDA874-68D4-46DA-887E-AD1D02EB9B27}"/>
-          </ac:spMkLst>
-        </pc:spChg>
-        <pc:spChg chg="add del mod">
-          <ac:chgData name="김 재현" userId="e331c24078343b94" providerId="LiveId" clId="{19C9B56C-74E6-4678-B583-1EBFD9EC01EA}" dt="2020-03-19T11:44:22.890" v="8371" actId="478"/>
-          <ac:spMkLst>
-            <pc:docMk/>
-            <pc:sldMk cId="2123990020" sldId="280"/>
-            <ac:spMk id="6" creationId="{785A5ED0-66CB-403C-8101-92285008E1AD}"/>
-          </ac:spMkLst>
-        </pc:spChg>
-        <pc:spChg chg="add mod">
-          <ac:chgData name="김 재현" userId="e331c24078343b94" providerId="LiveId" clId="{19C9B56C-74E6-4678-B583-1EBFD9EC01EA}" dt="2020-03-19T11:22:30.911" v="7219" actId="1076"/>
-          <ac:spMkLst>
-            <pc:docMk/>
-            <pc:sldMk cId="2123990020" sldId="280"/>
-            <ac:spMk id="12" creationId="{F0BC8F14-D7D8-488C-904D-68FC6BE4A754}"/>
-          </ac:spMkLst>
-        </pc:spChg>
-      </pc:sldChg>
-      <pc:sldChg chg="addSp modSp add">
-        <pc:chgData name="김 재현" userId="e331c24078343b94" providerId="LiveId" clId="{19C9B56C-74E6-4678-B583-1EBFD9EC01EA}" dt="2020-03-22T09:53:08.371" v="18502"/>
-        <pc:sldMkLst>
-          <pc:docMk/>
-          <pc:sldMk cId="2947727484" sldId="281"/>
-        </pc:sldMkLst>
-        <pc:spChg chg="mod">
-          <ac:chgData name="김 재현" userId="e331c24078343b94" providerId="LiveId" clId="{19C9B56C-74E6-4678-B583-1EBFD9EC01EA}" dt="2020-03-22T09:53:08.371" v="18502"/>
-          <ac:spMkLst>
-            <pc:docMk/>
-            <pc:sldMk cId="2947727484" sldId="281"/>
-            <ac:spMk id="4" creationId="{00000000-0000-0000-0000-000000000000}"/>
-          </ac:spMkLst>
-        </pc:spChg>
-        <pc:spChg chg="add">
-          <ac:chgData name="김 재현" userId="e331c24078343b94" providerId="LiveId" clId="{19C9B56C-74E6-4678-B583-1EBFD9EC01EA}" dt="2020-03-19T13:13:25.353" v="10386"/>
-          <ac:spMkLst>
-            <pc:docMk/>
-            <pc:sldMk cId="2947727484" sldId="281"/>
-            <ac:spMk id="12" creationId="{16654B83-06FE-485F-9F64-08AAEE8E2D82}"/>
-          </ac:spMkLst>
-        </pc:spChg>
-      </pc:sldChg>
-      <pc:sldChg chg="addSp delSp modSp add del modNotesTx">
-        <pc:chgData name="김 재현" userId="e331c24078343b94" providerId="LiveId" clId="{19C9B56C-74E6-4678-B583-1EBFD9EC01EA}" dt="2020-03-20T18:38:58.246" v="17575" actId="20577"/>
-        <pc:sldMkLst>
-          <pc:docMk/>
-          <pc:sldMk cId="2057029628" sldId="282"/>
-        </pc:sldMkLst>
-        <pc:spChg chg="add del mod">
-          <ac:chgData name="김 재현" userId="e331c24078343b94" providerId="LiveId" clId="{19C9B56C-74E6-4678-B583-1EBFD9EC01EA}" dt="2020-03-20T18:23:39.850" v="17000"/>
-          <ac:spMkLst>
-            <pc:docMk/>
-            <pc:sldMk cId="2057029628" sldId="282"/>
-            <ac:spMk id="3" creationId="{AF34CCEA-BC22-42E0-80A4-2E0973E7B75C}"/>
-          </ac:spMkLst>
-        </pc:spChg>
-        <pc:spChg chg="add del mod">
-          <ac:chgData name="김 재현" userId="e331c24078343b94" providerId="LiveId" clId="{19C9B56C-74E6-4678-B583-1EBFD9EC01EA}" dt="2020-03-20T18:29:57.750" v="17344"/>
-          <ac:spMkLst>
-            <pc:docMk/>
-            <pc:sldMk cId="2057029628" sldId="282"/>
-            <ac:spMk id="5" creationId="{B75BEE11-0FEB-4DB8-9B70-DC9D4A1D5554}"/>
-          </ac:spMkLst>
-        </pc:spChg>
-        <pc:spChg chg="add del mod">
-          <ac:chgData name="김 재현" userId="e331c24078343b94" providerId="LiveId" clId="{19C9B56C-74E6-4678-B583-1EBFD9EC01EA}" dt="2020-03-20T18:30:32.280" v="17353"/>
-          <ac:spMkLst>
-            <pc:docMk/>
-            <pc:sldMk cId="2057029628" sldId="282"/>
-            <ac:spMk id="7" creationId="{9AF4BE7E-3A4F-42C1-8BF7-C2E4C394479A}"/>
-          </ac:spMkLst>
-        </pc:spChg>
-        <pc:spChg chg="add mod">
-          <ac:chgData name="김 재현" userId="e331c24078343b94" providerId="LiveId" clId="{19C9B56C-74E6-4678-B583-1EBFD9EC01EA}" dt="2020-03-20T18:38:57.016" v="17574" actId="20577"/>
-          <ac:spMkLst>
-            <pc:docMk/>
-            <pc:sldMk cId="2057029628" sldId="282"/>
-            <ac:spMk id="8" creationId="{A3AA9069-F122-4B9E-A339-DD0F070566AD}"/>
-          </ac:spMkLst>
-        </pc:spChg>
-        <pc:spChg chg="add mod">
-          <ac:chgData name="김 재현" userId="e331c24078343b94" providerId="LiveId" clId="{19C9B56C-74E6-4678-B583-1EBFD9EC01EA}" dt="2020-03-20T18:28:12.309" v="17121" actId="1076"/>
-          <ac:spMkLst>
-            <pc:docMk/>
-            <pc:sldMk cId="2057029628" sldId="282"/>
-            <ac:spMk id="18" creationId="{B0820434-B245-42C7-AF0F-8015FCB3897F}"/>
-          </ac:spMkLst>
-        </pc:spChg>
-        <pc:spChg chg="add del">
-          <ac:chgData name="김 재현" userId="e331c24078343b94" providerId="LiveId" clId="{19C9B56C-74E6-4678-B583-1EBFD9EC01EA}" dt="2020-03-20T18:31:32.701" v="17476"/>
-          <ac:spMkLst>
-            <pc:docMk/>
-            <pc:sldMk cId="2057029628" sldId="282"/>
-            <ac:spMk id="19" creationId="{B0B399B9-487E-4754-8093-BDC83F7721FC}"/>
-          </ac:spMkLst>
-        </pc:spChg>
-        <pc:spChg chg="add mod">
-          <ac:chgData name="김 재현" userId="e331c24078343b94" providerId="LiveId" clId="{19C9B56C-74E6-4678-B583-1EBFD9EC01EA}" dt="2020-03-20T18:38:58.246" v="17575" actId="20577"/>
-          <ac:spMkLst>
-            <pc:docMk/>
-            <pc:sldMk cId="2057029628" sldId="282"/>
-            <ac:spMk id="20" creationId="{00AFCD7F-3A01-4DFF-8823-FB64CBFC9E61}"/>
-          </ac:spMkLst>
-        </pc:spChg>
-        <pc:picChg chg="add del">
-          <ac:chgData name="김 재현" userId="e331c24078343b94" providerId="LiveId" clId="{19C9B56C-74E6-4678-B583-1EBFD9EC01EA}" dt="2020-03-20T18:23:39.850" v="17000"/>
-          <ac:picMkLst>
-            <pc:docMk/>
-            <pc:sldMk cId="2057029628" sldId="282"/>
-            <ac:picMk id="2" creationId="{DF221D35-722F-406E-B2DC-DE4B4729D494}"/>
-          </ac:picMkLst>
-        </pc:picChg>
-        <pc:picChg chg="add mod">
-          <ac:chgData name="김 재현" userId="e331c24078343b94" providerId="LiveId" clId="{19C9B56C-74E6-4678-B583-1EBFD9EC01EA}" dt="2020-03-20T18:30:09.244" v="17350" actId="1076"/>
-          <ac:picMkLst>
-            <pc:docMk/>
-            <pc:sldMk cId="2057029628" sldId="282"/>
-            <ac:picMk id="6" creationId="{E32FB117-B862-43EC-9398-7F0EA7C17E72}"/>
-          </ac:picMkLst>
-        </pc:picChg>
-      </pc:sldChg>
-      <pc:sldChg chg="addSp modSp add ord modNotesTx">
-        <pc:chgData name="김 재현" userId="e331c24078343b94" providerId="LiveId" clId="{19C9B56C-74E6-4678-B583-1EBFD9EC01EA}" dt="2020-03-19T16:48:53.370" v="11402" actId="1076"/>
-        <pc:sldMkLst>
-          <pc:docMk/>
-          <pc:sldMk cId="1634034898" sldId="283"/>
-        </pc:sldMkLst>
-        <pc:spChg chg="add mod">
-          <ac:chgData name="김 재현" userId="e331c24078343b94" providerId="LiveId" clId="{19C9B56C-74E6-4678-B583-1EBFD9EC01EA}" dt="2020-03-19T16:25:09.372" v="10502"/>
-          <ac:spMkLst>
-            <pc:docMk/>
-            <pc:sldMk cId="1634034898" sldId="283"/>
-            <ac:spMk id="2" creationId="{7BAEF6C2-0585-4C64-AAAC-6086B42D65ED}"/>
-          </ac:spMkLst>
-        </pc:spChg>
-        <pc:spChg chg="add mod">
-          <ac:chgData name="김 재현" userId="e331c24078343b94" providerId="LiveId" clId="{19C9B56C-74E6-4678-B583-1EBFD9EC01EA}" dt="2020-03-19T16:25:53.731" v="10597" actId="1076"/>
-          <ac:spMkLst>
-            <pc:docMk/>
-            <pc:sldMk cId="1634034898" sldId="283"/>
-            <ac:spMk id="5" creationId="{FBDC78CF-F4F0-4AAF-B0F9-1478A4A94D8D}"/>
-          </ac:spMkLst>
-        </pc:spChg>
-        <pc:spChg chg="add mod">
-          <ac:chgData name="김 재현" userId="e331c24078343b94" providerId="LiveId" clId="{19C9B56C-74E6-4678-B583-1EBFD9EC01EA}" dt="2020-03-19T16:48:53.370" v="11402" actId="1076"/>
-          <ac:spMkLst>
-            <pc:docMk/>
-            <pc:sldMk cId="1634034898" sldId="283"/>
-            <ac:spMk id="6" creationId="{AB48DDF1-24E4-46DD-BEA9-CACD36507823}"/>
-          </ac:spMkLst>
-        </pc:spChg>
-        <pc:picChg chg="add mod">
-          <ac:chgData name="김 재현" userId="e331c24078343b94" providerId="LiveId" clId="{19C9B56C-74E6-4678-B583-1EBFD9EC01EA}" dt="2020-03-19T16:24:59.754" v="10490" actId="1076"/>
-          <ac:picMkLst>
-            <pc:docMk/>
-            <pc:sldMk cId="1634034898" sldId="283"/>
-            <ac:picMk id="3" creationId="{FC27073A-D226-44FA-81A9-D54D702A90D6}"/>
-          </ac:picMkLst>
-        </pc:picChg>
-      </pc:sldChg>
-      <pc:sldChg chg="addSp add">
-        <pc:chgData name="김 재현" userId="e331c24078343b94" providerId="LiveId" clId="{19C9B56C-74E6-4678-B583-1EBFD9EC01EA}" dt="2020-03-19T13:13:33.259" v="10388"/>
-        <pc:sldMkLst>
-          <pc:docMk/>
-          <pc:sldMk cId="3933428076" sldId="284"/>
-        </pc:sldMkLst>
-        <pc:spChg chg="add">
-          <ac:chgData name="김 재현" userId="e331c24078343b94" providerId="LiveId" clId="{19C9B56C-74E6-4678-B583-1EBFD9EC01EA}" dt="2020-03-19T13:13:33.259" v="10388"/>
-          <ac:spMkLst>
-            <pc:docMk/>
-            <pc:sldMk cId="3933428076" sldId="284"/>
-            <ac:spMk id="12" creationId="{9E24237C-0F42-420B-B40F-4C8D115CF2EF}"/>
-          </ac:spMkLst>
-        </pc:spChg>
-      </pc:sldChg>
-      <pc:sldChg chg="addSp delSp modSp add">
-        <pc:chgData name="김 재현" userId="e331c24078343b94" providerId="LiveId" clId="{19C9B56C-74E6-4678-B583-1EBFD9EC01EA}" dt="2020-03-22T09:53:47.120" v="18549"/>
-        <pc:sldMkLst>
-          <pc:docMk/>
-          <pc:sldMk cId="182718600" sldId="285"/>
-        </pc:sldMkLst>
-        <pc:spChg chg="add del">
-          <ac:chgData name="김 재현" userId="e331c24078343b94" providerId="LiveId" clId="{19C9B56C-74E6-4678-B583-1EBFD9EC01EA}" dt="2020-03-22T09:53:46.058" v="18548"/>
-          <ac:spMkLst>
-            <pc:docMk/>
-            <pc:sldMk cId="182718600" sldId="285"/>
-            <ac:spMk id="2" creationId="{0132C714-5B9A-4ED3-9C6F-93CC7BB6AE1E}"/>
-          </ac:spMkLst>
-        </pc:spChg>
-        <pc:spChg chg="mod">
-          <ac:chgData name="김 재현" userId="e331c24078343b94" providerId="LiveId" clId="{19C9B56C-74E6-4678-B583-1EBFD9EC01EA}" dt="2020-03-22T09:53:47.120" v="18549"/>
-          <ac:spMkLst>
-            <pc:docMk/>
-            <pc:sldMk cId="182718600" sldId="285"/>
-            <ac:spMk id="4" creationId="{00000000-0000-0000-0000-000000000000}"/>
-          </ac:spMkLst>
-        </pc:spChg>
-      </pc:sldChg>
-      <pc:sldChg chg="modSp add">
-        <pc:chgData name="김 재현" userId="e331c24078343b94" providerId="LiveId" clId="{19C9B56C-74E6-4678-B583-1EBFD9EC01EA}" dt="2020-03-22T09:53:49.383" v="18550"/>
-        <pc:sldMkLst>
-          <pc:docMk/>
-          <pc:sldMk cId="2904559209" sldId="286"/>
-        </pc:sldMkLst>
-        <pc:spChg chg="mod">
-          <ac:chgData name="김 재현" userId="e331c24078343b94" providerId="LiveId" clId="{19C9B56C-74E6-4678-B583-1EBFD9EC01EA}" dt="2020-03-22T09:53:49.383" v="18550"/>
-          <ac:spMkLst>
-            <pc:docMk/>
-            <pc:sldMk cId="2904559209" sldId="286"/>
-            <ac:spMk id="4" creationId="{00000000-0000-0000-0000-000000000000}"/>
-          </ac:spMkLst>
-        </pc:spChg>
-      </pc:sldChg>
-      <pc:sldChg chg="addSp modSp add">
-        <pc:chgData name="김 재현" userId="e331c24078343b94" providerId="LiveId" clId="{19C9B56C-74E6-4678-B583-1EBFD9EC01EA}" dt="2020-03-22T09:53:51.293" v="18551"/>
-        <pc:sldMkLst>
-          <pc:docMk/>
-          <pc:sldMk cId="2224076728" sldId="287"/>
-        </pc:sldMkLst>
-        <pc:spChg chg="mod">
-          <ac:chgData name="김 재현" userId="e331c24078343b94" providerId="LiveId" clId="{19C9B56C-74E6-4678-B583-1EBFD9EC01EA}" dt="2020-03-22T09:53:51.293" v="18551"/>
-          <ac:spMkLst>
-            <pc:docMk/>
-            <pc:sldMk cId="2224076728" sldId="287"/>
-            <ac:spMk id="4" creationId="{00000000-0000-0000-0000-000000000000}"/>
-          </ac:spMkLst>
-        </pc:spChg>
-        <pc:spChg chg="add">
-          <ac:chgData name="김 재현" userId="e331c24078343b94" providerId="LiveId" clId="{19C9B56C-74E6-4678-B583-1EBFD9EC01EA}" dt="2020-03-19T13:13:35.475" v="10389"/>
-          <ac:spMkLst>
-            <pc:docMk/>
-            <pc:sldMk cId="2224076728" sldId="287"/>
-            <ac:spMk id="12" creationId="{D4F9DB8E-3BC3-4DF9-8C2C-071BF81334AB}"/>
-          </ac:spMkLst>
-        </pc:spChg>
-      </pc:sldChg>
-      <pc:sldChg chg="modSp add del">
-        <pc:chgData name="김 재현" userId="e331c24078343b94" providerId="LiveId" clId="{19C9B56C-74E6-4678-B583-1EBFD9EC01EA}" dt="2020-03-17T15:24:26.730" v="1405"/>
-        <pc:sldMkLst>
-          <pc:docMk/>
-          <pc:sldMk cId="2544827942" sldId="288"/>
-        </pc:sldMkLst>
-        <pc:spChg chg="mod">
-          <ac:chgData name="김 재현" userId="e331c24078343b94" providerId="LiveId" clId="{19C9B56C-74E6-4678-B583-1EBFD9EC01EA}" dt="2020-03-17T15:24:23.715" v="1404"/>
-          <ac:spMkLst>
-            <pc:docMk/>
-            <pc:sldMk cId="2544827942" sldId="288"/>
-            <ac:spMk id="5" creationId="{6685E845-6D86-4F91-A572-B6397EFAE014}"/>
-          </ac:spMkLst>
-        </pc:spChg>
-      </pc:sldChg>
-      <pc:sldChg chg="modSp add del modNotesTx">
-        <pc:chgData name="김 재현" userId="e331c24078343b94" providerId="LiveId" clId="{19C9B56C-74E6-4678-B583-1EBFD9EC01EA}" dt="2020-03-17T15:27:57.413" v="1553" actId="2696"/>
-        <pc:sldMkLst>
-          <pc:docMk/>
-          <pc:sldMk cId="2830755774" sldId="288"/>
-        </pc:sldMkLst>
-        <pc:spChg chg="mod">
-          <ac:chgData name="김 재현" userId="e331c24078343b94" providerId="LiveId" clId="{19C9B56C-74E6-4678-B583-1EBFD9EC01EA}" dt="2020-03-17T15:24:36.857" v="1409" actId="14100"/>
-          <ac:spMkLst>
-            <pc:docMk/>
-            <pc:sldMk cId="2830755774" sldId="288"/>
-            <ac:spMk id="5" creationId="{6685E845-6D86-4F91-A572-B6397EFAE014}"/>
-          </ac:spMkLst>
-        </pc:spChg>
-        <pc:spChg chg="mod">
-          <ac:chgData name="김 재현" userId="e331c24078343b94" providerId="LiveId" clId="{19C9B56C-74E6-4678-B583-1EBFD9EC01EA}" dt="2020-03-17T15:25:51.738" v="1530" actId="20577"/>
-          <ac:spMkLst>
-            <pc:docMk/>
-            <pc:sldMk cId="2830755774" sldId="288"/>
-            <ac:spMk id="19" creationId="{F3DD76FB-EABD-4D35-A04F-233C454D3994}"/>
-          </ac:spMkLst>
-        </pc:spChg>
-        <pc:cxnChg chg="mod">
-          <ac:chgData name="김 재현" userId="e331c24078343b94" providerId="LiveId" clId="{19C9B56C-74E6-4678-B583-1EBFD9EC01EA}" dt="2020-03-17T15:25:00.057" v="1410" actId="1076"/>
-          <ac:cxnSpMkLst>
-            <pc:docMk/>
-            <pc:sldMk cId="2830755774" sldId="288"/>
-            <ac:cxnSpMk id="18" creationId="{89C848C6-6FDC-4D22-8AC0-8053449136C2}"/>
-          </ac:cxnSpMkLst>
-        </pc:cxnChg>
-      </pc:sldChg>
-      <pc:sldChg chg="addSp delSp modSp add modNotesTx">
-        <pc:chgData name="김 재현" userId="e331c24078343b94" providerId="LiveId" clId="{19C9B56C-74E6-4678-B583-1EBFD9EC01EA}" dt="2020-03-17T15:42:46.088" v="2525"/>
-        <pc:sldMkLst>
-          <pc:docMk/>
-          <pc:sldMk cId="1618230701" sldId="289"/>
-        </pc:sldMkLst>
-        <pc:spChg chg="del">
-          <ac:chgData name="김 재현" userId="e331c24078343b94" providerId="LiveId" clId="{19C9B56C-74E6-4678-B583-1EBFD9EC01EA}" dt="2020-03-17T15:27:20.679" v="1546" actId="478"/>
-          <ac:spMkLst>
-            <pc:docMk/>
-            <pc:sldMk cId="1618230701" sldId="289"/>
-            <ac:spMk id="5" creationId="{6685E845-6D86-4F91-A572-B6397EFAE014}"/>
-          </ac:spMkLst>
-        </pc:spChg>
-        <pc:spChg chg="del">
-          <ac:chgData name="김 재현" userId="e331c24078343b94" providerId="LiveId" clId="{19C9B56C-74E6-4678-B583-1EBFD9EC01EA}" dt="2020-03-17T15:28:01.170" v="1554" actId="478"/>
-          <ac:spMkLst>
-            <pc:docMk/>
-            <pc:sldMk cId="1618230701" sldId="289"/>
-            <ac:spMk id="19" creationId="{F3DD76FB-EABD-4D35-A04F-233C454D3994}"/>
-          </ac:spMkLst>
-        </pc:spChg>
-        <pc:spChg chg="add mod">
-          <ac:chgData name="김 재현" userId="e331c24078343b94" providerId="LiveId" clId="{19C9B56C-74E6-4678-B583-1EBFD9EC01EA}" dt="2020-03-17T15:27:26.698" v="1548" actId="1076"/>
-          <ac:spMkLst>
-            <pc:docMk/>
-            <pc:sldMk cId="1618230701" sldId="289"/>
-            <ac:spMk id="20" creationId="{81D02332-7A33-4013-984E-9C814D86C969}"/>
-          </ac:spMkLst>
-        </pc:spChg>
-        <pc:spChg chg="add del mod">
-          <ac:chgData name="김 재현" userId="e331c24078343b94" providerId="LiveId" clId="{19C9B56C-74E6-4678-B583-1EBFD9EC01EA}" dt="2020-03-17T15:42:46.088" v="2525"/>
-          <ac:spMkLst>
-            <pc:docMk/>
-            <pc:sldMk cId="1618230701" sldId="289"/>
-            <ac:spMk id="27" creationId="{E753775F-5B5C-4440-AA8D-3F95FF49CC9B}"/>
-          </ac:spMkLst>
-        </pc:spChg>
-        <pc:spChg chg="add mod">
-          <ac:chgData name="김 재현" userId="e331c24078343b94" providerId="LiveId" clId="{19C9B56C-74E6-4678-B583-1EBFD9EC01EA}" dt="2020-03-17T15:33:41.530" v="1990" actId="14100"/>
-          <ac:spMkLst>
-            <pc:docMk/>
-            <pc:sldMk cId="1618230701" sldId="289"/>
-            <ac:spMk id="29" creationId="{9BFF9274-C13E-4A11-B3ED-AE629EF4B72B}"/>
-          </ac:spMkLst>
-        </pc:spChg>
-        <pc:spChg chg="add mod">
-          <ac:chgData name="김 재현" userId="e331c24078343b94" providerId="LiveId" clId="{19C9B56C-74E6-4678-B583-1EBFD9EC01EA}" dt="2020-03-17T15:34:13.201" v="2001" actId="14100"/>
-          <ac:spMkLst>
-            <pc:docMk/>
-            <pc:sldMk cId="1618230701" sldId="289"/>
-            <ac:spMk id="30" creationId="{DAEA1A44-399F-4C4E-9F8C-F1F9369F66B3}"/>
-          </ac:spMkLst>
-        </pc:spChg>
-        <pc:spChg chg="add mod">
-          <ac:chgData name="김 재현" userId="e331c24078343b94" providerId="LiveId" clId="{19C9B56C-74E6-4678-B583-1EBFD9EC01EA}" dt="2020-03-17T15:33:53.417" v="1996" actId="14100"/>
-          <ac:spMkLst>
-            <pc:docMk/>
-            <pc:sldMk cId="1618230701" sldId="289"/>
-            <ac:spMk id="31" creationId="{6AA090C9-C970-434E-BA33-A4F818C28344}"/>
-          </ac:spMkLst>
-        </pc:spChg>
-        <pc:cxnChg chg="del mod">
-          <ac:chgData name="김 재현" userId="e331c24078343b94" providerId="LiveId" clId="{19C9B56C-74E6-4678-B583-1EBFD9EC01EA}" dt="2020-03-17T15:28:01.899" v="1555" actId="478"/>
-          <ac:cxnSpMkLst>
-            <pc:docMk/>
-            <pc:sldMk cId="1618230701" sldId="289"/>
-            <ac:cxnSpMk id="18" creationId="{89C848C6-6FDC-4D22-8AC0-8053449136C2}"/>
-          </ac:cxnSpMkLst>
-        </pc:cxnChg>
-        <pc:cxnChg chg="add mod">
-          <ac:chgData name="김 재현" userId="e331c24078343b94" providerId="LiveId" clId="{19C9B56C-74E6-4678-B583-1EBFD9EC01EA}" dt="2020-03-17T15:28:09.794" v="1557" actId="14100"/>
-          <ac:cxnSpMkLst>
-            <pc:docMk/>
-            <pc:sldMk cId="1618230701" sldId="289"/>
-            <ac:cxnSpMk id="22" creationId="{F1C8DBF2-EAD5-4133-9327-ADEE27573C81}"/>
-          </ac:cxnSpMkLst>
-        </pc:cxnChg>
-        <pc:cxnChg chg="add mod ord">
-          <ac:chgData name="김 재현" userId="e331c24078343b94" providerId="LiveId" clId="{19C9B56C-74E6-4678-B583-1EBFD9EC01EA}" dt="2020-03-17T15:33:56.922" v="1997" actId="166"/>
-          <ac:cxnSpMkLst>
-            <pc:docMk/>
-            <pc:sldMk cId="1618230701" sldId="289"/>
-            <ac:cxnSpMk id="28" creationId="{4CFFD702-771D-465F-94E3-FF272197243E}"/>
-          </ac:cxnSpMkLst>
-        </pc:cxnChg>
-      </pc:sldChg>
-      <pc:sldChg chg="add del">
-        <pc:chgData name="김 재현" userId="e331c24078343b94" providerId="LiveId" clId="{19C9B56C-74E6-4678-B583-1EBFD9EC01EA}" dt="2020-03-17T15:39:04.974" v="2240" actId="2696"/>
-        <pc:sldMkLst>
-          <pc:docMk/>
-          <pc:sldMk cId="2025152192" sldId="290"/>
-        </pc:sldMkLst>
-      </pc:sldChg>
-      <pc:sldChg chg="delSp modSp add modNotesTx">
-        <pc:chgData name="김 재현" userId="e331c24078343b94" providerId="LiveId" clId="{19C9B56C-74E6-4678-B583-1EBFD9EC01EA}" dt="2020-03-17T15:44:00.692" v="2622" actId="20577"/>
-        <pc:sldMkLst>
-          <pc:docMk/>
-          <pc:sldMk cId="3637294503" sldId="291"/>
-        </pc:sldMkLst>
-        <pc:spChg chg="mod">
-          <ac:chgData name="김 재현" userId="e331c24078343b94" providerId="LiveId" clId="{19C9B56C-74E6-4678-B583-1EBFD9EC01EA}" dt="2020-03-17T15:38:05.265" v="2233" actId="1076"/>
-          <ac:spMkLst>
-            <pc:docMk/>
-            <pc:sldMk cId="3637294503" sldId="291"/>
-            <ac:spMk id="20" creationId="{81D02332-7A33-4013-984E-9C814D86C969}"/>
-          </ac:spMkLst>
-        </pc:spChg>
-        <pc:spChg chg="mod">
-          <ac:chgData name="김 재현" userId="e331c24078343b94" providerId="LiveId" clId="{19C9B56C-74E6-4678-B583-1EBFD9EC01EA}" dt="2020-03-17T15:44:00.692" v="2622" actId="20577"/>
-          <ac:spMkLst>
-            <pc:docMk/>
-            <pc:sldMk cId="3637294503" sldId="291"/>
-            <ac:spMk id="27" creationId="{E753775F-5B5C-4440-AA8D-3F95FF49CC9B}"/>
-          </ac:spMkLst>
-        </pc:spChg>
-        <pc:spChg chg="del">
-          <ac:chgData name="김 재현" userId="e331c24078343b94" providerId="LiveId" clId="{19C9B56C-74E6-4678-B583-1EBFD9EC01EA}" dt="2020-03-17T15:38:28.518" v="2234" actId="478"/>
-          <ac:spMkLst>
-            <pc:docMk/>
-            <pc:sldMk cId="3637294503" sldId="291"/>
-            <ac:spMk id="29" creationId="{9BFF9274-C13E-4A11-B3ED-AE629EF4B72B}"/>
-          </ac:spMkLst>
-        </pc:spChg>
-        <pc:spChg chg="del">
-          <ac:chgData name="김 재현" userId="e331c24078343b94" providerId="LiveId" clId="{19C9B56C-74E6-4678-B583-1EBFD9EC01EA}" dt="2020-03-17T15:38:30.289" v="2236" actId="478"/>
-          <ac:spMkLst>
-            <pc:docMk/>
-            <pc:sldMk cId="3637294503" sldId="291"/>
-            <ac:spMk id="30" creationId="{DAEA1A44-399F-4C4E-9F8C-F1F9369F66B3}"/>
-          </ac:spMkLst>
-        </pc:spChg>
-        <pc:spChg chg="del">
-          <ac:chgData name="김 재현" userId="e331c24078343b94" providerId="LiveId" clId="{19C9B56C-74E6-4678-B583-1EBFD9EC01EA}" dt="2020-03-17T15:38:29.319" v="2235" actId="478"/>
-          <ac:spMkLst>
-            <pc:docMk/>
-            <pc:sldMk cId="3637294503" sldId="291"/>
-            <ac:spMk id="31" creationId="{6AA090C9-C970-434E-BA33-A4F818C28344}"/>
-          </ac:spMkLst>
-        </pc:spChg>
-        <pc:cxnChg chg="mod">
-          <ac:chgData name="김 재현" userId="e331c24078343b94" providerId="LiveId" clId="{19C9B56C-74E6-4678-B583-1EBFD9EC01EA}" dt="2020-03-17T15:38:42.577" v="2239" actId="14100"/>
-          <ac:cxnSpMkLst>
-            <pc:docMk/>
-            <pc:sldMk cId="3637294503" sldId="291"/>
-            <ac:cxnSpMk id="22" creationId="{F1C8DBF2-EAD5-4133-9327-ADEE27573C81}"/>
-          </ac:cxnSpMkLst>
-        </pc:cxnChg>
-        <pc:cxnChg chg="mod">
-          <ac:chgData name="김 재현" userId="e331c24078343b94" providerId="LiveId" clId="{19C9B56C-74E6-4678-B583-1EBFD9EC01EA}" dt="2020-03-17T15:38:40.826" v="2238" actId="14100"/>
-          <ac:cxnSpMkLst>
-            <pc:docMk/>
-            <pc:sldMk cId="3637294503" sldId="291"/>
-            <ac:cxnSpMk id="28" creationId="{4CFFD702-771D-465F-94E3-FF272197243E}"/>
-          </ac:cxnSpMkLst>
-        </pc:cxnChg>
-      </pc:sldChg>
-      <pc:sldChg chg="addSp delSp modSp add modNotesTx">
-        <pc:chgData name="김 재현" userId="e331c24078343b94" providerId="LiveId" clId="{19C9B56C-74E6-4678-B583-1EBFD9EC01EA}" dt="2020-03-17T16:00:18.526" v="3510" actId="20577"/>
-        <pc:sldMkLst>
-          <pc:docMk/>
-          <pc:sldMk cId="3208199364" sldId="292"/>
-        </pc:sldMkLst>
-        <pc:spChg chg="add mod">
-          <ac:chgData name="김 재현" userId="e331c24078343b94" providerId="LiveId" clId="{19C9B56C-74E6-4678-B583-1EBFD9EC01EA}" dt="2020-03-17T15:45:45.488" v="2687" actId="1076"/>
-          <ac:spMkLst>
-            <pc:docMk/>
-            <pc:sldMk cId="3208199364" sldId="292"/>
-            <ac:spMk id="2" creationId="{A1797C4B-D1FE-4C16-AB13-301BF94178A9}"/>
-          </ac:spMkLst>
-        </pc:spChg>
-        <pc:spChg chg="add mod">
-          <ac:chgData name="김 재현" userId="e331c24078343b94" providerId="LiveId" clId="{19C9B56C-74E6-4678-B583-1EBFD9EC01EA}" dt="2020-03-17T15:52:07.560" v="2926" actId="1076"/>
-          <ac:spMkLst>
-            <pc:docMk/>
-            <pc:sldMk cId="3208199364" sldId="292"/>
-            <ac:spMk id="3" creationId="{4BC51B91-EBAF-4F04-AB8F-3D46411BD3ED}"/>
-          </ac:spMkLst>
-        </pc:spChg>
-        <pc:spChg chg="del">
-          <ac:chgData name="김 재현" userId="e331c24078343b94" providerId="LiveId" clId="{19C9B56C-74E6-4678-B583-1EBFD9EC01EA}" dt="2020-03-17T15:44:44.081" v="2625" actId="478"/>
-          <ac:spMkLst>
-            <pc:docMk/>
-            <pc:sldMk cId="3208199364" sldId="292"/>
-            <ac:spMk id="20" creationId="{81D02332-7A33-4013-984E-9C814D86C969}"/>
-          </ac:spMkLst>
-        </pc:spChg>
-        <pc:spChg chg="del">
-          <ac:chgData name="김 재현" userId="e331c24078343b94" providerId="LiveId" clId="{19C9B56C-74E6-4678-B583-1EBFD9EC01EA}" dt="2020-03-17T15:44:44.081" v="2625" actId="478"/>
-          <ac:spMkLst>
-            <pc:docMk/>
-            <pc:sldMk cId="3208199364" sldId="292"/>
-            <ac:spMk id="27" creationId="{E753775F-5B5C-4440-AA8D-3F95FF49CC9B}"/>
-          </ac:spMkLst>
-        </pc:spChg>
-        <pc:picChg chg="del">
-          <ac:chgData name="김 재현" userId="e331c24078343b94" providerId="LiveId" clId="{19C9B56C-74E6-4678-B583-1EBFD9EC01EA}" dt="2020-03-17T15:44:44.081" v="2625" actId="478"/>
-          <ac:picMkLst>
-            <pc:docMk/>
-            <pc:sldMk cId="3208199364" sldId="292"/>
-            <ac:picMk id="21" creationId="{BA8E4CD2-35A9-4E76-AAE1-3024FF0685AB}"/>
-          </ac:picMkLst>
-        </pc:picChg>
-        <pc:cxnChg chg="del">
-          <ac:chgData name="김 재현" userId="e331c24078343b94" providerId="LiveId" clId="{19C9B56C-74E6-4678-B583-1EBFD9EC01EA}" dt="2020-03-17T15:44:44.081" v="2625" actId="478"/>
-          <ac:cxnSpMkLst>
-            <pc:docMk/>
-            <pc:sldMk cId="3208199364" sldId="292"/>
-            <ac:cxnSpMk id="22" creationId="{F1C8DBF2-EAD5-4133-9327-ADEE27573C81}"/>
-          </ac:cxnSpMkLst>
-        </pc:cxnChg>
-        <pc:cxnChg chg="del">
-          <ac:chgData name="김 재현" userId="e331c24078343b94" providerId="LiveId" clId="{19C9B56C-74E6-4678-B583-1EBFD9EC01EA}" dt="2020-03-17T15:44:44.081" v="2625" actId="478"/>
-          <ac:cxnSpMkLst>
-            <pc:docMk/>
-            <pc:sldMk cId="3208199364" sldId="292"/>
-            <ac:cxnSpMk id="28" creationId="{4CFFD702-771D-465F-94E3-FF272197243E}"/>
-          </ac:cxnSpMkLst>
-        </pc:cxnChg>
-      </pc:sldChg>
-      <pc:sldChg chg="addSp delSp modSp add modNotesTx">
-        <pc:chgData name="김 재현" userId="e331c24078343b94" providerId="LiveId" clId="{19C9B56C-74E6-4678-B583-1EBFD9EC01EA}" dt="2020-03-17T16:04:11.687" v="3714" actId="1076"/>
-        <pc:sldMkLst>
-          <pc:docMk/>
-          <pc:sldMk cId="2644107556" sldId="293"/>
-        </pc:sldMkLst>
-        <pc:spChg chg="del">
-          <ac:chgData name="김 재현" userId="e331c24078343b94" providerId="LiveId" clId="{19C9B56C-74E6-4678-B583-1EBFD9EC01EA}" dt="2020-03-17T15:52:42.820" v="2931" actId="478"/>
-          <ac:spMkLst>
-            <pc:docMk/>
-            <pc:sldMk cId="2644107556" sldId="293"/>
-            <ac:spMk id="2" creationId="{A1797C4B-D1FE-4C16-AB13-301BF94178A9}"/>
-          </ac:spMkLst>
-        </pc:spChg>
-        <pc:spChg chg="mod">
-          <ac:chgData name="김 재현" userId="e331c24078343b94" providerId="LiveId" clId="{19C9B56C-74E6-4678-B583-1EBFD9EC01EA}" dt="2020-03-17T15:52:58.325" v="2935" actId="1076"/>
-          <ac:spMkLst>
-            <pc:docMk/>
-            <pc:sldMk cId="2644107556" sldId="293"/>
-            <ac:spMk id="3" creationId="{4BC51B91-EBAF-4F04-AB8F-3D46411BD3ED}"/>
-          </ac:spMkLst>
-        </pc:spChg>
-        <pc:picChg chg="add del mod modCrop">
-          <ac:chgData name="김 재현" userId="e331c24078343b94" providerId="LiveId" clId="{19C9B56C-74E6-4678-B583-1EBFD9EC01EA}" dt="2020-03-17T16:02:15.812" v="3576" actId="478"/>
-          <ac:picMkLst>
-            <pc:docMk/>
-            <pc:sldMk cId="2644107556" sldId="293"/>
-            <ac:picMk id="5" creationId="{6E289820-2DCD-49E9-B536-2AA0D5CC1967}"/>
-          </ac:picMkLst>
-        </pc:picChg>
-        <pc:picChg chg="add mod">
-          <ac:chgData name="김 재현" userId="e331c24078343b94" providerId="LiveId" clId="{19C9B56C-74E6-4678-B583-1EBFD9EC01EA}" dt="2020-03-17T16:02:19.287" v="3579" actId="1076"/>
-          <ac:picMkLst>
-            <pc:docMk/>
-            <pc:sldMk cId="2644107556" sldId="293"/>
-            <ac:picMk id="6" creationId="{0FEF612F-4B3B-424B-B252-3617571D7B65}"/>
-          </ac:picMkLst>
-        </pc:picChg>
-        <pc:picChg chg="add mod">
-          <ac:chgData name="김 재현" userId="e331c24078343b94" providerId="LiveId" clId="{19C9B56C-74E6-4678-B583-1EBFD9EC01EA}" dt="2020-03-17T16:03:39.159" v="3705" actId="1076"/>
-          <ac:picMkLst>
-            <pc:docMk/>
-            <pc:sldMk cId="2644107556" sldId="293"/>
-            <ac:picMk id="7" creationId="{8EB6DFA6-7DA5-4BF5-AAA1-93276BE73FBD}"/>
-          </ac:picMkLst>
-        </pc:picChg>
-        <pc:picChg chg="add mod">
-          <ac:chgData name="김 재현" userId="e331c24078343b94" providerId="LiveId" clId="{19C9B56C-74E6-4678-B583-1EBFD9EC01EA}" dt="2020-03-17T16:03:47.567" v="3709" actId="1076"/>
-          <ac:picMkLst>
-            <pc:docMk/>
-            <pc:sldMk cId="2644107556" sldId="293"/>
-            <ac:picMk id="8" creationId="{E1FF36EC-3C3F-4FC0-BCF8-9273A22193AF}"/>
-          </ac:picMkLst>
-        </pc:picChg>
-        <pc:picChg chg="add mod modCrop">
-          <ac:chgData name="김 재현" userId="e331c24078343b94" providerId="LiveId" clId="{19C9B56C-74E6-4678-B583-1EBFD9EC01EA}" dt="2020-03-17T16:04:11.687" v="3714" actId="1076"/>
-          <ac:picMkLst>
-            <pc:docMk/>
-            <pc:sldMk cId="2644107556" sldId="293"/>
-            <ac:picMk id="9" creationId="{0425920C-934F-4FC1-AE3B-C70EE1816AFA}"/>
-          </ac:picMkLst>
-        </pc:picChg>
-      </pc:sldChg>
-      <pc:sldChg chg="addSp delSp modSp add modNotesTx">
-        <pc:chgData name="김 재현" userId="e331c24078343b94" providerId="LiveId" clId="{19C9B56C-74E6-4678-B583-1EBFD9EC01EA}" dt="2020-03-17T16:09:45.697" v="3858" actId="20577"/>
-        <pc:sldMkLst>
-          <pc:docMk/>
-          <pc:sldMk cId="419462434" sldId="294"/>
-        </pc:sldMkLst>
-        <pc:spChg chg="del">
-          <ac:chgData name="김 재현" userId="e331c24078343b94" providerId="LiveId" clId="{19C9B56C-74E6-4678-B583-1EBFD9EC01EA}" dt="2020-03-17T16:04:22.007" v="3719" actId="478"/>
-          <ac:spMkLst>
-            <pc:docMk/>
-            <pc:sldMk cId="419462434" sldId="294"/>
-            <ac:spMk id="2" creationId="{A1797C4B-D1FE-4C16-AB13-301BF94178A9}"/>
-          </ac:spMkLst>
-        </pc:spChg>
-        <pc:spChg chg="mod">
-          <ac:chgData name="김 재현" userId="e331c24078343b94" providerId="LiveId" clId="{19C9B56C-74E6-4678-B583-1EBFD9EC01EA}" dt="2020-03-17T16:04:25.808" v="3720" actId="1076"/>
-          <ac:spMkLst>
-            <pc:docMk/>
-            <pc:sldMk cId="419462434" sldId="294"/>
-            <ac:spMk id="3" creationId="{4BC51B91-EBAF-4F04-AB8F-3D46411BD3ED}"/>
-          </ac:spMkLst>
-        </pc:spChg>
-        <pc:picChg chg="add mod">
-          <ac:chgData name="김 재현" userId="e331c24078343b94" providerId="LiveId" clId="{19C9B56C-74E6-4678-B583-1EBFD9EC01EA}" dt="2020-03-17T16:06:49.634" v="3733" actId="1076"/>
-          <ac:picMkLst>
-            <pc:docMk/>
-            <pc:sldMk cId="419462434" sldId="294"/>
-            <ac:picMk id="5" creationId="{A900C306-AFB7-449F-88D2-1670E0466D02}"/>
-          </ac:picMkLst>
-        </pc:picChg>
-        <pc:picChg chg="add mod modCrop">
-          <ac:chgData name="김 재현" userId="e331c24078343b94" providerId="LiveId" clId="{19C9B56C-74E6-4678-B583-1EBFD9EC01EA}" dt="2020-03-17T16:06:27.807" v="3727" actId="1076"/>
-          <ac:picMkLst>
-            <pc:docMk/>
-            <pc:sldMk cId="419462434" sldId="294"/>
-            <ac:picMk id="6" creationId="{09353660-5D2D-4FAC-8A47-F2BB29B387E7}"/>
-          </ac:picMkLst>
-        </pc:picChg>
-      </pc:sldChg>
-      <pc:sldChg chg="addSp delSp modSp add modNotesTx">
-        <pc:chgData name="김 재현" userId="e331c24078343b94" providerId="LiveId" clId="{19C9B56C-74E6-4678-B583-1EBFD9EC01EA}" dt="2020-03-17T16:10:24.323" v="4010" actId="20577"/>
-        <pc:sldMkLst>
-          <pc:docMk/>
-          <pc:sldMk cId="3538734000" sldId="295"/>
-        </pc:sldMkLst>
-        <pc:spChg chg="del">
-          <ac:chgData name="김 재현" userId="e331c24078343b94" providerId="LiveId" clId="{19C9B56C-74E6-4678-B583-1EBFD9EC01EA}" dt="2020-03-17T16:07:06.245" v="3736" actId="478"/>
-          <ac:spMkLst>
-            <pc:docMk/>
-            <pc:sldMk cId="3538734000" sldId="295"/>
-            <ac:spMk id="2" creationId="{A1797C4B-D1FE-4C16-AB13-301BF94178A9}"/>
-          </ac:spMkLst>
-        </pc:spChg>
-        <pc:spChg chg="mod">
-          <ac:chgData name="김 재현" userId="e331c24078343b94" providerId="LiveId" clId="{19C9B56C-74E6-4678-B583-1EBFD9EC01EA}" dt="2020-03-17T16:07:12.504" v="3739" actId="14100"/>
-          <ac:spMkLst>
-            <pc:docMk/>
-            <pc:sldMk cId="3538734000" sldId="295"/>
-            <ac:spMk id="3" creationId="{4BC51B91-EBAF-4F04-AB8F-3D46411BD3ED}"/>
-          </ac:spMkLst>
-        </pc:spChg>
-        <pc:picChg chg="add mod">
-          <ac:chgData name="김 재현" userId="e331c24078343b94" providerId="LiveId" clId="{19C9B56C-74E6-4678-B583-1EBFD9EC01EA}" dt="2020-03-17T16:08:34.415" v="3742" actId="1076"/>
-          <ac:picMkLst>
-            <pc:docMk/>
-            <pc:sldMk cId="3538734000" sldId="295"/>
-            <ac:picMk id="5" creationId="{6BB6F7C4-9AFD-41FE-B506-44910A62CF12}"/>
-          </ac:picMkLst>
-        </pc:picChg>
-        <pc:picChg chg="add mod">
-          <ac:chgData name="김 재현" userId="e331c24078343b94" providerId="LiveId" clId="{19C9B56C-74E6-4678-B583-1EBFD9EC01EA}" dt="2020-03-17T16:08:48.111" v="3745" actId="14100"/>
-          <ac:picMkLst>
-            <pc:docMk/>
-            <pc:sldMk cId="3538734000" sldId="295"/>
-            <ac:picMk id="6" creationId="{741E4601-FA31-4E3E-8543-D842D07F6742}"/>
-          </ac:picMkLst>
-        </pc:picChg>
-      </pc:sldChg>
-      <pc:sldChg chg="addSp delSp modSp add modNotesTx">
-        <pc:chgData name="김 재현" userId="e331c24078343b94" providerId="LiveId" clId="{19C9B56C-74E6-4678-B583-1EBFD9EC01EA}" dt="2020-03-19T13:07:28.875" v="10053" actId="255"/>
-        <pc:sldMkLst>
-          <pc:docMk/>
-          <pc:sldMk cId="1975835853" sldId="296"/>
-        </pc:sldMkLst>
-        <pc:spChg chg="add mod">
-          <ac:chgData name="김 재현" userId="e331c24078343b94" providerId="LiveId" clId="{19C9B56C-74E6-4678-B583-1EBFD9EC01EA}" dt="2020-03-19T13:07:28.875" v="10053" actId="255"/>
-          <ac:spMkLst>
-            <pc:docMk/>
-            <pc:sldMk cId="1975835853" sldId="296"/>
-            <ac:spMk id="2" creationId="{243E1373-DCDE-42EA-B4E6-CEDFD82676E7}"/>
-          </ac:spMkLst>
-        </pc:spChg>
-        <pc:spChg chg="del">
-          <ac:chgData name="김 재현" userId="e331c24078343b94" providerId="LiveId" clId="{19C9B56C-74E6-4678-B583-1EBFD9EC01EA}" dt="2020-03-17T16:11:43.672" v="4012" actId="478"/>
-          <ac:spMkLst>
-            <pc:docMk/>
-            <pc:sldMk cId="1975835853" sldId="296"/>
-            <ac:spMk id="5" creationId="{6685E845-6D86-4F91-A572-B6397EFAE014}"/>
-          </ac:spMkLst>
-        </pc:spChg>
-        <pc:spChg chg="del">
-          <ac:chgData name="김 재현" userId="e331c24078343b94" providerId="LiveId" clId="{19C9B56C-74E6-4678-B583-1EBFD9EC01EA}" dt="2020-03-17T16:11:43.672" v="4012" actId="478"/>
-          <ac:spMkLst>
-            <pc:docMk/>
-            <pc:sldMk cId="1975835853" sldId="296"/>
-            <ac:spMk id="19" creationId="{F3DD76FB-EABD-4D35-A04F-233C454D3994}"/>
-          </ac:spMkLst>
-        </pc:spChg>
-        <pc:spChg chg="del">
-          <ac:chgData name="김 재현" userId="e331c24078343b94" providerId="LiveId" clId="{19C9B56C-74E6-4678-B583-1EBFD9EC01EA}" dt="2020-03-17T16:11:43.672" v="4012" actId="478"/>
-          <ac:spMkLst>
-            <pc:docMk/>
-            <pc:sldMk cId="1975835853" sldId="296"/>
-            <ac:spMk id="28" creationId="{1FDF55E8-20BF-4898-AB45-AE16437DC077}"/>
-          </ac:spMkLst>
-        </pc:spChg>
-        <pc:picChg chg="del">
-          <ac:chgData name="김 재현" userId="e331c24078343b94" providerId="LiveId" clId="{19C9B56C-74E6-4678-B583-1EBFD9EC01EA}" dt="2020-03-17T16:11:45.561" v="4013" actId="478"/>
-          <ac:picMkLst>
-            <pc:docMk/>
-            <pc:sldMk cId="1975835853" sldId="296"/>
-            <ac:picMk id="21" creationId="{BA8E4CD2-35A9-4E76-AAE1-3024FF0685AB}"/>
-          </ac:picMkLst>
-        </pc:picChg>
-        <pc:cxnChg chg="del mod">
-          <ac:chgData name="김 재현" userId="e331c24078343b94" providerId="LiveId" clId="{19C9B56C-74E6-4678-B583-1EBFD9EC01EA}" dt="2020-03-17T16:11:43.672" v="4012" actId="478"/>
-          <ac:cxnSpMkLst>
-            <pc:docMk/>
-            <pc:sldMk cId="1975835853" sldId="296"/>
-            <ac:cxnSpMk id="18" creationId="{89C848C6-6FDC-4D22-8AC0-8053449136C2}"/>
-          </ac:cxnSpMkLst>
-        </pc:cxnChg>
-      </pc:sldChg>
-      <pc:sldChg chg="add del">
-        <pc:chgData name="김 재현" userId="e331c24078343b94" providerId="LiveId" clId="{19C9B56C-74E6-4678-B583-1EBFD9EC01EA}" dt="2020-03-18T16:50:33.206" v="5669" actId="2696"/>
-        <pc:sldMkLst>
-          <pc:docMk/>
-          <pc:sldMk cId="3234239337" sldId="297"/>
-        </pc:sldMkLst>
-      </pc:sldChg>
-      <pc:sldChg chg="add del">
-        <pc:chgData name="김 재현" userId="e331c24078343b94" providerId="LiveId" clId="{19C9B56C-74E6-4678-B583-1EBFD9EC01EA}" dt="2020-03-18T16:50:36.101" v="5672" actId="2696"/>
-        <pc:sldMkLst>
-          <pc:docMk/>
-          <pc:sldMk cId="249392051" sldId="298"/>
-        </pc:sldMkLst>
-      </pc:sldChg>
-      <pc:sldChg chg="add del">
-        <pc:chgData name="김 재현" userId="e331c24078343b94" providerId="LiveId" clId="{19C9B56C-74E6-4678-B583-1EBFD9EC01EA}" dt="2020-03-18T16:50:34.521" v="5670" actId="2696"/>
-        <pc:sldMkLst>
-          <pc:docMk/>
-          <pc:sldMk cId="126705818" sldId="299"/>
-        </pc:sldMkLst>
-      </pc:sldChg>
-      <pc:sldChg chg="add del">
-        <pc:chgData name="김 재현" userId="e331c24078343b94" providerId="LiveId" clId="{19C9B56C-74E6-4678-B583-1EBFD9EC01EA}" dt="2020-03-18T16:50:35.478" v="5671" actId="2696"/>
-        <pc:sldMkLst>
-          <pc:docMk/>
-          <pc:sldMk cId="1747347166" sldId="300"/>
-        </pc:sldMkLst>
-      </pc:sldChg>
-      <pc:sldChg chg="addSp delSp modSp add modNotesTx">
-        <pc:chgData name="김 재현" userId="e331c24078343b94" providerId="LiveId" clId="{19C9B56C-74E6-4678-B583-1EBFD9EC01EA}" dt="2020-03-18T17:22:32.001" v="6705" actId="1076"/>
-        <pc:sldMkLst>
-          <pc:docMk/>
-          <pc:sldMk cId="270533716" sldId="301"/>
-        </pc:sldMkLst>
-        <pc:spChg chg="mod">
-          <ac:chgData name="김 재현" userId="e331c24078343b94" providerId="LiveId" clId="{19C9B56C-74E6-4678-B583-1EBFD9EC01EA}" dt="2020-03-18T17:22:32.001" v="6705" actId="1076"/>
-          <ac:spMkLst>
-            <pc:docMk/>
-            <pc:sldMk cId="270533716" sldId="301"/>
-            <ac:spMk id="2" creationId="{17627198-7BA4-4049-8F8A-321825339A26}"/>
-          </ac:spMkLst>
-        </pc:spChg>
-        <pc:spChg chg="add del mod">
-          <ac:chgData name="김 재현" userId="e331c24078343b94" providerId="LiveId" clId="{19C9B56C-74E6-4678-B583-1EBFD9EC01EA}" dt="2020-03-18T17:22:32.001" v="6705" actId="1076"/>
-          <ac:spMkLst>
-            <pc:docMk/>
-            <pc:sldMk cId="270533716" sldId="301"/>
-            <ac:spMk id="7" creationId="{251CA5DB-B6B2-48B0-8E6E-CC842C7CB6BF}"/>
-          </ac:spMkLst>
-        </pc:spChg>
-        <pc:picChg chg="mod">
-          <ac:chgData name="김 재현" userId="e331c24078343b94" providerId="LiveId" clId="{19C9B56C-74E6-4678-B583-1EBFD9EC01EA}" dt="2020-03-18T17:20:29.385" v="6656" actId="1076"/>
-          <ac:picMkLst>
-            <pc:docMk/>
-            <pc:sldMk cId="270533716" sldId="301"/>
-            <ac:picMk id="3" creationId="{4D50163F-BACF-42DB-9689-480AAEAB320B}"/>
-          </ac:picMkLst>
-        </pc:picChg>
-        <pc:picChg chg="mod">
-          <ac:chgData name="김 재현" userId="e331c24078343b94" providerId="LiveId" clId="{19C9B56C-74E6-4678-B583-1EBFD9EC01EA}" dt="2020-03-18T17:20:28.329" v="6655" actId="1076"/>
-          <ac:picMkLst>
-            <pc:docMk/>
-            <pc:sldMk cId="270533716" sldId="301"/>
-            <ac:picMk id="5" creationId="{D7F6EF17-E8F0-4A96-992F-9FCC6EAD4EA1}"/>
-          </ac:picMkLst>
-        </pc:picChg>
-        <pc:picChg chg="add del">
-          <ac:chgData name="김 재현" userId="e331c24078343b94" providerId="LiveId" clId="{19C9B56C-74E6-4678-B583-1EBFD9EC01EA}" dt="2020-03-18T16:50:14.600" v="5666"/>
-          <ac:picMkLst>
-            <pc:docMk/>
-            <pc:sldMk cId="270533716" sldId="301"/>
-            <ac:picMk id="6" creationId="{9D455AF6-3AA7-4DD4-9929-CA63187B8E7E}"/>
-          </ac:picMkLst>
-        </pc:picChg>
-      </pc:sldChg>
-      <pc:sldChg chg="addSp modSp add modNotesTx">
-        <pc:chgData name="김 재현" userId="e331c24078343b94" providerId="LiveId" clId="{19C9B56C-74E6-4678-B583-1EBFD9EC01EA}" dt="2020-03-18T17:22:44.361" v="6706" actId="1076"/>
-        <pc:sldMkLst>
-          <pc:docMk/>
-          <pc:sldMk cId="557777666" sldId="302"/>
-        </pc:sldMkLst>
-        <pc:spChg chg="mod">
-          <ac:chgData name="김 재현" userId="e331c24078343b94" providerId="LiveId" clId="{19C9B56C-74E6-4678-B583-1EBFD9EC01EA}" dt="2020-03-18T17:22:44.361" v="6706" actId="1076"/>
-          <ac:spMkLst>
-            <pc:docMk/>
-            <pc:sldMk cId="557777666" sldId="302"/>
-            <ac:spMk id="2" creationId="{17627198-7BA4-4049-8F8A-321825339A26}"/>
-          </ac:spMkLst>
-        </pc:spChg>
-        <pc:spChg chg="add mod">
-          <ac:chgData name="김 재현" userId="e331c24078343b94" providerId="LiveId" clId="{19C9B56C-74E6-4678-B583-1EBFD9EC01EA}" dt="2020-03-18T17:22:44.361" v="6706" actId="1076"/>
-          <ac:spMkLst>
-            <pc:docMk/>
-            <pc:sldMk cId="557777666" sldId="302"/>
-            <ac:spMk id="6" creationId="{81A8DC94-4F28-4B15-8466-40A8DDB94BA4}"/>
-          </ac:spMkLst>
-        </pc:spChg>
-        <pc:picChg chg="mod">
-          <ac:chgData name="김 재현" userId="e331c24078343b94" providerId="LiveId" clId="{19C9B56C-74E6-4678-B583-1EBFD9EC01EA}" dt="2020-03-18T16:52:06.411" v="5800" actId="14826"/>
-          <ac:picMkLst>
-            <pc:docMk/>
-            <pc:sldMk cId="557777666" sldId="302"/>
-            <ac:picMk id="3" creationId="{4D50163F-BACF-42DB-9689-480AAEAB320B}"/>
-          </ac:picMkLst>
-        </pc:picChg>
-        <pc:picChg chg="mod">
-          <ac:chgData name="김 재현" userId="e331c24078343b94" providerId="LiveId" clId="{19C9B56C-74E6-4678-B583-1EBFD9EC01EA}" dt="2020-03-18T16:52:15.544" v="5801" actId="14826"/>
-          <ac:picMkLst>
-            <pc:docMk/>
-            <pc:sldMk cId="557777666" sldId="302"/>
-            <ac:picMk id="5" creationId="{D7F6EF17-E8F0-4A96-992F-9FCC6EAD4EA1}"/>
-          </ac:picMkLst>
-        </pc:picChg>
-      </pc:sldChg>
-      <pc:sldChg chg="addSp modSp add modNotesTx">
-        <pc:chgData name="김 재현" userId="e331c24078343b94" providerId="LiveId" clId="{19C9B56C-74E6-4678-B583-1EBFD9EC01EA}" dt="2020-03-18T17:23:08.943" v="6712" actId="1076"/>
-        <pc:sldMkLst>
-          <pc:docMk/>
-          <pc:sldMk cId="624117837" sldId="303"/>
-        </pc:sldMkLst>
-        <pc:spChg chg="mod">
-          <ac:chgData name="김 재현" userId="e331c24078343b94" providerId="LiveId" clId="{19C9B56C-74E6-4678-B583-1EBFD9EC01EA}" dt="2020-03-18T17:23:08.943" v="6712" actId="1076"/>
-          <ac:spMkLst>
-            <pc:docMk/>
-            <pc:sldMk cId="624117837" sldId="303"/>
-            <ac:spMk id="2" creationId="{17627198-7BA4-4049-8F8A-321825339A26}"/>
-          </ac:spMkLst>
-        </pc:spChg>
-        <pc:spChg chg="add mod">
-          <ac:chgData name="김 재현" userId="e331c24078343b94" providerId="LiveId" clId="{19C9B56C-74E6-4678-B583-1EBFD9EC01EA}" dt="2020-03-18T17:23:04.977" v="6711" actId="1076"/>
-          <ac:spMkLst>
-            <pc:docMk/>
-            <pc:sldMk cId="624117837" sldId="303"/>
-            <ac:spMk id="18" creationId="{B191A7DB-FA75-4B11-AA8D-37FC12283E1D}"/>
-          </ac:spMkLst>
-        </pc:spChg>
-        <pc:picChg chg="mod">
-          <ac:chgData name="김 재현" userId="e331c24078343b94" providerId="LiveId" clId="{19C9B56C-74E6-4678-B583-1EBFD9EC01EA}" dt="2020-03-18T17:22:54.328" v="6707" actId="1076"/>
-          <ac:picMkLst>
-            <pc:docMk/>
-            <pc:sldMk cId="624117837" sldId="303"/>
-            <ac:picMk id="3" creationId="{4D50163F-BACF-42DB-9689-480AAEAB320B}"/>
-          </ac:picMkLst>
-        </pc:picChg>
-        <pc:picChg chg="mod modCrop">
-          <ac:chgData name="김 재현" userId="e331c24078343b94" providerId="LiveId" clId="{19C9B56C-74E6-4678-B583-1EBFD9EC01EA}" dt="2020-03-18T17:23:02.728" v="6710" actId="1076"/>
-          <ac:picMkLst>
-            <pc:docMk/>
-            <pc:sldMk cId="624117837" sldId="303"/>
-            <ac:picMk id="5" creationId="{D7F6EF17-E8F0-4A96-992F-9FCC6EAD4EA1}"/>
-          </ac:picMkLst>
-        </pc:picChg>
-      </pc:sldChg>
-      <pc:sldChg chg="addSp delSp modSp add modNotesTx">
-        <pc:chgData name="김 재현" userId="e331c24078343b94" providerId="LiveId" clId="{19C9B56C-74E6-4678-B583-1EBFD9EC01EA}" dt="2020-03-18T17:21:45.323" v="6698" actId="1076"/>
-        <pc:sldMkLst>
-          <pc:docMk/>
-          <pc:sldMk cId="698444660" sldId="304"/>
-        </pc:sldMkLst>
-        <pc:spChg chg="mod">
-          <ac:chgData name="김 재현" userId="e331c24078343b94" providerId="LiveId" clId="{19C9B56C-74E6-4678-B583-1EBFD9EC01EA}" dt="2020-03-18T16:56:39.266" v="5938" actId="1076"/>
-          <ac:spMkLst>
-            <pc:docMk/>
-            <pc:sldMk cId="698444660" sldId="304"/>
-            <ac:spMk id="2" creationId="{17627198-7BA4-4049-8F8A-321825339A26}"/>
-          </ac:spMkLst>
-        </pc:spChg>
-        <pc:spChg chg="add del mod">
-          <ac:chgData name="김 재현" userId="e331c24078343b94" providerId="LiveId" clId="{19C9B56C-74E6-4678-B583-1EBFD9EC01EA}" dt="2020-03-18T17:02:41.042" v="6164" actId="1076"/>
-          <ac:spMkLst>
-            <pc:docMk/>
-            <pc:sldMk cId="698444660" sldId="304"/>
-            <ac:spMk id="7" creationId="{71E28C23-060C-48F1-91A6-21C81B00FC64}"/>
-          </ac:spMkLst>
-        </pc:spChg>
-        <pc:picChg chg="mod">
-          <ac:chgData name="김 재현" userId="e331c24078343b94" providerId="LiveId" clId="{19C9B56C-74E6-4678-B583-1EBFD9EC01EA}" dt="2020-03-18T17:01:44.472" v="6136" actId="1076"/>
-          <ac:picMkLst>
-            <pc:docMk/>
-            <pc:sldMk cId="698444660" sldId="304"/>
-            <ac:picMk id="3" creationId="{4D50163F-BACF-42DB-9689-480AAEAB320B}"/>
-          </ac:picMkLst>
-        </pc:picChg>
-        <pc:picChg chg="mod ord">
-          <ac:chgData name="김 재현" userId="e331c24078343b94" providerId="LiveId" clId="{19C9B56C-74E6-4678-B583-1EBFD9EC01EA}" dt="2020-03-18T17:02:58.130" v="6168" actId="1076"/>
-          <ac:picMkLst>
-            <pc:docMk/>
-            <pc:sldMk cId="698444660" sldId="304"/>
-            <ac:picMk id="5" creationId="{D7F6EF17-E8F0-4A96-992F-9FCC6EAD4EA1}"/>
-          </ac:picMkLst>
-        </pc:picChg>
-        <pc:picChg chg="add mod">
-          <ac:chgData name="김 재현" userId="e331c24078343b94" providerId="LiveId" clId="{19C9B56C-74E6-4678-B583-1EBFD9EC01EA}" dt="2020-03-18T17:21:45.323" v="6698" actId="1076"/>
-          <ac:picMkLst>
-            <pc:docMk/>
-            <pc:sldMk cId="698444660" sldId="304"/>
-            <ac:picMk id="6" creationId="{93F6A373-8EBF-42FD-B8BB-AD43312ED28F}"/>
-          </ac:picMkLst>
-        </pc:picChg>
-      </pc:sldChg>
-      <pc:sldChg chg="modSp add modNotesTx">
-        <pc:chgData name="김 재현" userId="e331c24078343b94" providerId="LiveId" clId="{19C9B56C-74E6-4678-B583-1EBFD9EC01EA}" dt="2020-03-18T17:21:48.408" v="6699" actId="1076"/>
-        <pc:sldMkLst>
-          <pc:docMk/>
-          <pc:sldMk cId="2587317154" sldId="305"/>
-        </pc:sldMkLst>
-        <pc:spChg chg="mod">
-          <ac:chgData name="김 재현" userId="e331c24078343b94" providerId="LiveId" clId="{19C9B56C-74E6-4678-B583-1EBFD9EC01EA}" dt="2020-03-18T17:04:24.740" v="6175"/>
-          <ac:spMkLst>
-            <pc:docMk/>
-            <pc:sldMk cId="2587317154" sldId="305"/>
-            <ac:spMk id="2" creationId="{17627198-7BA4-4049-8F8A-321825339A26}"/>
-          </ac:spMkLst>
-        </pc:spChg>
-        <pc:spChg chg="mod">
-          <ac:chgData name="김 재현" userId="e331c24078343b94" providerId="LiveId" clId="{19C9B56C-74E6-4678-B583-1EBFD9EC01EA}" dt="2020-03-18T17:05:29.794" v="6196"/>
-          <ac:spMkLst>
-            <pc:docMk/>
-            <pc:sldMk cId="2587317154" sldId="305"/>
-            <ac:spMk id="7" creationId="{71E28C23-060C-48F1-91A6-21C81B00FC64}"/>
-          </ac:spMkLst>
-        </pc:spChg>
-        <pc:picChg chg="mod">
-          <ac:chgData name="김 재현" userId="e331c24078343b94" providerId="LiveId" clId="{19C9B56C-74E6-4678-B583-1EBFD9EC01EA}" dt="2020-03-18T17:04:50.243" v="6180" actId="14826"/>
-          <ac:picMkLst>
-            <pc:docMk/>
-            <pc:sldMk cId="2587317154" sldId="305"/>
-            <ac:picMk id="3" creationId="{4D50163F-BACF-42DB-9689-480AAEAB320B}"/>
-          </ac:picMkLst>
-        </pc:picChg>
-        <pc:picChg chg="mod">
-          <ac:chgData name="김 재현" userId="e331c24078343b94" providerId="LiveId" clId="{19C9B56C-74E6-4678-B583-1EBFD9EC01EA}" dt="2020-03-18T17:05:16.364" v="6182" actId="14826"/>
-          <ac:picMkLst>
-            <pc:docMk/>
-            <pc:sldMk cId="2587317154" sldId="305"/>
-            <ac:picMk id="5" creationId="{D7F6EF17-E8F0-4A96-992F-9FCC6EAD4EA1}"/>
-          </ac:picMkLst>
-        </pc:picChg>
-        <pc:picChg chg="mod">
-          <ac:chgData name="김 재현" userId="e331c24078343b94" providerId="LiveId" clId="{19C9B56C-74E6-4678-B583-1EBFD9EC01EA}" dt="2020-03-18T17:21:48.408" v="6699" actId="1076"/>
-          <ac:picMkLst>
-            <pc:docMk/>
-            <pc:sldMk cId="2587317154" sldId="305"/>
-            <ac:picMk id="6" creationId="{93F6A373-8EBF-42FD-B8BB-AD43312ED28F}"/>
-          </ac:picMkLst>
-        </pc:picChg>
-      </pc:sldChg>
-      <pc:sldChg chg="addSp delSp modSp add delAnim modAnim modNotesTx">
-        <pc:chgData name="김 재현" userId="e331c24078343b94" providerId="LiveId" clId="{19C9B56C-74E6-4678-B583-1EBFD9EC01EA}" dt="2020-03-18T17:17:15.386" v="6525" actId="20577"/>
-        <pc:sldMkLst>
-          <pc:docMk/>
-          <pc:sldMk cId="1836632089" sldId="306"/>
-        </pc:sldMkLst>
-        <pc:spChg chg="mod">
-          <ac:chgData name="김 재현" userId="e331c24078343b94" providerId="LiveId" clId="{19C9B56C-74E6-4678-B583-1EBFD9EC01EA}" dt="2020-03-18T17:06:18.738" v="6226" actId="1076"/>
-          <ac:spMkLst>
-            <pc:docMk/>
-            <pc:sldMk cId="1836632089" sldId="306"/>
-            <ac:spMk id="2" creationId="{17627198-7BA4-4049-8F8A-321825339A26}"/>
-          </ac:spMkLst>
-        </pc:spChg>
-        <pc:spChg chg="add mod">
-          <ac:chgData name="김 재현" userId="e331c24078343b94" providerId="LiveId" clId="{19C9B56C-74E6-4678-B583-1EBFD9EC01EA}" dt="2020-03-18T17:15:31.354" v="6458" actId="1076"/>
-          <ac:spMkLst>
-            <pc:docMk/>
-            <pc:sldMk cId="1836632089" sldId="306"/>
-            <ac:spMk id="6" creationId="{B00B2C36-00C4-4142-8128-CF5584C2DFBD}"/>
-          </ac:spMkLst>
-        </pc:spChg>
-        <pc:spChg chg="add del">
-          <ac:chgData name="김 재현" userId="e331c24078343b94" providerId="LiveId" clId="{19C9B56C-74E6-4678-B583-1EBFD9EC01EA}" dt="2020-03-18T17:07:18.700" v="6245" actId="478"/>
-          <ac:spMkLst>
-            <pc:docMk/>
-            <pc:sldMk cId="1836632089" sldId="306"/>
-            <ac:spMk id="7" creationId="{F4E4FFA0-EBD4-4672-8FA5-1444E3052971}"/>
-          </ac:spMkLst>
-        </pc:spChg>
-        <pc:spChg chg="add mod">
-          <ac:chgData name="김 재현" userId="e331c24078343b94" providerId="LiveId" clId="{19C9B56C-74E6-4678-B583-1EBFD9EC01EA}" dt="2020-03-18T17:17:15.386" v="6525" actId="20577"/>
-          <ac:spMkLst>
-            <pc:docMk/>
-            <pc:sldMk cId="1836632089" sldId="306"/>
-            <ac:spMk id="9" creationId="{2A350382-5B4E-4D93-B5F2-2E60D71AFC61}"/>
-          </ac:spMkLst>
-        </pc:spChg>
-        <pc:spChg chg="add mod">
-          <ac:chgData name="김 재현" userId="e331c24078343b94" providerId="LiveId" clId="{19C9B56C-74E6-4678-B583-1EBFD9EC01EA}" dt="2020-03-18T17:15:34.665" v="6459" actId="1076"/>
-          <ac:spMkLst>
-            <pc:docMk/>
-            <pc:sldMk cId="1836632089" sldId="306"/>
-            <ac:spMk id="18" creationId="{C4E11F33-4E56-4FE5-8B69-3A66A64C6DED}"/>
-          </ac:spMkLst>
-        </pc:spChg>
-        <pc:picChg chg="del">
-          <ac:chgData name="김 재현" userId="e331c24078343b94" providerId="LiveId" clId="{19C9B56C-74E6-4678-B583-1EBFD9EC01EA}" dt="2020-03-18T17:07:01.658" v="6230" actId="478"/>
-          <ac:picMkLst>
-            <pc:docMk/>
-            <pc:sldMk cId="1836632089" sldId="306"/>
-            <ac:picMk id="3" creationId="{4D50163F-BACF-42DB-9689-480AAEAB320B}"/>
-          </ac:picMkLst>
-        </pc:picChg>
-        <pc:picChg chg="del">
-          <ac:chgData name="김 재현" userId="e331c24078343b94" providerId="LiveId" clId="{19C9B56C-74E6-4678-B583-1EBFD9EC01EA}" dt="2020-03-18T17:07:02.060" v="6231" actId="478"/>
-          <ac:picMkLst>
-            <pc:docMk/>
-            <pc:sldMk cId="1836632089" sldId="306"/>
-            <ac:picMk id="5" creationId="{D7F6EF17-E8F0-4A96-992F-9FCC6EAD4EA1}"/>
-          </ac:picMkLst>
-        </pc:picChg>
-        <pc:picChg chg="add mod">
-          <ac:chgData name="김 재현" userId="e331c24078343b94" providerId="LiveId" clId="{19C9B56C-74E6-4678-B583-1EBFD9EC01EA}" dt="2020-03-18T17:15:38.969" v="6462" actId="1076"/>
-          <ac:picMkLst>
-            <pc:docMk/>
-            <pc:sldMk cId="1836632089" sldId="306"/>
-            <ac:picMk id="8" creationId="{4415BB22-5F9E-4608-9622-DCFE071356AC}"/>
-          </ac:picMkLst>
-        </pc:picChg>
-      </pc:sldChg>
-      <pc:sldChg chg="addSp delSp modSp add modAnim modNotesTx">
-        <pc:chgData name="김 재현" userId="e331c24078343b94" providerId="LiveId" clId="{19C9B56C-74E6-4678-B583-1EBFD9EC01EA}" dt="2020-03-19T13:14:45.232" v="10393" actId="1076"/>
-        <pc:sldMkLst>
-          <pc:docMk/>
-          <pc:sldMk cId="2586186972" sldId="307"/>
-        </pc:sldMkLst>
-        <pc:spChg chg="mod">
-          <ac:chgData name="김 재현" userId="e331c24078343b94" providerId="LiveId" clId="{19C9B56C-74E6-4678-B583-1EBFD9EC01EA}" dt="2020-03-18T17:09:18.321" v="6407" actId="1076"/>
-          <ac:spMkLst>
-            <pc:docMk/>
-            <pc:sldMk cId="2586186972" sldId="307"/>
-            <ac:spMk id="2" creationId="{17627198-7BA4-4049-8F8A-321825339A26}"/>
-          </ac:spMkLst>
-        </pc:spChg>
-        <pc:spChg chg="del">
-          <ac:chgData name="김 재현" userId="e331c24078343b94" providerId="LiveId" clId="{19C9B56C-74E6-4678-B583-1EBFD9EC01EA}" dt="2020-03-18T17:14:24.980" v="6414" actId="478"/>
-          <ac:spMkLst>
-            <pc:docMk/>
-            <pc:sldMk cId="2586186972" sldId="307"/>
-            <ac:spMk id="7" creationId="{71E28C23-060C-48F1-91A6-21C81B00FC64}"/>
-          </ac:spMkLst>
-        </pc:spChg>
-        <pc:picChg chg="add del mod">
-          <ac:chgData name="김 재현" userId="e331c24078343b94" providerId="LiveId" clId="{19C9B56C-74E6-4678-B583-1EBFD9EC01EA}" dt="2020-03-19T13:14:45.232" v="10393" actId="1076"/>
-          <ac:picMkLst>
-            <pc:docMk/>
-            <pc:sldMk cId="2586186972" sldId="307"/>
-            <ac:picMk id="3" creationId="{4D50163F-BACF-42DB-9689-480AAEAB320B}"/>
-          </ac:picMkLst>
-        </pc:picChg>
-        <pc:picChg chg="del">
-          <ac:chgData name="김 재현" userId="e331c24078343b94" providerId="LiveId" clId="{19C9B56C-74E6-4678-B583-1EBFD9EC01EA}" dt="2020-03-18T17:14:25.471" v="6415" actId="478"/>
-          <ac:picMkLst>
-            <pc:docMk/>
-            <pc:sldMk cId="2586186972" sldId="307"/>
-            <ac:picMk id="5" creationId="{D7F6EF17-E8F0-4A96-992F-9FCC6EAD4EA1}"/>
-          </ac:picMkLst>
-        </pc:picChg>
-        <pc:picChg chg="del">
-          <ac:chgData name="김 재현" userId="e331c24078343b94" providerId="LiveId" clId="{19C9B56C-74E6-4678-B583-1EBFD9EC01EA}" dt="2020-03-18T17:14:24.128" v="6413" actId="478"/>
-          <ac:picMkLst>
-            <pc:docMk/>
-            <pc:sldMk cId="2586186972" sldId="307"/>
-            <ac:picMk id="6" creationId="{93F6A373-8EBF-42FD-B8BB-AD43312ED28F}"/>
-          </ac:picMkLst>
-        </pc:picChg>
-      </pc:sldChg>
-      <pc:sldChg chg="modSp add del">
-        <pc:chgData name="김 재현" userId="e331c24078343b94" providerId="LiveId" clId="{19C9B56C-74E6-4678-B583-1EBFD9EC01EA}" dt="2020-03-18T17:18:18.226" v="6563" actId="2696"/>
-        <pc:sldMkLst>
-          <pc:docMk/>
-          <pc:sldMk cId="48828937" sldId="308"/>
-        </pc:sldMkLst>
-        <pc:spChg chg="mod">
-          <ac:chgData name="김 재현" userId="e331c24078343b94" providerId="LiveId" clId="{19C9B56C-74E6-4678-B583-1EBFD9EC01EA}" dt="2020-03-18T17:17:54.409" v="6562" actId="1076"/>
-          <ac:spMkLst>
-            <pc:docMk/>
-            <pc:sldMk cId="48828937" sldId="308"/>
-            <ac:spMk id="2" creationId="{17627198-7BA4-4049-8F8A-321825339A26}"/>
-          </ac:spMkLst>
-        </pc:spChg>
-      </pc:sldChg>
-      <pc:sldChg chg="addSp modSp add">
-        <pc:chgData name="김 재현" userId="e331c24078343b94" providerId="LiveId" clId="{19C9B56C-74E6-4678-B583-1EBFD9EC01EA}" dt="2020-03-22T09:52:48.943" v="18489"/>
-        <pc:sldMkLst>
-          <pc:docMk/>
-          <pc:sldMk cId="2071565347" sldId="308"/>
-        </pc:sldMkLst>
-        <pc:spChg chg="add mod">
-          <ac:chgData name="김 재현" userId="e331c24078343b94" providerId="LiveId" clId="{19C9B56C-74E6-4678-B583-1EBFD9EC01EA}" dt="2020-03-19T11:50:59.062" v="8943" actId="1076"/>
-          <ac:spMkLst>
-            <pc:docMk/>
-            <pc:sldMk cId="2071565347" sldId="308"/>
-            <ac:spMk id="2" creationId="{597D1DA3-B7F4-4E28-B148-82B1FFC1342D}"/>
-          </ac:spMkLst>
-        </pc:spChg>
-        <pc:spChg chg="add mod">
-          <ac:chgData name="김 재현" userId="e331c24078343b94" providerId="LiveId" clId="{19C9B56C-74E6-4678-B583-1EBFD9EC01EA}" dt="2020-03-19T11:50:30.550" v="8937" actId="1076"/>
-          <ac:spMkLst>
-            <pc:docMk/>
-            <pc:sldMk cId="2071565347" sldId="308"/>
-            <ac:spMk id="3" creationId="{EAD1D2BF-B74C-4D29-935A-28262124FACB}"/>
-          </ac:spMkLst>
-        </pc:spChg>
-        <pc:spChg chg="mod">
-          <ac:chgData name="김 재현" userId="e331c24078343b94" providerId="LiveId" clId="{19C9B56C-74E6-4678-B583-1EBFD9EC01EA}" dt="2020-03-22T09:52:48.943" v="18489"/>
-          <ac:spMkLst>
-            <pc:docMk/>
-            <pc:sldMk cId="2071565347" sldId="308"/>
-            <ac:spMk id="4" creationId="{00000000-0000-0000-0000-000000000000}"/>
-          </ac:spMkLst>
-        </pc:spChg>
-        <pc:spChg chg="add mod">
-          <ac:chgData name="김 재현" userId="e331c24078343b94" providerId="LiveId" clId="{19C9B56C-74E6-4678-B583-1EBFD9EC01EA}" dt="2020-03-19T11:50:40.646" v="8941" actId="1076"/>
-          <ac:spMkLst>
-            <pc:docMk/>
-            <pc:sldMk cId="2071565347" sldId="308"/>
-            <ac:spMk id="5" creationId="{26CF1E0E-7C33-4030-86C8-AD8D7FF30074}"/>
-          </ac:spMkLst>
-        </pc:spChg>
-        <pc:spChg chg="add mod">
-          <ac:chgData name="김 재현" userId="e331c24078343b94" providerId="LiveId" clId="{19C9B56C-74E6-4678-B583-1EBFD9EC01EA}" dt="2020-03-19T16:44:49.466" v="11136" actId="1076"/>
-          <ac:spMkLst>
-            <pc:docMk/>
-            <pc:sldMk cId="2071565347" sldId="308"/>
-            <ac:spMk id="6" creationId="{E029AA77-9CD5-4381-AA8F-8F5F2485957D}"/>
-          </ac:spMkLst>
-        </pc:spChg>
-        <pc:spChg chg="mod">
-          <ac:chgData name="김 재현" userId="e331c24078343b94" providerId="LiveId" clId="{19C9B56C-74E6-4678-B583-1EBFD9EC01EA}" dt="2020-03-19T11:47:01.077" v="8531" actId="1076"/>
-          <ac:spMkLst>
-            <pc:docMk/>
-            <pc:sldMk cId="2071565347" sldId="308"/>
-            <ac:spMk id="12" creationId="{F0BC8F14-D7D8-488C-904D-68FC6BE4A754}"/>
-          </ac:spMkLst>
-        </pc:spChg>
-      </pc:sldChg>
-      <pc:sldChg chg="addSp delSp modSp add modAnim modNotesTx">
-        <pc:chgData name="김 재현" userId="e331c24078343b94" providerId="LiveId" clId="{19C9B56C-74E6-4678-B583-1EBFD9EC01EA}" dt="2020-03-22T09:52:52.549" v="18490"/>
-        <pc:sldMkLst>
-          <pc:docMk/>
-          <pc:sldMk cId="1868619973" sldId="309"/>
-        </pc:sldMkLst>
-        <pc:spChg chg="mod">
-          <ac:chgData name="김 재현" userId="e331c24078343b94" providerId="LiveId" clId="{19C9B56C-74E6-4678-B583-1EBFD9EC01EA}" dt="2020-03-22T09:52:52.549" v="18490"/>
-          <ac:spMkLst>
-            <pc:docMk/>
-            <pc:sldMk cId="1868619973" sldId="309"/>
-            <ac:spMk id="4" creationId="{00000000-0000-0000-0000-000000000000}"/>
-          </ac:spMkLst>
-        </pc:spChg>
-        <pc:spChg chg="del mod">
-          <ac:chgData name="김 재현" userId="e331c24078343b94" providerId="LiveId" clId="{19C9B56C-74E6-4678-B583-1EBFD9EC01EA}" dt="2020-03-19T12:10:24.535" v="9021" actId="478"/>
-          <ac:spMkLst>
-            <pc:docMk/>
-            <pc:sldMk cId="1868619973" sldId="309"/>
-            <ac:spMk id="12" creationId="{F0BC8F14-D7D8-488C-904D-68FC6BE4A754}"/>
-          </ac:spMkLst>
-        </pc:spChg>
-        <pc:picChg chg="add mod">
-          <ac:chgData name="김 재현" userId="e331c24078343b94" providerId="LiveId" clId="{19C9B56C-74E6-4678-B583-1EBFD9EC01EA}" dt="2020-03-19T12:11:04.412" v="9028" actId="1076"/>
-          <ac:picMkLst>
-            <pc:docMk/>
-            <pc:sldMk cId="1868619973" sldId="309"/>
-            <ac:picMk id="2" creationId="{5186D296-1A4A-4447-A309-71ADB1D11351}"/>
-          </ac:picMkLst>
-        </pc:picChg>
-        <pc:picChg chg="add del">
-          <ac:chgData name="김 재현" userId="e331c24078343b94" providerId="LiveId" clId="{19C9B56C-74E6-4678-B583-1EBFD9EC01EA}" dt="2020-03-19T12:10:19.922" v="9019"/>
-          <ac:picMkLst>
-            <pc:docMk/>
-            <pc:sldMk cId="1868619973" sldId="309"/>
-            <ac:picMk id="18" creationId="{F940B835-96A3-46F7-B300-817FEF191757}"/>
-          </ac:picMkLst>
-        </pc:picChg>
-      </pc:sldChg>
-      <pc:sldChg chg="addSp delSp modSp add del modNotesTx">
-        <pc:chgData name="김 재현" userId="e331c24078343b94" providerId="LiveId" clId="{19C9B56C-74E6-4678-B583-1EBFD9EC01EA}" dt="2020-03-22T09:53:06.126" v="18501"/>
-        <pc:sldMkLst>
-          <pc:docMk/>
-          <pc:sldMk cId="2543218078" sldId="310"/>
-        </pc:sldMkLst>
-        <pc:spChg chg="add del mod">
-          <ac:chgData name="김 재현" userId="e331c24078343b94" providerId="LiveId" clId="{19C9B56C-74E6-4678-B583-1EBFD9EC01EA}" dt="2020-03-19T13:09:20.105" v="10101" actId="478"/>
-          <ac:spMkLst>
-            <pc:docMk/>
-            <pc:sldMk cId="2543218078" sldId="310"/>
-            <ac:spMk id="2" creationId="{74DF327E-651A-44B8-8B9D-EA1D8551392D}"/>
-          </ac:spMkLst>
-        </pc:spChg>
-        <pc:spChg chg="mod">
-          <ac:chgData name="김 재현" userId="e331c24078343b94" providerId="LiveId" clId="{19C9B56C-74E6-4678-B583-1EBFD9EC01EA}" dt="2020-03-22T09:53:06.126" v="18501"/>
-          <ac:spMkLst>
-            <pc:docMk/>
-            <pc:sldMk cId="2543218078" sldId="310"/>
-            <ac:spMk id="4" creationId="{00000000-0000-0000-0000-000000000000}"/>
-          </ac:spMkLst>
-        </pc:spChg>
-        <pc:spChg chg="add mod">
-          <ac:chgData name="김 재현" userId="e331c24078343b94" providerId="LiveId" clId="{19C9B56C-74E6-4678-B583-1EBFD9EC01EA}" dt="2020-03-19T13:11:21.562" v="10182" actId="164"/>
-          <ac:spMkLst>
-            <pc:docMk/>
-            <pc:sldMk cId="2543218078" sldId="310"/>
-            <ac:spMk id="5" creationId="{BAA85031-EE5B-4FFA-938F-F7ADCE88F21B}"/>
-          </ac:spMkLst>
-        </pc:spChg>
-        <pc:spChg chg="add mod">
-          <ac:chgData name="김 재현" userId="e331c24078343b94" providerId="LiveId" clId="{19C9B56C-74E6-4678-B583-1EBFD9EC01EA}" dt="2020-03-19T13:11:21.562" v="10182" actId="164"/>
-          <ac:spMkLst>
-            <pc:docMk/>
-            <pc:sldMk cId="2543218078" sldId="310"/>
-            <ac:spMk id="6" creationId="{5EE32B52-EB16-46D1-950F-AB6BAF231419}"/>
-          </ac:spMkLst>
-        </pc:spChg>
-        <pc:spChg chg="mod">
-          <ac:chgData name="김 재현" userId="e331c24078343b94" providerId="LiveId" clId="{19C9B56C-74E6-4678-B583-1EBFD9EC01EA}" dt="2020-03-19T13:05:59.144" v="9940" actId="1076"/>
-          <ac:spMkLst>
-            <pc:docMk/>
-            <pc:sldMk cId="2543218078" sldId="310"/>
-            <ac:spMk id="12" creationId="{F0BC8F14-D7D8-488C-904D-68FC6BE4A754}"/>
-          </ac:spMkLst>
-        </pc:spChg>
-        <pc:grpChg chg="add mod">
-          <ac:chgData name="김 재현" userId="e331c24078343b94" providerId="LiveId" clId="{19C9B56C-74E6-4678-B583-1EBFD9EC01EA}" dt="2020-03-19T13:11:25.792" v="10183" actId="1076"/>
-          <ac:grpSpMkLst>
-            <pc:docMk/>
-            <pc:sldMk cId="2543218078" sldId="310"/>
-            <ac:grpSpMk id="7" creationId="{64F8693F-BAA8-4F2E-927B-ED692C2BC72E}"/>
-          </ac:grpSpMkLst>
-        </pc:grpChg>
-        <pc:picChg chg="add mod">
-          <ac:chgData name="김 재현" userId="e331c24078343b94" providerId="LiveId" clId="{19C9B56C-74E6-4678-B583-1EBFD9EC01EA}" dt="2020-03-19T13:11:21.562" v="10182" actId="164"/>
-          <ac:picMkLst>
-            <pc:docMk/>
-            <pc:sldMk cId="2543218078" sldId="310"/>
-            <ac:picMk id="3" creationId="{FBF85A49-88DA-4A94-9F8F-58B262F2C58A}"/>
-          </ac:picMkLst>
-        </pc:picChg>
-      </pc:sldChg>
-      <pc:sldChg chg="addSp delSp modSp add modAnim modNotesTx">
-        <pc:chgData name="김 재현" userId="e331c24078343b94" providerId="LiveId" clId="{19C9B56C-74E6-4678-B583-1EBFD9EC01EA}" dt="2020-03-22T09:52:54.614" v="18491"/>
-        <pc:sldMkLst>
-          <pc:docMk/>
-          <pc:sldMk cId="4225888431" sldId="311"/>
-        </pc:sldMkLst>
-        <pc:spChg chg="mod">
-          <ac:chgData name="김 재현" userId="e331c24078343b94" providerId="LiveId" clId="{19C9B56C-74E6-4678-B583-1EBFD9EC01EA}" dt="2020-03-22T09:52:54.614" v="18491"/>
-          <ac:spMkLst>
-            <pc:docMk/>
-            <pc:sldMk cId="4225888431" sldId="311"/>
-            <ac:spMk id="4" creationId="{00000000-0000-0000-0000-000000000000}"/>
-          </ac:spMkLst>
-        </pc:spChg>
-        <pc:picChg chg="del">
-          <ac:chgData name="김 재현" userId="e331c24078343b94" providerId="LiveId" clId="{19C9B56C-74E6-4678-B583-1EBFD9EC01EA}" dt="2020-03-19T12:14:21.376" v="9031" actId="478"/>
-          <ac:picMkLst>
-            <pc:docMk/>
-            <pc:sldMk cId="4225888431" sldId="311"/>
-            <ac:picMk id="2" creationId="{5186D296-1A4A-4447-A309-71ADB1D11351}"/>
-          </ac:picMkLst>
-        </pc:picChg>
-        <pc:picChg chg="add mod">
-          <ac:chgData name="김 재현" userId="e331c24078343b94" providerId="LiveId" clId="{19C9B56C-74E6-4678-B583-1EBFD9EC01EA}" dt="2020-03-19T12:15:00.485" v="9045" actId="1076"/>
-          <ac:picMkLst>
-            <pc:docMk/>
-            <pc:sldMk cId="4225888431" sldId="311"/>
-            <ac:picMk id="3" creationId="{66553F12-BFB8-41EB-B32D-35EF3DCEB8BB}"/>
-          </ac:picMkLst>
-        </pc:picChg>
-        <pc:picChg chg="add mod ord">
-          <ac:chgData name="김 재현" userId="e331c24078343b94" providerId="LiveId" clId="{19C9B56C-74E6-4678-B583-1EBFD9EC01EA}" dt="2020-03-19T12:15:19.586" v="9047" actId="167"/>
-          <ac:picMkLst>
-            <pc:docMk/>
-            <pc:sldMk cId="4225888431" sldId="311"/>
-            <ac:picMk id="5" creationId="{6171069F-FD18-44AD-9561-4F77A1B67579}"/>
-          </ac:picMkLst>
-        </pc:picChg>
-      </pc:sldChg>
-      <pc:sldChg chg="modSp add modAnim modNotesTx">
-        <pc:chgData name="김 재현" userId="e331c24078343b94" providerId="LiveId" clId="{19C9B56C-74E6-4678-B583-1EBFD9EC01EA}" dt="2020-03-22T09:52:57.302" v="18494"/>
-        <pc:sldMkLst>
-          <pc:docMk/>
-          <pc:sldMk cId="3143954993" sldId="312"/>
-        </pc:sldMkLst>
-        <pc:spChg chg="mod">
-          <ac:chgData name="김 재현" userId="e331c24078343b94" providerId="LiveId" clId="{19C9B56C-74E6-4678-B583-1EBFD9EC01EA}" dt="2020-03-22T09:52:57.302" v="18494"/>
-          <ac:spMkLst>
-            <pc:docMk/>
-            <pc:sldMk cId="3143954993" sldId="312"/>
-            <ac:spMk id="4" creationId="{00000000-0000-0000-0000-000000000000}"/>
-          </ac:spMkLst>
-        </pc:spChg>
-        <pc:spChg chg="mod">
-          <ac:chgData name="김 재현" userId="e331c24078343b94" providerId="LiveId" clId="{19C9B56C-74E6-4678-B583-1EBFD9EC01EA}" dt="2020-03-19T12:23:08.910" v="9187" actId="20577"/>
-          <ac:spMkLst>
-            <pc:docMk/>
-            <pc:sldMk cId="3143954993" sldId="312"/>
-            <ac:spMk id="12" creationId="{F0BC8F14-D7D8-488C-904D-68FC6BE4A754}"/>
-          </ac:spMkLst>
-        </pc:spChg>
-        <pc:picChg chg="mod">
-          <ac:chgData name="김 재현" userId="e331c24078343b94" providerId="LiveId" clId="{19C9B56C-74E6-4678-B583-1EBFD9EC01EA}" dt="2020-03-19T12:21:17.567" v="9059" actId="14826"/>
-          <ac:picMkLst>
-            <pc:docMk/>
-            <pc:sldMk cId="3143954993" sldId="312"/>
-            <ac:picMk id="3" creationId="{66553F12-BFB8-41EB-B32D-35EF3DCEB8BB}"/>
-          </ac:picMkLst>
-        </pc:picChg>
-        <pc:picChg chg="mod">
-          <ac:chgData name="김 재현" userId="e331c24078343b94" providerId="LiveId" clId="{19C9B56C-74E6-4678-B583-1EBFD9EC01EA}" dt="2020-03-19T12:18:44.811" v="9057" actId="1076"/>
-          <ac:picMkLst>
-            <pc:docMk/>
-            <pc:sldMk cId="3143954993" sldId="312"/>
-            <ac:picMk id="5" creationId="{6171069F-FD18-44AD-9561-4F77A1B67579}"/>
-          </ac:picMkLst>
-        </pc:picChg>
-      </pc:sldChg>
-      <pc:sldChg chg="addSp delSp modSp add modAnim modNotesTx">
-        <pc:chgData name="김 재현" userId="e331c24078343b94" providerId="LiveId" clId="{19C9B56C-74E6-4678-B583-1EBFD9EC01EA}" dt="2020-03-22T09:52:59.347" v="18495"/>
-        <pc:sldMkLst>
-          <pc:docMk/>
-          <pc:sldMk cId="1962280978" sldId="313"/>
-        </pc:sldMkLst>
-        <pc:spChg chg="add del mod">
-          <ac:chgData name="김 재현" userId="e331c24078343b94" providerId="LiveId" clId="{19C9B56C-74E6-4678-B583-1EBFD9EC01EA}" dt="2020-03-19T12:26:46.727" v="9263"/>
-          <ac:spMkLst>
-            <pc:docMk/>
-            <pc:sldMk cId="1962280978" sldId="313"/>
-            <ac:spMk id="2" creationId="{D0793175-3627-4F94-B680-D841EBE0DBB9}"/>
-          </ac:spMkLst>
-        </pc:spChg>
-        <pc:spChg chg="mod">
-          <ac:chgData name="김 재현" userId="e331c24078343b94" providerId="LiveId" clId="{19C9B56C-74E6-4678-B583-1EBFD9EC01EA}" dt="2020-03-22T09:52:59.347" v="18495"/>
-          <ac:spMkLst>
-            <pc:docMk/>
-            <pc:sldMk cId="1962280978" sldId="313"/>
-            <ac:spMk id="4" creationId="{00000000-0000-0000-0000-000000000000}"/>
-          </ac:spMkLst>
-        </pc:spChg>
-        <pc:spChg chg="add del mod">
-          <ac:chgData name="김 재현" userId="e331c24078343b94" providerId="LiveId" clId="{19C9B56C-74E6-4678-B583-1EBFD9EC01EA}" dt="2020-03-19T12:26:55.480" v="9265" actId="11529"/>
-          <ac:spMkLst>
-            <pc:docMk/>
-            <pc:sldMk cId="1962280978" sldId="313"/>
-            <ac:spMk id="6" creationId="{779A96FD-F9EF-4799-B6A2-D406D1D71798}"/>
-          </ac:spMkLst>
-        </pc:spChg>
-        <pc:spChg chg="add mod">
-          <ac:chgData name="김 재현" userId="e331c24078343b94" providerId="LiveId" clId="{19C9B56C-74E6-4678-B583-1EBFD9EC01EA}" dt="2020-03-19T12:27:19.533" v="9269" actId="207"/>
-          <ac:spMkLst>
-            <pc:docMk/>
-            <pc:sldMk cId="1962280978" sldId="313"/>
-            <ac:spMk id="7" creationId="{E0DF264C-D4A6-4CB1-B5C7-74446E78DEAE}"/>
-          </ac:spMkLst>
-        </pc:spChg>
-        <pc:spChg chg="add del mod">
-          <ac:chgData name="김 재현" userId="e331c24078343b94" providerId="LiveId" clId="{19C9B56C-74E6-4678-B583-1EBFD9EC01EA}" dt="2020-03-19T12:28:29.613" v="9281"/>
-          <ac:spMkLst>
-            <pc:docMk/>
-            <pc:sldMk cId="1962280978" sldId="313"/>
-            <ac:spMk id="8" creationId="{4A341CCC-D453-4A2B-BA3B-CF6F90504EEB}"/>
-          </ac:spMkLst>
-        </pc:spChg>
-        <pc:spChg chg="add mod">
-          <ac:chgData name="김 재현" userId="e331c24078343b94" providerId="LiveId" clId="{19C9B56C-74E6-4678-B583-1EBFD9EC01EA}" dt="2020-03-19T12:40:14.003" v="9697" actId="14100"/>
-          <ac:spMkLst>
-            <pc:docMk/>
-            <pc:sldMk cId="1962280978" sldId="313"/>
-            <ac:spMk id="9" creationId="{9EEEC1DF-6151-4401-A2F1-B46F0D38CAD4}"/>
-          </ac:spMkLst>
-        </pc:spChg>
-        <pc:spChg chg="add mod">
-          <ac:chgData name="김 재현" userId="e331c24078343b94" providerId="LiveId" clId="{19C9B56C-74E6-4678-B583-1EBFD9EC01EA}" dt="2020-03-19T12:29:49.699" v="9380" actId="1076"/>
-          <ac:spMkLst>
-            <pc:docMk/>
-            <pc:sldMk cId="1962280978" sldId="313"/>
-            <ac:spMk id="10" creationId="{06BBAEF5-6AA0-4CD5-9828-076D86F22CC7}"/>
-          </ac:spMkLst>
-        </pc:spChg>
-        <pc:spChg chg="mod">
-          <ac:chgData name="김 재현" userId="e331c24078343b94" providerId="LiveId" clId="{19C9B56C-74E6-4678-B583-1EBFD9EC01EA}" dt="2020-03-19T12:23:16.092" v="9189" actId="20577"/>
-          <ac:spMkLst>
-            <pc:docMk/>
-            <pc:sldMk cId="1962280978" sldId="313"/>
-            <ac:spMk id="12" creationId="{F0BC8F14-D7D8-488C-904D-68FC6BE4A754}"/>
-          </ac:spMkLst>
-        </pc:spChg>
-        <pc:spChg chg="add mod">
-          <ac:chgData name="김 재현" userId="e331c24078343b94" providerId="LiveId" clId="{19C9B56C-74E6-4678-B583-1EBFD9EC01EA}" dt="2020-03-19T12:39:34.562" v="9673" actId="1076"/>
-          <ac:spMkLst>
-            <pc:docMk/>
-            <pc:sldMk cId="1962280978" sldId="313"/>
-            <ac:spMk id="13" creationId="{62321A30-7677-4A50-A4F6-C97B0198884A}"/>
-          </ac:spMkLst>
-        </pc:spChg>
-        <pc:spChg chg="add mod">
-          <ac:chgData name="김 재현" userId="e331c24078343b94" providerId="LiveId" clId="{19C9B56C-74E6-4678-B583-1EBFD9EC01EA}" dt="2020-03-19T12:27:25.695" v="9270" actId="207"/>
-          <ac:spMkLst>
-            <pc:docMk/>
-            <pc:sldMk cId="1962280978" sldId="313"/>
-            <ac:spMk id="18" creationId="{C797F48C-0B8A-4FB4-AF2B-5A5BDD921DA4}"/>
-          </ac:spMkLst>
-        </pc:spChg>
-        <pc:spChg chg="add mod">
-          <ac:chgData name="김 재현" userId="e331c24078343b94" providerId="LiveId" clId="{19C9B56C-74E6-4678-B583-1EBFD9EC01EA}" dt="2020-03-19T12:27:30.099" v="9271" actId="207"/>
-          <ac:spMkLst>
-            <pc:docMk/>
-            <pc:sldMk cId="1962280978" sldId="313"/>
-            <ac:spMk id="19" creationId="{BE619A23-A11C-43AC-B60A-172E0D86F130}"/>
-          </ac:spMkLst>
-        </pc:spChg>
-        <pc:spChg chg="add mod">
-          <ac:chgData name="김 재현" userId="e331c24078343b94" providerId="LiveId" clId="{19C9B56C-74E6-4678-B583-1EBFD9EC01EA}" dt="2020-03-19T12:30:01.958" v="9386" actId="20577"/>
-          <ac:spMkLst>
-            <pc:docMk/>
-            <pc:sldMk cId="1962280978" sldId="313"/>
-            <ac:spMk id="27" creationId="{05A0774D-A7A4-4A2C-9D4D-111FBC005765}"/>
-          </ac:spMkLst>
-        </pc:spChg>
-        <pc:spChg chg="add mod">
-          <ac:chgData name="김 재현" userId="e331c24078343b94" providerId="LiveId" clId="{19C9B56C-74E6-4678-B583-1EBFD9EC01EA}" dt="2020-03-19T12:29:59.856" v="9384" actId="20577"/>
-          <ac:spMkLst>
-            <pc:docMk/>
-            <pc:sldMk cId="1962280978" sldId="313"/>
-            <ac:spMk id="28" creationId="{4C401D5A-4D98-4128-B46D-09D34A604CF1}"/>
-          </ac:spMkLst>
-        </pc:spChg>
-        <pc:spChg chg="add del">
-          <ac:chgData name="김 재현" userId="e331c24078343b94" providerId="LiveId" clId="{19C9B56C-74E6-4678-B583-1EBFD9EC01EA}" dt="2020-03-19T12:40:46.236" v="9699"/>
-          <ac:spMkLst>
-            <pc:docMk/>
-            <pc:sldMk cId="1962280978" sldId="313"/>
-            <ac:spMk id="29" creationId="{273FA6DF-F6E4-4794-A129-65512135A4B6}"/>
-          </ac:spMkLst>
-        </pc:spChg>
-        <pc:picChg chg="mod">
-          <ac:chgData name="김 재현" userId="e331c24078343b94" providerId="LiveId" clId="{19C9B56C-74E6-4678-B583-1EBFD9EC01EA}" dt="2020-03-19T12:28:54.629" v="9354" actId="1076"/>
-          <ac:picMkLst>
-            <pc:docMk/>
-            <pc:sldMk cId="1962280978" sldId="313"/>
-            <ac:picMk id="3" creationId="{66553F12-BFB8-41EB-B32D-35EF3DCEB8BB}"/>
-          </ac:picMkLst>
-        </pc:picChg>
-        <pc:picChg chg="mod">
-          <ac:chgData name="김 재현" userId="e331c24078343b94" providerId="LiveId" clId="{19C9B56C-74E6-4678-B583-1EBFD9EC01EA}" dt="2020-03-19T12:25:04.153" v="9242" actId="14826"/>
-          <ac:picMkLst>
-            <pc:docMk/>
-            <pc:sldMk cId="1962280978" sldId="313"/>
-            <ac:picMk id="5" creationId="{6171069F-FD18-44AD-9561-4F77A1B67579}"/>
-          </ac:picMkLst>
-        </pc:picChg>
-      </pc:sldChg>
-      <pc:sldChg chg="addSp modSp add modAnim modNotesTx">
-        <pc:chgData name="김 재현" userId="e331c24078343b94" providerId="LiveId" clId="{19C9B56C-74E6-4678-B583-1EBFD9EC01EA}" dt="2020-03-22T09:53:03.236" v="18498"/>
-        <pc:sldMkLst>
-          <pc:docMk/>
-          <pc:sldMk cId="2434373630" sldId="314"/>
-        </pc:sldMkLst>
-        <pc:spChg chg="add mod">
-          <ac:chgData name="김 재현" userId="e331c24078343b94" providerId="LiveId" clId="{19C9B56C-74E6-4678-B583-1EBFD9EC01EA}" dt="2020-03-19T12:50:17.346" v="9809" actId="1076"/>
-          <ac:spMkLst>
-            <pc:docMk/>
-            <pc:sldMk cId="2434373630" sldId="314"/>
-            <ac:spMk id="2" creationId="{DDFA7E09-5616-4F86-AF05-790AAD846F5E}"/>
-          </ac:spMkLst>
-        </pc:spChg>
-        <pc:spChg chg="mod">
-          <ac:chgData name="김 재현" userId="e331c24078343b94" providerId="LiveId" clId="{19C9B56C-74E6-4678-B583-1EBFD9EC01EA}" dt="2020-03-22T09:53:03.236" v="18498"/>
-          <ac:spMkLst>
-            <pc:docMk/>
-            <pc:sldMk cId="2434373630" sldId="314"/>
-            <ac:spMk id="4" creationId="{00000000-0000-0000-0000-000000000000}"/>
-          </ac:spMkLst>
-        </pc:spChg>
-        <pc:spChg chg="mod">
-          <ac:chgData name="김 재현" userId="e331c24078343b94" providerId="LiveId" clId="{19C9B56C-74E6-4678-B583-1EBFD9EC01EA}" dt="2020-03-19T12:41:44.672" v="9735" actId="20577"/>
-          <ac:spMkLst>
-            <pc:docMk/>
-            <pc:sldMk cId="2434373630" sldId="314"/>
-            <ac:spMk id="12" creationId="{F0BC8F14-D7D8-488C-904D-68FC6BE4A754}"/>
-          </ac:spMkLst>
-        </pc:spChg>
-        <pc:picChg chg="mod modCrop">
-          <ac:chgData name="김 재현" userId="e331c24078343b94" providerId="LiveId" clId="{19C9B56C-74E6-4678-B583-1EBFD9EC01EA}" dt="2020-03-19T12:51:18.425" v="9906" actId="1076"/>
-          <ac:picMkLst>
-            <pc:docMk/>
-            <pc:sldMk cId="2434373630" sldId="314"/>
-            <ac:picMk id="3" creationId="{66553F12-BFB8-41EB-B32D-35EF3DCEB8BB}"/>
-          </ac:picMkLst>
-        </pc:picChg>
-        <pc:picChg chg="mod">
-          <ac:chgData name="김 재현" userId="e331c24078343b94" providerId="LiveId" clId="{19C9B56C-74E6-4678-B583-1EBFD9EC01EA}" dt="2020-03-19T12:51:20.826" v="9907" actId="1076"/>
-          <ac:picMkLst>
-            <pc:docMk/>
-            <pc:sldMk cId="2434373630" sldId="314"/>
-            <ac:picMk id="5" creationId="{6171069F-FD18-44AD-9561-4F77A1B67579}"/>
-          </ac:picMkLst>
-        </pc:picChg>
-      </pc:sldChg>
-      <pc:sldChg chg="addSp delSp modSp add modNotesTx">
-        <pc:chgData name="김 재현" userId="e331c24078343b94" providerId="LiveId" clId="{19C9B56C-74E6-4678-B583-1EBFD9EC01EA}" dt="2020-03-20T14:39:18.961" v="13254" actId="20577"/>
-        <pc:sldMkLst>
-          <pc:docMk/>
-          <pc:sldMk cId="2856347680" sldId="315"/>
-        </pc:sldMkLst>
-        <pc:spChg chg="del mod">
-          <ac:chgData name="김 재현" userId="e331c24078343b94" providerId="LiveId" clId="{19C9B56C-74E6-4678-B583-1EBFD9EC01EA}" dt="2020-03-20T14:26:08.334" v="12409" actId="478"/>
-          <ac:spMkLst>
-            <pc:docMk/>
-            <pc:sldMk cId="2856347680" sldId="315"/>
-            <ac:spMk id="2" creationId="{243E1373-DCDE-42EA-B4E6-CEDFD82676E7}"/>
-          </ac:spMkLst>
-        </pc:spChg>
-        <pc:spChg chg="add mod">
-          <ac:chgData name="김 재현" userId="e331c24078343b94" providerId="LiveId" clId="{19C9B56C-74E6-4678-B583-1EBFD9EC01EA}" dt="2020-03-20T14:26:21.353" v="12426" actId="1076"/>
-          <ac:spMkLst>
-            <pc:docMk/>
-            <pc:sldMk cId="2856347680" sldId="315"/>
-            <ac:spMk id="3" creationId="{E30BF68A-BB34-4EF4-ACE4-AE76818724E0}"/>
-          </ac:spMkLst>
-        </pc:spChg>
-        <pc:spChg chg="mod">
-          <ac:chgData name="김 재현" userId="e331c24078343b94" providerId="LiveId" clId="{19C9B56C-74E6-4678-B583-1EBFD9EC01EA}" dt="2020-03-19T13:12:58.800" v="10381"/>
-          <ac:spMkLst>
-            <pc:docMk/>
-            <pc:sldMk cId="2856347680" sldId="315"/>
-            <ac:spMk id="4" creationId="{00000000-0000-0000-0000-000000000000}"/>
-          </ac:spMkLst>
-        </pc:spChg>
-        <pc:spChg chg="add mod">
-          <ac:chgData name="김 재현" userId="e331c24078343b94" providerId="LiveId" clId="{19C9B56C-74E6-4678-B583-1EBFD9EC01EA}" dt="2020-03-20T14:38:37.294" v="13224" actId="1076"/>
-          <ac:spMkLst>
-            <pc:docMk/>
-            <pc:sldMk cId="2856347680" sldId="315"/>
-            <ac:spMk id="5" creationId="{FAB81883-E1CF-4B29-88EF-17102413FB72}"/>
-          </ac:spMkLst>
-        </pc:spChg>
-        <pc:spChg chg="add mod">
-          <ac:chgData name="김 재현" userId="e331c24078343b94" providerId="LiveId" clId="{19C9B56C-74E6-4678-B583-1EBFD9EC01EA}" dt="2020-03-20T14:39:02.767" v="13230" actId="14100"/>
-          <ac:spMkLst>
-            <pc:docMk/>
-            <pc:sldMk cId="2856347680" sldId="315"/>
-            <ac:spMk id="6" creationId="{198B4516-C2EB-4251-BE57-22A68B708351}"/>
-          </ac:spMkLst>
-        </pc:spChg>
-        <pc:spChg chg="add mod">
-          <ac:chgData name="김 재현" userId="e331c24078343b94" providerId="LiveId" clId="{19C9B56C-74E6-4678-B583-1EBFD9EC01EA}" dt="2020-03-20T14:38:17.873" v="13221" actId="207"/>
-          <ac:spMkLst>
-            <pc:docMk/>
-            <pc:sldMk cId="2856347680" sldId="315"/>
-            <ac:spMk id="7" creationId="{8B2F36A9-969B-4BBF-8AFB-4BFEF6C751A6}"/>
-          </ac:spMkLst>
-        </pc:spChg>
-        <pc:spChg chg="mod">
-          <ac:chgData name="김 재현" userId="e331c24078343b94" providerId="LiveId" clId="{19C9B56C-74E6-4678-B583-1EBFD9EC01EA}" dt="2020-03-19T13:13:07.850" v="10383" actId="207"/>
-          <ac:spMkLst>
-            <pc:docMk/>
-            <pc:sldMk cId="2856347680" sldId="315"/>
-            <ac:spMk id="17" creationId="{00000000-0000-0000-0000-000000000000}"/>
-          </ac:spMkLst>
-        </pc:spChg>
-        <pc:spChg chg="mod">
-          <ac:chgData name="김 재현" userId="e331c24078343b94" providerId="LiveId" clId="{19C9B56C-74E6-4678-B583-1EBFD9EC01EA}" dt="2020-03-19T13:13:04.707" v="10382" actId="207"/>
-          <ac:spMkLst>
-            <pc:docMk/>
-            <pc:sldMk cId="2856347680" sldId="315"/>
-            <ac:spMk id="23" creationId="{00000000-0000-0000-0000-000000000000}"/>
-          </ac:spMkLst>
-        </pc:spChg>
-      </pc:sldChg>
-      <pc:sldChg chg="addSp delSp modSp add modNotesTx">
-        <pc:chgData name="김 재현" userId="e331c24078343b94" providerId="LiveId" clId="{19C9B56C-74E6-4678-B583-1EBFD9EC01EA}" dt="2020-03-19T16:45:31.739" v="11184" actId="1038"/>
-        <pc:sldMkLst>
-          <pc:docMk/>
-          <pc:sldMk cId="2008704619" sldId="316"/>
-        </pc:sldMkLst>
-        <pc:spChg chg="del">
-          <ac:chgData name="김 재현" userId="e331c24078343b94" providerId="LiveId" clId="{19C9B56C-74E6-4678-B583-1EBFD9EC01EA}" dt="2020-03-19T16:29:10.559" v="11034" actId="478"/>
-          <ac:spMkLst>
-            <pc:docMk/>
-            <pc:sldMk cId="2008704619" sldId="316"/>
-            <ac:spMk id="2" creationId="{7BAEF6C2-0585-4C64-AAAC-6086B42D65ED}"/>
-          </ac:spMkLst>
-        </pc:spChg>
-        <pc:spChg chg="del">
-          <ac:chgData name="김 재현" userId="e331c24078343b94" providerId="LiveId" clId="{19C9B56C-74E6-4678-B583-1EBFD9EC01EA}" dt="2020-03-19T16:29:54.282" v="11039" actId="478"/>
-          <ac:spMkLst>
-            <pc:docMk/>
-            <pc:sldMk cId="2008704619" sldId="316"/>
-            <ac:spMk id="5" creationId="{FBDC78CF-F4F0-4AAF-B0F9-1478A4A94D8D}"/>
-          </ac:spMkLst>
-        </pc:spChg>
-        <pc:picChg chg="del">
-          <ac:chgData name="김 재현" userId="e331c24078343b94" providerId="LiveId" clId="{19C9B56C-74E6-4678-B583-1EBFD9EC01EA}" dt="2020-03-19T16:29:54.899" v="11040" actId="478"/>
-          <ac:picMkLst>
-            <pc:docMk/>
-            <pc:sldMk cId="2008704619" sldId="316"/>
-            <ac:picMk id="3" creationId="{FC27073A-D226-44FA-81A9-D54D702A90D6}"/>
-          </ac:picMkLst>
-        </pc:picChg>
-        <pc:picChg chg="add mod">
-          <ac:chgData name="김 재현" userId="e331c24078343b94" providerId="LiveId" clId="{19C9B56C-74E6-4678-B583-1EBFD9EC01EA}" dt="2020-03-19T16:45:31.739" v="11184" actId="1038"/>
-          <ac:picMkLst>
-            <pc:docMk/>
-            <pc:sldMk cId="2008704619" sldId="316"/>
-            <ac:picMk id="6" creationId="{665DB7D8-2636-44C9-A18B-8D833A97BB7F}"/>
-          </ac:picMkLst>
-        </pc:picChg>
-      </pc:sldChg>
-      <pc:sldChg chg="addSp delSp add del">
-        <pc:chgData name="김 재현" userId="e331c24078343b94" providerId="LiveId" clId="{19C9B56C-74E6-4678-B583-1EBFD9EC01EA}" dt="2020-03-19T13:13:27.625" v="10387" actId="2696"/>
-        <pc:sldMkLst>
-          <pc:docMk/>
-          <pc:sldMk cId="4054542881" sldId="316"/>
-        </pc:sldMkLst>
-        <pc:spChg chg="add del">
-          <ac:chgData name="김 재현" userId="e331c24078343b94" providerId="LiveId" clId="{19C9B56C-74E6-4678-B583-1EBFD9EC01EA}" dt="2020-03-19T13:13:22.752" v="10385"/>
-          <ac:spMkLst>
-            <pc:docMk/>
-            <pc:sldMk cId="4054542881" sldId="316"/>
-            <ac:spMk id="13" creationId="{E179ED8D-616D-44A1-9F51-766EAD4C5059}"/>
-          </ac:spMkLst>
-        </pc:spChg>
-      </pc:sldChg>
-      <pc:sldChg chg="addSp delSp modSp add ord delAnim modAnim modNotesTx">
-        <pc:chgData name="김 재현" userId="e331c24078343b94" providerId="LiveId" clId="{19C9B56C-74E6-4678-B583-1EBFD9EC01EA}" dt="2020-03-20T14:48:06.214" v="13258" actId="27309"/>
-        <pc:sldMkLst>
-          <pc:docMk/>
-          <pc:sldMk cId="1111202844" sldId="317"/>
-        </pc:sldMkLst>
-        <pc:spChg chg="add mod ord">
-          <ac:chgData name="김 재현" userId="e331c24078343b94" providerId="LiveId" clId="{19C9B56C-74E6-4678-B583-1EBFD9EC01EA}" dt="2020-03-19T17:00:34.840" v="11748" actId="1076"/>
-          <ac:spMkLst>
-            <pc:docMk/>
-            <pc:sldMk cId="1111202844" sldId="317"/>
-            <ac:spMk id="9" creationId="{841BAF0F-370C-4DA9-AC02-8F17D34D5E4A}"/>
-          </ac:spMkLst>
-        </pc:spChg>
-        <pc:spChg chg="add mod">
-          <ac:chgData name="김 재현" userId="e331c24078343b94" providerId="LiveId" clId="{19C9B56C-74E6-4678-B583-1EBFD9EC01EA}" dt="2020-03-19T16:59:54.186" v="11744" actId="1076"/>
-          <ac:spMkLst>
-            <pc:docMk/>
-            <pc:sldMk cId="1111202844" sldId="317"/>
-            <ac:spMk id="13" creationId="{4F943173-DBE2-458D-B7FD-1ABC3D6FB18D}"/>
-          </ac:spMkLst>
-        </pc:spChg>
-        <pc:spChg chg="add del">
-          <ac:chgData name="김 재현" userId="e331c24078343b94" providerId="LiveId" clId="{19C9B56C-74E6-4678-B583-1EBFD9EC01EA}" dt="2020-03-19T16:59:48.933" v="11742"/>
-          <ac:spMkLst>
-            <pc:docMk/>
-            <pc:sldMk cId="1111202844" sldId="317"/>
-            <ac:spMk id="27" creationId="{80E392C2-DEA7-40EB-AABF-C4AC662C5EAD}"/>
-          </ac:spMkLst>
-        </pc:spChg>
-        <pc:spChg chg="add mod">
-          <ac:chgData name="김 재현" userId="e331c24078343b94" providerId="LiveId" clId="{19C9B56C-74E6-4678-B583-1EBFD9EC01EA}" dt="2020-03-19T17:01:08.640" v="11765" actId="20577"/>
-          <ac:spMkLst>
-            <pc:docMk/>
-            <pc:sldMk cId="1111202844" sldId="317"/>
-            <ac:spMk id="29" creationId="{63F41EB9-E108-4FAF-8AE3-C8A2B40028CD}"/>
-          </ac:spMkLst>
-        </pc:spChg>
-        <pc:spChg chg="add mod">
-          <ac:chgData name="김 재현" userId="e331c24078343b94" providerId="LiveId" clId="{19C9B56C-74E6-4678-B583-1EBFD9EC01EA}" dt="2020-03-19T17:01:10.667" v="11767" actId="20577"/>
-          <ac:spMkLst>
-            <pc:docMk/>
-            <pc:sldMk cId="1111202844" sldId="317"/>
-            <ac:spMk id="31" creationId="{E0AD9BCE-C128-4F7C-BD21-27636ED9AA40}"/>
-          </ac:spMkLst>
-        </pc:spChg>
-        <pc:graphicFrameChg chg="add del modGraphic">
-          <ac:chgData name="김 재현" userId="e331c24078343b94" providerId="LiveId" clId="{19C9B56C-74E6-4678-B583-1EBFD9EC01EA}" dt="2020-03-20T14:48:06.214" v="13258" actId="27309"/>
-          <ac:graphicFrameMkLst>
-            <pc:docMk/>
-            <pc:sldMk cId="1111202844" sldId="317"/>
-            <ac:graphicFrameMk id="5" creationId="{78C82892-8607-4B46-B70C-5B6624475EA1}"/>
-          </ac:graphicFrameMkLst>
-        </pc:graphicFrameChg>
-        <pc:picChg chg="add del mod modCrop">
-          <ac:chgData name="김 재현" userId="e331c24078343b94" providerId="LiveId" clId="{19C9B56C-74E6-4678-B583-1EBFD9EC01EA}" dt="2020-03-19T16:56:13.856" v="11446" actId="478"/>
-          <ac:picMkLst>
-            <pc:docMk/>
-            <pc:sldMk cId="1111202844" sldId="317"/>
-            <ac:picMk id="2" creationId="{869CB947-6CFA-4EDF-8572-B894746C2416}"/>
-          </ac:picMkLst>
-        </pc:picChg>
-        <pc:picChg chg="add mod">
-          <ac:chgData name="김 재현" userId="e331c24078343b94" providerId="LiveId" clId="{19C9B56C-74E6-4678-B583-1EBFD9EC01EA}" dt="2020-03-19T16:56:18.809" v="11452" actId="1076"/>
-          <ac:picMkLst>
-            <pc:docMk/>
-            <pc:sldMk cId="1111202844" sldId="317"/>
-            <ac:picMk id="3" creationId="{514F3926-5861-47A8-92B7-0850D4AD1275}"/>
-          </ac:picMkLst>
-        </pc:picChg>
-        <pc:picChg chg="add del mod">
-          <ac:chgData name="김 재현" userId="e331c24078343b94" providerId="LiveId" clId="{19C9B56C-74E6-4678-B583-1EBFD9EC01EA}" dt="2020-03-19T16:56:12.801" v="11445" actId="478"/>
-          <ac:picMkLst>
-            <pc:docMk/>
-            <pc:sldMk cId="1111202844" sldId="317"/>
-            <ac:picMk id="5" creationId="{7A7F83CC-5B4A-4175-84F8-93C761698151}"/>
-          </ac:picMkLst>
-        </pc:picChg>
-        <pc:picChg chg="del">
-          <ac:chgData name="김 재현" userId="e331c24078343b94" providerId="LiveId" clId="{19C9B56C-74E6-4678-B583-1EBFD9EC01EA}" dt="2020-03-19T16:45:46.884" v="11186" actId="478"/>
-          <ac:picMkLst>
-            <pc:docMk/>
-            <pc:sldMk cId="1111202844" sldId="317"/>
-            <ac:picMk id="6" creationId="{665DB7D8-2636-44C9-A18B-8D833A97BB7F}"/>
-          </ac:picMkLst>
-        </pc:picChg>
-        <pc:picChg chg="add mod">
-          <ac:chgData name="김 재현" userId="e331c24078343b94" providerId="LiveId" clId="{19C9B56C-74E6-4678-B583-1EBFD9EC01EA}" dt="2020-03-19T16:56:20.833" v="11453" actId="1076"/>
-          <ac:picMkLst>
-            <pc:docMk/>
-            <pc:sldMk cId="1111202844" sldId="317"/>
-            <ac:picMk id="7" creationId="{7E1ACE36-7236-458A-A8C2-815460DAF9A6}"/>
-          </ac:picMkLst>
-        </pc:picChg>
-        <pc:picChg chg="add del">
-          <ac:chgData name="김 재현" userId="e331c24078343b94" providerId="LiveId" clId="{19C9B56C-74E6-4678-B583-1EBFD9EC01EA}" dt="2020-03-19T16:55:43.660" v="11437"/>
-          <ac:picMkLst>
-            <pc:docMk/>
-            <pc:sldMk cId="1111202844" sldId="317"/>
-            <ac:picMk id="8" creationId="{8E805D0B-44A1-4D8A-A655-4976684F37BE}"/>
-          </ac:picMkLst>
-        </pc:picChg>
-        <pc:cxnChg chg="add mod">
-          <ac:chgData name="김 재현" userId="e331c24078343b94" providerId="LiveId" clId="{19C9B56C-74E6-4678-B583-1EBFD9EC01EA}" dt="2020-03-19T17:00:58.521" v="11759" actId="14100"/>
-          <ac:cxnSpMkLst>
-            <pc:docMk/>
-            <pc:sldMk cId="1111202844" sldId="317"/>
-            <ac:cxnSpMk id="12" creationId="{6DFA803B-24C6-4F0F-9334-2F9E0D9F5C1D}"/>
-          </ac:cxnSpMkLst>
-        </pc:cxnChg>
-        <pc:cxnChg chg="add del">
-          <ac:chgData name="김 재현" userId="e331c24078343b94" providerId="LiveId" clId="{19C9B56C-74E6-4678-B583-1EBFD9EC01EA}" dt="2020-03-19T16:59:48.933" v="11742"/>
-          <ac:cxnSpMkLst>
-            <pc:docMk/>
-            <pc:sldMk cId="1111202844" sldId="317"/>
-            <ac:cxnSpMk id="22" creationId="{F5CC0A3F-4474-409A-8DA8-F149D9E6A846}"/>
-          </ac:cxnSpMkLst>
-        </pc:cxnChg>
-        <pc:cxnChg chg="add mod">
-          <ac:chgData name="김 재현" userId="e331c24078343b94" providerId="LiveId" clId="{19C9B56C-74E6-4678-B583-1EBFD9EC01EA}" dt="2020-03-19T17:00:58.521" v="11759" actId="14100"/>
-          <ac:cxnSpMkLst>
-            <pc:docMk/>
-            <pc:sldMk cId="1111202844" sldId="317"/>
-            <ac:cxnSpMk id="28" creationId="{EF0A168C-270C-48FE-8F01-7F0F61E4862D}"/>
-          </ac:cxnSpMkLst>
-        </pc:cxnChg>
-        <pc:cxnChg chg="add mod">
-          <ac:chgData name="김 재현" userId="e331c24078343b94" providerId="LiveId" clId="{19C9B56C-74E6-4678-B583-1EBFD9EC01EA}" dt="2020-03-19T17:00:58.521" v="11759" actId="14100"/>
-          <ac:cxnSpMkLst>
-            <pc:docMk/>
-            <pc:sldMk cId="1111202844" sldId="317"/>
-            <ac:cxnSpMk id="30" creationId="{FF4B4404-A978-423A-8E4C-033EC674DD24}"/>
-          </ac:cxnSpMkLst>
-        </pc:cxnChg>
-      </pc:sldChg>
-      <pc:sldChg chg="addSp delSp modSp add addAnim delAnim">
-        <pc:chgData name="김 재현" userId="e331c24078343b94" providerId="LiveId" clId="{19C9B56C-74E6-4678-B583-1EBFD9EC01EA}" dt="2020-03-19T16:57:50.573" v="11554" actId="167"/>
-        <pc:sldMkLst>
-          <pc:docMk/>
-          <pc:sldMk cId="3540827344" sldId="318"/>
-        </pc:sldMkLst>
-        <pc:spChg chg="add ord">
-          <ac:chgData name="김 재현" userId="e331c24078343b94" providerId="LiveId" clId="{19C9B56C-74E6-4678-B583-1EBFD9EC01EA}" dt="2020-03-19T16:57:50.573" v="11554" actId="167"/>
-          <ac:spMkLst>
-            <pc:docMk/>
-            <pc:sldMk cId="3540827344" sldId="318"/>
-            <ac:spMk id="18" creationId="{002A8843-303B-479B-9B47-DF07E7742C5E}"/>
-          </ac:spMkLst>
-        </pc:spChg>
-        <pc:picChg chg="mod">
-          <ac:chgData name="김 재현" userId="e331c24078343b94" providerId="LiveId" clId="{19C9B56C-74E6-4678-B583-1EBFD9EC01EA}" dt="2020-03-19T16:56:35.633" v="11459" actId="1076"/>
-          <ac:picMkLst>
-            <pc:docMk/>
-            <pc:sldMk cId="3540827344" sldId="318"/>
-            <ac:picMk id="2" creationId="{869CB947-6CFA-4EDF-8572-B894746C2416}"/>
-          </ac:picMkLst>
-        </pc:picChg>
-        <pc:picChg chg="del">
-          <ac:chgData name="김 재현" userId="e331c24078343b94" providerId="LiveId" clId="{19C9B56C-74E6-4678-B583-1EBFD9EC01EA}" dt="2020-03-19T16:56:31.222" v="11455" actId="478"/>
-          <ac:picMkLst>
-            <pc:docMk/>
-            <pc:sldMk cId="3540827344" sldId="318"/>
-            <ac:picMk id="3" creationId="{514F3926-5861-47A8-92B7-0850D4AD1275}"/>
-          </ac:picMkLst>
-        </pc:picChg>
-        <pc:picChg chg="add del mod">
-          <ac:chgData name="김 재현" userId="e331c24078343b94" providerId="LiveId" clId="{19C9B56C-74E6-4678-B583-1EBFD9EC01EA}" dt="2020-03-19T16:56:38.225" v="11461" actId="1076"/>
-          <ac:picMkLst>
-            <pc:docMk/>
-            <pc:sldMk cId="3540827344" sldId="318"/>
-            <ac:picMk id="5" creationId="{7A7F83CC-5B4A-4175-84F8-93C761698151}"/>
-          </ac:picMkLst>
-        </pc:picChg>
-        <pc:picChg chg="add del">
-          <ac:chgData name="김 재현" userId="e331c24078343b94" providerId="LiveId" clId="{19C9B56C-74E6-4678-B583-1EBFD9EC01EA}" dt="2020-03-19T16:56:30.850" v="11454" actId="478"/>
-          <ac:picMkLst>
-            <pc:docMk/>
-            <pc:sldMk cId="3540827344" sldId="318"/>
-            <ac:picMk id="7" creationId="{7E1ACE36-7236-458A-A8C2-815460DAF9A6}"/>
-          </ac:picMkLst>
-        </pc:picChg>
-      </pc:sldChg>
-      <pc:sldChg chg="addSp delSp modSp add modNotesTx">
-        <pc:chgData name="김 재현" userId="e331c24078343b94" providerId="LiveId" clId="{19C9B56C-74E6-4678-B583-1EBFD9EC01EA}" dt="2020-03-20T16:04:46.903" v="14082" actId="20577"/>
-        <pc:sldMkLst>
-          <pc:docMk/>
-          <pc:sldMk cId="2488903090" sldId="319"/>
-        </pc:sldMkLst>
-        <pc:spChg chg="add mod">
-          <ac:chgData name="김 재현" userId="e331c24078343b94" providerId="LiveId" clId="{19C9B56C-74E6-4678-B583-1EBFD9EC01EA}" dt="2020-03-20T15:51:25.680" v="13294" actId="1076"/>
-          <ac:spMkLst>
-            <pc:docMk/>
-            <pc:sldMk cId="2488903090" sldId="319"/>
-            <ac:spMk id="2" creationId="{3D3ED797-2CE3-4173-B7A3-AD1CE2266116}"/>
-          </ac:spMkLst>
-        </pc:spChg>
-        <pc:spChg chg="add mod">
-          <ac:chgData name="김 재현" userId="e331c24078343b94" providerId="LiveId" clId="{19C9B56C-74E6-4678-B583-1EBFD9EC01EA}" dt="2020-03-20T16:04:41.088" v="14080"/>
-          <ac:spMkLst>
-            <pc:docMk/>
-            <pc:sldMk cId="2488903090" sldId="319"/>
-            <ac:spMk id="7" creationId="{48FEA967-A8A6-4980-B77C-1E8492C05BDD}"/>
-          </ac:spMkLst>
-        </pc:spChg>
-        <pc:picChg chg="add del mod">
-          <ac:chgData name="김 재현" userId="e331c24078343b94" providerId="LiveId" clId="{19C9B56C-74E6-4678-B583-1EBFD9EC01EA}" dt="2020-03-20T15:59:20.469" v="13664" actId="478"/>
-          <ac:picMkLst>
-            <pc:docMk/>
-            <pc:sldMk cId="2488903090" sldId="319"/>
-            <ac:picMk id="3" creationId="{D8194F6E-E92B-4C51-9FB9-285192F3D4EE}"/>
-          </ac:picMkLst>
-        </pc:picChg>
-        <pc:picChg chg="add del mod">
-          <ac:chgData name="김 재현" userId="e331c24078343b94" providerId="LiveId" clId="{19C9B56C-74E6-4678-B583-1EBFD9EC01EA}" dt="2020-03-20T15:59:20.106" v="13663" actId="478"/>
-          <ac:picMkLst>
-            <pc:docMk/>
-            <pc:sldMk cId="2488903090" sldId="319"/>
-            <ac:picMk id="5" creationId="{A5B3DEBA-E2B4-478B-9C04-21D9B49774A3}"/>
-          </ac:picMkLst>
-        </pc:picChg>
-        <pc:picChg chg="del">
-          <ac:chgData name="김 재현" userId="e331c24078343b94" providerId="LiveId" clId="{19C9B56C-74E6-4678-B583-1EBFD9EC01EA}" dt="2020-03-19T17:07:27.042" v="12406" actId="478"/>
-          <ac:picMkLst>
-            <pc:docMk/>
-            <pc:sldMk cId="2488903090" sldId="319"/>
-            <ac:picMk id="6" creationId="{665DB7D8-2636-44C9-A18B-8D833A97BB7F}"/>
-          </ac:picMkLst>
-        </pc:picChg>
-        <pc:picChg chg="add del">
-          <ac:chgData name="김 재현" userId="e331c24078343b94" providerId="LiveId" clId="{19C9B56C-74E6-4678-B583-1EBFD9EC01EA}" dt="2020-03-20T15:59:17.495" v="13661"/>
-          <ac:picMkLst>
-            <pc:docMk/>
-            <pc:sldMk cId="2488903090" sldId="319"/>
-            <ac:picMk id="6" creationId="{A4DF5D92-2BE4-467C-AF77-3753C9128936}"/>
-          </ac:picMkLst>
-        </pc:picChg>
-      </pc:sldChg>
-      <pc:sldChg chg="add">
-        <pc:chgData name="김 재현" userId="e331c24078343b94" providerId="LiveId" clId="{19C9B56C-74E6-4678-B583-1EBFD9EC01EA}" dt="2020-03-20T14:23:53.136" v="12408"/>
-        <pc:sldMkLst>
-          <pc:docMk/>
-          <pc:sldMk cId="2435001519" sldId="320"/>
-        </pc:sldMkLst>
-      </pc:sldChg>
-      <pc:sldChg chg="add del">
-        <pc:chgData name="김 재현" userId="e331c24078343b94" providerId="LiveId" clId="{19C9B56C-74E6-4678-B583-1EBFD9EC01EA}" dt="2020-03-20T15:52:18.482" v="13296"/>
-        <pc:sldMkLst>
-          <pc:docMk/>
-          <pc:sldMk cId="1090772570" sldId="321"/>
-        </pc:sldMkLst>
-      </pc:sldChg>
-      <pc:sldChg chg="modSp add modNotesTx">
-        <pc:chgData name="김 재현" userId="e331c24078343b94" providerId="LiveId" clId="{19C9B56C-74E6-4678-B583-1EBFD9EC01EA}" dt="2020-03-20T16:09:27.833" v="14694" actId="20577"/>
-        <pc:sldMkLst>
-          <pc:docMk/>
-          <pc:sldMk cId="1832491869" sldId="321"/>
-        </pc:sldMkLst>
-        <pc:spChg chg="mod">
-          <ac:chgData name="김 재현" userId="e331c24078343b94" providerId="LiveId" clId="{19C9B56C-74E6-4678-B583-1EBFD9EC01EA}" dt="2020-03-20T16:09:27.833" v="14694" actId="20577"/>
-          <ac:spMkLst>
-            <pc:docMk/>
-            <pc:sldMk cId="1832491869" sldId="321"/>
-            <ac:spMk id="2" creationId="{3D3ED797-2CE3-4173-B7A3-AD1CE2266116}"/>
-          </ac:spMkLst>
-        </pc:spChg>
-        <pc:picChg chg="mod">
-          <ac:chgData name="김 재현" userId="e331c24078343b94" providerId="LiveId" clId="{19C9B56C-74E6-4678-B583-1EBFD9EC01EA}" dt="2020-03-20T16:05:02.261" v="14085" actId="1076"/>
-          <ac:picMkLst>
-            <pc:docMk/>
-            <pc:sldMk cId="1832491869" sldId="321"/>
-            <ac:picMk id="3" creationId="{D8194F6E-E92B-4C51-9FB9-285192F3D4EE}"/>
-          </ac:picMkLst>
-        </pc:picChg>
-        <pc:picChg chg="mod">
-          <ac:chgData name="김 재현" userId="e331c24078343b94" providerId="LiveId" clId="{19C9B56C-74E6-4678-B583-1EBFD9EC01EA}" dt="2020-03-20T16:05:05.863" v="14087" actId="1076"/>
-          <ac:picMkLst>
-            <pc:docMk/>
-            <pc:sldMk cId="1832491869" sldId="321"/>
-            <ac:picMk id="5" creationId="{A5B3DEBA-E2B4-478B-9C04-21D9B49774A3}"/>
-          </ac:picMkLst>
-        </pc:picChg>
-      </pc:sldChg>
-      <pc:sldChg chg="add del">
-        <pc:chgData name="김 재현" userId="e331c24078343b94" providerId="LiveId" clId="{19C9B56C-74E6-4678-B583-1EBFD9EC01EA}" dt="2020-03-20T15:54:02.482" v="13300" actId="2696"/>
-        <pc:sldMkLst>
-          <pc:docMk/>
-          <pc:sldMk cId="4127758740" sldId="321"/>
-        </pc:sldMkLst>
-      </pc:sldChg>
-      <pc:sldChg chg="addSp delSp modSp add del modNotesTx">
-        <pc:chgData name="김 재현" userId="e331c24078343b94" providerId="LiveId" clId="{19C9B56C-74E6-4678-B583-1EBFD9EC01EA}" dt="2020-03-20T16:36:29.622" v="15187" actId="20577"/>
-        <pc:sldMkLst>
-          <pc:docMk/>
-          <pc:sldMk cId="2668941675" sldId="322"/>
-        </pc:sldMkLst>
-        <pc:spChg chg="mod">
-          <ac:chgData name="김 재현" userId="e331c24078343b94" providerId="LiveId" clId="{19C9B56C-74E6-4678-B583-1EBFD9EC01EA}" dt="2020-03-20T16:29:33.870" v="14724" actId="20577"/>
-          <ac:spMkLst>
-            <pc:docMk/>
-            <pc:sldMk cId="2668941675" sldId="322"/>
-            <ac:spMk id="2" creationId="{3D3ED797-2CE3-4173-B7A3-AD1CE2266116}"/>
-          </ac:spMkLst>
-        </pc:spChg>
-        <pc:spChg chg="del">
-          <ac:chgData name="김 재현" userId="e331c24078343b94" providerId="LiveId" clId="{19C9B56C-74E6-4678-B583-1EBFD9EC01EA}" dt="2020-03-20T16:29:28.847" v="14720" actId="478"/>
-          <ac:spMkLst>
-            <pc:docMk/>
-            <pc:sldMk cId="2668941675" sldId="322"/>
-            <ac:spMk id="7" creationId="{48FEA967-A8A6-4980-B77C-1E8492C05BDD}"/>
-          </ac:spMkLst>
-        </pc:spChg>
-        <pc:picChg chg="add mod modCrop">
-          <ac:chgData name="김 재현" userId="e331c24078343b94" providerId="LiveId" clId="{19C9B56C-74E6-4678-B583-1EBFD9EC01EA}" dt="2020-03-20T16:30:28.045" v="14748" actId="14100"/>
-          <ac:picMkLst>
-            <pc:docMk/>
-            <pc:sldMk cId="2668941675" sldId="322"/>
-            <ac:picMk id="3" creationId="{F81EDC5E-0C33-4B50-B136-62D915327F9B}"/>
-          </ac:picMkLst>
-        </pc:picChg>
-      </pc:sldChg>
-      <pc:sldChg chg="addSp delSp modSp add modNotesTx">
-        <pc:chgData name="김 재현" userId="e331c24078343b94" providerId="LiveId" clId="{19C9B56C-74E6-4678-B583-1EBFD9EC01EA}" dt="2020-03-20T16:54:19.550" v="16221" actId="20577"/>
-        <pc:sldMkLst>
-          <pc:docMk/>
-          <pc:sldMk cId="4278751852" sldId="323"/>
-        </pc:sldMkLst>
-        <pc:spChg chg="mod">
-          <ac:chgData name="김 재현" userId="e331c24078343b94" providerId="LiveId" clId="{19C9B56C-74E6-4678-B583-1EBFD9EC01EA}" dt="2020-03-20T16:29:36.019" v="14726" actId="20577"/>
-          <ac:spMkLst>
-            <pc:docMk/>
-            <pc:sldMk cId="4278751852" sldId="323"/>
-            <ac:spMk id="2" creationId="{3D3ED797-2CE3-4173-B7A3-AD1CE2266116}"/>
-          </ac:spMkLst>
-        </pc:spChg>
-        <pc:spChg chg="del">
-          <ac:chgData name="김 재현" userId="e331c24078343b94" providerId="LiveId" clId="{19C9B56C-74E6-4678-B583-1EBFD9EC01EA}" dt="2020-03-20T16:36:43.090" v="15188" actId="478"/>
-          <ac:spMkLst>
-            <pc:docMk/>
-            <pc:sldMk cId="4278751852" sldId="323"/>
-            <ac:spMk id="7" creationId="{48FEA967-A8A6-4980-B77C-1E8492C05BDD}"/>
-          </ac:spMkLst>
-        </pc:spChg>
-        <pc:spChg chg="add mod">
-          <ac:chgData name="김 재현" userId="e331c24078343b94" providerId="LiveId" clId="{19C9B56C-74E6-4678-B583-1EBFD9EC01EA}" dt="2020-03-20T16:47:11.019" v="15575" actId="1076"/>
-          <ac:spMkLst>
-            <pc:docMk/>
-            <pc:sldMk cId="4278751852" sldId="323"/>
-            <ac:spMk id="8" creationId="{3B73BC44-3CE3-402E-A298-30BFF9C3F341}"/>
-          </ac:spMkLst>
-        </pc:spChg>
-        <pc:spChg chg="add mod">
-          <ac:chgData name="김 재현" userId="e331c24078343b94" providerId="LiveId" clId="{19C9B56C-74E6-4678-B583-1EBFD9EC01EA}" dt="2020-03-20T16:47:21.049" v="15579" actId="20577"/>
-          <ac:spMkLst>
-            <pc:docMk/>
-            <pc:sldMk cId="4278751852" sldId="323"/>
-            <ac:spMk id="18" creationId="{B6930E6B-6570-4B5E-8477-306B9A95B38F}"/>
-          </ac:spMkLst>
-        </pc:spChg>
-        <pc:spChg chg="add mod">
-          <ac:chgData name="김 재현" userId="e331c24078343b94" providerId="LiveId" clId="{19C9B56C-74E6-4678-B583-1EBFD9EC01EA}" dt="2020-03-20T16:47:32.166" v="15583" actId="20577"/>
-          <ac:spMkLst>
-            <pc:docMk/>
-            <pc:sldMk cId="4278751852" sldId="323"/>
-            <ac:spMk id="19" creationId="{2BED0062-4517-48CF-9017-780073BD56A5}"/>
-          </ac:spMkLst>
-        </pc:spChg>
-        <pc:picChg chg="add mod modCrop">
-          <ac:chgData name="김 재현" userId="e331c24078343b94" providerId="LiveId" clId="{19C9B56C-74E6-4678-B583-1EBFD9EC01EA}" dt="2020-03-20T16:44:26.811" v="15467" actId="1076"/>
-          <ac:picMkLst>
-            <pc:docMk/>
-            <pc:sldMk cId="4278751852" sldId="323"/>
-            <ac:picMk id="3" creationId="{0A06759C-4B9A-4DC1-BCE0-256E58B07F60}"/>
-          </ac:picMkLst>
-        </pc:picChg>
-        <pc:picChg chg="add mod modCrop">
-          <ac:chgData name="김 재현" userId="e331c24078343b94" providerId="LiveId" clId="{19C9B56C-74E6-4678-B583-1EBFD9EC01EA}" dt="2020-03-20T16:44:32.947" v="15469" actId="14100"/>
-          <ac:picMkLst>
-            <pc:docMk/>
-            <pc:sldMk cId="4278751852" sldId="323"/>
-            <ac:picMk id="5" creationId="{1144A6B4-5678-4F9C-A4EB-579E7A20564D}"/>
-          </ac:picMkLst>
-        </pc:picChg>
-        <pc:picChg chg="add mod modCrop">
-          <ac:chgData name="김 재현" userId="e331c24078343b94" providerId="LiveId" clId="{19C9B56C-74E6-4678-B583-1EBFD9EC01EA}" dt="2020-03-20T16:44:36.025" v="15470" actId="1076"/>
-          <ac:picMkLst>
-            <pc:docMk/>
-            <pc:sldMk cId="4278751852" sldId="323"/>
-            <ac:picMk id="6" creationId="{CD8424A4-25F5-462F-9705-B1EBDBE05E23}"/>
-          </ac:picMkLst>
-        </pc:picChg>
-      </pc:sldChg>
-      <pc:sldChg chg="add del">
-        <pc:chgData name="김 재현" userId="e331c24078343b94" providerId="LiveId" clId="{19C9B56C-74E6-4678-B583-1EBFD9EC01EA}" dt="2020-03-20T16:29:31.052" v="14722"/>
-        <pc:sldMkLst>
-          <pc:docMk/>
-          <pc:sldMk cId="1527717863" sldId="324"/>
-        </pc:sldMkLst>
-      </pc:sldChg>
-      <pc:sldChg chg="addSp delSp modSp add modNotesTx">
-        <pc:chgData name="김 재현" userId="e331c24078343b94" providerId="LiveId" clId="{19C9B56C-74E6-4678-B583-1EBFD9EC01EA}" dt="2020-03-21T16:55:31.966" v="18282" actId="1076"/>
-        <pc:sldMkLst>
-          <pc:docMk/>
-          <pc:sldMk cId="2453640813" sldId="324"/>
-        </pc:sldMkLst>
-        <pc:spChg chg="mod">
-          <ac:chgData name="김 재현" userId="e331c24078343b94" providerId="LiveId" clId="{19C9B56C-74E6-4678-B583-1EBFD9EC01EA}" dt="2020-03-20T17:04:44.330" v="16258" actId="1076"/>
-          <ac:spMkLst>
-            <pc:docMk/>
-            <pc:sldMk cId="2453640813" sldId="324"/>
-            <ac:spMk id="2" creationId="{3D3ED797-2CE3-4173-B7A3-AD1CE2266116}"/>
-          </ac:spMkLst>
-        </pc:spChg>
-        <pc:spChg chg="add del mod">
-          <ac:chgData name="김 재현" userId="e331c24078343b94" providerId="LiveId" clId="{19C9B56C-74E6-4678-B583-1EBFD9EC01EA}" dt="2020-03-20T17:05:19.357" v="16264" actId="478"/>
-          <ac:spMkLst>
-            <pc:docMk/>
-            <pc:sldMk cId="2453640813" sldId="324"/>
-            <ac:spMk id="5" creationId="{1F187173-ACB6-4BAA-97B2-47293F6F7A74}"/>
-          </ac:spMkLst>
-        </pc:spChg>
-        <pc:spChg chg="add mod">
-          <ac:chgData name="김 재현" userId="e331c24078343b94" providerId="LiveId" clId="{19C9B56C-74E6-4678-B583-1EBFD9EC01EA}" dt="2020-03-21T16:55:31.966" v="18282" actId="1076"/>
-          <ac:spMkLst>
-            <pc:docMk/>
-            <pc:sldMk cId="2453640813" sldId="324"/>
-            <ac:spMk id="9" creationId="{C4EC2091-7E8C-47DD-913F-0605F58E034B}"/>
-          </ac:spMkLst>
-        </pc:spChg>
-        <pc:picChg chg="del">
-          <ac:chgData name="김 재현" userId="e331c24078343b94" providerId="LiveId" clId="{19C9B56C-74E6-4678-B583-1EBFD9EC01EA}" dt="2020-03-20T16:55:52.932" v="16223" actId="478"/>
-          <ac:picMkLst>
-            <pc:docMk/>
-            <pc:sldMk cId="2453640813" sldId="324"/>
-            <ac:picMk id="3" creationId="{F81EDC5E-0C33-4B50-B136-62D915327F9B}"/>
-          </ac:picMkLst>
-        </pc:picChg>
-        <pc:picChg chg="add del mod">
-          <ac:chgData name="김 재현" userId="e331c24078343b94" providerId="LiveId" clId="{19C9B56C-74E6-4678-B583-1EBFD9EC01EA}" dt="2020-03-20T17:21:57.865" v="16299" actId="478"/>
-          <ac:picMkLst>
-            <pc:docMk/>
-            <pc:sldMk cId="2453640813" sldId="324"/>
-            <ac:picMk id="6" creationId="{72D6F3D6-4084-45A4-8213-2F2A75E1C6B2}"/>
-          </ac:picMkLst>
-        </pc:picChg>
-        <pc:picChg chg="add mod">
-          <ac:chgData name="김 재현" userId="e331c24078343b94" providerId="LiveId" clId="{19C9B56C-74E6-4678-B583-1EBFD9EC01EA}" dt="2020-03-20T17:23:39.160" v="16323" actId="1076"/>
-          <ac:picMkLst>
-            <pc:docMk/>
-            <pc:sldMk cId="2453640813" sldId="324"/>
-            <ac:picMk id="7" creationId="{264CB965-2C92-4E0D-8A7E-61D4C9AB983B}"/>
-          </ac:picMkLst>
-        </pc:picChg>
-        <pc:picChg chg="add mod modCrop">
-          <ac:chgData name="김 재현" userId="e331c24078343b94" providerId="LiveId" clId="{19C9B56C-74E6-4678-B583-1EBFD9EC01EA}" dt="2020-03-20T17:23:37.129" v="16322" actId="1076"/>
-          <ac:picMkLst>
-            <pc:docMk/>
-            <pc:sldMk cId="2453640813" sldId="324"/>
-            <ac:picMk id="8" creationId="{F44A526C-C53B-4458-8C19-1668FE377B78}"/>
-          </ac:picMkLst>
-        </pc:picChg>
-      </pc:sldChg>
-      <pc:sldChg chg="add del">
-        <pc:chgData name="김 재현" userId="e331c24078343b94" providerId="LiveId" clId="{19C9B56C-74E6-4678-B583-1EBFD9EC01EA}" dt="2020-03-20T16:29:38.516" v="14728"/>
-        <pc:sldMkLst>
-          <pc:docMk/>
-          <pc:sldMk cId="3542788003" sldId="324"/>
-        </pc:sldMkLst>
-      </pc:sldChg>
-      <pc:sldChg chg="addSp delSp modSp add">
-        <pc:chgData name="김 재현" userId="e331c24078343b94" providerId="LiveId" clId="{19C9B56C-74E6-4678-B583-1EBFD9EC01EA}" dt="2020-03-20T17:41:52.656" v="16581"/>
-        <pc:sldMkLst>
-          <pc:docMk/>
-          <pc:sldMk cId="2757773068" sldId="325"/>
-        </pc:sldMkLst>
-        <pc:spChg chg="mod">
-          <ac:chgData name="김 재현" userId="e331c24078343b94" providerId="LiveId" clId="{19C9B56C-74E6-4678-B583-1EBFD9EC01EA}" dt="2020-03-20T17:05:42.271" v="16272" actId="20577"/>
-          <ac:spMkLst>
-            <pc:docMk/>
-            <pc:sldMk cId="2757773068" sldId="325"/>
-            <ac:spMk id="2" creationId="{3D3ED797-2CE3-4173-B7A3-AD1CE2266116}"/>
-          </ac:spMkLst>
-        </pc:spChg>
-        <pc:spChg chg="add mod">
-          <ac:chgData name="김 재현" userId="e331c24078343b94" providerId="LiveId" clId="{19C9B56C-74E6-4678-B583-1EBFD9EC01EA}" dt="2020-03-20T17:41:52.656" v="16581"/>
-          <ac:spMkLst>
-            <pc:docMk/>
-            <pc:sldMk cId="2757773068" sldId="325"/>
-            <ac:spMk id="3" creationId="{3BCFCEFC-2D02-4427-8327-2EE035C54DC7}"/>
-          </ac:spMkLst>
-        </pc:spChg>
-        <pc:spChg chg="del mod">
-          <ac:chgData name="김 재현" userId="e331c24078343b94" providerId="LiveId" clId="{19C9B56C-74E6-4678-B583-1EBFD9EC01EA}" dt="2020-03-20T17:05:28.757" v="16268" actId="478"/>
-          <ac:spMkLst>
-            <pc:docMk/>
-            <pc:sldMk cId="2757773068" sldId="325"/>
-            <ac:spMk id="5" creationId="{1F187173-ACB6-4BAA-97B2-47293F6F7A74}"/>
-          </ac:spMkLst>
-        </pc:spChg>
-        <pc:spChg chg="add del">
-          <ac:chgData name="김 재현" userId="e331c24078343b94" providerId="LiveId" clId="{19C9B56C-74E6-4678-B583-1EBFD9EC01EA}" dt="2020-03-20T17:25:51.688" v="16327"/>
-          <ac:spMkLst>
-            <pc:docMk/>
-            <pc:sldMk cId="2757773068" sldId="325"/>
-            <ac:spMk id="6" creationId="{262F6DCE-68A2-451B-8FD7-CF4B3CA96D5E}"/>
-          </ac:spMkLst>
-        </pc:spChg>
-        <pc:spChg chg="add del mod">
-          <ac:chgData name="김 재현" userId="e331c24078343b94" providerId="LiveId" clId="{19C9B56C-74E6-4678-B583-1EBFD9EC01EA}" dt="2020-03-20T17:26:00.825" v="16330" actId="478"/>
-          <ac:spMkLst>
-            <pc:docMk/>
-            <pc:sldMk cId="2757773068" sldId="325"/>
-            <ac:spMk id="7" creationId="{CA5B710F-52FF-489F-AEBD-AA0C89E47229}"/>
-          </ac:spMkLst>
-        </pc:spChg>
-        <pc:spChg chg="add mod">
-          <ac:chgData name="김 재현" userId="e331c24078343b94" providerId="LiveId" clId="{19C9B56C-74E6-4678-B583-1EBFD9EC01EA}" dt="2020-03-20T17:36:37.592" v="16520"/>
-          <ac:spMkLst>
-            <pc:docMk/>
-            <pc:sldMk cId="2757773068" sldId="325"/>
-            <ac:spMk id="18" creationId="{5AE3223B-6157-4782-AEB9-284F572F7DDF}"/>
-          </ac:spMkLst>
-        </pc:spChg>
-        <pc:picChg chg="add mod">
-          <ac:chgData name="김 재현" userId="e331c24078343b94" providerId="LiveId" clId="{19C9B56C-74E6-4678-B583-1EBFD9EC01EA}" dt="2020-03-20T17:36:30.097" v="16514" actId="1076"/>
-          <ac:picMkLst>
-            <pc:docMk/>
-            <pc:sldMk cId="2757773068" sldId="325"/>
-            <ac:picMk id="8" creationId="{52B414E6-F381-4995-8FDE-DC9E0032033A}"/>
-          </ac:picMkLst>
-        </pc:picChg>
-        <pc:picChg chg="add mod modCrop">
-          <ac:chgData name="김 재현" userId="e331c24078343b94" providerId="LiveId" clId="{19C9B56C-74E6-4678-B583-1EBFD9EC01EA}" dt="2020-03-20T17:36:26.170" v="16512" actId="1076"/>
-          <ac:picMkLst>
-            <pc:docMk/>
-            <pc:sldMk cId="2757773068" sldId="325"/>
-            <ac:picMk id="9" creationId="{D0A38FA7-90F8-4BDA-A62E-2FA8F79BC22F}"/>
-          </ac:picMkLst>
-        </pc:picChg>
-      </pc:sldChg>
-      <pc:sldChg chg="addSp delSp modSp add">
-        <pc:chgData name="김 재현" userId="e331c24078343b94" providerId="LiveId" clId="{19C9B56C-74E6-4678-B583-1EBFD9EC01EA}" dt="2020-03-20T17:41:56.993" v="16597"/>
-        <pc:sldMkLst>
-          <pc:docMk/>
-          <pc:sldMk cId="4106071919" sldId="326"/>
-        </pc:sldMkLst>
-        <pc:spChg chg="mod">
-          <ac:chgData name="김 재현" userId="e331c24078343b94" providerId="LiveId" clId="{19C9B56C-74E6-4678-B583-1EBFD9EC01EA}" dt="2020-03-20T17:05:50.960" v="16276" actId="20577"/>
-          <ac:spMkLst>
-            <pc:docMk/>
-            <pc:sldMk cId="4106071919" sldId="326"/>
-            <ac:spMk id="2" creationId="{3D3ED797-2CE3-4173-B7A3-AD1CE2266116}"/>
-          </ac:spMkLst>
-        </pc:spChg>
-        <pc:spChg chg="del">
-          <ac:chgData name="김 재현" userId="e331c24078343b94" providerId="LiveId" clId="{19C9B56C-74E6-4678-B583-1EBFD9EC01EA}" dt="2020-03-20T17:05:37.103" v="16270" actId="478"/>
-          <ac:spMkLst>
-            <pc:docMk/>
-            <pc:sldMk cId="4106071919" sldId="326"/>
-            <ac:spMk id="5" creationId="{1F187173-ACB6-4BAA-97B2-47293F6F7A74}"/>
-          </ac:spMkLst>
-        </pc:spChg>
-        <pc:spChg chg="add mod">
-          <ac:chgData name="김 재현" userId="e331c24078343b94" providerId="LiveId" clId="{19C9B56C-74E6-4678-B583-1EBFD9EC01EA}" dt="2020-03-20T17:37:52.333" v="16539" actId="20577"/>
-          <ac:spMkLst>
-            <pc:docMk/>
-            <pc:sldMk cId="4106071919" sldId="326"/>
-            <ac:spMk id="18" creationId="{5BED8091-C9A3-4443-98F5-A7AF925F0132}"/>
-          </ac:spMkLst>
-        </pc:spChg>
-        <pc:spChg chg="add mod">
-          <ac:chgData name="김 재현" userId="e331c24078343b94" providerId="LiveId" clId="{19C9B56C-74E6-4678-B583-1EBFD9EC01EA}" dt="2020-03-20T17:41:56.993" v="16597"/>
-          <ac:spMkLst>
-            <pc:docMk/>
-            <pc:sldMk cId="4106071919" sldId="326"/>
-            <ac:spMk id="19" creationId="{19B9430C-0088-465F-B244-2C9C1455C836}"/>
-          </ac:spMkLst>
-        </pc:spChg>
-        <pc:picChg chg="add mod">
-          <ac:chgData name="김 재현" userId="e331c24078343b94" providerId="LiveId" clId="{19C9B56C-74E6-4678-B583-1EBFD9EC01EA}" dt="2020-03-20T17:41:00.144" v="16545" actId="1076"/>
-          <ac:picMkLst>
-            <pc:docMk/>
-            <pc:sldMk cId="4106071919" sldId="326"/>
-            <ac:picMk id="3" creationId="{CA09F003-EB85-4CC2-A943-D413A18774C8}"/>
-          </ac:picMkLst>
-        </pc:picChg>
-        <pc:picChg chg="add mod">
-          <ac:chgData name="김 재현" userId="e331c24078343b94" providerId="LiveId" clId="{19C9B56C-74E6-4678-B583-1EBFD9EC01EA}" dt="2020-03-20T17:41:19.568" v="16549" actId="1076"/>
-          <ac:picMkLst>
-            <pc:docMk/>
-            <pc:sldMk cId="4106071919" sldId="326"/>
-            <ac:picMk id="6" creationId="{529AC103-2A3A-4203-B70D-308EE33CEDA5}"/>
-          </ac:picMkLst>
-        </pc:picChg>
-      </pc:sldChg>
-      <pc:sldChg chg="addSp delSp modSp add ord modNotesTx">
-        <pc:chgData name="김 재현" userId="e331c24078343b94" providerId="LiveId" clId="{19C9B56C-74E6-4678-B583-1EBFD9EC01EA}" dt="2020-03-21T16:55:56.458" v="18295" actId="1076"/>
-        <pc:sldMkLst>
-          <pc:docMk/>
-          <pc:sldMk cId="1562730402" sldId="327"/>
-        </pc:sldMkLst>
-        <pc:spChg chg="mod">
-          <ac:chgData name="김 재현" userId="e331c24078343b94" providerId="LiveId" clId="{19C9B56C-74E6-4678-B583-1EBFD9EC01EA}" dt="2020-03-20T18:17:00.477" v="16691" actId="1076"/>
-          <ac:spMkLst>
-            <pc:docMk/>
-            <pc:sldMk cId="1562730402" sldId="327"/>
-            <ac:spMk id="2" creationId="{3D3ED797-2CE3-4173-B7A3-AD1CE2266116}"/>
-          </ac:spMkLst>
-        </pc:spChg>
-        <pc:spChg chg="add mod">
-          <ac:chgData name="김 재현" userId="e331c24078343b94" providerId="LiveId" clId="{19C9B56C-74E6-4678-B583-1EBFD9EC01EA}" dt="2020-03-21T16:55:56.458" v="18295" actId="1076"/>
-          <ac:spMkLst>
-            <pc:docMk/>
-            <pc:sldMk cId="1562730402" sldId="327"/>
-            <ac:spMk id="3" creationId="{448F30D8-EB17-4B9F-B8B1-7943409E6044}"/>
-          </ac:spMkLst>
-        </pc:spChg>
-        <pc:spChg chg="del mod">
-          <ac:chgData name="김 재현" userId="e331c24078343b94" providerId="LiveId" clId="{19C9B56C-74E6-4678-B583-1EBFD9EC01EA}" dt="2020-03-20T17:06:04.785" v="16283" actId="478"/>
-          <ac:spMkLst>
-            <pc:docMk/>
-            <pc:sldMk cId="1562730402" sldId="327"/>
-            <ac:spMk id="5" creationId="{1F187173-ACB6-4BAA-97B2-47293F6F7A74}"/>
-          </ac:spMkLst>
-        </pc:spChg>
-        <pc:spChg chg="add mod">
-          <ac:chgData name="김 재현" userId="e331c24078343b94" providerId="LiveId" clId="{19C9B56C-74E6-4678-B583-1EBFD9EC01EA}" dt="2020-03-20T18:16:54.822" v="16690" actId="1076"/>
-          <ac:spMkLst>
-            <pc:docMk/>
-            <pc:sldMk cId="1562730402" sldId="327"/>
-            <ac:spMk id="18" creationId="{20C90F2E-4BA0-44CC-B463-5501464D9A73}"/>
-          </ac:spMkLst>
-        </pc:spChg>
-      </pc:sldChg>
-      <pc:sldChg chg="addSp delSp modSp add delAnim modAnim modNotesTx">
-        <pc:chgData name="김 재현" userId="e331c24078343b94" providerId="LiveId" clId="{19C9B56C-74E6-4678-B583-1EBFD9EC01EA}" dt="2020-03-20T18:27:47.469" v="17071" actId="1076"/>
-        <pc:sldMkLst>
-          <pc:docMk/>
-          <pc:sldMk cId="3598295233" sldId="328"/>
-        </pc:sldMkLst>
-        <pc:spChg chg="mod">
-          <ac:chgData name="김 재현" userId="e331c24078343b94" providerId="LiveId" clId="{19C9B56C-74E6-4678-B583-1EBFD9EC01EA}" dt="2020-03-20T18:27:47.469" v="17071" actId="1076"/>
-          <ac:spMkLst>
-            <pc:docMk/>
-            <pc:sldMk cId="3598295233" sldId="328"/>
-            <ac:spMk id="2" creationId="{3D3ED797-2CE3-4173-B7A3-AD1CE2266116}"/>
-          </ac:spMkLst>
-        </pc:spChg>
-        <pc:spChg chg="add mod">
-          <ac:chgData name="김 재현" userId="e331c24078343b94" providerId="LiveId" clId="{19C9B56C-74E6-4678-B583-1EBFD9EC01EA}" dt="2020-03-20T18:25:21.956" v="17043" actId="1076"/>
-          <ac:spMkLst>
-            <pc:docMk/>
-            <pc:sldMk cId="3598295233" sldId="328"/>
-            <ac:spMk id="3" creationId="{12257F61-697C-4369-9F09-76ED146E5C46}"/>
-          </ac:spMkLst>
-        </pc:spChg>
-        <pc:spChg chg="del">
-          <ac:chgData name="김 재현" userId="e331c24078343b94" providerId="LiveId" clId="{19C9B56C-74E6-4678-B583-1EBFD9EC01EA}" dt="2020-03-20T17:06:15.073" v="16288" actId="478"/>
-          <ac:spMkLst>
-            <pc:docMk/>
-            <pc:sldMk cId="3598295233" sldId="328"/>
-            <ac:spMk id="5" creationId="{1F187173-ACB6-4BAA-97B2-47293F6F7A74}"/>
-          </ac:spMkLst>
-        </pc:spChg>
-        <pc:spChg chg="add mod">
-          <ac:chgData name="김 재현" userId="e331c24078343b94" providerId="LiveId" clId="{19C9B56C-74E6-4678-B583-1EBFD9EC01EA}" dt="2020-03-20T18:27:32.103" v="17068" actId="13822"/>
-          <ac:spMkLst>
-            <pc:docMk/>
-            <pc:sldMk cId="3598295233" sldId="328"/>
-            <ac:spMk id="6" creationId="{614B5FFD-FC18-47D9-88AB-E6E443266BEE}"/>
-          </ac:spMkLst>
-        </pc:spChg>
-        <pc:spChg chg="add del mod">
-          <ac:chgData name="김 재현" userId="e331c24078343b94" providerId="LiveId" clId="{19C9B56C-74E6-4678-B583-1EBFD9EC01EA}" dt="2020-03-20T18:26:32.441" v="17054" actId="478"/>
-          <ac:spMkLst>
-            <pc:docMk/>
-            <pc:sldMk cId="3598295233" sldId="328"/>
-            <ac:spMk id="7" creationId="{B20C0614-49AE-4E28-BD5B-57C220640F32}"/>
-          </ac:spMkLst>
-        </pc:spChg>
-        <pc:spChg chg="add mod">
-          <ac:chgData name="김 재현" userId="e331c24078343b94" providerId="LiveId" clId="{19C9B56C-74E6-4678-B583-1EBFD9EC01EA}" dt="2020-03-20T18:25:27.020" v="17044" actId="1076"/>
-          <ac:spMkLst>
-            <pc:docMk/>
-            <pc:sldMk cId="3598295233" sldId="328"/>
-            <ac:spMk id="19" creationId="{67ACE86B-21FB-435D-83DD-779B518D5B77}"/>
-          </ac:spMkLst>
-        </pc:spChg>
-        <pc:spChg chg="add del mod">
-          <ac:chgData name="김 재현" userId="e331c24078343b94" providerId="LiveId" clId="{19C9B56C-74E6-4678-B583-1EBFD9EC01EA}" dt="2020-03-20T18:26:56.159" v="17059" actId="478"/>
-          <ac:spMkLst>
-            <pc:docMk/>
-            <pc:sldMk cId="3598295233" sldId="328"/>
-            <ac:spMk id="20" creationId="{99C32E60-F954-453C-A78C-E15C65A87BAC}"/>
-          </ac:spMkLst>
-        </pc:spChg>
-        <pc:picChg chg="add mod modCrop">
-          <ac:chgData name="김 재현" userId="e331c24078343b94" providerId="LiveId" clId="{19C9B56C-74E6-4678-B583-1EBFD9EC01EA}" dt="2020-03-20T18:25:43.471" v="17047" actId="732"/>
-          <ac:picMkLst>
-            <pc:docMk/>
-            <pc:sldMk cId="3598295233" sldId="328"/>
-            <ac:picMk id="18" creationId="{30F8DA25-39A3-454F-997F-8C5DA7A008ED}"/>
-          </ac:picMkLst>
-        </pc:picChg>
-      </pc:sldChg>
-      <pc:sldChg chg="add del">
-        <pc:chgData name="김 재현" userId="e331c24078343b94" providerId="LiveId" clId="{19C9B56C-74E6-4678-B583-1EBFD9EC01EA}" dt="2020-03-20T17:37:34.814" v="16529"/>
-        <pc:sldMkLst>
-          <pc:docMk/>
-          <pc:sldMk cId="2171196329" sldId="329"/>
-        </pc:sldMkLst>
-      </pc:sldChg>
-      <pc:sldChg chg="addSp delSp modSp add modNotesTx">
-        <pc:chgData name="김 재현" userId="e331c24078343b94" providerId="LiveId" clId="{19C9B56C-74E6-4678-B583-1EBFD9EC01EA}" dt="2020-03-20T18:22:18.519" v="16729" actId="20577"/>
-        <pc:sldMkLst>
-          <pc:docMk/>
-          <pc:sldMk cId="3553838450" sldId="329"/>
-        </pc:sldMkLst>
-        <pc:spChg chg="mod">
-          <ac:chgData name="김 재현" userId="e331c24078343b94" providerId="LiveId" clId="{19C9B56C-74E6-4678-B583-1EBFD9EC01EA}" dt="2020-03-20T17:44:16.088" v="16619" actId="14100"/>
-          <ac:spMkLst>
-            <pc:docMk/>
-            <pc:sldMk cId="3553838450" sldId="329"/>
-            <ac:spMk id="2" creationId="{3D3ED797-2CE3-4173-B7A3-AD1CE2266116}"/>
-          </ac:spMkLst>
-        </pc:spChg>
-        <pc:spChg chg="add del">
-          <ac:chgData name="김 재현" userId="e331c24078343b94" providerId="LiveId" clId="{19C9B56C-74E6-4678-B583-1EBFD9EC01EA}" dt="2020-03-20T18:13:54.811" v="16621" actId="478"/>
-          <ac:spMkLst>
-            <pc:docMk/>
-            <pc:sldMk cId="3553838450" sldId="329"/>
-            <ac:spMk id="5" creationId="{49E7C464-110A-459D-9AC0-61B2EFB44A18}"/>
-          </ac:spMkLst>
-        </pc:spChg>
-        <pc:spChg chg="add del">
-          <ac:chgData name="김 재현" userId="e331c24078343b94" providerId="LiveId" clId="{19C9B56C-74E6-4678-B583-1EBFD9EC01EA}" dt="2020-03-20T18:14:00.241" v="16623"/>
-          <ac:spMkLst>
-            <pc:docMk/>
-            <pc:sldMk cId="3553838450" sldId="329"/>
-            <ac:spMk id="7" creationId="{67DB4696-544F-4657-A83E-665AA4959D3B}"/>
-          </ac:spMkLst>
-        </pc:spChg>
-        <pc:spChg chg="add del">
-          <ac:chgData name="김 재현" userId="e331c24078343b94" providerId="LiveId" clId="{19C9B56C-74E6-4678-B583-1EBFD9EC01EA}" dt="2020-03-20T18:14:01.824" v="16625"/>
-          <ac:spMkLst>
-            <pc:docMk/>
-            <pc:sldMk cId="3553838450" sldId="329"/>
-            <ac:spMk id="8" creationId="{84479722-F337-4115-8D7F-675DF452068E}"/>
-          </ac:spMkLst>
-        </pc:spChg>
-        <pc:spChg chg="del">
-          <ac:chgData name="김 재현" userId="e331c24078343b94" providerId="LiveId" clId="{19C9B56C-74E6-4678-B583-1EBFD9EC01EA}" dt="2020-03-20T18:16:05.356" v="16687" actId="478"/>
-          <ac:spMkLst>
-            <pc:docMk/>
-            <pc:sldMk cId="3553838450" sldId="329"/>
-            <ac:spMk id="18" creationId="{5BED8091-C9A3-4443-98F5-A7AF925F0132}"/>
-          </ac:spMkLst>
-        </pc:spChg>
-        <pc:spChg chg="del mod">
-          <ac:chgData name="김 재현" userId="e331c24078343b94" providerId="LiveId" clId="{19C9B56C-74E6-4678-B583-1EBFD9EC01EA}" dt="2020-03-20T18:14:50.807" v="16660"/>
-          <ac:spMkLst>
-            <pc:docMk/>
-            <pc:sldMk cId="3553838450" sldId="329"/>
-            <ac:spMk id="19" creationId="{19B9430C-0088-465F-B244-2C9C1455C836}"/>
-          </ac:spMkLst>
-        </pc:spChg>
-        <pc:picChg chg="mod">
-          <ac:chgData name="김 재현" userId="e331c24078343b94" providerId="LiveId" clId="{19C9B56C-74E6-4678-B583-1EBFD9EC01EA}" dt="2020-03-20T18:20:20.758" v="16696" actId="1076"/>
-          <ac:picMkLst>
-            <pc:docMk/>
-            <pc:sldMk cId="3553838450" sldId="329"/>
-            <ac:picMk id="3" creationId="{CA09F003-EB85-4CC2-A943-D413A18774C8}"/>
-          </ac:picMkLst>
-        </pc:picChg>
-        <pc:picChg chg="mod">
-          <ac:chgData name="김 재현" userId="e331c24078343b94" providerId="LiveId" clId="{19C9B56C-74E6-4678-B583-1EBFD9EC01EA}" dt="2020-03-20T18:20:13.785" v="16693" actId="14826"/>
-          <ac:picMkLst>
-            <pc:docMk/>
-            <pc:sldMk cId="3553838450" sldId="329"/>
-            <ac:picMk id="6" creationId="{529AC103-2A3A-4203-B70D-308EE33CEDA5}"/>
-          </ac:picMkLst>
-        </pc:picChg>
-      </pc:sldChg>
-      <pc:sldChg chg="addSp delSp modSp add modNotesTx">
-        <pc:chgData name="김 재현" userId="e331c24078343b94" providerId="LiveId" clId="{19C9B56C-74E6-4678-B583-1EBFD9EC01EA}" dt="2020-03-20T18:46:01.825" v="18272" actId="20577"/>
-        <pc:sldMkLst>
-          <pc:docMk/>
-          <pc:sldMk cId="3369162311" sldId="330"/>
-        </pc:sldMkLst>
-        <pc:spChg chg="mod">
-          <ac:chgData name="김 재현" userId="e331c24078343b94" providerId="LiveId" clId="{19C9B56C-74E6-4678-B583-1EBFD9EC01EA}" dt="2020-03-20T18:38:43.090" v="17573"/>
-          <ac:spMkLst>
-            <pc:docMk/>
-            <pc:sldMk cId="3369162311" sldId="330"/>
-            <ac:spMk id="2" creationId="{3D3ED797-2CE3-4173-B7A3-AD1CE2266116}"/>
-          </ac:spMkLst>
-        </pc:spChg>
-        <pc:picChg chg="del">
-          <ac:chgData name="김 재현" userId="e331c24078343b94" providerId="LiveId" clId="{19C9B56C-74E6-4678-B583-1EBFD9EC01EA}" dt="2020-03-20T18:37:02.502" v="17555" actId="478"/>
-          <ac:picMkLst>
-            <pc:docMk/>
-            <pc:sldMk cId="3369162311" sldId="330"/>
-            <ac:picMk id="3" creationId="{CA09F003-EB85-4CC2-A943-D413A18774C8}"/>
-          </ac:picMkLst>
-        </pc:picChg>
-        <pc:picChg chg="add del mod">
-          <ac:chgData name="김 재현" userId="e331c24078343b94" providerId="LiveId" clId="{19C9B56C-74E6-4678-B583-1EBFD9EC01EA}" dt="2020-03-20T18:43:33.383" v="17847" actId="478"/>
-          <ac:picMkLst>
-            <pc:docMk/>
-            <pc:sldMk cId="3369162311" sldId="330"/>
-            <ac:picMk id="5" creationId="{00C0A0F9-F070-497F-BAE4-B4E73A5C7859}"/>
-          </ac:picMkLst>
-        </pc:picChg>
-        <pc:picChg chg="del">
-          <ac:chgData name="김 재현" userId="e331c24078343b94" providerId="LiveId" clId="{19C9B56C-74E6-4678-B583-1EBFD9EC01EA}" dt="2020-03-20T18:37:02.848" v="17556" actId="478"/>
-          <ac:picMkLst>
-            <pc:docMk/>
-            <pc:sldMk cId="3369162311" sldId="330"/>
-            <ac:picMk id="6" creationId="{529AC103-2A3A-4203-B70D-308EE33CEDA5}"/>
-          </ac:picMkLst>
-        </pc:picChg>
-        <pc:picChg chg="add del mod">
-          <ac:chgData name="김 재현" userId="e331c24078343b94" providerId="LiveId" clId="{19C9B56C-74E6-4678-B583-1EBFD9EC01EA}" dt="2020-03-20T18:43:35.195" v="17849" actId="478"/>
-          <ac:picMkLst>
-            <pc:docMk/>
-            <pc:sldMk cId="3369162311" sldId="330"/>
-            <ac:picMk id="7" creationId="{87D0EAA4-6765-4517-9202-37EFBEE5052B}"/>
-          </ac:picMkLst>
-        </pc:picChg>
-        <pc:picChg chg="add del mod">
-          <ac:chgData name="김 재현" userId="e331c24078343b94" providerId="LiveId" clId="{19C9B56C-74E6-4678-B583-1EBFD9EC01EA}" dt="2020-03-20T18:43:33.801" v="17848" actId="478"/>
-          <ac:picMkLst>
-            <pc:docMk/>
-            <pc:sldMk cId="3369162311" sldId="330"/>
-            <ac:picMk id="8" creationId="{DFCF8795-6944-4F2E-9CFA-AF488A680381}"/>
-          </ac:picMkLst>
-        </pc:picChg>
-        <pc:picChg chg="add mod">
-          <ac:chgData name="김 재현" userId="e331c24078343b94" providerId="LiveId" clId="{19C9B56C-74E6-4678-B583-1EBFD9EC01EA}" dt="2020-03-20T18:43:46.435" v="17852" actId="1076"/>
-          <ac:picMkLst>
-            <pc:docMk/>
-            <pc:sldMk cId="3369162311" sldId="330"/>
-            <ac:picMk id="9" creationId="{103CB43C-9506-4CA0-A1BA-C45F35BC338C}"/>
-          </ac:picMkLst>
-        </pc:picChg>
-      </pc:sldChg>
-      <pc:sldChg chg="addSp delSp modSp add ord modNotesTx">
-        <pc:chgData name="김 재현" userId="e331c24078343b94" providerId="LiveId" clId="{19C9B56C-74E6-4678-B583-1EBFD9EC01EA}" dt="2020-03-20T18:45:56.306" v="18265" actId="20577"/>
-        <pc:sldMkLst>
-          <pc:docMk/>
-          <pc:sldMk cId="1467157103" sldId="331"/>
-        </pc:sldMkLst>
-        <pc:spChg chg="del">
-          <ac:chgData name="김 재현" userId="e331c24078343b94" providerId="LiveId" clId="{19C9B56C-74E6-4678-B583-1EBFD9EC01EA}" dt="2020-03-20T18:39:59.866" v="17596" actId="478"/>
-          <ac:spMkLst>
-            <pc:docMk/>
-            <pc:sldMk cId="1467157103" sldId="331"/>
-            <ac:spMk id="2" creationId="{3D3ED797-2CE3-4173-B7A3-AD1CE2266116}"/>
-          </ac:spMkLst>
-        </pc:spChg>
-        <pc:spChg chg="add mod">
-          <ac:chgData name="김 재현" userId="e331c24078343b94" providerId="LiveId" clId="{19C9B56C-74E6-4678-B583-1EBFD9EC01EA}" dt="2020-03-20T18:43:29.880" v="17846" actId="207"/>
-          <ac:spMkLst>
-            <pc:docMk/>
-            <pc:sldMk cId="1467157103" sldId="331"/>
-            <ac:spMk id="3" creationId="{9BA79138-C4BF-4B67-867B-88B69387306B}"/>
-          </ac:spMkLst>
-        </pc:spChg>
-        <pc:spChg chg="add del mod">
-          <ac:chgData name="김 재현" userId="e331c24078343b94" providerId="LiveId" clId="{19C9B56C-74E6-4678-B583-1EBFD9EC01EA}" dt="2020-03-20T18:42:58.134" v="17843" actId="478"/>
-          <ac:spMkLst>
-            <pc:docMk/>
-            <pc:sldMk cId="1467157103" sldId="331"/>
-            <ac:spMk id="6" creationId="{82065FE6-D768-4662-B1C5-DE0EF2346AE0}"/>
-          </ac:spMkLst>
-        </pc:spChg>
-        <pc:spChg chg="add mod">
-          <ac:chgData name="김 재현" userId="e331c24078343b94" providerId="LiveId" clId="{19C9B56C-74E6-4678-B583-1EBFD9EC01EA}" dt="2020-03-20T18:43:29.880" v="17846" actId="207"/>
-          <ac:spMkLst>
-            <pc:docMk/>
-            <pc:sldMk cId="1467157103" sldId="331"/>
-            <ac:spMk id="18" creationId="{981F1C5B-60FC-4E06-99DC-3503C28A2886}"/>
-          </ac:spMkLst>
-        </pc:spChg>
-        <pc:spChg chg="add ord">
-          <ac:chgData name="김 재현" userId="e331c24078343b94" providerId="LiveId" clId="{19C9B56C-74E6-4678-B583-1EBFD9EC01EA}" dt="2020-03-20T18:43:21.937" v="17845" actId="167"/>
-          <ac:spMkLst>
-            <pc:docMk/>
-            <pc:sldMk cId="1467157103" sldId="331"/>
-            <ac:spMk id="20" creationId="{ACA524B1-622A-4B10-89D3-8173ACEBEE00}"/>
-          </ac:spMkLst>
-        </pc:spChg>
-        <pc:picChg chg="mod modCrop">
-          <ac:chgData name="김 재현" userId="e331c24078343b94" providerId="LiveId" clId="{19C9B56C-74E6-4678-B583-1EBFD9EC01EA}" dt="2020-03-20T18:41:07.677" v="17656" actId="1076"/>
-          <ac:picMkLst>
-            <pc:docMk/>
-            <pc:sldMk cId="1467157103" sldId="331"/>
-            <ac:picMk id="5" creationId="{00C0A0F9-F070-497F-BAE4-B4E73A5C7859}"/>
-          </ac:picMkLst>
-        </pc:picChg>
-        <pc:picChg chg="mod modCrop">
-          <ac:chgData name="김 재현" userId="e331c24078343b94" providerId="LiveId" clId="{19C9B56C-74E6-4678-B583-1EBFD9EC01EA}" dt="2020-03-20T18:41:11.212" v="17657" actId="1076"/>
-          <ac:picMkLst>
-            <pc:docMk/>
-            <pc:sldMk cId="1467157103" sldId="331"/>
-            <ac:picMk id="7" creationId="{87D0EAA4-6765-4517-9202-37EFBEE5052B}"/>
-          </ac:picMkLst>
-        </pc:picChg>
-        <pc:picChg chg="mod modCrop">
-          <ac:chgData name="김 재현" userId="e331c24078343b94" providerId="LiveId" clId="{19C9B56C-74E6-4678-B583-1EBFD9EC01EA}" dt="2020-03-20T18:41:13.867" v="17658" actId="14100"/>
-          <ac:picMkLst>
-            <pc:docMk/>
-            <pc:sldMk cId="1467157103" sldId="331"/>
-            <ac:picMk id="8" creationId="{DFCF8795-6944-4F2E-9CFA-AF488A680381}"/>
-          </ac:picMkLst>
-        </pc:picChg>
-        <pc:picChg chg="del">
-          <ac:chgData name="김 재현" userId="e331c24078343b94" providerId="LiveId" clId="{19C9B56C-74E6-4678-B583-1EBFD9EC01EA}" dt="2020-03-20T18:39:09.390" v="17577" actId="478"/>
-          <ac:picMkLst>
-            <pc:docMk/>
-            <pc:sldMk cId="1467157103" sldId="331"/>
-            <ac:picMk id="9" creationId="{103CB43C-9506-4CA0-A1BA-C45F35BC338C}"/>
-          </ac:picMkLst>
-        </pc:picChg>
-      </pc:sldChg>
-    </pc:docChg>
-  </pc:docChgLst>
 </pc:chgInfo>
 </file>
 
@@ -4643,7 +4643,7 @@
           <a:p>
             <a:fld id="{C4CE36E0-1C92-4702-A79B-A725055E1519}" type="datetimeFigureOut">
               <a:rPr lang="ko-KR" altLang="en-US" smtClean="0"/>
-              <a:t>2020-03-28</a:t>
+              <a:t>2020-06-26</a:t>
             </a:fld>
             <a:endParaRPr lang="ko-KR" altLang="en-US"/>
           </a:p>
@@ -8412,21 +8412,59 @@
           <a:p>
             <a:r>
               <a:rPr lang="ko-KR" altLang="en-US" dirty="0"/>
-              <a:t>전체 너비</a:t>
+              <a:t>전체 너비 </a:t>
             </a:r>
             <a:r>
               <a:rPr lang="en-US" altLang="ko-KR" dirty="0"/>
-              <a:t>width + left padding + right padding + left border + right border + left margin + right margin</a:t>
-            </a:r>
-          </a:p>
-          <a:p>
+              <a:t>(content</a:t>
+            </a:r>
             <a:r>
               <a:rPr lang="ko-KR" altLang="en-US" dirty="0"/>
-              <a:t>전체 높이</a:t>
+              <a:t>의</a:t>
             </a:r>
             <a:r>
               <a:rPr lang="en-US" altLang="ko-KR" dirty="0"/>
-              <a:t>height + top padding + bottom padding + top border + bottom border + top margin + bottom margin</a:t>
+              <a:t>) width + left padding + right padding + left border + right border + left margin + right margin</a:t>
+            </a:r>
+          </a:p>
+          <a:p>
+            <a:r>
+              <a:rPr lang="ko-KR" altLang="en-US" dirty="0"/>
+              <a:t>전체 높이 </a:t>
+            </a:r>
+            <a:r>
+              <a:rPr lang="en-US" altLang="ko-KR" dirty="0"/>
+              <a:t>(content</a:t>
+            </a:r>
+            <a:r>
+              <a:rPr lang="ko-KR" altLang="en-US" dirty="0"/>
+              <a:t>의</a:t>
+            </a:r>
+            <a:r>
+              <a:rPr lang="en-US" altLang="ko-KR" dirty="0"/>
+              <a:t>) height + top padding + bottom padding + top border + bottom border + top margin + bottom margin</a:t>
+            </a:r>
+          </a:p>
+          <a:p>
+            <a:r>
+              <a:rPr lang="en-US" altLang="ko-KR" dirty="0"/>
+              <a:t>(</a:t>
+            </a:r>
+            <a:r>
+              <a:rPr lang="ko-KR" altLang="en-US" dirty="0"/>
+              <a:t>헷갈리면 </a:t>
+            </a:r>
+            <a:r>
+              <a:rPr lang="en-US" altLang="ko-KR" dirty="0"/>
+              <a:t>17</a:t>
+            </a:r>
+            <a:r>
+              <a:rPr lang="ko-KR" altLang="en-US" dirty="0"/>
+              <a:t>번 슬라이드 두번째 그림 참고</a:t>
+            </a:r>
+            <a:r>
+              <a:rPr lang="en-US" altLang="ko-KR" dirty="0"/>
+              <a:t>)</a:t>
             </a:r>
           </a:p>
           <a:p>
@@ -10574,7 +10612,19 @@
                 <a:ea typeface="+mn-ea"/>
                 <a:cs typeface="+mn-cs"/>
               </a:rPr>
-              <a:t>수업 시간이 한정적이라서 그러지 못하는 점 이해해주세요</a:t>
+              <a:t>수업 시간이 한정적이라서 그러지 못하는 점 </a:t>
+            </a:r>
+            <a:r>
+              <a:rPr lang="ko-KR" altLang="en-US" sz="1200" b="0" i="0" kern="1200" dirty="0" err="1">
+                <a:solidFill>
+                  <a:schemeClr val="tx1"/>
+                </a:solidFill>
+                <a:effectLst/>
+                <a:latin typeface="+mn-lt"/>
+                <a:ea typeface="+mn-ea"/>
+                <a:cs typeface="+mn-cs"/>
+              </a:rPr>
+              <a:t>이해해주세요ㅠㅠ</a:t>
             </a:r>
             <a:endParaRPr lang="en-US" altLang="ko-KR" sz="1200" b="0" i="0" kern="1200" dirty="0">
               <a:solidFill>
@@ -10702,7 +10752,43 @@
                 <a:ea typeface="+mn-ea"/>
                 <a:cs typeface="+mn-cs"/>
               </a:rPr>
-              <a:t> 못하거든요 그래서 거의 편하게 </a:t>
+              <a:t> </a:t>
+            </a:r>
+            <a:r>
+              <a:rPr lang="ko-KR" altLang="en-US" sz="1200" b="0" i="0" kern="1200" dirty="0" err="1">
+                <a:solidFill>
+                  <a:schemeClr val="tx1"/>
+                </a:solidFill>
+                <a:effectLst/>
+                <a:latin typeface="+mn-lt"/>
+                <a:ea typeface="+mn-ea"/>
+                <a:cs typeface="+mn-cs"/>
+              </a:rPr>
+              <a:t>못참아요</a:t>
+            </a:r>
+            <a:r>
+              <a:rPr lang="en-US" altLang="ko-KR" sz="1200" b="0" i="0" kern="1200" dirty="0">
+                <a:solidFill>
+                  <a:schemeClr val="tx1"/>
+                </a:solidFill>
+                <a:effectLst/>
+                <a:latin typeface="+mn-lt"/>
+                <a:ea typeface="+mn-ea"/>
+                <a:cs typeface="+mn-cs"/>
+              </a:rPr>
+              <a:t>,,</a:t>
+            </a:r>
+            <a:r>
+              <a:rPr lang="ko-KR" altLang="en-US" sz="1200" b="0" i="0" kern="1200" dirty="0">
+                <a:solidFill>
+                  <a:schemeClr val="tx1"/>
+                </a:solidFill>
+                <a:effectLst/>
+                <a:latin typeface="+mn-lt"/>
+                <a:ea typeface="+mn-ea"/>
+                <a:cs typeface="+mn-cs"/>
+              </a:rPr>
+              <a:t> 그래서 거의 편하게 </a:t>
             </a:r>
             <a:r>
               <a:rPr lang="ko-KR" altLang="en-US" sz="1200" b="0" i="0" kern="1200" dirty="0" err="1">
@@ -10845,7 +10931,7 @@
                 <a:ea typeface="+mn-ea"/>
                 <a:cs typeface="+mn-cs"/>
               </a:rPr>
-              <a:t>border width style color </a:t>
+              <a:t>border width  border style  border color </a:t>
             </a:r>
             <a:r>
               <a:rPr lang="ko-KR" altLang="en-US" sz="1200" b="0" i="0" kern="1200" dirty="0" err="1">
@@ -11578,7 +11664,7 @@
           <a:p>
             <a:r>
               <a:rPr lang="en-US" altLang="ko-KR" dirty="0"/>
-              <a:t>Content-box(</a:t>
+              <a:t>Box-sizing : Content-box; (</a:t>
             </a:r>
             <a:r>
               <a:rPr lang="ko-KR" altLang="en-US" dirty="0"/>
@@ -11590,7 +11676,7 @@
             </a:r>
             <a:r>
               <a:rPr lang="ko-KR" altLang="en-US" dirty="0"/>
-              <a:t>은 파란색이 </a:t>
+              <a:t>는 파란색이 </a:t>
             </a:r>
             <a:r>
               <a:rPr lang="en-US" altLang="ko-KR" dirty="0"/>
@@ -11602,11 +11688,153 @@
             </a:r>
             <a:r>
               <a:rPr lang="en-US" altLang="ko-KR" dirty="0"/>
-              <a:t>padding + border </a:t>
+              <a:t>left,</a:t>
             </a:r>
             <a:r>
               <a:rPr lang="ko-KR" altLang="en-US" dirty="0"/>
-              <a:t>해서 전체 너비</a:t>
+              <a:t> </a:t>
+            </a:r>
+            <a:r>
+              <a:rPr lang="en-US" altLang="ko-KR" dirty="0"/>
+              <a:t>right</a:t>
+            </a:r>
+            <a:r>
+              <a:rPr lang="ko-KR" altLang="en-US" dirty="0"/>
+              <a:t> </a:t>
+            </a:r>
+            <a:r>
+              <a:rPr lang="en-US" altLang="ko-KR" dirty="0"/>
+              <a:t>padding +left, right border + left, right margin </a:t>
+            </a:r>
+            <a:r>
+              <a:rPr lang="ko-KR" altLang="en-US" dirty="0"/>
+              <a:t>해서 전체 너비가 </a:t>
+            </a:r>
+            <a:r>
+              <a:rPr lang="en-US" altLang="ko-KR" dirty="0"/>
+              <a:t>160</a:t>
+            </a:r>
+            <a:r>
+              <a:rPr lang="ko-KR" altLang="en-US" dirty="0"/>
+              <a:t>이죠 </a:t>
+            </a:r>
+            <a:r>
+              <a:rPr lang="en-US" altLang="ko-KR" dirty="0"/>
+              <a:t>(</a:t>
+            </a:r>
+            <a:r>
+              <a:rPr lang="ko-KR" altLang="en-US" dirty="0"/>
+              <a:t>높이도 동일</a:t>
+            </a:r>
+            <a:r>
+              <a:rPr lang="en-US" altLang="ko-KR" dirty="0"/>
+              <a:t>)</a:t>
+            </a:r>
+          </a:p>
+          <a:p>
+            <a:r>
+              <a:rPr lang="en-US" altLang="ko-KR" dirty="0"/>
+              <a:t>Box-sizing : Border-box; </a:t>
+            </a:r>
+            <a:r>
+              <a:rPr lang="ko-KR" altLang="en-US" dirty="0"/>
+              <a:t>는 파란색이 </a:t>
+            </a:r>
+            <a:r>
+              <a:rPr lang="en-US" altLang="ko-KR" dirty="0"/>
+              <a:t>60 x 60 left,</a:t>
+            </a:r>
+            <a:r>
+              <a:rPr lang="ko-KR" altLang="en-US" dirty="0"/>
+              <a:t> </a:t>
+            </a:r>
+            <a:r>
+              <a:rPr lang="en-US" altLang="ko-KR" dirty="0"/>
+              <a:t>right</a:t>
+            </a:r>
+            <a:r>
+              <a:rPr lang="ko-KR" altLang="en-US" dirty="0"/>
+              <a:t> </a:t>
+            </a:r>
+            <a:r>
+              <a:rPr lang="en-US" altLang="ko-KR" dirty="0"/>
+              <a:t>padding +left, right border + left, right margin </a:t>
+            </a:r>
+            <a:r>
+              <a:rPr lang="ko-KR" altLang="en-US" dirty="0"/>
+              <a:t>해서 전체</a:t>
+            </a:r>
+            <a:r>
+              <a:rPr lang="en-US" altLang="ko-KR" dirty="0"/>
+              <a:t> </a:t>
+            </a:r>
+            <a:r>
+              <a:rPr lang="ko-KR" altLang="en-US" dirty="0"/>
+              <a:t>너비가 </a:t>
+            </a:r>
+            <a:r>
+              <a:rPr lang="en-US" altLang="ko-KR" dirty="0"/>
+              <a:t>120</a:t>
+            </a:r>
+            <a:r>
+              <a:rPr lang="ko-KR" altLang="en-US" dirty="0"/>
+              <a:t>이죠 </a:t>
+            </a:r>
+            <a:r>
+              <a:rPr lang="en-US" altLang="ko-KR" dirty="0"/>
+              <a:t>(</a:t>
+            </a:r>
+            <a:r>
+              <a:rPr lang="ko-KR" altLang="en-US" dirty="0"/>
+              <a:t>높이도 동일</a:t>
+            </a:r>
+            <a:r>
+              <a:rPr lang="en-US" altLang="ko-KR" dirty="0"/>
+              <a:t>)</a:t>
+            </a:r>
+          </a:p>
+          <a:p>
+            <a:r>
+              <a:rPr lang="ko-KR" altLang="en-US" dirty="0"/>
+              <a:t>여기서 마진을 </a:t>
+            </a:r>
+            <a:r>
+              <a:rPr lang="en-US" altLang="ko-KR" dirty="0"/>
+              <a:t>0</a:t>
+            </a:r>
+            <a:r>
+              <a:rPr lang="ko-KR" altLang="en-US" dirty="0"/>
+              <a:t>으로 지정하고 </a:t>
+            </a:r>
+            <a:r>
+              <a:rPr lang="en-US" altLang="ko-KR" dirty="0"/>
+              <a:t>(</a:t>
+            </a:r>
+            <a:r>
+              <a:rPr lang="ko-KR" altLang="en-US" dirty="0"/>
+              <a:t>마진을 빼고 계산</a:t>
+            </a:r>
+            <a:r>
+              <a:rPr lang="en-US" altLang="ko-KR" dirty="0"/>
+              <a:t>)</a:t>
+            </a:r>
+          </a:p>
+          <a:p>
+            <a:r>
+              <a:rPr lang="en-US" altLang="ko-KR" dirty="0"/>
+              <a:t>border-box</a:t>
+            </a:r>
+            <a:r>
+              <a:rPr lang="ko-KR" altLang="en-US" dirty="0"/>
+              <a:t>하면 내가 </a:t>
+            </a:r>
+            <a:r>
+              <a:rPr lang="en-US" altLang="ko-KR" dirty="0"/>
+              <a:t>width / height</a:t>
+            </a:r>
+            <a:r>
+              <a:rPr lang="ko-KR" altLang="en-US" dirty="0"/>
+              <a:t>로 지정한 값이 전체 너비</a:t>
             </a:r>
             <a:r>
               <a:rPr lang="en-US" altLang="ko-KR" dirty="0"/>
@@ -11614,93 +11842,11 @@
             </a:r>
             <a:r>
               <a:rPr lang="ko-KR" altLang="en-US" dirty="0"/>
-              <a:t>전체 높이가 </a:t>
-            </a:r>
-            <a:r>
-              <a:rPr lang="en-US" altLang="ko-KR" dirty="0"/>
-              <a:t>140</a:t>
-            </a:r>
-            <a:r>
-              <a:rPr lang="ko-KR" altLang="en-US" dirty="0"/>
-              <a:t>이죠</a:t>
-            </a:r>
-            <a:endParaRPr lang="en-US" altLang="ko-KR" dirty="0"/>
-          </a:p>
-          <a:p>
-            <a:r>
-              <a:rPr lang="en-US" altLang="ko-KR" dirty="0"/>
-              <a:t>Border-box</a:t>
-            </a:r>
-            <a:r>
-              <a:rPr lang="ko-KR" altLang="en-US" dirty="0"/>
-              <a:t>는 파란색이 </a:t>
-            </a:r>
-            <a:r>
-              <a:rPr lang="en-US" altLang="ko-KR" dirty="0"/>
-              <a:t>60 x 60 padding + border </a:t>
-            </a:r>
-            <a:r>
-              <a:rPr lang="ko-KR" altLang="en-US" dirty="0"/>
-              <a:t>해서 전체</a:t>
-            </a:r>
-            <a:r>
-              <a:rPr lang="en-US" altLang="ko-KR" dirty="0"/>
-              <a:t> </a:t>
-            </a:r>
-            <a:r>
-              <a:rPr lang="ko-KR" altLang="en-US" dirty="0"/>
-              <a:t>너비</a:t>
-            </a:r>
-            <a:r>
-              <a:rPr lang="en-US" altLang="ko-KR" dirty="0"/>
-              <a:t>, </a:t>
-            </a:r>
-            <a:r>
-              <a:rPr lang="ko-KR" altLang="en-US" dirty="0"/>
-              <a:t>전체 높이가 </a:t>
-            </a:r>
-            <a:r>
-              <a:rPr lang="en-US" altLang="ko-KR" dirty="0"/>
-              <a:t>100</a:t>
-            </a:r>
-            <a:r>
-              <a:rPr lang="ko-KR" altLang="en-US" dirty="0"/>
-              <a:t>이죠</a:t>
-            </a:r>
-            <a:endParaRPr lang="en-US" altLang="ko-KR" dirty="0"/>
-          </a:p>
-          <a:p>
-            <a:r>
-              <a:rPr lang="ko-KR" altLang="en-US" dirty="0"/>
-              <a:t>그래서 한마디로 </a:t>
-            </a:r>
-            <a:r>
-              <a:rPr lang="en-US" altLang="ko-KR" dirty="0"/>
-              <a:t>border-box</a:t>
-            </a:r>
-            <a:r>
-              <a:rPr lang="ko-KR" altLang="en-US" dirty="0"/>
-              <a:t>하면 내가 </a:t>
-            </a:r>
-            <a:r>
-              <a:rPr lang="en-US" altLang="ko-KR" dirty="0"/>
-              <a:t>width / height</a:t>
-            </a:r>
-            <a:r>
-              <a:rPr lang="ko-KR" altLang="en-US" dirty="0"/>
-              <a:t>로 지정한 값이 전체 너비</a:t>
-            </a:r>
-            <a:r>
-              <a:rPr lang="en-US" altLang="ko-KR" dirty="0"/>
-              <a:t>, </a:t>
-            </a:r>
-            <a:r>
-              <a:rPr lang="ko-KR" altLang="en-US" dirty="0"/>
               <a:t>전체 높이가 된다는 </a:t>
             </a:r>
             <a:r>
               <a:rPr lang="ko-KR" altLang="en-US" dirty="0" err="1"/>
-              <a:t>말이에요</a:t>
+              <a:t>말이에오</a:t>
             </a:r>
             <a:endParaRPr lang="en-US" altLang="ko-KR" dirty="0"/>
           </a:p>
@@ -35920,7 +36066,7 @@
           <p:nvPr/>
         </p:nvPicPr>
         <p:blipFill>
-          <a:blip r:embed="rId3">
+          <a:blip r:embed="rId3" cstate="print">
             <a:extLst>
               <a:ext uri="{28A0092B-C50C-407E-A947-70E740481C1C}">
                 <a14:useLocalDpi xmlns:a14="http://schemas.microsoft.com/office/drawing/2010/main" val="0"/>

--- a/IWOP CSS LECTRUES/IWOP_CSS_2.pptx
+++ b/IWOP CSS LECTRUES/IWOP_CSS_2.pptx
@@ -5195,6 +5195,9 @@
               </a:rPr>
               <a:t>. </a:t>
             </a:r>
+          </a:p>
+          <a:p>
+            <a:pPr fontAlgn="base"/>
             <a:r>
               <a:rPr lang="ko-KR" altLang="en-US" sz="1200" b="0" i="0" kern="1200" dirty="0">
                 <a:solidFill>
@@ -5343,17 +5346,68 @@
                 <a:ea typeface="+mn-ea"/>
                 <a:cs typeface="+mn-cs"/>
               </a:rPr>
-              <a:t>은 상속되므로 주의해야 한다</a:t>
-            </a:r>
-            <a:endParaRPr lang="en-US" altLang="ko-KR" sz="1200" b="0" i="0" kern="1200" dirty="0">
-              <a:solidFill>
-                <a:schemeClr val="tx1"/>
-              </a:solidFill>
-              <a:effectLst/>
-              <a:latin typeface="+mn-lt"/>
-              <a:ea typeface="+mn-ea"/>
-              <a:cs typeface="+mn-cs"/>
-            </a:endParaRPr>
+              <a:t>은 상속되므로 주의해야 한다 </a:t>
+            </a:r>
+            <a:r>
+              <a:rPr lang="en-US" altLang="ko-KR" sz="1200" b="0" i="0" kern="1200" dirty="0">
+                <a:solidFill>
+                  <a:schemeClr val="tx1"/>
+                </a:solidFill>
+                <a:effectLst/>
+                <a:latin typeface="+mn-lt"/>
+                <a:ea typeface="+mn-ea"/>
+                <a:cs typeface="+mn-cs"/>
+              </a:rPr>
+              <a:t>(</a:t>
+            </a:r>
+            <a:r>
+              <a:rPr lang="ko-KR" altLang="en-US" sz="1200" b="0" i="0" kern="1200" dirty="0">
+                <a:solidFill>
+                  <a:schemeClr val="tx1"/>
+                </a:solidFill>
+                <a:effectLst/>
+                <a:latin typeface="+mn-lt"/>
+                <a:ea typeface="+mn-ea"/>
+                <a:cs typeface="+mn-cs"/>
+              </a:rPr>
+              <a:t>상속 </a:t>
+            </a:r>
+            <a:r>
+              <a:rPr lang="en-US" altLang="ko-KR" sz="1200" b="0" i="0" kern="1200" dirty="0">
+                <a:solidFill>
+                  <a:schemeClr val="tx1"/>
+                </a:solidFill>
+                <a:effectLst/>
+                <a:latin typeface="+mn-lt"/>
+                <a:ea typeface="+mn-ea"/>
+                <a:cs typeface="+mn-cs"/>
+              </a:rPr>
+              <a:t>-&gt; </a:t>
+            </a:r>
+            <a:r>
+              <a:rPr lang="ko-KR" altLang="en-US" sz="1200" b="0" i="0" kern="1200" dirty="0">
+                <a:solidFill>
+                  <a:schemeClr val="tx1"/>
+                </a:solidFill>
+                <a:effectLst/>
+                <a:latin typeface="+mn-lt"/>
+                <a:ea typeface="+mn-ea"/>
+                <a:cs typeface="+mn-cs"/>
+              </a:rPr>
+              <a:t>후손에게 같은 값이 적용된다</a:t>
+            </a:r>
+            <a:r>
+              <a:rPr lang="en-US" altLang="ko-KR" sz="1200" b="0" i="0" kern="1200" dirty="0">
+                <a:solidFill>
+                  <a:schemeClr val="tx1"/>
+                </a:solidFill>
+                <a:effectLst/>
+                <a:latin typeface="+mn-lt"/>
+                <a:ea typeface="+mn-ea"/>
+                <a:cs typeface="+mn-cs"/>
+              </a:rPr>
+              <a:t>)</a:t>
+            </a:r>
           </a:p>
           <a:p>
             <a:pPr fontAlgn="base"/>
@@ -6068,7 +6122,6 @@
               <a:rPr lang="ko-KR" altLang="en-US" dirty="0"/>
               <a:t>에서 색상 표현하는게 되게 다양해요</a:t>
             </a:r>
-            <a:endParaRPr lang="en-US" altLang="ko-KR" dirty="0"/>
           </a:p>
           <a:p>
             <a:r>
@@ -6097,22 +6150,11 @@
             </a:r>
             <a:r>
               <a:rPr lang="ko-KR" altLang="en-US" dirty="0"/>
-              <a:t>랑 그냥 색상 키워드는 알고 있으면 좋아서 </a:t>
-            </a:r>
-            <a:r>
-              <a:rPr lang="ko-KR" altLang="en-US" dirty="0" err="1"/>
-              <a:t>알아볼게요</a:t>
-            </a:r>
-            <a:endParaRPr lang="en-US" altLang="ko-KR" dirty="0"/>
-          </a:p>
-          <a:p>
-            <a:r>
-              <a:rPr lang="ko-KR" altLang="en-US" dirty="0"/>
-              <a:t>저랑 같이</a:t>
+              <a:t>랑 그냥 색상 키워드는 알고 있으면 좋아요</a:t>
             </a:r>
             <a:r>
               <a:rPr lang="en-US" altLang="ko-KR" dirty="0"/>
-              <a:t>.</a:t>
+              <a:t>,,</a:t>
             </a:r>
             <a:endParaRPr lang="ko-KR" altLang="en-US" dirty="0"/>
           </a:p>
